--- a/Qualitätssicherung für KI-Systeme.pptx
+++ b/Qualitätssicherung für KI-Systeme.pptx
@@ -5,10 +5,10 @@
     <p:sldMasterId id="2147483648" r:id="rId3"/>
   </p:sldMasterIdLst>
   <p:notesMasterIdLst>
-    <p:notesMasterId r:id="rId16"/>
+    <p:notesMasterId r:id="rId24"/>
   </p:notesMasterIdLst>
   <p:handoutMasterIdLst>
-    <p:handoutMasterId r:id="rId17"/>
+    <p:handoutMasterId r:id="rId25"/>
   </p:handoutMasterIdLst>
   <p:sldIdLst>
     <p:sldId id="298" r:id="rId4"/>
@@ -17,12 +17,20 @@
     <p:sldId id="299" r:id="rId7"/>
     <p:sldId id="301" r:id="rId8"/>
     <p:sldId id="300" r:id="rId9"/>
-    <p:sldId id="293" r:id="rId10"/>
-    <p:sldId id="294" r:id="rId11"/>
-    <p:sldId id="295" r:id="rId12"/>
-    <p:sldId id="285" r:id="rId13"/>
-    <p:sldId id="296" r:id="rId14"/>
-    <p:sldId id="281" r:id="rId15"/>
+    <p:sldId id="302" r:id="rId10"/>
+    <p:sldId id="303" r:id="rId11"/>
+    <p:sldId id="304" r:id="rId12"/>
+    <p:sldId id="305" r:id="rId13"/>
+    <p:sldId id="306" r:id="rId14"/>
+    <p:sldId id="307" r:id="rId15"/>
+    <p:sldId id="310" r:id="rId16"/>
+    <p:sldId id="309" r:id="rId17"/>
+    <p:sldId id="293" r:id="rId18"/>
+    <p:sldId id="294" r:id="rId19"/>
+    <p:sldId id="295" r:id="rId20"/>
+    <p:sldId id="285" r:id="rId21"/>
+    <p:sldId id="296" r:id="rId22"/>
+    <p:sldId id="281" r:id="rId23"/>
   </p:sldIdLst>
   <p:sldSz cx="12192000" cy="6858000"/>
   <p:notesSz cx="6858000" cy="9144000"/>
@@ -3725,7 +3733,7 @@
             <a:pPr rtl="0"/>
             <a:fld id="{8530193B-564F-4854-8A52-728F3FB19C85}" type="slidenum">
               <a:rPr lang="de-DE" smtClean="0"/>
-              <a:t>10</a:t>
+              <a:t>17</a:t>
             </a:fld>
             <a:endParaRPr lang="de-DE"/>
           </a:p>
@@ -3734,7 +3742,7 @@
     </p:spTree>
     <p:extLst>
       <p:ext uri="{BB962C8B-B14F-4D97-AF65-F5344CB8AC3E}">
-        <p14:creationId xmlns:p14="http://schemas.microsoft.com/office/powerpoint/2010/main" val="3976962863"/>
+        <p14:creationId xmlns:p14="http://schemas.microsoft.com/office/powerpoint/2010/main" val="2396837132"/>
       </p:ext>
     </p:extLst>
   </p:cSld>
@@ -3810,7 +3818,7 @@
             <a:pPr rtl="0"/>
             <a:fld id="{8530193B-564F-4854-8A52-728F3FB19C85}" type="slidenum">
               <a:rPr lang="de-DE" smtClean="0"/>
-              <a:t>11</a:t>
+              <a:t>18</a:t>
             </a:fld>
             <a:endParaRPr lang="de-DE"/>
           </a:p>
@@ -3819,7 +3827,7 @@
     </p:spTree>
     <p:extLst>
       <p:ext uri="{BB962C8B-B14F-4D97-AF65-F5344CB8AC3E}">
-        <p14:creationId xmlns:p14="http://schemas.microsoft.com/office/powerpoint/2010/main" val="1825145858"/>
+        <p14:creationId xmlns:p14="http://schemas.microsoft.com/office/powerpoint/2010/main" val="3976962863"/>
       </p:ext>
     </p:extLst>
   </p:cSld>
@@ -3895,7 +3903,92 @@
             <a:pPr rtl="0"/>
             <a:fld id="{8530193B-564F-4854-8A52-728F3FB19C85}" type="slidenum">
               <a:rPr lang="de-DE" smtClean="0"/>
-              <a:t>12</a:t>
+              <a:t>19</a:t>
+            </a:fld>
+            <a:endParaRPr lang="de-DE"/>
+          </a:p>
+        </p:txBody>
+      </p:sp>
+    </p:spTree>
+    <p:extLst>
+      <p:ext uri="{BB962C8B-B14F-4D97-AF65-F5344CB8AC3E}">
+        <p14:creationId xmlns:p14="http://schemas.microsoft.com/office/powerpoint/2010/main" val="1825145858"/>
+      </p:ext>
+    </p:extLst>
+  </p:cSld>
+  <p:clrMapOvr>
+    <a:masterClrMapping/>
+  </p:clrMapOvr>
+</p:notes>
+</file>
+
+<file path=ppt/notesSlides/notesSlide13.xml><?xml version="1.0" encoding="utf-8"?>
+<p:notes xmlns:a="http://schemas.openxmlformats.org/drawingml/2006/main" xmlns:r="http://schemas.openxmlformats.org/officeDocument/2006/relationships" xmlns:p="http://schemas.openxmlformats.org/presentationml/2006/main">
+  <p:cSld>
+    <p:spTree>
+      <p:nvGrpSpPr>
+        <p:cNvPr id="1" name=""/>
+        <p:cNvGrpSpPr/>
+        <p:nvPr/>
+      </p:nvGrpSpPr>
+      <p:grpSpPr>
+        <a:xfrm>
+          <a:off x="0" y="0"/>
+          <a:ext cx="0" cy="0"/>
+          <a:chOff x="0" y="0"/>
+          <a:chExt cx="0" cy="0"/>
+        </a:xfrm>
+      </p:grpSpPr>
+      <p:sp>
+        <p:nvSpPr>
+          <p:cNvPr id="2" name="Folienbildplatzhalter 1"/>
+          <p:cNvSpPr>
+            <a:spLocks noGrp="1" noRot="1" noChangeAspect="1"/>
+          </p:cNvSpPr>
+          <p:nvPr>
+            <p:ph type="sldImg"/>
+          </p:nvPr>
+        </p:nvSpPr>
+        <p:spPr/>
+      </p:sp>
+      <p:sp>
+        <p:nvSpPr>
+          <p:cNvPr id="3" name="Notizenplatzhalter 2"/>
+          <p:cNvSpPr>
+            <a:spLocks noGrp="1"/>
+          </p:cNvSpPr>
+          <p:nvPr>
+            <p:ph type="body" idx="1"/>
+          </p:nvPr>
+        </p:nvSpPr>
+        <p:spPr/>
+        <p:txBody>
+          <a:bodyPr/>
+          <a:lstStyle/>
+          <a:p>
+            <a:endParaRPr lang="de-DE"/>
+          </a:p>
+        </p:txBody>
+      </p:sp>
+      <p:sp>
+        <p:nvSpPr>
+          <p:cNvPr id="4" name="Foliennummernplatzhalter 3"/>
+          <p:cNvSpPr>
+            <a:spLocks noGrp="1"/>
+          </p:cNvSpPr>
+          <p:nvPr>
+            <p:ph type="sldNum" sz="quarter" idx="10"/>
+          </p:nvPr>
+        </p:nvSpPr>
+        <p:spPr/>
+        <p:txBody>
+          <a:bodyPr/>
+          <a:lstStyle/>
+          <a:p>
+            <a:pPr rtl="0"/>
+            <a:fld id="{8530193B-564F-4854-8A52-728F3FB19C85}" type="slidenum">
+              <a:rPr lang="de-DE" smtClean="0"/>
+              <a:t>20</a:t>
             </a:fld>
             <a:endParaRPr lang="de-DE"/>
           </a:p>
@@ -4416,7 +4509,13 @@
   <p:cSld>
     <p:spTree>
       <p:nvGrpSpPr>
-        <p:cNvPr id="1" name=""/>
+        <p:cNvPr id="1" name="">
+          <a:extLst>
+            <a:ext uri="{FF2B5EF4-FFF2-40B4-BE49-F238E27FC236}">
+              <a16:creationId xmlns:a16="http://schemas.microsoft.com/office/drawing/2014/main" id="{AB687C23-7160-F5A0-A591-3F9C1E73555D}"/>
+            </a:ext>
+          </a:extLst>
+        </p:cNvPr>
         <p:cNvGrpSpPr/>
         <p:nvPr/>
       </p:nvGrpSpPr>
@@ -4430,7 +4529,13 @@
       </p:grpSpPr>
       <p:sp>
         <p:nvSpPr>
-          <p:cNvPr id="2" name="Folienbildplatzhalter 1"/>
+          <p:cNvPr id="2" name="Folienbildplatzhalter 1">
+            <a:extLst>
+              <a:ext uri="{FF2B5EF4-FFF2-40B4-BE49-F238E27FC236}">
+                <a16:creationId xmlns:a16="http://schemas.microsoft.com/office/drawing/2014/main" id="{BFC62DBE-6A4F-11B2-CDDE-E94E7DA50D5D}"/>
+              </a:ext>
+            </a:extLst>
+          </p:cNvPr>
           <p:cNvSpPr>
             <a:spLocks noGrp="1" noRot="1" noChangeAspect="1"/>
           </p:cNvSpPr>
@@ -4442,7 +4547,13 @@
       </p:sp>
       <p:sp>
         <p:nvSpPr>
-          <p:cNvPr id="3" name="Notizenplatzhalter 2"/>
+          <p:cNvPr id="3" name="Notizenplatzhalter 2">
+            <a:extLst>
+              <a:ext uri="{FF2B5EF4-FFF2-40B4-BE49-F238E27FC236}">
+                <a16:creationId xmlns:a16="http://schemas.microsoft.com/office/drawing/2014/main" id="{BEE68563-4079-0E13-DBEB-515CE4C64735}"/>
+              </a:ext>
+            </a:extLst>
+          </p:cNvPr>
           <p:cNvSpPr>
             <a:spLocks noGrp="1"/>
           </p:cNvSpPr>
@@ -4461,7 +4572,13 @@
       </p:sp>
       <p:sp>
         <p:nvSpPr>
-          <p:cNvPr id="4" name="Foliennummernplatzhalter 3"/>
+          <p:cNvPr id="4" name="Foliennummernplatzhalter 3">
+            <a:extLst>
+              <a:ext uri="{FF2B5EF4-FFF2-40B4-BE49-F238E27FC236}">
+                <a16:creationId xmlns:a16="http://schemas.microsoft.com/office/drawing/2014/main" id="{8266A538-578E-CE80-7475-10ECFF24EFF9}"/>
+              </a:ext>
+            </a:extLst>
+          </p:cNvPr>
           <p:cNvSpPr>
             <a:spLocks noGrp="1"/>
           </p:cNvSpPr>
@@ -4486,7 +4603,7 @@
     </p:spTree>
     <p:extLst>
       <p:ext uri="{BB962C8B-B14F-4D97-AF65-F5344CB8AC3E}">
-        <p14:creationId xmlns:p14="http://schemas.microsoft.com/office/powerpoint/2010/main" val="3053037272"/>
+        <p14:creationId xmlns:p14="http://schemas.microsoft.com/office/powerpoint/2010/main" val="1879685589"/>
       </p:ext>
     </p:extLst>
   </p:cSld>
@@ -4562,7 +4679,7 @@
             <a:pPr rtl="0"/>
             <a:fld id="{8530193B-564F-4854-8A52-728F3FB19C85}" type="slidenum">
               <a:rPr lang="de-DE" smtClean="0"/>
-              <a:t>8</a:t>
+              <a:t>15</a:t>
             </a:fld>
             <a:endParaRPr lang="de-DE"/>
           </a:p>
@@ -4571,7 +4688,7 @@
     </p:spTree>
     <p:extLst>
       <p:ext uri="{BB962C8B-B14F-4D97-AF65-F5344CB8AC3E}">
-        <p14:creationId xmlns:p14="http://schemas.microsoft.com/office/powerpoint/2010/main" val="1890757760"/>
+        <p14:creationId xmlns:p14="http://schemas.microsoft.com/office/powerpoint/2010/main" val="3053037272"/>
       </p:ext>
     </p:extLst>
   </p:cSld>
@@ -4647,7 +4764,7 @@
             <a:pPr rtl="0"/>
             <a:fld id="{8530193B-564F-4854-8A52-728F3FB19C85}" type="slidenum">
               <a:rPr lang="de-DE" smtClean="0"/>
-              <a:t>9</a:t>
+              <a:t>16</a:t>
             </a:fld>
             <a:endParaRPr lang="de-DE"/>
           </a:p>
@@ -4656,7 +4773,7 @@
     </p:spTree>
     <p:extLst>
       <p:ext uri="{BB962C8B-B14F-4D97-AF65-F5344CB8AC3E}">
-        <p14:creationId xmlns:p14="http://schemas.microsoft.com/office/powerpoint/2010/main" val="2396837132"/>
+        <p14:creationId xmlns:p14="http://schemas.microsoft.com/office/powerpoint/2010/main" val="1890757760"/>
       </p:ext>
     </p:extLst>
   </p:cSld>
@@ -11372,6 +11489,4726 @@
   <p:cSld>
     <p:spTree>
       <p:nvGrpSpPr>
+        <p:cNvPr id="1" name="">
+          <a:extLst>
+            <a:ext uri="{FF2B5EF4-FFF2-40B4-BE49-F238E27FC236}">
+              <a16:creationId xmlns:a16="http://schemas.microsoft.com/office/drawing/2014/main" id="{5BC03490-4918-3D2D-BC13-C89D00C8CA61}"/>
+            </a:ext>
+          </a:extLst>
+        </p:cNvPr>
+        <p:cNvGrpSpPr/>
+        <p:nvPr/>
+      </p:nvGrpSpPr>
+      <p:grpSpPr>
+        <a:xfrm>
+          <a:off x="0" y="0"/>
+          <a:ext cx="0" cy="0"/>
+          <a:chOff x="0" y="0"/>
+          <a:chExt cx="0" cy="0"/>
+        </a:xfrm>
+      </p:grpSpPr>
+      <p:sp>
+        <p:nvSpPr>
+          <p:cNvPr id="2" name="Titel 1">
+            <a:extLst>
+              <a:ext uri="{FF2B5EF4-FFF2-40B4-BE49-F238E27FC236}">
+                <a16:creationId xmlns:a16="http://schemas.microsoft.com/office/drawing/2014/main" id="{24440E0B-B669-8D12-43B2-8A244B14BD06}"/>
+              </a:ext>
+            </a:extLst>
+          </p:cNvPr>
+          <p:cNvSpPr>
+            <a:spLocks noGrp="1"/>
+          </p:cNvSpPr>
+          <p:nvPr>
+            <p:ph type="title"/>
+          </p:nvPr>
+        </p:nvSpPr>
+        <p:spPr/>
+        <p:txBody>
+          <a:bodyPr/>
+          <a:lstStyle/>
+          <a:p>
+            <a:endParaRPr lang="de-DE"/>
+          </a:p>
+        </p:txBody>
+      </p:sp>
+      <p:sp>
+        <p:nvSpPr>
+          <p:cNvPr id="3" name="Textplatzhalter 2">
+            <a:extLst>
+              <a:ext uri="{FF2B5EF4-FFF2-40B4-BE49-F238E27FC236}">
+                <a16:creationId xmlns:a16="http://schemas.microsoft.com/office/drawing/2014/main" id="{18974CDD-0605-CC13-62B6-885347AAC974}"/>
+              </a:ext>
+            </a:extLst>
+          </p:cNvPr>
+          <p:cNvSpPr>
+            <a:spLocks noGrp="1"/>
+          </p:cNvSpPr>
+          <p:nvPr>
+            <p:ph type="body" sz="quarter" idx="32"/>
+          </p:nvPr>
+        </p:nvSpPr>
+        <p:spPr/>
+        <p:txBody>
+          <a:bodyPr/>
+          <a:lstStyle/>
+          <a:p>
+            <a:endParaRPr lang="de-DE"/>
+          </a:p>
+        </p:txBody>
+      </p:sp>
+      <p:sp>
+        <p:nvSpPr>
+          <p:cNvPr id="4" name="Fußzeilenplatzhalter 3">
+            <a:extLst>
+              <a:ext uri="{FF2B5EF4-FFF2-40B4-BE49-F238E27FC236}">
+                <a16:creationId xmlns:a16="http://schemas.microsoft.com/office/drawing/2014/main" id="{F95126B0-B87A-EA48-B17D-6F9D21A1BD3D}"/>
+              </a:ext>
+            </a:extLst>
+          </p:cNvPr>
+          <p:cNvSpPr>
+            <a:spLocks noGrp="1"/>
+          </p:cNvSpPr>
+          <p:nvPr>
+            <p:ph type="ftr" sz="quarter" idx="12"/>
+          </p:nvPr>
+        </p:nvSpPr>
+        <p:spPr/>
+        <p:txBody>
+          <a:bodyPr/>
+          <a:lstStyle/>
+          <a:p>
+            <a:pPr rtl="0"/>
+            <a:r>
+              <a:rPr lang="de-DE" noProof="0"/>
+              <a:t>Fußzeile hinzufügen</a:t>
+            </a:r>
+          </a:p>
+        </p:txBody>
+      </p:sp>
+      <p:sp>
+        <p:nvSpPr>
+          <p:cNvPr id="5" name="Foliennummernplatzhalter 4">
+            <a:extLst>
+              <a:ext uri="{FF2B5EF4-FFF2-40B4-BE49-F238E27FC236}">
+                <a16:creationId xmlns:a16="http://schemas.microsoft.com/office/drawing/2014/main" id="{264D083E-8614-6D50-5626-CD33D08A501F}"/>
+              </a:ext>
+            </a:extLst>
+          </p:cNvPr>
+          <p:cNvSpPr>
+            <a:spLocks noGrp="1"/>
+          </p:cNvSpPr>
+          <p:nvPr>
+            <p:ph type="sldNum" sz="quarter" idx="33"/>
+          </p:nvPr>
+        </p:nvSpPr>
+        <p:spPr/>
+        <p:txBody>
+          <a:bodyPr/>
+          <a:lstStyle/>
+          <a:p>
+            <a:pPr rtl="0"/>
+            <a:fld id="{19B51A1E-902D-48AF-9020-955120F399B6}" type="slidenum">
+              <a:rPr lang="de-DE" noProof="0" smtClean="0"/>
+              <a:pPr rtl="0"/>
+              <a:t>10</a:t>
+            </a:fld>
+            <a:endParaRPr lang="de-DE" noProof="0"/>
+          </a:p>
+        </p:txBody>
+      </p:sp>
+      <p:pic>
+        <p:nvPicPr>
+          <p:cNvPr id="7" name="Grafik 6">
+            <a:extLst>
+              <a:ext uri="{FF2B5EF4-FFF2-40B4-BE49-F238E27FC236}">
+                <a16:creationId xmlns:a16="http://schemas.microsoft.com/office/drawing/2014/main" id="{F8A925DD-9834-1C63-449A-C821BA813636}"/>
+              </a:ext>
+            </a:extLst>
+          </p:cNvPr>
+          <p:cNvPicPr>
+            <a:picLocks noChangeAspect="1"/>
+          </p:cNvPicPr>
+          <p:nvPr/>
+        </p:nvPicPr>
+        <p:blipFill>
+          <a:blip r:embed="rId2"/>
+          <a:srcRect/>
+          <a:stretch/>
+        </p:blipFill>
+        <p:spPr>
+          <a:xfrm>
+            <a:off x="6298902" y="1867659"/>
+            <a:ext cx="5472411" cy="3934497"/>
+          </a:xfrm>
+          <a:prstGeom prst="rect">
+            <a:avLst/>
+          </a:prstGeom>
+        </p:spPr>
+      </p:pic>
+      <p:pic>
+        <p:nvPicPr>
+          <p:cNvPr id="8" name="Grafik 7">
+            <a:extLst>
+              <a:ext uri="{FF2B5EF4-FFF2-40B4-BE49-F238E27FC236}">
+                <a16:creationId xmlns:a16="http://schemas.microsoft.com/office/drawing/2014/main" id="{F77C7038-4422-73C4-9C99-0B9EA2A1635E}"/>
+              </a:ext>
+            </a:extLst>
+          </p:cNvPr>
+          <p:cNvPicPr>
+            <a:picLocks noChangeAspect="1"/>
+          </p:cNvPicPr>
+          <p:nvPr/>
+        </p:nvPicPr>
+        <p:blipFill>
+          <a:blip r:embed="rId3"/>
+          <a:srcRect/>
+          <a:stretch/>
+        </p:blipFill>
+        <p:spPr>
+          <a:xfrm>
+            <a:off x="460636" y="1867659"/>
+            <a:ext cx="5414739" cy="3934497"/>
+          </a:xfrm>
+          <a:prstGeom prst="rect">
+            <a:avLst/>
+          </a:prstGeom>
+        </p:spPr>
+      </p:pic>
+    </p:spTree>
+    <p:extLst>
+      <p:ext uri="{BB962C8B-B14F-4D97-AF65-F5344CB8AC3E}">
+        <p14:creationId xmlns:p14="http://schemas.microsoft.com/office/powerpoint/2010/main" val="2507122046"/>
+      </p:ext>
+    </p:extLst>
+  </p:cSld>
+  <p:clrMapOvr>
+    <a:masterClrMapping/>
+  </p:clrMapOvr>
+</p:sld>
+</file>
+
+<file path=ppt/slides/slide11.xml><?xml version="1.0" encoding="utf-8"?>
+<p:sld xmlns:a="http://schemas.openxmlformats.org/drawingml/2006/main" xmlns:r="http://schemas.openxmlformats.org/officeDocument/2006/relationships" xmlns:p="http://schemas.openxmlformats.org/presentationml/2006/main">
+  <p:cSld>
+    <p:spTree>
+      <p:nvGrpSpPr>
+        <p:cNvPr id="1" name="">
+          <a:extLst>
+            <a:ext uri="{FF2B5EF4-FFF2-40B4-BE49-F238E27FC236}">
+              <a16:creationId xmlns:a16="http://schemas.microsoft.com/office/drawing/2014/main" id="{021D8297-A444-4258-2BED-C9BFFFEE5079}"/>
+            </a:ext>
+          </a:extLst>
+        </p:cNvPr>
+        <p:cNvGrpSpPr/>
+        <p:nvPr/>
+      </p:nvGrpSpPr>
+      <p:grpSpPr>
+        <a:xfrm>
+          <a:off x="0" y="0"/>
+          <a:ext cx="0" cy="0"/>
+          <a:chOff x="0" y="0"/>
+          <a:chExt cx="0" cy="0"/>
+        </a:xfrm>
+      </p:grpSpPr>
+      <p:sp>
+        <p:nvSpPr>
+          <p:cNvPr id="2" name="Titel 1">
+            <a:extLst>
+              <a:ext uri="{FF2B5EF4-FFF2-40B4-BE49-F238E27FC236}">
+                <a16:creationId xmlns:a16="http://schemas.microsoft.com/office/drawing/2014/main" id="{CFA6463E-ED08-A3F7-92CA-84D6A5D7DB58}"/>
+              </a:ext>
+            </a:extLst>
+          </p:cNvPr>
+          <p:cNvSpPr>
+            <a:spLocks noGrp="1"/>
+          </p:cNvSpPr>
+          <p:nvPr>
+            <p:ph type="title"/>
+          </p:nvPr>
+        </p:nvSpPr>
+        <p:spPr/>
+        <p:txBody>
+          <a:bodyPr/>
+          <a:lstStyle/>
+          <a:p>
+            <a:endParaRPr lang="de-DE"/>
+          </a:p>
+        </p:txBody>
+      </p:sp>
+      <p:sp>
+        <p:nvSpPr>
+          <p:cNvPr id="3" name="Textplatzhalter 2">
+            <a:extLst>
+              <a:ext uri="{FF2B5EF4-FFF2-40B4-BE49-F238E27FC236}">
+                <a16:creationId xmlns:a16="http://schemas.microsoft.com/office/drawing/2014/main" id="{D1C1BADD-9675-BA0F-A551-5F81AF01F559}"/>
+              </a:ext>
+            </a:extLst>
+          </p:cNvPr>
+          <p:cNvSpPr>
+            <a:spLocks noGrp="1"/>
+          </p:cNvSpPr>
+          <p:nvPr>
+            <p:ph type="body" sz="quarter" idx="32"/>
+          </p:nvPr>
+        </p:nvSpPr>
+        <p:spPr/>
+        <p:txBody>
+          <a:bodyPr/>
+          <a:lstStyle/>
+          <a:p>
+            <a:endParaRPr lang="de-DE"/>
+          </a:p>
+        </p:txBody>
+      </p:sp>
+      <p:sp>
+        <p:nvSpPr>
+          <p:cNvPr id="4" name="Fußzeilenplatzhalter 3">
+            <a:extLst>
+              <a:ext uri="{FF2B5EF4-FFF2-40B4-BE49-F238E27FC236}">
+                <a16:creationId xmlns:a16="http://schemas.microsoft.com/office/drawing/2014/main" id="{4289ED2B-649B-FC7B-0040-5608C9AF13D5}"/>
+              </a:ext>
+            </a:extLst>
+          </p:cNvPr>
+          <p:cNvSpPr>
+            <a:spLocks noGrp="1"/>
+          </p:cNvSpPr>
+          <p:nvPr>
+            <p:ph type="ftr" sz="quarter" idx="12"/>
+          </p:nvPr>
+        </p:nvSpPr>
+        <p:spPr/>
+        <p:txBody>
+          <a:bodyPr/>
+          <a:lstStyle/>
+          <a:p>
+            <a:pPr rtl="0"/>
+            <a:r>
+              <a:rPr lang="de-DE" noProof="0"/>
+              <a:t>Fußzeile hinzufügen</a:t>
+            </a:r>
+          </a:p>
+        </p:txBody>
+      </p:sp>
+      <p:sp>
+        <p:nvSpPr>
+          <p:cNvPr id="5" name="Foliennummernplatzhalter 4">
+            <a:extLst>
+              <a:ext uri="{FF2B5EF4-FFF2-40B4-BE49-F238E27FC236}">
+                <a16:creationId xmlns:a16="http://schemas.microsoft.com/office/drawing/2014/main" id="{A09624A9-0CCF-1038-0075-0443818BCF8F}"/>
+              </a:ext>
+            </a:extLst>
+          </p:cNvPr>
+          <p:cNvSpPr>
+            <a:spLocks noGrp="1"/>
+          </p:cNvSpPr>
+          <p:nvPr>
+            <p:ph type="sldNum" sz="quarter" idx="33"/>
+          </p:nvPr>
+        </p:nvSpPr>
+        <p:spPr/>
+        <p:txBody>
+          <a:bodyPr/>
+          <a:lstStyle/>
+          <a:p>
+            <a:pPr rtl="0"/>
+            <a:fld id="{19B51A1E-902D-48AF-9020-955120F399B6}" type="slidenum">
+              <a:rPr lang="de-DE" noProof="0" smtClean="0"/>
+              <a:pPr rtl="0"/>
+              <a:t>11</a:t>
+            </a:fld>
+            <a:endParaRPr lang="de-DE" noProof="0"/>
+          </a:p>
+        </p:txBody>
+      </p:sp>
+      <p:pic>
+        <p:nvPicPr>
+          <p:cNvPr id="7" name="Grafik 6">
+            <a:extLst>
+              <a:ext uri="{FF2B5EF4-FFF2-40B4-BE49-F238E27FC236}">
+                <a16:creationId xmlns:a16="http://schemas.microsoft.com/office/drawing/2014/main" id="{5D03F43E-B16E-E52E-58FA-8D1294F087D9}"/>
+              </a:ext>
+            </a:extLst>
+          </p:cNvPr>
+          <p:cNvPicPr>
+            <a:picLocks noChangeAspect="1"/>
+          </p:cNvPicPr>
+          <p:nvPr/>
+        </p:nvPicPr>
+        <p:blipFill>
+          <a:blip r:embed="rId2"/>
+          <a:srcRect/>
+          <a:stretch/>
+        </p:blipFill>
+        <p:spPr>
+          <a:xfrm>
+            <a:off x="6298902" y="2206673"/>
+            <a:ext cx="5472411" cy="3256469"/>
+          </a:xfrm>
+          <a:prstGeom prst="rect">
+            <a:avLst/>
+          </a:prstGeom>
+        </p:spPr>
+      </p:pic>
+      <p:pic>
+        <p:nvPicPr>
+          <p:cNvPr id="8" name="Grafik 7">
+            <a:extLst>
+              <a:ext uri="{FF2B5EF4-FFF2-40B4-BE49-F238E27FC236}">
+                <a16:creationId xmlns:a16="http://schemas.microsoft.com/office/drawing/2014/main" id="{F60ACDD5-24BF-236D-3030-3989AF795652}"/>
+              </a:ext>
+            </a:extLst>
+          </p:cNvPr>
+          <p:cNvPicPr>
+            <a:picLocks noChangeAspect="1"/>
+          </p:cNvPicPr>
+          <p:nvPr/>
+        </p:nvPicPr>
+        <p:blipFill>
+          <a:blip r:embed="rId3"/>
+          <a:srcRect/>
+          <a:stretch/>
+        </p:blipFill>
+        <p:spPr>
+          <a:xfrm>
+            <a:off x="460636" y="1888391"/>
+            <a:ext cx="5414739" cy="3893032"/>
+          </a:xfrm>
+          <a:prstGeom prst="rect">
+            <a:avLst/>
+          </a:prstGeom>
+        </p:spPr>
+      </p:pic>
+    </p:spTree>
+    <p:extLst>
+      <p:ext uri="{BB962C8B-B14F-4D97-AF65-F5344CB8AC3E}">
+        <p14:creationId xmlns:p14="http://schemas.microsoft.com/office/powerpoint/2010/main" val="3637474413"/>
+      </p:ext>
+    </p:extLst>
+  </p:cSld>
+  <p:clrMapOvr>
+    <a:masterClrMapping/>
+  </p:clrMapOvr>
+</p:sld>
+</file>
+
+<file path=ppt/slides/slide12.xml><?xml version="1.0" encoding="utf-8"?>
+<p:sld xmlns:a="http://schemas.openxmlformats.org/drawingml/2006/main" xmlns:r="http://schemas.openxmlformats.org/officeDocument/2006/relationships" xmlns:p="http://schemas.openxmlformats.org/presentationml/2006/main">
+  <p:cSld>
+    <p:spTree>
+      <p:nvGrpSpPr>
+        <p:cNvPr id="1" name="">
+          <a:extLst>
+            <a:ext uri="{FF2B5EF4-FFF2-40B4-BE49-F238E27FC236}">
+              <a16:creationId xmlns:a16="http://schemas.microsoft.com/office/drawing/2014/main" id="{CA2CE961-7B99-B10D-CD52-9CF9AA762D25}"/>
+            </a:ext>
+          </a:extLst>
+        </p:cNvPr>
+        <p:cNvGrpSpPr/>
+        <p:nvPr/>
+      </p:nvGrpSpPr>
+      <p:grpSpPr>
+        <a:xfrm>
+          <a:off x="0" y="0"/>
+          <a:ext cx="0" cy="0"/>
+          <a:chOff x="0" y="0"/>
+          <a:chExt cx="0" cy="0"/>
+        </a:xfrm>
+      </p:grpSpPr>
+      <p:sp>
+        <p:nvSpPr>
+          <p:cNvPr id="2" name="Titel 1">
+            <a:extLst>
+              <a:ext uri="{FF2B5EF4-FFF2-40B4-BE49-F238E27FC236}">
+                <a16:creationId xmlns:a16="http://schemas.microsoft.com/office/drawing/2014/main" id="{6A3B89B8-A0AA-9D56-AC01-AA03506A2C98}"/>
+              </a:ext>
+            </a:extLst>
+          </p:cNvPr>
+          <p:cNvSpPr>
+            <a:spLocks noGrp="1"/>
+          </p:cNvSpPr>
+          <p:nvPr>
+            <p:ph type="title"/>
+          </p:nvPr>
+        </p:nvSpPr>
+        <p:spPr/>
+        <p:txBody>
+          <a:bodyPr/>
+          <a:lstStyle/>
+          <a:p>
+            <a:endParaRPr lang="de-DE"/>
+          </a:p>
+        </p:txBody>
+      </p:sp>
+      <p:sp>
+        <p:nvSpPr>
+          <p:cNvPr id="3" name="Textplatzhalter 2">
+            <a:extLst>
+              <a:ext uri="{FF2B5EF4-FFF2-40B4-BE49-F238E27FC236}">
+                <a16:creationId xmlns:a16="http://schemas.microsoft.com/office/drawing/2014/main" id="{5A296BBA-F762-2817-9581-828B224DC834}"/>
+              </a:ext>
+            </a:extLst>
+          </p:cNvPr>
+          <p:cNvSpPr>
+            <a:spLocks noGrp="1"/>
+          </p:cNvSpPr>
+          <p:nvPr>
+            <p:ph type="body" sz="quarter" idx="32"/>
+          </p:nvPr>
+        </p:nvSpPr>
+        <p:spPr/>
+        <p:txBody>
+          <a:bodyPr/>
+          <a:lstStyle/>
+          <a:p>
+            <a:endParaRPr lang="de-DE"/>
+          </a:p>
+        </p:txBody>
+      </p:sp>
+      <p:sp>
+        <p:nvSpPr>
+          <p:cNvPr id="4" name="Fußzeilenplatzhalter 3">
+            <a:extLst>
+              <a:ext uri="{FF2B5EF4-FFF2-40B4-BE49-F238E27FC236}">
+                <a16:creationId xmlns:a16="http://schemas.microsoft.com/office/drawing/2014/main" id="{C509F4A7-CC37-80F7-50DA-3AD70A8741D0}"/>
+              </a:ext>
+            </a:extLst>
+          </p:cNvPr>
+          <p:cNvSpPr>
+            <a:spLocks noGrp="1"/>
+          </p:cNvSpPr>
+          <p:nvPr>
+            <p:ph type="ftr" sz="quarter" idx="12"/>
+          </p:nvPr>
+        </p:nvSpPr>
+        <p:spPr/>
+        <p:txBody>
+          <a:bodyPr/>
+          <a:lstStyle/>
+          <a:p>
+            <a:pPr rtl="0"/>
+            <a:r>
+              <a:rPr lang="de-DE" noProof="0"/>
+              <a:t>Fußzeile hinzufügen</a:t>
+            </a:r>
+          </a:p>
+        </p:txBody>
+      </p:sp>
+      <p:sp>
+        <p:nvSpPr>
+          <p:cNvPr id="5" name="Foliennummernplatzhalter 4">
+            <a:extLst>
+              <a:ext uri="{FF2B5EF4-FFF2-40B4-BE49-F238E27FC236}">
+                <a16:creationId xmlns:a16="http://schemas.microsoft.com/office/drawing/2014/main" id="{BB0B0C66-08B1-B1E3-E8FD-5D8B6E0D59C2}"/>
+              </a:ext>
+            </a:extLst>
+          </p:cNvPr>
+          <p:cNvSpPr>
+            <a:spLocks noGrp="1"/>
+          </p:cNvSpPr>
+          <p:nvPr>
+            <p:ph type="sldNum" sz="quarter" idx="33"/>
+          </p:nvPr>
+        </p:nvSpPr>
+        <p:spPr/>
+        <p:txBody>
+          <a:bodyPr/>
+          <a:lstStyle/>
+          <a:p>
+            <a:pPr rtl="0"/>
+            <a:fld id="{19B51A1E-902D-48AF-9020-955120F399B6}" type="slidenum">
+              <a:rPr lang="de-DE" noProof="0" smtClean="0"/>
+              <a:pPr rtl="0"/>
+              <a:t>12</a:t>
+            </a:fld>
+            <a:endParaRPr lang="de-DE" noProof="0"/>
+          </a:p>
+        </p:txBody>
+      </p:sp>
+      <p:pic>
+        <p:nvPicPr>
+          <p:cNvPr id="7" name="Grafik 6">
+            <a:extLst>
+              <a:ext uri="{FF2B5EF4-FFF2-40B4-BE49-F238E27FC236}">
+                <a16:creationId xmlns:a16="http://schemas.microsoft.com/office/drawing/2014/main" id="{8A60A474-3442-8657-C06E-B184E85ED9D6}"/>
+              </a:ext>
+            </a:extLst>
+          </p:cNvPr>
+          <p:cNvPicPr>
+            <a:picLocks noChangeAspect="1"/>
+          </p:cNvPicPr>
+          <p:nvPr/>
+        </p:nvPicPr>
+        <p:blipFill>
+          <a:blip r:embed="rId2"/>
+          <a:srcRect/>
+          <a:stretch/>
+        </p:blipFill>
+        <p:spPr>
+          <a:xfrm>
+            <a:off x="6298902" y="2214281"/>
+            <a:ext cx="5472411" cy="3241252"/>
+          </a:xfrm>
+          <a:prstGeom prst="rect">
+            <a:avLst/>
+          </a:prstGeom>
+        </p:spPr>
+      </p:pic>
+      <p:pic>
+        <p:nvPicPr>
+          <p:cNvPr id="8" name="Grafik 7">
+            <a:extLst>
+              <a:ext uri="{FF2B5EF4-FFF2-40B4-BE49-F238E27FC236}">
+                <a16:creationId xmlns:a16="http://schemas.microsoft.com/office/drawing/2014/main" id="{76E9FE24-A332-9200-5208-DDC0ED5AFF0F}"/>
+              </a:ext>
+            </a:extLst>
+          </p:cNvPr>
+          <p:cNvPicPr>
+            <a:picLocks noChangeAspect="1"/>
+          </p:cNvPicPr>
+          <p:nvPr/>
+        </p:nvPicPr>
+        <p:blipFill>
+          <a:blip r:embed="rId3"/>
+          <a:srcRect/>
+          <a:stretch/>
+        </p:blipFill>
+        <p:spPr>
+          <a:xfrm>
+            <a:off x="460636" y="1888391"/>
+            <a:ext cx="5414738" cy="3893032"/>
+          </a:xfrm>
+          <a:prstGeom prst="rect">
+            <a:avLst/>
+          </a:prstGeom>
+        </p:spPr>
+      </p:pic>
+    </p:spTree>
+    <p:extLst>
+      <p:ext uri="{BB962C8B-B14F-4D97-AF65-F5344CB8AC3E}">
+        <p14:creationId xmlns:p14="http://schemas.microsoft.com/office/powerpoint/2010/main" val="4126167969"/>
+      </p:ext>
+    </p:extLst>
+  </p:cSld>
+  <p:clrMapOvr>
+    <a:masterClrMapping/>
+  </p:clrMapOvr>
+</p:sld>
+</file>
+
+<file path=ppt/slides/slide13.xml><?xml version="1.0" encoding="utf-8"?>
+<p:sld xmlns:a="http://schemas.openxmlformats.org/drawingml/2006/main" xmlns:r="http://schemas.openxmlformats.org/officeDocument/2006/relationships" xmlns:p="http://schemas.openxmlformats.org/presentationml/2006/main">
+  <p:cSld>
+    <p:spTree>
+      <p:nvGrpSpPr>
+        <p:cNvPr id="1" name="">
+          <a:extLst>
+            <a:ext uri="{FF2B5EF4-FFF2-40B4-BE49-F238E27FC236}">
+              <a16:creationId xmlns:a16="http://schemas.microsoft.com/office/drawing/2014/main" id="{A32C2673-1109-4827-3EAC-ECFF798CF5CD}"/>
+            </a:ext>
+          </a:extLst>
+        </p:cNvPr>
+        <p:cNvGrpSpPr/>
+        <p:nvPr/>
+      </p:nvGrpSpPr>
+      <p:grpSpPr>
+        <a:xfrm>
+          <a:off x="0" y="0"/>
+          <a:ext cx="0" cy="0"/>
+          <a:chOff x="0" y="0"/>
+          <a:chExt cx="0" cy="0"/>
+        </a:xfrm>
+      </p:grpSpPr>
+      <p:sp>
+        <p:nvSpPr>
+          <p:cNvPr id="2" name="Titel 1">
+            <a:extLst>
+              <a:ext uri="{FF2B5EF4-FFF2-40B4-BE49-F238E27FC236}">
+                <a16:creationId xmlns:a16="http://schemas.microsoft.com/office/drawing/2014/main" id="{2CC72408-6E33-EAE6-4940-8F2DDAF54179}"/>
+              </a:ext>
+            </a:extLst>
+          </p:cNvPr>
+          <p:cNvSpPr>
+            <a:spLocks noGrp="1"/>
+          </p:cNvSpPr>
+          <p:nvPr>
+            <p:ph type="title"/>
+          </p:nvPr>
+        </p:nvSpPr>
+        <p:spPr/>
+        <p:txBody>
+          <a:bodyPr/>
+          <a:lstStyle/>
+          <a:p>
+            <a:endParaRPr lang="de-DE"/>
+          </a:p>
+        </p:txBody>
+      </p:sp>
+      <p:sp>
+        <p:nvSpPr>
+          <p:cNvPr id="3" name="Textplatzhalter 2">
+            <a:extLst>
+              <a:ext uri="{FF2B5EF4-FFF2-40B4-BE49-F238E27FC236}">
+                <a16:creationId xmlns:a16="http://schemas.microsoft.com/office/drawing/2014/main" id="{FB483D2B-B1D5-41ED-4C7F-BC49E99A6728}"/>
+              </a:ext>
+            </a:extLst>
+          </p:cNvPr>
+          <p:cNvSpPr>
+            <a:spLocks noGrp="1"/>
+          </p:cNvSpPr>
+          <p:nvPr>
+            <p:ph type="body" sz="quarter" idx="32"/>
+          </p:nvPr>
+        </p:nvSpPr>
+        <p:spPr/>
+        <p:txBody>
+          <a:bodyPr/>
+          <a:lstStyle/>
+          <a:p>
+            <a:endParaRPr lang="de-DE"/>
+          </a:p>
+        </p:txBody>
+      </p:sp>
+      <p:sp>
+        <p:nvSpPr>
+          <p:cNvPr id="4" name="Fußzeilenplatzhalter 3">
+            <a:extLst>
+              <a:ext uri="{FF2B5EF4-FFF2-40B4-BE49-F238E27FC236}">
+                <a16:creationId xmlns:a16="http://schemas.microsoft.com/office/drawing/2014/main" id="{6E0BC308-7477-454F-5F59-A8FD14AA0132}"/>
+              </a:ext>
+            </a:extLst>
+          </p:cNvPr>
+          <p:cNvSpPr>
+            <a:spLocks noGrp="1"/>
+          </p:cNvSpPr>
+          <p:nvPr>
+            <p:ph type="ftr" sz="quarter" idx="12"/>
+          </p:nvPr>
+        </p:nvSpPr>
+        <p:spPr/>
+        <p:txBody>
+          <a:bodyPr/>
+          <a:lstStyle/>
+          <a:p>
+            <a:pPr rtl="0"/>
+            <a:r>
+              <a:rPr lang="de-DE" noProof="0"/>
+              <a:t>Fußzeile hinzufügen</a:t>
+            </a:r>
+          </a:p>
+        </p:txBody>
+      </p:sp>
+      <p:sp>
+        <p:nvSpPr>
+          <p:cNvPr id="5" name="Foliennummernplatzhalter 4">
+            <a:extLst>
+              <a:ext uri="{FF2B5EF4-FFF2-40B4-BE49-F238E27FC236}">
+                <a16:creationId xmlns:a16="http://schemas.microsoft.com/office/drawing/2014/main" id="{FD7B2032-FBB1-21E9-384F-015A463358D9}"/>
+              </a:ext>
+            </a:extLst>
+          </p:cNvPr>
+          <p:cNvSpPr>
+            <a:spLocks noGrp="1"/>
+          </p:cNvSpPr>
+          <p:nvPr>
+            <p:ph type="sldNum" sz="quarter" idx="33"/>
+          </p:nvPr>
+        </p:nvSpPr>
+        <p:spPr/>
+        <p:txBody>
+          <a:bodyPr/>
+          <a:lstStyle/>
+          <a:p>
+            <a:pPr rtl="0"/>
+            <a:fld id="{19B51A1E-902D-48AF-9020-955120F399B6}" type="slidenum">
+              <a:rPr lang="de-DE" noProof="0" smtClean="0"/>
+              <a:pPr rtl="0"/>
+              <a:t>13</a:t>
+            </a:fld>
+            <a:endParaRPr lang="de-DE" noProof="0"/>
+          </a:p>
+        </p:txBody>
+      </p:sp>
+      <p:pic>
+        <p:nvPicPr>
+          <p:cNvPr id="7" name="Grafik 6">
+            <a:extLst>
+              <a:ext uri="{FF2B5EF4-FFF2-40B4-BE49-F238E27FC236}">
+                <a16:creationId xmlns:a16="http://schemas.microsoft.com/office/drawing/2014/main" id="{789D9A20-E871-8C11-7EBD-EE6C6B848789}"/>
+              </a:ext>
+            </a:extLst>
+          </p:cNvPr>
+          <p:cNvPicPr>
+            <a:picLocks noChangeAspect="1"/>
+          </p:cNvPicPr>
+          <p:nvPr/>
+        </p:nvPicPr>
+        <p:blipFill>
+          <a:blip r:embed="rId2"/>
+          <a:srcRect/>
+          <a:stretch/>
+        </p:blipFill>
+        <p:spPr>
+          <a:xfrm>
+            <a:off x="6311689" y="2214281"/>
+            <a:ext cx="5446837" cy="3241252"/>
+          </a:xfrm>
+          <a:prstGeom prst="rect">
+            <a:avLst/>
+          </a:prstGeom>
+        </p:spPr>
+      </p:pic>
+      <p:pic>
+        <p:nvPicPr>
+          <p:cNvPr id="8" name="Grafik 7">
+            <a:extLst>
+              <a:ext uri="{FF2B5EF4-FFF2-40B4-BE49-F238E27FC236}">
+                <a16:creationId xmlns:a16="http://schemas.microsoft.com/office/drawing/2014/main" id="{E0AF8AD9-07EE-C98A-EF7B-CCF6941D9D40}"/>
+              </a:ext>
+            </a:extLst>
+          </p:cNvPr>
+          <p:cNvPicPr>
+            <a:picLocks noChangeAspect="1"/>
+          </p:cNvPicPr>
+          <p:nvPr/>
+        </p:nvPicPr>
+        <p:blipFill>
+          <a:blip r:embed="rId3"/>
+          <a:srcRect/>
+          <a:stretch/>
+        </p:blipFill>
+        <p:spPr>
+          <a:xfrm>
+            <a:off x="460636" y="1888391"/>
+            <a:ext cx="5414738" cy="3893031"/>
+          </a:xfrm>
+          <a:prstGeom prst="rect">
+            <a:avLst/>
+          </a:prstGeom>
+        </p:spPr>
+      </p:pic>
+    </p:spTree>
+    <p:extLst>
+      <p:ext uri="{BB962C8B-B14F-4D97-AF65-F5344CB8AC3E}">
+        <p14:creationId xmlns:p14="http://schemas.microsoft.com/office/powerpoint/2010/main" val="3829200039"/>
+      </p:ext>
+    </p:extLst>
+  </p:cSld>
+  <p:clrMapOvr>
+    <a:masterClrMapping/>
+  </p:clrMapOvr>
+</p:sld>
+</file>
+
+<file path=ppt/slides/slide14.xml><?xml version="1.0" encoding="utf-8"?>
+<p:sld xmlns:a="http://schemas.openxmlformats.org/drawingml/2006/main" xmlns:r="http://schemas.openxmlformats.org/officeDocument/2006/relationships" xmlns:p="http://schemas.openxmlformats.org/presentationml/2006/main">
+  <p:cSld>
+    <p:spTree>
+      <p:nvGrpSpPr>
+        <p:cNvPr id="1" name="">
+          <a:extLst>
+            <a:ext uri="{FF2B5EF4-FFF2-40B4-BE49-F238E27FC236}">
+              <a16:creationId xmlns:a16="http://schemas.microsoft.com/office/drawing/2014/main" id="{51AB2E9B-DC9C-6584-D891-A3F39571F9E8}"/>
+            </a:ext>
+          </a:extLst>
+        </p:cNvPr>
+        <p:cNvGrpSpPr/>
+        <p:nvPr/>
+      </p:nvGrpSpPr>
+      <p:grpSpPr>
+        <a:xfrm>
+          <a:off x="0" y="0"/>
+          <a:ext cx="0" cy="0"/>
+          <a:chOff x="0" y="0"/>
+          <a:chExt cx="0" cy="0"/>
+        </a:xfrm>
+      </p:grpSpPr>
+      <p:sp>
+        <p:nvSpPr>
+          <p:cNvPr id="2" name="Titel 1">
+            <a:extLst>
+              <a:ext uri="{FF2B5EF4-FFF2-40B4-BE49-F238E27FC236}">
+                <a16:creationId xmlns:a16="http://schemas.microsoft.com/office/drawing/2014/main" id="{0122D13D-54DE-593C-D9C3-2F814A8A5D31}"/>
+              </a:ext>
+            </a:extLst>
+          </p:cNvPr>
+          <p:cNvSpPr>
+            <a:spLocks noGrp="1"/>
+          </p:cNvSpPr>
+          <p:nvPr>
+            <p:ph type="title"/>
+          </p:nvPr>
+        </p:nvSpPr>
+        <p:spPr/>
+        <p:txBody>
+          <a:bodyPr/>
+          <a:lstStyle/>
+          <a:p>
+            <a:endParaRPr lang="de-DE"/>
+          </a:p>
+        </p:txBody>
+      </p:sp>
+      <p:sp>
+        <p:nvSpPr>
+          <p:cNvPr id="3" name="Textplatzhalter 2">
+            <a:extLst>
+              <a:ext uri="{FF2B5EF4-FFF2-40B4-BE49-F238E27FC236}">
+                <a16:creationId xmlns:a16="http://schemas.microsoft.com/office/drawing/2014/main" id="{F87EDC55-FCF9-3DD4-C09C-544B13DE2BA5}"/>
+              </a:ext>
+            </a:extLst>
+          </p:cNvPr>
+          <p:cNvSpPr>
+            <a:spLocks noGrp="1"/>
+          </p:cNvSpPr>
+          <p:nvPr>
+            <p:ph type="body" sz="quarter" idx="32"/>
+          </p:nvPr>
+        </p:nvSpPr>
+        <p:spPr/>
+        <p:txBody>
+          <a:bodyPr/>
+          <a:lstStyle/>
+          <a:p>
+            <a:endParaRPr lang="de-DE"/>
+          </a:p>
+        </p:txBody>
+      </p:sp>
+      <p:sp>
+        <p:nvSpPr>
+          <p:cNvPr id="4" name="Fußzeilenplatzhalter 3">
+            <a:extLst>
+              <a:ext uri="{FF2B5EF4-FFF2-40B4-BE49-F238E27FC236}">
+                <a16:creationId xmlns:a16="http://schemas.microsoft.com/office/drawing/2014/main" id="{00C9564D-BD82-EFD6-B066-9048267AFFDC}"/>
+              </a:ext>
+            </a:extLst>
+          </p:cNvPr>
+          <p:cNvSpPr>
+            <a:spLocks noGrp="1"/>
+          </p:cNvSpPr>
+          <p:nvPr>
+            <p:ph type="ftr" sz="quarter" idx="12"/>
+          </p:nvPr>
+        </p:nvSpPr>
+        <p:spPr/>
+        <p:txBody>
+          <a:bodyPr/>
+          <a:lstStyle/>
+          <a:p>
+            <a:pPr rtl="0"/>
+            <a:r>
+              <a:rPr lang="de-DE" noProof="0"/>
+              <a:t>Fußzeile hinzufügen</a:t>
+            </a:r>
+          </a:p>
+        </p:txBody>
+      </p:sp>
+      <p:sp>
+        <p:nvSpPr>
+          <p:cNvPr id="5" name="Foliennummernplatzhalter 4">
+            <a:extLst>
+              <a:ext uri="{FF2B5EF4-FFF2-40B4-BE49-F238E27FC236}">
+                <a16:creationId xmlns:a16="http://schemas.microsoft.com/office/drawing/2014/main" id="{FDB23AAB-C522-9233-993C-98310D3800DA}"/>
+              </a:ext>
+            </a:extLst>
+          </p:cNvPr>
+          <p:cNvSpPr>
+            <a:spLocks noGrp="1"/>
+          </p:cNvSpPr>
+          <p:nvPr>
+            <p:ph type="sldNum" sz="quarter" idx="33"/>
+          </p:nvPr>
+        </p:nvSpPr>
+        <p:spPr/>
+        <p:txBody>
+          <a:bodyPr/>
+          <a:lstStyle/>
+          <a:p>
+            <a:pPr rtl="0"/>
+            <a:fld id="{19B51A1E-902D-48AF-9020-955120F399B6}" type="slidenum">
+              <a:rPr lang="de-DE" noProof="0" smtClean="0"/>
+              <a:pPr rtl="0"/>
+              <a:t>14</a:t>
+            </a:fld>
+            <a:endParaRPr lang="de-DE" noProof="0"/>
+          </a:p>
+        </p:txBody>
+      </p:sp>
+      <p:pic>
+        <p:nvPicPr>
+          <p:cNvPr id="7" name="Grafik 6">
+            <a:extLst>
+              <a:ext uri="{FF2B5EF4-FFF2-40B4-BE49-F238E27FC236}">
+                <a16:creationId xmlns:a16="http://schemas.microsoft.com/office/drawing/2014/main" id="{CA394E50-B1F6-3818-DE07-7C1A2D7F1BE8}"/>
+              </a:ext>
+            </a:extLst>
+          </p:cNvPr>
+          <p:cNvPicPr>
+            <a:picLocks noChangeAspect="1"/>
+          </p:cNvPicPr>
+          <p:nvPr/>
+        </p:nvPicPr>
+        <p:blipFill>
+          <a:blip r:embed="rId2"/>
+          <a:srcRect/>
+          <a:stretch/>
+        </p:blipFill>
+        <p:spPr>
+          <a:xfrm>
+            <a:off x="6298902" y="2214281"/>
+            <a:ext cx="5472411" cy="3241252"/>
+          </a:xfrm>
+          <a:prstGeom prst="rect">
+            <a:avLst/>
+          </a:prstGeom>
+        </p:spPr>
+      </p:pic>
+      <p:pic>
+        <p:nvPicPr>
+          <p:cNvPr id="8" name="Grafik 7">
+            <a:extLst>
+              <a:ext uri="{FF2B5EF4-FFF2-40B4-BE49-F238E27FC236}">
+                <a16:creationId xmlns:a16="http://schemas.microsoft.com/office/drawing/2014/main" id="{3BBA4598-0CA7-7FE0-197B-8971D2ABE7F0}"/>
+              </a:ext>
+            </a:extLst>
+          </p:cNvPr>
+          <p:cNvPicPr>
+            <a:picLocks noChangeAspect="1"/>
+          </p:cNvPicPr>
+          <p:nvPr/>
+        </p:nvPicPr>
+        <p:blipFill>
+          <a:blip r:embed="rId3"/>
+          <a:srcRect/>
+          <a:stretch/>
+        </p:blipFill>
+        <p:spPr>
+          <a:xfrm>
+            <a:off x="460636" y="1888391"/>
+            <a:ext cx="5414738" cy="3893031"/>
+          </a:xfrm>
+          <a:prstGeom prst="rect">
+            <a:avLst/>
+          </a:prstGeom>
+        </p:spPr>
+      </p:pic>
+    </p:spTree>
+    <p:extLst>
+      <p:ext uri="{BB962C8B-B14F-4D97-AF65-F5344CB8AC3E}">
+        <p14:creationId xmlns:p14="http://schemas.microsoft.com/office/powerpoint/2010/main" val="3025969729"/>
+      </p:ext>
+    </p:extLst>
+  </p:cSld>
+  <p:clrMapOvr>
+    <a:masterClrMapping/>
+  </p:clrMapOvr>
+</p:sld>
+</file>
+
+<file path=ppt/slides/slide15.xml><?xml version="1.0" encoding="utf-8"?>
+<p:sld xmlns:a="http://schemas.openxmlformats.org/drawingml/2006/main" xmlns:r="http://schemas.openxmlformats.org/officeDocument/2006/relationships" xmlns:p="http://schemas.openxmlformats.org/presentationml/2006/main">
+  <p:cSld>
+    <p:bg>
+      <p:bgPr>
+        <a:solidFill>
+          <a:schemeClr val="tx1">
+            <a:lumMod val="75000"/>
+            <a:lumOff val="25000"/>
+          </a:schemeClr>
+        </a:solidFill>
+        <a:effectLst/>
+      </p:bgPr>
+    </p:bg>
+    <p:spTree>
+      <p:nvGrpSpPr>
+        <p:cNvPr id="1" name=""/>
+        <p:cNvGrpSpPr/>
+        <p:nvPr/>
+      </p:nvGrpSpPr>
+      <p:grpSpPr>
+        <a:xfrm>
+          <a:off x="0" y="0"/>
+          <a:ext cx="0" cy="0"/>
+          <a:chOff x="0" y="0"/>
+          <a:chExt cx="0" cy="0"/>
+        </a:xfrm>
+      </p:grpSpPr>
+      <p:pic>
+        <p:nvPicPr>
+          <p:cNvPr id="23" name="Bildplatzhalter 22" descr="Lächelnde Frau an einem Laptop">
+            <a:extLst>
+              <a:ext uri="{FF2B5EF4-FFF2-40B4-BE49-F238E27FC236}">
+                <a16:creationId xmlns:a16="http://schemas.microsoft.com/office/drawing/2014/main" id="{35E3CE9E-B03C-CB4B-A83A-D3265C7A0545}"/>
+              </a:ext>
+            </a:extLst>
+          </p:cNvPr>
+          <p:cNvPicPr>
+            <a:picLocks noGrp="1" noChangeAspect="1"/>
+          </p:cNvPicPr>
+          <p:nvPr>
+            <p:ph type="pic" sz="quarter" idx="10"/>
+          </p:nvPr>
+        </p:nvPicPr>
+        <p:blipFill>
+          <a:blip r:embed="rId3" cstate="screen">
+            <a:extLst>
+              <a:ext uri="{28A0092B-C50C-407E-A947-70E740481C1C}">
+                <a14:useLocalDpi xmlns:a14="http://schemas.microsoft.com/office/drawing/2010/main"/>
+              </a:ext>
+            </a:extLst>
+          </a:blip>
+          <a:srcRect/>
+          <a:stretch>
+            <a:fillRect/>
+          </a:stretch>
+        </p:blipFill>
+        <p:spPr/>
+      </p:pic>
+      <p:sp>
+        <p:nvSpPr>
+          <p:cNvPr id="3" name="Titel 2">
+            <a:extLst>
+              <a:ext uri="{FF2B5EF4-FFF2-40B4-BE49-F238E27FC236}">
+                <a16:creationId xmlns:a16="http://schemas.microsoft.com/office/drawing/2014/main" id="{200B3D2B-613A-41BE-987D-E6A1324B456D}"/>
+              </a:ext>
+            </a:extLst>
+          </p:cNvPr>
+          <p:cNvSpPr>
+            <a:spLocks noGrp="1"/>
+          </p:cNvSpPr>
+          <p:nvPr>
+            <p:ph type="title"/>
+          </p:nvPr>
+        </p:nvSpPr>
+        <p:spPr>
+          <a:xfrm>
+            <a:off x="-1700" y="2156226"/>
+            <a:ext cx="4903599" cy="1958400"/>
+          </a:xfrm>
+        </p:spPr>
+        <p:txBody>
+          <a:bodyPr rtlCol="0"/>
+          <a:lstStyle/>
+          <a:p>
+            <a:pPr rtl="0"/>
+            <a:r>
+              <a:rPr lang="de-DE" sz="5450" dirty="0"/>
+              <a:t>Abschnittstrenn-linie Option 2</a:t>
+            </a:r>
+          </a:p>
+        </p:txBody>
+      </p:sp>
+      <p:sp>
+        <p:nvSpPr>
+          <p:cNvPr id="10" name="Textplatzhalter 9">
+            <a:extLst>
+              <a:ext uri="{FF2B5EF4-FFF2-40B4-BE49-F238E27FC236}">
+                <a16:creationId xmlns:a16="http://schemas.microsoft.com/office/drawing/2014/main" id="{2972F17A-D965-40B9-8ABB-C634072DBCC0}"/>
+              </a:ext>
+            </a:extLst>
+          </p:cNvPr>
+          <p:cNvSpPr>
+            <a:spLocks noGrp="1"/>
+          </p:cNvSpPr>
+          <p:nvPr>
+            <p:ph type="body" sz="quarter" idx="13"/>
+          </p:nvPr>
+        </p:nvSpPr>
+        <p:spPr>
+          <a:xfrm>
+            <a:off x="0" y="4110760"/>
+            <a:ext cx="4902200" cy="1100565"/>
+          </a:xfrm>
+        </p:spPr>
+        <p:txBody>
+          <a:bodyPr rtlCol="0"/>
+          <a:lstStyle/>
+          <a:p>
+            <a:pPr rtl="0"/>
+            <a:r>
+              <a:rPr lang="de-DE"/>
+              <a:t>Lorem ipsum dolor sit amet, consectetur adipiscing elit</a:t>
+            </a:r>
+          </a:p>
+          <a:p>
+            <a:pPr rtl="0"/>
+            <a:endParaRPr lang="de-DE"/>
+          </a:p>
+        </p:txBody>
+      </p:sp>
+      <p:sp>
+        <p:nvSpPr>
+          <p:cNvPr id="5" name="Foliennummernplatzhalter 4">
+            <a:extLst>
+              <a:ext uri="{FF2B5EF4-FFF2-40B4-BE49-F238E27FC236}">
+                <a16:creationId xmlns:a16="http://schemas.microsoft.com/office/drawing/2014/main" id="{F6964141-6F81-4947-A236-746D94ED3F6F}"/>
+              </a:ext>
+            </a:extLst>
+          </p:cNvPr>
+          <p:cNvSpPr>
+            <a:spLocks noGrp="1"/>
+          </p:cNvSpPr>
+          <p:nvPr>
+            <p:ph type="sldNum" sz="quarter" idx="12"/>
+          </p:nvPr>
+        </p:nvSpPr>
+        <p:spPr/>
+        <p:txBody>
+          <a:bodyPr rtlCol="0"/>
+          <a:lstStyle/>
+          <a:p>
+            <a:pPr rtl="0"/>
+            <a:fld id="{19B51A1E-902D-48AF-9020-955120F399B6}" type="slidenum">
+              <a:rPr lang="de-DE" smtClean="0"/>
+              <a:pPr rtl="0"/>
+              <a:t>15</a:t>
+            </a:fld>
+            <a:endParaRPr lang="de-DE"/>
+          </a:p>
+        </p:txBody>
+      </p:sp>
+    </p:spTree>
+    <p:extLst>
+      <p:ext uri="{BB962C8B-B14F-4D97-AF65-F5344CB8AC3E}">
+        <p14:creationId xmlns:p14="http://schemas.microsoft.com/office/powerpoint/2010/main" val="2117695413"/>
+      </p:ext>
+    </p:extLst>
+  </p:cSld>
+  <p:clrMapOvr>
+    <a:masterClrMapping/>
+  </p:clrMapOvr>
+</p:sld>
+</file>
+
+<file path=ppt/slides/slide16.xml><?xml version="1.0" encoding="utf-8"?>
+<p:sld xmlns:a="http://schemas.openxmlformats.org/drawingml/2006/main" xmlns:r="http://schemas.openxmlformats.org/officeDocument/2006/relationships" xmlns:p="http://schemas.openxmlformats.org/presentationml/2006/main">
+  <p:cSld>
+    <p:spTree>
+      <p:nvGrpSpPr>
+        <p:cNvPr id="1" name=""/>
+        <p:cNvGrpSpPr/>
+        <p:nvPr/>
+      </p:nvGrpSpPr>
+      <p:grpSpPr>
+        <a:xfrm>
+          <a:off x="0" y="0"/>
+          <a:ext cx="0" cy="0"/>
+          <a:chOff x="0" y="0"/>
+          <a:chExt cx="0" cy="0"/>
+        </a:xfrm>
+      </p:grpSpPr>
+      <p:sp>
+        <p:nvSpPr>
+          <p:cNvPr id="2" name="Titel 1">
+            <a:extLst>
+              <a:ext uri="{FF2B5EF4-FFF2-40B4-BE49-F238E27FC236}">
+                <a16:creationId xmlns:a16="http://schemas.microsoft.com/office/drawing/2014/main" id="{623FB4D5-DA14-4F29-9320-2DE0A6B571B9}"/>
+              </a:ext>
+            </a:extLst>
+          </p:cNvPr>
+          <p:cNvSpPr>
+            <a:spLocks noGrp="1"/>
+          </p:cNvSpPr>
+          <p:nvPr>
+            <p:ph type="title"/>
+          </p:nvPr>
+        </p:nvSpPr>
+        <p:spPr/>
+        <p:txBody>
+          <a:bodyPr rtlCol="0"/>
+          <a:lstStyle/>
+          <a:p>
+            <a:pPr rtl="0"/>
+            <a:r>
+              <a:rPr lang="de-DE" dirty="0"/>
+              <a:t>Diagrammoptionen</a:t>
+            </a:r>
+          </a:p>
+        </p:txBody>
+      </p:sp>
+      <p:sp>
+        <p:nvSpPr>
+          <p:cNvPr id="3" name="Textplatzhalter 2">
+            <a:extLst>
+              <a:ext uri="{FF2B5EF4-FFF2-40B4-BE49-F238E27FC236}">
+                <a16:creationId xmlns:a16="http://schemas.microsoft.com/office/drawing/2014/main" id="{DE9D0F75-42B5-4960-8C3A-291285872DAF}"/>
+              </a:ext>
+            </a:extLst>
+          </p:cNvPr>
+          <p:cNvSpPr>
+            <a:spLocks noGrp="1"/>
+          </p:cNvSpPr>
+          <p:nvPr>
+            <p:ph type="body" sz="quarter" idx="32"/>
+          </p:nvPr>
+        </p:nvSpPr>
+        <p:spPr>
+          <a:xfrm>
+            <a:off x="431800" y="1008000"/>
+            <a:ext cx="11339513" cy="360000"/>
+          </a:xfrm>
+        </p:spPr>
+        <p:txBody>
+          <a:bodyPr rtlCol="0"/>
+          <a:lstStyle/>
+          <a:p>
+            <a:pPr rtl="0"/>
+            <a:r>
+              <a:rPr lang="de-DE"/>
+              <a:t>Lorem ipsum dolor sit amet, consectetur adipiscing elit. </a:t>
+            </a:r>
+          </a:p>
+        </p:txBody>
+      </p:sp>
+      <p:graphicFrame>
+        <p:nvGraphicFramePr>
+          <p:cNvPr id="4" name="Diagramm 3" title="Bruttoeinnahmen-Platzhalterdiagramm">
+            <a:extLst>
+              <a:ext uri="{FF2B5EF4-FFF2-40B4-BE49-F238E27FC236}">
+                <a16:creationId xmlns:a16="http://schemas.microsoft.com/office/drawing/2014/main" id="{FFE8AFAB-AE1F-4453-8C1B-70D2EF9B1373}"/>
+              </a:ext>
+            </a:extLst>
+          </p:cNvPr>
+          <p:cNvGraphicFramePr/>
+          <p:nvPr>
+            <p:extLst>
+              <p:ext uri="{D42A27DB-BD31-4B8C-83A1-F6EECF244321}">
+                <p14:modId xmlns:p14="http://schemas.microsoft.com/office/powerpoint/2010/main" val="49024977"/>
+              </p:ext>
+            </p:extLst>
+          </p:nvPr>
+        </p:nvGraphicFramePr>
+        <p:xfrm>
+          <a:off x="431800" y="1512000"/>
+          <a:ext cx="3389313" cy="4444199"/>
+        </p:xfrm>
+        <a:graphic>
+          <a:graphicData uri="http://schemas.openxmlformats.org/drawingml/2006/chart">
+            <c:chart xmlns:c="http://schemas.openxmlformats.org/drawingml/2006/chart" xmlns:r="http://schemas.openxmlformats.org/officeDocument/2006/relationships" r:id="rId3"/>
+          </a:graphicData>
+        </a:graphic>
+      </p:graphicFrame>
+      <p:graphicFrame>
+        <p:nvGraphicFramePr>
+          <p:cNvPr id="7" name="Diagramm 6" title="Bruttoeinnahmen-Platzhalterdiagramm">
+            <a:extLst>
+              <a:ext uri="{FF2B5EF4-FFF2-40B4-BE49-F238E27FC236}">
+                <a16:creationId xmlns:a16="http://schemas.microsoft.com/office/drawing/2014/main" id="{9BEBE5AF-1D10-425C-8F3C-2236E52E6E67}"/>
+              </a:ext>
+            </a:extLst>
+          </p:cNvPr>
+          <p:cNvGraphicFramePr/>
+          <p:nvPr>
+            <p:extLst>
+              <p:ext uri="{D42A27DB-BD31-4B8C-83A1-F6EECF244321}">
+                <p14:modId xmlns:p14="http://schemas.microsoft.com/office/powerpoint/2010/main" val="428007767"/>
+              </p:ext>
+            </p:extLst>
+          </p:nvPr>
+        </p:nvGraphicFramePr>
+        <p:xfrm>
+          <a:off x="4406900" y="1512000"/>
+          <a:ext cx="3389313" cy="4444199"/>
+        </p:xfrm>
+        <a:graphic>
+          <a:graphicData uri="http://schemas.openxmlformats.org/drawingml/2006/chart">
+            <c:chart xmlns:c="http://schemas.openxmlformats.org/drawingml/2006/chart" xmlns:r="http://schemas.openxmlformats.org/officeDocument/2006/relationships" r:id="rId4"/>
+          </a:graphicData>
+        </a:graphic>
+      </p:graphicFrame>
+      <p:graphicFrame>
+        <p:nvGraphicFramePr>
+          <p:cNvPr id="8" name="Diagramm 7" title="Bruttoeinnahmen-Platzhalterdiagramm">
+            <a:extLst>
+              <a:ext uri="{FF2B5EF4-FFF2-40B4-BE49-F238E27FC236}">
+                <a16:creationId xmlns:a16="http://schemas.microsoft.com/office/drawing/2014/main" id="{A8D5CDFF-2AF9-4CDE-BF8D-15F294BD5095}"/>
+              </a:ext>
+            </a:extLst>
+          </p:cNvPr>
+          <p:cNvGraphicFramePr/>
+          <p:nvPr>
+            <p:extLst>
+              <p:ext uri="{D42A27DB-BD31-4B8C-83A1-F6EECF244321}">
+                <p14:modId xmlns:p14="http://schemas.microsoft.com/office/powerpoint/2010/main" val="2615495511"/>
+              </p:ext>
+            </p:extLst>
+          </p:nvPr>
+        </p:nvGraphicFramePr>
+        <p:xfrm>
+          <a:off x="8382000" y="1512000"/>
+          <a:ext cx="3389313" cy="4444199"/>
+        </p:xfrm>
+        <a:graphic>
+          <a:graphicData uri="http://schemas.openxmlformats.org/drawingml/2006/chart">
+            <c:chart xmlns:c="http://schemas.openxmlformats.org/drawingml/2006/chart" xmlns:r="http://schemas.openxmlformats.org/officeDocument/2006/relationships" r:id="rId5"/>
+          </a:graphicData>
+        </a:graphic>
+      </p:graphicFrame>
+      <p:sp>
+        <p:nvSpPr>
+          <p:cNvPr id="9" name="Foliennummernplatzhalter 8">
+            <a:extLst>
+              <a:ext uri="{FF2B5EF4-FFF2-40B4-BE49-F238E27FC236}">
+                <a16:creationId xmlns:a16="http://schemas.microsoft.com/office/drawing/2014/main" id="{00A34EBD-7DEA-4599-A81B-0A363A0E17FC}"/>
+              </a:ext>
+            </a:extLst>
+          </p:cNvPr>
+          <p:cNvSpPr>
+            <a:spLocks noGrp="1"/>
+          </p:cNvSpPr>
+          <p:nvPr>
+            <p:ph type="sldNum" sz="quarter" idx="33"/>
+          </p:nvPr>
+        </p:nvSpPr>
+        <p:spPr>
+          <a:xfrm>
+            <a:off x="11760000" y="6371351"/>
+            <a:ext cx="432000" cy="432000"/>
+          </a:xfrm>
+        </p:spPr>
+        <p:txBody>
+          <a:bodyPr rtlCol="0"/>
+          <a:lstStyle/>
+          <a:p>
+            <a:pPr rtl="0"/>
+            <a:fld id="{19B51A1E-902D-48AF-9020-955120F399B6}" type="slidenum">
+              <a:rPr lang="de-DE" smtClean="0"/>
+              <a:pPr rtl="0"/>
+              <a:t>16</a:t>
+            </a:fld>
+            <a:endParaRPr lang="de-DE" dirty="0"/>
+          </a:p>
+        </p:txBody>
+      </p:sp>
+    </p:spTree>
+    <p:extLst>
+      <p:ext uri="{BB962C8B-B14F-4D97-AF65-F5344CB8AC3E}">
+        <p14:creationId xmlns:p14="http://schemas.microsoft.com/office/powerpoint/2010/main" val="25800700"/>
+      </p:ext>
+    </p:extLst>
+  </p:cSld>
+  <p:clrMapOvr>
+    <a:masterClrMapping/>
+  </p:clrMapOvr>
+</p:sld>
+</file>
+
+<file path=ppt/slides/slide17.xml><?xml version="1.0" encoding="utf-8"?>
+<p:sld xmlns:a="http://schemas.openxmlformats.org/drawingml/2006/main" xmlns:r="http://schemas.openxmlformats.org/officeDocument/2006/relationships" xmlns:p="http://schemas.openxmlformats.org/presentationml/2006/main">
+  <p:cSld>
+    <p:spTree>
+      <p:nvGrpSpPr>
+        <p:cNvPr id="1" name=""/>
+        <p:cNvGrpSpPr/>
+        <p:nvPr/>
+      </p:nvGrpSpPr>
+      <p:grpSpPr>
+        <a:xfrm>
+          <a:off x="0" y="0"/>
+          <a:ext cx="0" cy="0"/>
+          <a:chOff x="0" y="0"/>
+          <a:chExt cx="0" cy="0"/>
+        </a:xfrm>
+      </p:grpSpPr>
+      <p:sp>
+        <p:nvSpPr>
+          <p:cNvPr id="2" name="Titel 1">
+            <a:extLst>
+              <a:ext uri="{FF2B5EF4-FFF2-40B4-BE49-F238E27FC236}">
+                <a16:creationId xmlns:a16="http://schemas.microsoft.com/office/drawing/2014/main" id="{E7267129-D582-495A-8F4B-6B9075899DD6}"/>
+              </a:ext>
+            </a:extLst>
+          </p:cNvPr>
+          <p:cNvSpPr>
+            <a:spLocks noGrp="1"/>
+          </p:cNvSpPr>
+          <p:nvPr>
+            <p:ph type="title"/>
+          </p:nvPr>
+        </p:nvSpPr>
+        <p:spPr/>
+        <p:txBody>
+          <a:bodyPr rtlCol="0"/>
+          <a:lstStyle/>
+          <a:p>
+            <a:pPr rtl="0"/>
+            <a:r>
+              <a:rPr lang="de-DE"/>
+              <a:t>Tabelle</a:t>
+            </a:r>
+          </a:p>
+        </p:txBody>
+      </p:sp>
+      <p:sp>
+        <p:nvSpPr>
+          <p:cNvPr id="3" name="Textplatzhalter 2">
+            <a:extLst>
+              <a:ext uri="{FF2B5EF4-FFF2-40B4-BE49-F238E27FC236}">
+                <a16:creationId xmlns:a16="http://schemas.microsoft.com/office/drawing/2014/main" id="{F204AFD2-303D-4B48-AA3E-C96B74D8127A}"/>
+              </a:ext>
+            </a:extLst>
+          </p:cNvPr>
+          <p:cNvSpPr>
+            <a:spLocks noGrp="1"/>
+          </p:cNvSpPr>
+          <p:nvPr>
+            <p:ph type="body" sz="quarter" idx="32"/>
+          </p:nvPr>
+        </p:nvSpPr>
+        <p:spPr/>
+        <p:txBody>
+          <a:bodyPr rtlCol="0"/>
+          <a:lstStyle/>
+          <a:p>
+            <a:pPr rtl="0"/>
+            <a:r>
+              <a:rPr lang="de-DE"/>
+              <a:t>Lorem ipsum dolor sit amet, consectetur adipiscing elit. </a:t>
+            </a:r>
+          </a:p>
+        </p:txBody>
+      </p:sp>
+      <p:graphicFrame>
+        <p:nvGraphicFramePr>
+          <p:cNvPr id="4" name="Tabelle 3">
+            <a:extLst>
+              <a:ext uri="{FF2B5EF4-FFF2-40B4-BE49-F238E27FC236}">
+                <a16:creationId xmlns:a16="http://schemas.microsoft.com/office/drawing/2014/main" id="{BEE0921D-4C1D-4106-9AC0-F73F30E8DA3C}"/>
+              </a:ext>
+            </a:extLst>
+          </p:cNvPr>
+          <p:cNvGraphicFramePr>
+            <a:graphicFrameLocks noGrp="1"/>
+          </p:cNvGraphicFramePr>
+          <p:nvPr>
+            <p:extLst>
+              <p:ext uri="{D42A27DB-BD31-4B8C-83A1-F6EECF244321}">
+                <p14:modId xmlns:p14="http://schemas.microsoft.com/office/powerpoint/2010/main" val="3547620531"/>
+              </p:ext>
+            </p:extLst>
+          </p:nvPr>
+        </p:nvGraphicFramePr>
+        <p:xfrm>
+          <a:off x="431801" y="1614845"/>
+          <a:ext cx="11339510" cy="4252505"/>
+        </p:xfrm>
+        <a:graphic>
+          <a:graphicData uri="http://schemas.openxmlformats.org/drawingml/2006/table">
+            <a:tbl>
+              <a:tblPr firstRow="1" firstCol="1">
+                <a:tableStyleId>{5C22544A-7EE6-4342-B048-85BDC9FD1C3A}</a:tableStyleId>
+              </a:tblPr>
+              <a:tblGrid>
+                <a:gridCol w="1619930">
+                  <a:extLst>
+                    <a:ext uri="{9D8B030D-6E8A-4147-A177-3AD203B41FA5}">
+                      <a16:colId xmlns:a16="http://schemas.microsoft.com/office/drawing/2014/main" val="1173992025"/>
+                    </a:ext>
+                  </a:extLst>
+                </a:gridCol>
+                <a:gridCol w="1619930">
+                  <a:extLst>
+                    <a:ext uri="{9D8B030D-6E8A-4147-A177-3AD203B41FA5}">
+                      <a16:colId xmlns:a16="http://schemas.microsoft.com/office/drawing/2014/main" val="115202853"/>
+                    </a:ext>
+                  </a:extLst>
+                </a:gridCol>
+                <a:gridCol w="1619930">
+                  <a:extLst>
+                    <a:ext uri="{9D8B030D-6E8A-4147-A177-3AD203B41FA5}">
+                      <a16:colId xmlns:a16="http://schemas.microsoft.com/office/drawing/2014/main" val="1010693434"/>
+                    </a:ext>
+                  </a:extLst>
+                </a:gridCol>
+                <a:gridCol w="1619930">
+                  <a:extLst>
+                    <a:ext uri="{9D8B030D-6E8A-4147-A177-3AD203B41FA5}">
+                      <a16:colId xmlns:a16="http://schemas.microsoft.com/office/drawing/2014/main" val="608292439"/>
+                    </a:ext>
+                  </a:extLst>
+                </a:gridCol>
+                <a:gridCol w="1619930">
+                  <a:extLst>
+                    <a:ext uri="{9D8B030D-6E8A-4147-A177-3AD203B41FA5}">
+                      <a16:colId xmlns:a16="http://schemas.microsoft.com/office/drawing/2014/main" val="1007882540"/>
+                    </a:ext>
+                  </a:extLst>
+                </a:gridCol>
+                <a:gridCol w="1619930">
+                  <a:extLst>
+                    <a:ext uri="{9D8B030D-6E8A-4147-A177-3AD203B41FA5}">
+                      <a16:colId xmlns:a16="http://schemas.microsoft.com/office/drawing/2014/main" val="3778082769"/>
+                    </a:ext>
+                  </a:extLst>
+                </a:gridCol>
+                <a:gridCol w="1619930">
+                  <a:extLst>
+                    <a:ext uri="{9D8B030D-6E8A-4147-A177-3AD203B41FA5}">
+                      <a16:colId xmlns:a16="http://schemas.microsoft.com/office/drawing/2014/main" val="1136644251"/>
+                    </a:ext>
+                  </a:extLst>
+                </a:gridCol>
+              </a:tblGrid>
+              <a:tr h="617885">
+                <a:tc>
+                  <a:txBody>
+                    <a:bodyPr/>
+                    <a:lstStyle/>
+                    <a:p>
+                      <a:pPr algn="ctr" rtl="0"/>
+                      <a:endParaRPr lang="en-ZA" dirty="0">
+                        <a:solidFill>
+                          <a:schemeClr val="bg1"/>
+                        </a:solidFill>
+                      </a:endParaRPr>
+                    </a:p>
+                  </a:txBody>
+                  <a:tcPr>
+                    <a:lnL w="12700" cap="flat" cmpd="sng" algn="ctr">
+                      <a:noFill/>
+                      <a:prstDash val="solid"/>
+                      <a:round/>
+                      <a:headEnd type="none" w="med" len="med"/>
+                      <a:tailEnd type="none" w="med" len="med"/>
+                    </a:lnL>
+                    <a:lnR w="12700" cap="flat" cmpd="sng" algn="ctr">
+                      <a:noFill/>
+                      <a:prstDash val="solid"/>
+                      <a:round/>
+                      <a:headEnd type="none" w="med" len="med"/>
+                      <a:tailEnd type="none" w="med" len="med"/>
+                    </a:lnR>
+                    <a:lnT w="12700" cap="flat" cmpd="sng" algn="ctr">
+                      <a:noFill/>
+                      <a:prstDash val="solid"/>
+                      <a:round/>
+                      <a:headEnd type="none" w="med" len="med"/>
+                      <a:tailEnd type="none" w="med" len="med"/>
+                    </a:lnT>
+                    <a:lnB w="12700" cap="flat" cmpd="sng" algn="ctr">
+                      <a:noFill/>
+                      <a:prstDash val="solid"/>
+                      <a:round/>
+                      <a:headEnd type="none" w="med" len="med"/>
+                      <a:tailEnd type="none" w="med" len="med"/>
+                    </a:lnB>
+                    <a:lnTlToBr w="12700" cmpd="sng">
+                      <a:noFill/>
+                      <a:prstDash val="solid"/>
+                    </a:lnTlToBr>
+                    <a:lnBlToTr w="12700" cmpd="sng">
+                      <a:noFill/>
+                      <a:prstDash val="solid"/>
+                    </a:lnBlToTr>
+                    <a:solidFill>
+                      <a:schemeClr val="tx1">
+                        <a:lumMod val="85000"/>
+                        <a:lumOff val="15000"/>
+                      </a:schemeClr>
+                    </a:solidFill>
+                  </a:tcPr>
+                </a:tc>
+                <a:tc>
+                  <a:txBody>
+                    <a:bodyPr/>
+                    <a:lstStyle/>
+                    <a:p>
+                      <a:pPr algn="ctr" rtl="0"/>
+                      <a:r>
+                        <a:rPr lang="de" sz="1600" b="0">
+                          <a:solidFill>
+                            <a:schemeClr val="bg1"/>
+                          </a:solidFill>
+                          <a:latin typeface="+mj-lt"/>
+                        </a:rPr>
+                        <a:t>Anbieter</a:t>
+                      </a:r>
+                    </a:p>
+                  </a:txBody>
+                  <a:tcPr>
+                    <a:lnL w="12700" cap="flat" cmpd="sng" algn="ctr">
+                      <a:noFill/>
+                      <a:prstDash val="solid"/>
+                      <a:round/>
+                      <a:headEnd type="none" w="med" len="med"/>
+                      <a:tailEnd type="none" w="med" len="med"/>
+                    </a:lnL>
+                    <a:lnR w="12700" cap="flat" cmpd="sng" algn="ctr">
+                      <a:solidFill>
+                        <a:schemeClr val="tx1"/>
+                      </a:solidFill>
+                      <a:prstDash val="solid"/>
+                      <a:round/>
+                      <a:headEnd type="none" w="med" len="med"/>
+                      <a:tailEnd type="none" w="med" len="med"/>
+                    </a:lnR>
+                    <a:lnT w="12700" cap="flat" cmpd="sng" algn="ctr">
+                      <a:noFill/>
+                      <a:prstDash val="solid"/>
+                      <a:round/>
+                      <a:headEnd type="none" w="med" len="med"/>
+                      <a:tailEnd type="none" w="med" len="med"/>
+                    </a:lnT>
+                    <a:lnB w="12700" cap="flat" cmpd="sng" algn="ctr">
+                      <a:noFill/>
+                      <a:prstDash val="solid"/>
+                      <a:round/>
+                      <a:headEnd type="none" w="med" len="med"/>
+                      <a:tailEnd type="none" w="med" len="med"/>
+                    </a:lnB>
+                    <a:lnTlToBr w="12700" cmpd="sng">
+                      <a:noFill/>
+                      <a:prstDash val="solid"/>
+                    </a:lnTlToBr>
+                    <a:lnBlToTr w="12700" cmpd="sng">
+                      <a:noFill/>
+                      <a:prstDash val="solid"/>
+                    </a:lnBlToTr>
+                    <a:solidFill>
+                      <a:schemeClr val="tx1">
+                        <a:lumMod val="75000"/>
+                        <a:lumOff val="25000"/>
+                      </a:schemeClr>
+                    </a:solidFill>
+                  </a:tcPr>
+                </a:tc>
+                <a:tc>
+                  <a:txBody>
+                    <a:bodyPr/>
+                    <a:lstStyle/>
+                    <a:p>
+                      <a:pPr algn="ctr" rtl="0"/>
+                      <a:r>
+                        <a:rPr lang="de" sz="1600" b="0">
+                          <a:solidFill>
+                            <a:schemeClr val="bg1"/>
+                          </a:solidFill>
+                          <a:latin typeface="+mj-lt"/>
+                        </a:rPr>
+                        <a:t>Benutzer</a:t>
+                      </a:r>
+                    </a:p>
+                  </a:txBody>
+                  <a:tcPr>
+                    <a:lnL w="12700" cap="flat" cmpd="sng" algn="ctr">
+                      <a:solidFill>
+                        <a:schemeClr val="tx1"/>
+                      </a:solidFill>
+                      <a:prstDash val="solid"/>
+                      <a:round/>
+                      <a:headEnd type="none" w="med" len="med"/>
+                      <a:tailEnd type="none" w="med" len="med"/>
+                    </a:lnL>
+                    <a:lnR w="12700" cap="flat" cmpd="sng" algn="ctr">
+                      <a:solidFill>
+                        <a:schemeClr val="tx1"/>
+                      </a:solidFill>
+                      <a:prstDash val="solid"/>
+                      <a:round/>
+                      <a:headEnd type="none" w="med" len="med"/>
+                      <a:tailEnd type="none" w="med" len="med"/>
+                    </a:lnR>
+                    <a:lnT w="12700" cap="flat" cmpd="sng" algn="ctr">
+                      <a:noFill/>
+                      <a:prstDash val="solid"/>
+                      <a:round/>
+                      <a:headEnd type="none" w="med" len="med"/>
+                      <a:tailEnd type="none" w="med" len="med"/>
+                    </a:lnT>
+                    <a:lnB w="12700" cap="flat" cmpd="sng" algn="ctr">
+                      <a:noFill/>
+                      <a:prstDash val="solid"/>
+                      <a:round/>
+                      <a:headEnd type="none" w="med" len="med"/>
+                      <a:tailEnd type="none" w="med" len="med"/>
+                    </a:lnB>
+                    <a:lnTlToBr w="12700" cmpd="sng">
+                      <a:noFill/>
+                      <a:prstDash val="solid"/>
+                    </a:lnTlToBr>
+                    <a:lnBlToTr w="12700" cmpd="sng">
+                      <a:noFill/>
+                      <a:prstDash val="solid"/>
+                    </a:lnBlToTr>
+                    <a:solidFill>
+                      <a:schemeClr val="tx1">
+                        <a:lumMod val="75000"/>
+                        <a:lumOff val="25000"/>
+                      </a:schemeClr>
+                    </a:solidFill>
+                  </a:tcPr>
+                </a:tc>
+                <a:tc>
+                  <a:txBody>
+                    <a:bodyPr/>
+                    <a:lstStyle/>
+                    <a:p>
+                      <a:pPr algn="ctr" rtl="0"/>
+                      <a:r>
+                        <a:rPr lang="de" sz="1600" b="0">
+                          <a:solidFill>
+                            <a:schemeClr val="bg1"/>
+                          </a:solidFill>
+                          <a:latin typeface="+mj-lt"/>
+                        </a:rPr>
+                        <a:t>Berater</a:t>
+                      </a:r>
+                    </a:p>
+                  </a:txBody>
+                  <a:tcPr>
+                    <a:lnL w="12700" cap="flat" cmpd="sng" algn="ctr">
+                      <a:solidFill>
+                        <a:schemeClr val="tx1"/>
+                      </a:solidFill>
+                      <a:prstDash val="solid"/>
+                      <a:round/>
+                      <a:headEnd type="none" w="med" len="med"/>
+                      <a:tailEnd type="none" w="med" len="med"/>
+                    </a:lnL>
+                    <a:lnR w="12700" cap="flat" cmpd="sng" algn="ctr">
+                      <a:solidFill>
+                        <a:schemeClr val="tx1"/>
+                      </a:solidFill>
+                      <a:prstDash val="solid"/>
+                      <a:round/>
+                      <a:headEnd type="none" w="med" len="med"/>
+                      <a:tailEnd type="none" w="med" len="med"/>
+                    </a:lnR>
+                    <a:lnT w="12700" cap="flat" cmpd="sng" algn="ctr">
+                      <a:noFill/>
+                      <a:prstDash val="solid"/>
+                      <a:round/>
+                      <a:headEnd type="none" w="med" len="med"/>
+                      <a:tailEnd type="none" w="med" len="med"/>
+                    </a:lnT>
+                    <a:lnB w="12700" cap="flat" cmpd="sng" algn="ctr">
+                      <a:noFill/>
+                      <a:prstDash val="solid"/>
+                      <a:round/>
+                      <a:headEnd type="none" w="med" len="med"/>
+                      <a:tailEnd type="none" w="med" len="med"/>
+                    </a:lnB>
+                    <a:lnTlToBr w="12700" cmpd="sng">
+                      <a:noFill/>
+                      <a:prstDash val="solid"/>
+                    </a:lnTlToBr>
+                    <a:lnBlToTr w="12700" cmpd="sng">
+                      <a:noFill/>
+                      <a:prstDash val="solid"/>
+                    </a:lnBlToTr>
+                    <a:solidFill>
+                      <a:schemeClr val="tx1">
+                        <a:lumMod val="75000"/>
+                        <a:lumOff val="25000"/>
+                      </a:schemeClr>
+                    </a:solidFill>
+                  </a:tcPr>
+                </a:tc>
+                <a:tc>
+                  <a:txBody>
+                    <a:bodyPr/>
+                    <a:lstStyle/>
+                    <a:p>
+                      <a:pPr algn="ctr" rtl="0"/>
+                      <a:r>
+                        <a:rPr lang="de" sz="1600" b="0">
+                          <a:solidFill>
+                            <a:schemeClr val="bg1"/>
+                          </a:solidFill>
+                          <a:latin typeface="+mj-lt"/>
+                        </a:rPr>
+                        <a:t>Anzeigenkunden</a:t>
+                      </a:r>
+                    </a:p>
+                  </a:txBody>
+                  <a:tcPr>
+                    <a:lnL w="12700" cap="flat" cmpd="sng" algn="ctr">
+                      <a:solidFill>
+                        <a:schemeClr val="tx1"/>
+                      </a:solidFill>
+                      <a:prstDash val="solid"/>
+                      <a:round/>
+                      <a:headEnd type="none" w="med" len="med"/>
+                      <a:tailEnd type="none" w="med" len="med"/>
+                    </a:lnL>
+                    <a:lnR w="12700" cap="flat" cmpd="sng" algn="ctr">
+                      <a:solidFill>
+                        <a:schemeClr val="tx1"/>
+                      </a:solidFill>
+                      <a:prstDash val="solid"/>
+                      <a:round/>
+                      <a:headEnd type="none" w="med" len="med"/>
+                      <a:tailEnd type="none" w="med" len="med"/>
+                    </a:lnR>
+                    <a:lnT w="12700" cap="flat" cmpd="sng" algn="ctr">
+                      <a:noFill/>
+                      <a:prstDash val="solid"/>
+                      <a:round/>
+                      <a:headEnd type="none" w="med" len="med"/>
+                      <a:tailEnd type="none" w="med" len="med"/>
+                    </a:lnT>
+                    <a:lnB w="12700" cap="flat" cmpd="sng" algn="ctr">
+                      <a:noFill/>
+                      <a:prstDash val="solid"/>
+                      <a:round/>
+                      <a:headEnd type="none" w="med" len="med"/>
+                      <a:tailEnd type="none" w="med" len="med"/>
+                    </a:lnB>
+                    <a:lnTlToBr w="12700" cmpd="sng">
+                      <a:noFill/>
+                      <a:prstDash val="solid"/>
+                    </a:lnTlToBr>
+                    <a:lnBlToTr w="12700" cmpd="sng">
+                      <a:noFill/>
+                      <a:prstDash val="solid"/>
+                    </a:lnBlToTr>
+                    <a:solidFill>
+                      <a:schemeClr val="tx1">
+                        <a:lumMod val="75000"/>
+                        <a:lumOff val="25000"/>
+                      </a:schemeClr>
+                    </a:solidFill>
+                  </a:tcPr>
+                </a:tc>
+                <a:tc>
+                  <a:txBody>
+                    <a:bodyPr/>
+                    <a:lstStyle/>
+                    <a:p>
+                      <a:pPr algn="ctr" rtl="0"/>
+                      <a:r>
+                        <a:rPr lang="de" sz="1600" b="0" dirty="0">
+                          <a:solidFill>
+                            <a:schemeClr val="bg1"/>
+                          </a:solidFill>
+                          <a:latin typeface="+mj-lt"/>
+                        </a:rPr>
+                        <a:t>Bruttoeinnah-men</a:t>
+                      </a:r>
+                    </a:p>
+                  </a:txBody>
+                  <a:tcPr>
+                    <a:lnL w="12700" cap="flat" cmpd="sng" algn="ctr">
+                      <a:solidFill>
+                        <a:schemeClr val="tx1"/>
+                      </a:solidFill>
+                      <a:prstDash val="solid"/>
+                      <a:round/>
+                      <a:headEnd type="none" w="med" len="med"/>
+                      <a:tailEnd type="none" w="med" len="med"/>
+                    </a:lnL>
+                    <a:lnR w="12700" cap="flat" cmpd="sng" algn="ctr">
+                      <a:solidFill>
+                        <a:schemeClr val="tx1"/>
+                      </a:solidFill>
+                      <a:prstDash val="solid"/>
+                      <a:round/>
+                      <a:headEnd type="none" w="med" len="med"/>
+                      <a:tailEnd type="none" w="med" len="med"/>
+                    </a:lnR>
+                    <a:lnT w="12700" cap="flat" cmpd="sng" algn="ctr">
+                      <a:noFill/>
+                      <a:prstDash val="solid"/>
+                      <a:round/>
+                      <a:headEnd type="none" w="med" len="med"/>
+                      <a:tailEnd type="none" w="med" len="med"/>
+                    </a:lnT>
+                    <a:lnB w="12700" cap="flat" cmpd="sng" algn="ctr">
+                      <a:noFill/>
+                      <a:prstDash val="solid"/>
+                      <a:round/>
+                      <a:headEnd type="none" w="med" len="med"/>
+                      <a:tailEnd type="none" w="med" len="med"/>
+                    </a:lnB>
+                    <a:lnTlToBr w="12700" cmpd="sng">
+                      <a:noFill/>
+                      <a:prstDash val="solid"/>
+                    </a:lnTlToBr>
+                    <a:lnBlToTr w="12700" cmpd="sng">
+                      <a:noFill/>
+                      <a:prstDash val="solid"/>
+                    </a:lnBlToTr>
+                    <a:solidFill>
+                      <a:schemeClr val="tx1">
+                        <a:lumMod val="75000"/>
+                        <a:lumOff val="25000"/>
+                      </a:schemeClr>
+                    </a:solidFill>
+                  </a:tcPr>
+                </a:tc>
+                <a:tc>
+                  <a:txBody>
+                    <a:bodyPr/>
+                    <a:lstStyle/>
+                    <a:p>
+                      <a:pPr algn="ctr" rtl="0"/>
+                      <a:r>
+                        <a:rPr lang="de" sz="1600" b="0" dirty="0">
+                          <a:solidFill>
+                            <a:schemeClr val="bg1"/>
+                          </a:solidFill>
+                          <a:latin typeface="+mj-lt"/>
+                        </a:rPr>
+                        <a:t>Firmeneinkom-men</a:t>
+                      </a:r>
+                    </a:p>
+                  </a:txBody>
+                  <a:tcPr>
+                    <a:lnL w="12700" cap="flat" cmpd="sng" algn="ctr">
+                      <a:solidFill>
+                        <a:schemeClr val="tx1"/>
+                      </a:solidFill>
+                      <a:prstDash val="solid"/>
+                      <a:round/>
+                      <a:headEnd type="none" w="med" len="med"/>
+                      <a:tailEnd type="none" w="med" len="med"/>
+                    </a:lnL>
+                    <a:lnR w="12700" cap="flat" cmpd="sng" algn="ctr">
+                      <a:noFill/>
+                      <a:prstDash val="solid"/>
+                      <a:round/>
+                      <a:headEnd type="none" w="med" len="med"/>
+                      <a:tailEnd type="none" w="med" len="med"/>
+                    </a:lnR>
+                    <a:lnT w="12700" cap="flat" cmpd="sng" algn="ctr">
+                      <a:noFill/>
+                      <a:prstDash val="solid"/>
+                      <a:round/>
+                      <a:headEnd type="none" w="med" len="med"/>
+                      <a:tailEnd type="none" w="med" len="med"/>
+                    </a:lnT>
+                    <a:lnB w="12700" cap="flat" cmpd="sng" algn="ctr">
+                      <a:noFill/>
+                      <a:prstDash val="solid"/>
+                      <a:round/>
+                      <a:headEnd type="none" w="med" len="med"/>
+                      <a:tailEnd type="none" w="med" len="med"/>
+                    </a:lnB>
+                    <a:lnTlToBr w="12700" cmpd="sng">
+                      <a:noFill/>
+                      <a:prstDash val="solid"/>
+                    </a:lnTlToBr>
+                    <a:lnBlToTr w="12700" cmpd="sng">
+                      <a:noFill/>
+                      <a:prstDash val="solid"/>
+                    </a:lnBlToTr>
+                    <a:solidFill>
+                      <a:schemeClr val="tx1">
+                        <a:lumMod val="75000"/>
+                        <a:lumOff val="25000"/>
+                      </a:schemeClr>
+                    </a:solidFill>
+                  </a:tcPr>
+                </a:tc>
+                <a:extLst>
+                  <a:ext uri="{0D108BD9-81ED-4DB2-BD59-A6C34878D82A}">
+                    <a16:rowId xmlns:a16="http://schemas.microsoft.com/office/drawing/2014/main" val="1007223600"/>
+                  </a:ext>
+                </a:extLst>
+              </a:tr>
+              <a:tr h="726924">
+                <a:tc>
+                  <a:txBody>
+                    <a:bodyPr/>
+                    <a:lstStyle/>
+                    <a:p>
+                      <a:pPr algn="ctr" rtl="0"/>
+                      <a:r>
+                        <a:rPr lang="de" sz="1600" b="1">
+                          <a:solidFill>
+                            <a:schemeClr val="tx1">
+                              <a:lumMod val="75000"/>
+                              <a:lumOff val="25000"/>
+                            </a:schemeClr>
+                          </a:solidFill>
+                        </a:rPr>
+                        <a:t>20JJ</a:t>
+                      </a:r>
+                    </a:p>
+                  </a:txBody>
+                  <a:tcPr anchor="ctr">
+                    <a:lnL w="12700" cap="flat" cmpd="sng" algn="ctr">
+                      <a:solidFill>
+                        <a:schemeClr val="bg1">
+                          <a:lumMod val="85000"/>
+                        </a:schemeClr>
+                      </a:solidFill>
+                      <a:prstDash val="solid"/>
+                      <a:round/>
+                      <a:headEnd type="none" w="med" len="med"/>
+                      <a:tailEnd type="none" w="med" len="med"/>
+                    </a:lnL>
+                    <a:lnR w="12700" cap="flat" cmpd="sng" algn="ctr">
+                      <a:solidFill>
+                        <a:schemeClr val="bg1">
+                          <a:lumMod val="85000"/>
+                        </a:schemeClr>
+                      </a:solidFill>
+                      <a:prstDash val="solid"/>
+                      <a:round/>
+                      <a:headEnd type="none" w="med" len="med"/>
+                      <a:tailEnd type="none" w="med" len="med"/>
+                    </a:lnR>
+                    <a:lnT w="12700" cap="flat" cmpd="sng" algn="ctr">
+                      <a:noFill/>
+                      <a:prstDash val="solid"/>
+                      <a:round/>
+                      <a:headEnd type="none" w="med" len="med"/>
+                      <a:tailEnd type="none" w="med" len="med"/>
+                    </a:lnT>
+                    <a:lnB w="12700" cap="flat" cmpd="sng" algn="ctr">
+                      <a:solidFill>
+                        <a:schemeClr val="bg1">
+                          <a:lumMod val="85000"/>
+                        </a:schemeClr>
+                      </a:solidFill>
+                      <a:prstDash val="solid"/>
+                      <a:round/>
+                      <a:headEnd type="none" w="med" len="med"/>
+                      <a:tailEnd type="none" w="med" len="med"/>
+                    </a:lnB>
+                    <a:lnTlToBr w="12700" cmpd="sng">
+                      <a:noFill/>
+                      <a:prstDash val="solid"/>
+                    </a:lnTlToBr>
+                    <a:lnBlToTr w="12700" cmpd="sng">
+                      <a:noFill/>
+                      <a:prstDash val="solid"/>
+                    </a:lnBlToTr>
+                    <a:solidFill>
+                      <a:schemeClr val="bg1"/>
+                    </a:solidFill>
+                  </a:tcPr>
+                </a:tc>
+                <a:tc>
+                  <a:txBody>
+                    <a:bodyPr/>
+                    <a:lstStyle/>
+                    <a:p>
+                      <a:pPr algn="r" rtl="0"/>
+                      <a:r>
+                        <a:rPr lang="de" sz="1600">
+                          <a:solidFill>
+                            <a:schemeClr val="tx1">
+                              <a:lumMod val="75000"/>
+                              <a:lumOff val="25000"/>
+                            </a:schemeClr>
+                          </a:solidFill>
+                        </a:rPr>
+                        <a:t>0</a:t>
+                      </a:r>
+                    </a:p>
+                  </a:txBody>
+                  <a:tcPr anchor="ctr">
+                    <a:lnL w="12700" cap="flat" cmpd="sng" algn="ctr">
+                      <a:solidFill>
+                        <a:schemeClr val="bg1">
+                          <a:lumMod val="85000"/>
+                        </a:schemeClr>
+                      </a:solidFill>
+                      <a:prstDash val="solid"/>
+                      <a:round/>
+                      <a:headEnd type="none" w="med" len="med"/>
+                      <a:tailEnd type="none" w="med" len="med"/>
+                    </a:lnL>
+                    <a:lnR w="3175" cap="flat" cmpd="sng" algn="ctr">
+                      <a:solidFill>
+                        <a:schemeClr val="bg1">
+                          <a:lumMod val="75000"/>
+                        </a:schemeClr>
+                      </a:solidFill>
+                      <a:prstDash val="solid"/>
+                      <a:round/>
+                      <a:headEnd type="none" w="med" len="med"/>
+                      <a:tailEnd type="none" w="med" len="med"/>
+                    </a:lnR>
+                    <a:lnT w="12700" cap="flat" cmpd="sng" algn="ctr">
+                      <a:noFill/>
+                      <a:prstDash val="solid"/>
+                      <a:round/>
+                      <a:headEnd type="none" w="med" len="med"/>
+                      <a:tailEnd type="none" w="med" len="med"/>
+                    </a:lnT>
+                    <a:lnB w="3175" cap="flat" cmpd="sng" algn="ctr">
+                      <a:solidFill>
+                        <a:schemeClr val="bg1">
+                          <a:lumMod val="75000"/>
+                        </a:schemeClr>
+                      </a:solidFill>
+                      <a:prstDash val="solid"/>
+                      <a:round/>
+                      <a:headEnd type="none" w="med" len="med"/>
+                      <a:tailEnd type="none" w="med" len="med"/>
+                    </a:lnB>
+                    <a:lnTlToBr w="12700" cmpd="sng">
+                      <a:noFill/>
+                      <a:prstDash val="solid"/>
+                    </a:lnTlToBr>
+                    <a:lnBlToTr w="12700" cmpd="sng">
+                      <a:noFill/>
+                      <a:prstDash val="solid"/>
+                    </a:lnBlToTr>
+                    <a:noFill/>
+                  </a:tcPr>
+                </a:tc>
+                <a:tc>
+                  <a:txBody>
+                    <a:bodyPr/>
+                    <a:lstStyle/>
+                    <a:p>
+                      <a:pPr algn="r" rtl="0"/>
+                      <a:r>
+                        <a:rPr lang="de" sz="1600">
+                          <a:solidFill>
+                            <a:schemeClr val="tx1">
+                              <a:lumMod val="75000"/>
+                              <a:lumOff val="25000"/>
+                            </a:schemeClr>
+                          </a:solidFill>
+                        </a:rPr>
+                        <a:t>0</a:t>
+                      </a:r>
+                    </a:p>
+                  </a:txBody>
+                  <a:tcPr anchor="ctr">
+                    <a:lnL w="3175" cap="flat" cmpd="sng" algn="ctr">
+                      <a:solidFill>
+                        <a:schemeClr val="bg1">
+                          <a:lumMod val="75000"/>
+                        </a:schemeClr>
+                      </a:solidFill>
+                      <a:prstDash val="solid"/>
+                      <a:round/>
+                      <a:headEnd type="none" w="med" len="med"/>
+                      <a:tailEnd type="none" w="med" len="med"/>
+                    </a:lnL>
+                    <a:lnR w="12700" cap="flat" cmpd="sng" algn="ctr">
+                      <a:solidFill>
+                        <a:schemeClr val="bg1">
+                          <a:lumMod val="85000"/>
+                        </a:schemeClr>
+                      </a:solidFill>
+                      <a:prstDash val="solid"/>
+                      <a:round/>
+                      <a:headEnd type="none" w="med" len="med"/>
+                      <a:tailEnd type="none" w="med" len="med"/>
+                    </a:lnR>
+                    <a:lnT w="12700" cap="flat" cmpd="sng" algn="ctr">
+                      <a:noFill/>
+                      <a:prstDash val="solid"/>
+                      <a:round/>
+                      <a:headEnd type="none" w="med" len="med"/>
+                      <a:tailEnd type="none" w="med" len="med"/>
+                    </a:lnT>
+                    <a:lnB w="3175" cap="flat" cmpd="sng" algn="ctr">
+                      <a:solidFill>
+                        <a:schemeClr val="bg1">
+                          <a:lumMod val="75000"/>
+                        </a:schemeClr>
+                      </a:solidFill>
+                      <a:prstDash val="solid"/>
+                      <a:round/>
+                      <a:headEnd type="none" w="med" len="med"/>
+                      <a:tailEnd type="none" w="med" len="med"/>
+                    </a:lnB>
+                    <a:lnTlToBr w="12700" cmpd="sng">
+                      <a:noFill/>
+                      <a:prstDash val="solid"/>
+                    </a:lnTlToBr>
+                    <a:lnBlToTr w="12700" cmpd="sng">
+                      <a:noFill/>
+                      <a:prstDash val="solid"/>
+                    </a:lnBlToTr>
+                    <a:noFill/>
+                  </a:tcPr>
+                </a:tc>
+                <a:tc>
+                  <a:txBody>
+                    <a:bodyPr/>
+                    <a:lstStyle/>
+                    <a:p>
+                      <a:pPr algn="r" rtl="0"/>
+                      <a:r>
+                        <a:rPr lang="de" sz="1600">
+                          <a:solidFill>
+                            <a:schemeClr val="tx1">
+                              <a:lumMod val="75000"/>
+                              <a:lumOff val="25000"/>
+                            </a:schemeClr>
+                          </a:solidFill>
+                        </a:rPr>
+                        <a:t>2</a:t>
+                      </a:r>
+                    </a:p>
+                  </a:txBody>
+                  <a:tcPr anchor="ctr">
+                    <a:lnL w="12700" cap="flat" cmpd="sng" algn="ctr">
+                      <a:solidFill>
+                        <a:schemeClr val="bg1">
+                          <a:lumMod val="85000"/>
+                        </a:schemeClr>
+                      </a:solidFill>
+                      <a:prstDash val="solid"/>
+                      <a:round/>
+                      <a:headEnd type="none" w="med" len="med"/>
+                      <a:tailEnd type="none" w="med" len="med"/>
+                    </a:lnL>
+                    <a:lnR w="12700" cap="flat" cmpd="sng" algn="ctr">
+                      <a:solidFill>
+                        <a:schemeClr val="bg1">
+                          <a:lumMod val="85000"/>
+                        </a:schemeClr>
+                      </a:solidFill>
+                      <a:prstDash val="solid"/>
+                      <a:round/>
+                      <a:headEnd type="none" w="med" len="med"/>
+                      <a:tailEnd type="none" w="med" len="med"/>
+                    </a:lnR>
+                    <a:lnT w="12700" cap="flat" cmpd="sng" algn="ctr">
+                      <a:noFill/>
+                      <a:prstDash val="solid"/>
+                      <a:round/>
+                      <a:headEnd type="none" w="med" len="med"/>
+                      <a:tailEnd type="none" w="med" len="med"/>
+                    </a:lnT>
+                    <a:lnB w="3175" cap="flat" cmpd="sng" algn="ctr">
+                      <a:solidFill>
+                        <a:schemeClr val="bg1">
+                          <a:lumMod val="75000"/>
+                        </a:schemeClr>
+                      </a:solidFill>
+                      <a:prstDash val="solid"/>
+                      <a:round/>
+                      <a:headEnd type="none" w="med" len="med"/>
+                      <a:tailEnd type="none" w="med" len="med"/>
+                    </a:lnB>
+                    <a:lnTlToBr w="12700" cmpd="sng">
+                      <a:noFill/>
+                      <a:prstDash val="solid"/>
+                    </a:lnTlToBr>
+                    <a:lnBlToTr w="12700" cmpd="sng">
+                      <a:noFill/>
+                      <a:prstDash val="solid"/>
+                    </a:lnBlToTr>
+                    <a:noFill/>
+                  </a:tcPr>
+                </a:tc>
+                <a:tc>
+                  <a:txBody>
+                    <a:bodyPr/>
+                    <a:lstStyle/>
+                    <a:p>
+                      <a:pPr algn="r" rtl="0"/>
+                      <a:r>
+                        <a:rPr lang="de" sz="1600">
+                          <a:solidFill>
+                            <a:schemeClr val="tx1">
+                              <a:lumMod val="75000"/>
+                              <a:lumOff val="25000"/>
+                            </a:schemeClr>
+                          </a:solidFill>
+                        </a:rPr>
+                        <a:t>0</a:t>
+                      </a:r>
+                    </a:p>
+                  </a:txBody>
+                  <a:tcPr anchor="ctr">
+                    <a:lnL w="12700" cap="flat" cmpd="sng" algn="ctr">
+                      <a:solidFill>
+                        <a:schemeClr val="bg1">
+                          <a:lumMod val="85000"/>
+                        </a:schemeClr>
+                      </a:solidFill>
+                      <a:prstDash val="solid"/>
+                      <a:round/>
+                      <a:headEnd type="none" w="med" len="med"/>
+                      <a:tailEnd type="none" w="med" len="med"/>
+                    </a:lnL>
+                    <a:lnR w="12700" cap="flat" cmpd="sng" algn="ctr">
+                      <a:solidFill>
+                        <a:schemeClr val="bg1">
+                          <a:lumMod val="85000"/>
+                        </a:schemeClr>
+                      </a:solidFill>
+                      <a:prstDash val="solid"/>
+                      <a:round/>
+                      <a:headEnd type="none" w="med" len="med"/>
+                      <a:tailEnd type="none" w="med" len="med"/>
+                    </a:lnR>
+                    <a:lnT w="12700" cap="flat" cmpd="sng" algn="ctr">
+                      <a:noFill/>
+                      <a:prstDash val="solid"/>
+                      <a:round/>
+                      <a:headEnd type="none" w="med" len="med"/>
+                      <a:tailEnd type="none" w="med" len="med"/>
+                    </a:lnT>
+                    <a:lnB w="3175" cap="flat" cmpd="sng" algn="ctr">
+                      <a:solidFill>
+                        <a:schemeClr val="bg1">
+                          <a:lumMod val="75000"/>
+                        </a:schemeClr>
+                      </a:solidFill>
+                      <a:prstDash val="solid"/>
+                      <a:round/>
+                      <a:headEnd type="none" w="med" len="med"/>
+                      <a:tailEnd type="none" w="med" len="med"/>
+                    </a:lnB>
+                    <a:lnTlToBr w="12700" cmpd="sng">
+                      <a:noFill/>
+                      <a:prstDash val="solid"/>
+                    </a:lnTlToBr>
+                    <a:lnBlToTr w="12700" cmpd="sng">
+                      <a:noFill/>
+                      <a:prstDash val="solid"/>
+                    </a:lnBlToTr>
+                    <a:noFill/>
+                  </a:tcPr>
+                </a:tc>
+                <a:tc>
+                  <a:txBody>
+                    <a:bodyPr/>
+                    <a:lstStyle/>
+                    <a:p>
+                      <a:pPr algn="r" rtl="0"/>
+                      <a:r>
+                        <a:rPr lang="de" sz="1600">
+                          <a:solidFill>
+                            <a:schemeClr val="tx1">
+                              <a:lumMod val="75000"/>
+                              <a:lumOff val="25000"/>
+                            </a:schemeClr>
+                          </a:solidFill>
+                        </a:rPr>
+                        <a:t>0 €</a:t>
+                      </a:r>
+                    </a:p>
+                  </a:txBody>
+                  <a:tcPr anchor="ctr">
+                    <a:lnL w="12700" cap="flat" cmpd="sng" algn="ctr">
+                      <a:solidFill>
+                        <a:schemeClr val="bg1">
+                          <a:lumMod val="85000"/>
+                        </a:schemeClr>
+                      </a:solidFill>
+                      <a:prstDash val="solid"/>
+                      <a:round/>
+                      <a:headEnd type="none" w="med" len="med"/>
+                      <a:tailEnd type="none" w="med" len="med"/>
+                    </a:lnL>
+                    <a:lnR w="12700" cap="flat" cmpd="sng" algn="ctr">
+                      <a:solidFill>
+                        <a:schemeClr val="bg1">
+                          <a:lumMod val="85000"/>
+                        </a:schemeClr>
+                      </a:solidFill>
+                      <a:prstDash val="solid"/>
+                      <a:round/>
+                      <a:headEnd type="none" w="med" len="med"/>
+                      <a:tailEnd type="none" w="med" len="med"/>
+                    </a:lnR>
+                    <a:lnT w="12700" cap="flat" cmpd="sng" algn="ctr">
+                      <a:noFill/>
+                      <a:prstDash val="solid"/>
+                      <a:round/>
+                      <a:headEnd type="none" w="med" len="med"/>
+                      <a:tailEnd type="none" w="med" len="med"/>
+                    </a:lnT>
+                    <a:lnB w="12700" cap="flat" cmpd="sng" algn="ctr">
+                      <a:solidFill>
+                        <a:schemeClr val="accent1"/>
+                      </a:solidFill>
+                      <a:prstDash val="solid"/>
+                      <a:round/>
+                      <a:headEnd type="none" w="med" len="med"/>
+                      <a:tailEnd type="none" w="med" len="med"/>
+                    </a:lnB>
+                    <a:lnTlToBr w="12700" cmpd="sng">
+                      <a:noFill/>
+                      <a:prstDash val="solid"/>
+                    </a:lnTlToBr>
+                    <a:lnBlToTr w="12700" cmpd="sng">
+                      <a:noFill/>
+                      <a:prstDash val="solid"/>
+                    </a:lnBlToTr>
+                    <a:solidFill>
+                      <a:schemeClr val="bg1">
+                        <a:lumMod val="95000"/>
+                      </a:schemeClr>
+                    </a:solidFill>
+                  </a:tcPr>
+                </a:tc>
+                <a:tc>
+                  <a:txBody>
+                    <a:bodyPr/>
+                    <a:lstStyle/>
+                    <a:p>
+                      <a:pPr algn="r" rtl="0"/>
+                      <a:r>
+                        <a:rPr lang="de" sz="1600">
+                          <a:solidFill>
+                            <a:schemeClr val="tx1">
+                              <a:lumMod val="75000"/>
+                              <a:lumOff val="25000"/>
+                            </a:schemeClr>
+                          </a:solidFill>
+                        </a:rPr>
+                        <a:t>0 €</a:t>
+                      </a:r>
+                    </a:p>
+                  </a:txBody>
+                  <a:tcPr anchor="ctr">
+                    <a:lnL w="12700" cap="flat" cmpd="sng" algn="ctr">
+                      <a:solidFill>
+                        <a:schemeClr val="bg1">
+                          <a:lumMod val="85000"/>
+                        </a:schemeClr>
+                      </a:solidFill>
+                      <a:prstDash val="solid"/>
+                      <a:round/>
+                      <a:headEnd type="none" w="med" len="med"/>
+                      <a:tailEnd type="none" w="med" len="med"/>
+                    </a:lnL>
+                    <a:lnR w="3175" cap="flat" cmpd="sng" algn="ctr">
+                      <a:solidFill>
+                        <a:schemeClr val="bg1">
+                          <a:lumMod val="75000"/>
+                        </a:schemeClr>
+                      </a:solidFill>
+                      <a:prstDash val="solid"/>
+                      <a:round/>
+                      <a:headEnd type="none" w="med" len="med"/>
+                      <a:tailEnd type="none" w="med" len="med"/>
+                    </a:lnR>
+                    <a:lnT w="12700" cap="flat" cmpd="sng" algn="ctr">
+                      <a:noFill/>
+                      <a:prstDash val="solid"/>
+                      <a:round/>
+                      <a:headEnd type="none" w="med" len="med"/>
+                      <a:tailEnd type="none" w="med" len="med"/>
+                    </a:lnT>
+                    <a:lnB w="3175" cap="flat" cmpd="sng" algn="ctr">
+                      <a:solidFill>
+                        <a:schemeClr val="bg1">
+                          <a:lumMod val="75000"/>
+                        </a:schemeClr>
+                      </a:solidFill>
+                      <a:prstDash val="solid"/>
+                      <a:round/>
+                      <a:headEnd type="none" w="med" len="med"/>
+                      <a:tailEnd type="none" w="med" len="med"/>
+                    </a:lnB>
+                    <a:lnTlToBr w="12700" cmpd="sng">
+                      <a:noFill/>
+                      <a:prstDash val="solid"/>
+                    </a:lnTlToBr>
+                    <a:lnBlToTr w="12700" cmpd="sng">
+                      <a:noFill/>
+                      <a:prstDash val="solid"/>
+                    </a:lnBlToTr>
+                    <a:noFill/>
+                  </a:tcPr>
+                </a:tc>
+                <a:extLst>
+                  <a:ext uri="{0D108BD9-81ED-4DB2-BD59-A6C34878D82A}">
+                    <a16:rowId xmlns:a16="http://schemas.microsoft.com/office/drawing/2014/main" val="3583495943"/>
+                  </a:ext>
+                </a:extLst>
+              </a:tr>
+              <a:tr h="726924">
+                <a:tc>
+                  <a:txBody>
+                    <a:bodyPr/>
+                    <a:lstStyle/>
+                    <a:p>
+                      <a:pPr algn="ctr" rtl="0"/>
+                      <a:r>
+                        <a:rPr lang="de" sz="1600" b="1">
+                          <a:solidFill>
+                            <a:schemeClr val="tx1">
+                              <a:lumMod val="75000"/>
+                              <a:lumOff val="25000"/>
+                            </a:schemeClr>
+                          </a:solidFill>
+                        </a:rPr>
+                        <a:t>20JJ</a:t>
+                      </a:r>
+                    </a:p>
+                  </a:txBody>
+                  <a:tcPr anchor="ctr">
+                    <a:lnL w="12700" cap="flat" cmpd="sng" algn="ctr">
+                      <a:solidFill>
+                        <a:schemeClr val="bg1">
+                          <a:lumMod val="85000"/>
+                        </a:schemeClr>
+                      </a:solidFill>
+                      <a:prstDash val="solid"/>
+                      <a:round/>
+                      <a:headEnd type="none" w="med" len="med"/>
+                      <a:tailEnd type="none" w="med" len="med"/>
+                    </a:lnL>
+                    <a:lnR w="12700" cap="flat" cmpd="sng" algn="ctr">
+                      <a:solidFill>
+                        <a:schemeClr val="bg1">
+                          <a:lumMod val="85000"/>
+                        </a:schemeClr>
+                      </a:solidFill>
+                      <a:prstDash val="solid"/>
+                      <a:round/>
+                      <a:headEnd type="none" w="med" len="med"/>
+                      <a:tailEnd type="none" w="med" len="med"/>
+                    </a:lnR>
+                    <a:lnT w="12700" cap="flat" cmpd="sng" algn="ctr">
+                      <a:solidFill>
+                        <a:schemeClr val="bg1">
+                          <a:lumMod val="85000"/>
+                        </a:schemeClr>
+                      </a:solidFill>
+                      <a:prstDash val="solid"/>
+                      <a:round/>
+                      <a:headEnd type="none" w="med" len="med"/>
+                      <a:tailEnd type="none" w="med" len="med"/>
+                    </a:lnT>
+                    <a:lnB w="12700" cap="flat" cmpd="sng" algn="ctr">
+                      <a:solidFill>
+                        <a:schemeClr val="bg1">
+                          <a:lumMod val="85000"/>
+                        </a:schemeClr>
+                      </a:solidFill>
+                      <a:prstDash val="solid"/>
+                      <a:round/>
+                      <a:headEnd type="none" w="med" len="med"/>
+                      <a:tailEnd type="none" w="med" len="med"/>
+                    </a:lnB>
+                    <a:lnTlToBr w="12700" cmpd="sng">
+                      <a:noFill/>
+                      <a:prstDash val="solid"/>
+                    </a:lnTlToBr>
+                    <a:lnBlToTr w="12700" cmpd="sng">
+                      <a:noFill/>
+                      <a:prstDash val="solid"/>
+                    </a:lnBlToTr>
+                    <a:solidFill>
+                      <a:schemeClr val="bg1"/>
+                    </a:solidFill>
+                  </a:tcPr>
+                </a:tc>
+                <a:tc>
+                  <a:txBody>
+                    <a:bodyPr/>
+                    <a:lstStyle/>
+                    <a:p>
+                      <a:pPr algn="r" rtl="0"/>
+                      <a:r>
+                        <a:rPr lang="de" sz="1600">
+                          <a:solidFill>
+                            <a:schemeClr val="tx1">
+                              <a:lumMod val="75000"/>
+                              <a:lumOff val="25000"/>
+                            </a:schemeClr>
+                          </a:solidFill>
+                        </a:rPr>
+                        <a:t>10</a:t>
+                      </a:r>
+                    </a:p>
+                  </a:txBody>
+                  <a:tcPr anchor="ctr">
+                    <a:lnL w="12700" cap="flat" cmpd="sng" algn="ctr">
+                      <a:solidFill>
+                        <a:schemeClr val="bg1">
+                          <a:lumMod val="85000"/>
+                        </a:schemeClr>
+                      </a:solidFill>
+                      <a:prstDash val="solid"/>
+                      <a:round/>
+                      <a:headEnd type="none" w="med" len="med"/>
+                      <a:tailEnd type="none" w="med" len="med"/>
+                    </a:lnL>
+                    <a:lnR w="3175" cap="flat" cmpd="sng" algn="ctr">
+                      <a:solidFill>
+                        <a:schemeClr val="bg1">
+                          <a:lumMod val="75000"/>
+                        </a:schemeClr>
+                      </a:solidFill>
+                      <a:prstDash val="solid"/>
+                      <a:round/>
+                      <a:headEnd type="none" w="med" len="med"/>
+                      <a:tailEnd type="none" w="med" len="med"/>
+                    </a:lnR>
+                    <a:lnT w="3175" cap="flat" cmpd="sng" algn="ctr">
+                      <a:solidFill>
+                        <a:schemeClr val="bg1">
+                          <a:lumMod val="75000"/>
+                        </a:schemeClr>
+                      </a:solidFill>
+                      <a:prstDash val="solid"/>
+                      <a:round/>
+                      <a:headEnd type="none" w="med" len="med"/>
+                      <a:tailEnd type="none" w="med" len="med"/>
+                    </a:lnT>
+                    <a:lnB w="3175" cap="flat" cmpd="sng" algn="ctr">
+                      <a:solidFill>
+                        <a:schemeClr val="bg1">
+                          <a:lumMod val="75000"/>
+                        </a:schemeClr>
+                      </a:solidFill>
+                      <a:prstDash val="solid"/>
+                      <a:round/>
+                      <a:headEnd type="none" w="med" len="med"/>
+                      <a:tailEnd type="none" w="med" len="med"/>
+                    </a:lnB>
+                    <a:lnTlToBr w="12700" cmpd="sng">
+                      <a:noFill/>
+                      <a:prstDash val="solid"/>
+                    </a:lnTlToBr>
+                    <a:lnBlToTr w="12700" cmpd="sng">
+                      <a:noFill/>
+                      <a:prstDash val="solid"/>
+                    </a:lnBlToTr>
+                    <a:noFill/>
+                  </a:tcPr>
+                </a:tc>
+                <a:tc>
+                  <a:txBody>
+                    <a:bodyPr/>
+                    <a:lstStyle/>
+                    <a:p>
+                      <a:pPr algn="r" rtl="0"/>
+                      <a:r>
+                        <a:rPr lang="de" sz="1600">
+                          <a:solidFill>
+                            <a:schemeClr val="tx1">
+                              <a:lumMod val="75000"/>
+                              <a:lumOff val="25000"/>
+                            </a:schemeClr>
+                          </a:solidFill>
+                        </a:rPr>
+                        <a:t>100</a:t>
+                      </a:r>
+                    </a:p>
+                  </a:txBody>
+                  <a:tcPr anchor="ctr">
+                    <a:lnL w="3175" cap="flat" cmpd="sng" algn="ctr">
+                      <a:solidFill>
+                        <a:schemeClr val="bg1">
+                          <a:lumMod val="75000"/>
+                        </a:schemeClr>
+                      </a:solidFill>
+                      <a:prstDash val="solid"/>
+                      <a:round/>
+                      <a:headEnd type="none" w="med" len="med"/>
+                      <a:tailEnd type="none" w="med" len="med"/>
+                    </a:lnL>
+                    <a:lnR w="12700" cap="flat" cmpd="sng" algn="ctr">
+                      <a:solidFill>
+                        <a:schemeClr val="bg1">
+                          <a:lumMod val="85000"/>
+                        </a:schemeClr>
+                      </a:solidFill>
+                      <a:prstDash val="solid"/>
+                      <a:round/>
+                      <a:headEnd type="none" w="med" len="med"/>
+                      <a:tailEnd type="none" w="med" len="med"/>
+                    </a:lnR>
+                    <a:lnT w="3175" cap="flat" cmpd="sng" algn="ctr">
+                      <a:solidFill>
+                        <a:schemeClr val="bg1">
+                          <a:lumMod val="75000"/>
+                        </a:schemeClr>
+                      </a:solidFill>
+                      <a:prstDash val="solid"/>
+                      <a:round/>
+                      <a:headEnd type="none" w="med" len="med"/>
+                      <a:tailEnd type="none" w="med" len="med"/>
+                    </a:lnT>
+                    <a:lnB w="3175" cap="flat" cmpd="sng" algn="ctr">
+                      <a:solidFill>
+                        <a:schemeClr val="bg1">
+                          <a:lumMod val="75000"/>
+                        </a:schemeClr>
+                      </a:solidFill>
+                      <a:prstDash val="solid"/>
+                      <a:round/>
+                      <a:headEnd type="none" w="med" len="med"/>
+                      <a:tailEnd type="none" w="med" len="med"/>
+                    </a:lnB>
+                    <a:lnTlToBr w="12700" cmpd="sng">
+                      <a:noFill/>
+                      <a:prstDash val="solid"/>
+                    </a:lnTlToBr>
+                    <a:lnBlToTr w="12700" cmpd="sng">
+                      <a:noFill/>
+                      <a:prstDash val="solid"/>
+                    </a:lnBlToTr>
+                    <a:noFill/>
+                  </a:tcPr>
+                </a:tc>
+                <a:tc>
+                  <a:txBody>
+                    <a:bodyPr/>
+                    <a:lstStyle/>
+                    <a:p>
+                      <a:pPr algn="r" rtl="0"/>
+                      <a:r>
+                        <a:rPr lang="de" sz="1600">
+                          <a:solidFill>
+                            <a:schemeClr val="tx1">
+                              <a:lumMod val="75000"/>
+                              <a:lumOff val="25000"/>
+                            </a:schemeClr>
+                          </a:solidFill>
+                        </a:rPr>
+                        <a:t>50</a:t>
+                      </a:r>
+                    </a:p>
+                  </a:txBody>
+                  <a:tcPr anchor="ctr">
+                    <a:lnL w="12700" cap="flat" cmpd="sng" algn="ctr">
+                      <a:solidFill>
+                        <a:schemeClr val="bg1">
+                          <a:lumMod val="85000"/>
+                        </a:schemeClr>
+                      </a:solidFill>
+                      <a:prstDash val="solid"/>
+                      <a:round/>
+                      <a:headEnd type="none" w="med" len="med"/>
+                      <a:tailEnd type="none" w="med" len="med"/>
+                    </a:lnL>
+                    <a:lnR w="12700" cap="flat" cmpd="sng" algn="ctr">
+                      <a:solidFill>
+                        <a:schemeClr val="bg1">
+                          <a:lumMod val="85000"/>
+                        </a:schemeClr>
+                      </a:solidFill>
+                      <a:prstDash val="solid"/>
+                      <a:round/>
+                      <a:headEnd type="none" w="med" len="med"/>
+                      <a:tailEnd type="none" w="med" len="med"/>
+                    </a:lnR>
+                    <a:lnT w="3175" cap="flat" cmpd="sng" algn="ctr">
+                      <a:solidFill>
+                        <a:schemeClr val="bg1">
+                          <a:lumMod val="75000"/>
+                        </a:schemeClr>
+                      </a:solidFill>
+                      <a:prstDash val="solid"/>
+                      <a:round/>
+                      <a:headEnd type="none" w="med" len="med"/>
+                      <a:tailEnd type="none" w="med" len="med"/>
+                    </a:lnT>
+                    <a:lnB w="3175" cap="flat" cmpd="sng" algn="ctr">
+                      <a:solidFill>
+                        <a:schemeClr val="bg1">
+                          <a:lumMod val="75000"/>
+                        </a:schemeClr>
+                      </a:solidFill>
+                      <a:prstDash val="solid"/>
+                      <a:round/>
+                      <a:headEnd type="none" w="med" len="med"/>
+                      <a:tailEnd type="none" w="med" len="med"/>
+                    </a:lnB>
+                    <a:lnTlToBr w="12700" cmpd="sng">
+                      <a:noFill/>
+                      <a:prstDash val="solid"/>
+                    </a:lnTlToBr>
+                    <a:lnBlToTr w="12700" cmpd="sng">
+                      <a:noFill/>
+                      <a:prstDash val="solid"/>
+                    </a:lnBlToTr>
+                    <a:noFill/>
+                  </a:tcPr>
+                </a:tc>
+                <a:tc>
+                  <a:txBody>
+                    <a:bodyPr/>
+                    <a:lstStyle/>
+                    <a:p>
+                      <a:pPr algn="r" rtl="0"/>
+                      <a:r>
+                        <a:rPr lang="de" sz="1600">
+                          <a:solidFill>
+                            <a:schemeClr val="tx1">
+                              <a:lumMod val="75000"/>
+                              <a:lumOff val="25000"/>
+                            </a:schemeClr>
+                          </a:solidFill>
+                        </a:rPr>
+                        <a:t>10</a:t>
+                      </a:r>
+                    </a:p>
+                  </a:txBody>
+                  <a:tcPr anchor="ctr">
+                    <a:lnL w="12700" cap="flat" cmpd="sng" algn="ctr">
+                      <a:solidFill>
+                        <a:schemeClr val="bg1">
+                          <a:lumMod val="85000"/>
+                        </a:schemeClr>
+                      </a:solidFill>
+                      <a:prstDash val="solid"/>
+                      <a:round/>
+                      <a:headEnd type="none" w="med" len="med"/>
+                      <a:tailEnd type="none" w="med" len="med"/>
+                    </a:lnL>
+                    <a:lnR w="12700" cap="flat" cmpd="sng" algn="ctr">
+                      <a:solidFill>
+                        <a:schemeClr val="bg1">
+                          <a:lumMod val="85000"/>
+                        </a:schemeClr>
+                      </a:solidFill>
+                      <a:prstDash val="solid"/>
+                      <a:round/>
+                      <a:headEnd type="none" w="med" len="med"/>
+                      <a:tailEnd type="none" w="med" len="med"/>
+                    </a:lnR>
+                    <a:lnT w="3175" cap="flat" cmpd="sng" algn="ctr">
+                      <a:solidFill>
+                        <a:schemeClr val="bg1">
+                          <a:lumMod val="75000"/>
+                        </a:schemeClr>
+                      </a:solidFill>
+                      <a:prstDash val="solid"/>
+                      <a:round/>
+                      <a:headEnd type="none" w="med" len="med"/>
+                      <a:tailEnd type="none" w="med" len="med"/>
+                    </a:lnT>
+                    <a:lnB w="3175" cap="flat" cmpd="sng" algn="ctr">
+                      <a:solidFill>
+                        <a:schemeClr val="bg1">
+                          <a:lumMod val="75000"/>
+                        </a:schemeClr>
+                      </a:solidFill>
+                      <a:prstDash val="solid"/>
+                      <a:round/>
+                      <a:headEnd type="none" w="med" len="med"/>
+                      <a:tailEnd type="none" w="med" len="med"/>
+                    </a:lnB>
+                    <a:lnTlToBr w="12700" cmpd="sng">
+                      <a:noFill/>
+                      <a:prstDash val="solid"/>
+                    </a:lnTlToBr>
+                    <a:lnBlToTr w="12700" cmpd="sng">
+                      <a:noFill/>
+                      <a:prstDash val="solid"/>
+                    </a:lnBlToTr>
+                    <a:noFill/>
+                  </a:tcPr>
+                </a:tc>
+                <a:tc>
+                  <a:txBody>
+                    <a:bodyPr/>
+                    <a:lstStyle/>
+                    <a:p>
+                      <a:pPr algn="r" rtl="0"/>
+                      <a:r>
+                        <a:rPr lang="de" sz="1600">
+                          <a:solidFill>
+                            <a:schemeClr val="tx1">
+                              <a:lumMod val="75000"/>
+                              <a:lumOff val="25000"/>
+                            </a:schemeClr>
+                          </a:solidFill>
+                        </a:rPr>
+                        <a:t>6.750 €</a:t>
+                      </a:r>
+                    </a:p>
+                  </a:txBody>
+                  <a:tcPr anchor="ctr">
+                    <a:lnL w="12700" cap="flat" cmpd="sng" algn="ctr">
+                      <a:solidFill>
+                        <a:schemeClr val="bg1">
+                          <a:lumMod val="85000"/>
+                        </a:schemeClr>
+                      </a:solidFill>
+                      <a:prstDash val="solid"/>
+                      <a:round/>
+                      <a:headEnd type="none" w="med" len="med"/>
+                      <a:tailEnd type="none" w="med" len="med"/>
+                    </a:lnL>
+                    <a:lnR w="12700" cap="flat" cmpd="sng" algn="ctr">
+                      <a:solidFill>
+                        <a:schemeClr val="bg1">
+                          <a:lumMod val="85000"/>
+                        </a:schemeClr>
+                      </a:solidFill>
+                      <a:prstDash val="solid"/>
+                      <a:round/>
+                      <a:headEnd type="none" w="med" len="med"/>
+                      <a:tailEnd type="none" w="med" len="med"/>
+                    </a:lnR>
+                    <a:lnT w="12700" cap="flat" cmpd="sng" algn="ctr">
+                      <a:solidFill>
+                        <a:schemeClr val="accent1"/>
+                      </a:solidFill>
+                      <a:prstDash val="solid"/>
+                      <a:round/>
+                      <a:headEnd type="none" w="med" len="med"/>
+                      <a:tailEnd type="none" w="med" len="med"/>
+                    </a:lnT>
+                    <a:lnB w="12700" cap="flat" cmpd="sng" algn="ctr">
+                      <a:solidFill>
+                        <a:schemeClr val="accent1"/>
+                      </a:solidFill>
+                      <a:prstDash val="solid"/>
+                      <a:round/>
+                      <a:headEnd type="none" w="med" len="med"/>
+                      <a:tailEnd type="none" w="med" len="med"/>
+                    </a:lnB>
+                    <a:lnTlToBr w="12700" cmpd="sng">
+                      <a:noFill/>
+                      <a:prstDash val="solid"/>
+                    </a:lnTlToBr>
+                    <a:lnBlToTr w="12700" cmpd="sng">
+                      <a:noFill/>
+                      <a:prstDash val="solid"/>
+                    </a:lnBlToTr>
+                    <a:solidFill>
+                      <a:schemeClr val="bg1">
+                        <a:lumMod val="95000"/>
+                      </a:schemeClr>
+                    </a:solidFill>
+                  </a:tcPr>
+                </a:tc>
+                <a:tc>
+                  <a:txBody>
+                    <a:bodyPr/>
+                    <a:lstStyle/>
+                    <a:p>
+                      <a:pPr algn="r" rtl="0"/>
+                      <a:r>
+                        <a:rPr lang="de" sz="1600">
+                          <a:solidFill>
+                            <a:schemeClr val="tx1">
+                              <a:lumMod val="75000"/>
+                              <a:lumOff val="25000"/>
+                            </a:schemeClr>
+                          </a:solidFill>
+                        </a:rPr>
+                        <a:t>1.013 €</a:t>
+                      </a:r>
+                    </a:p>
+                  </a:txBody>
+                  <a:tcPr anchor="ctr">
+                    <a:lnL w="12700" cap="flat" cmpd="sng" algn="ctr">
+                      <a:solidFill>
+                        <a:schemeClr val="bg1">
+                          <a:lumMod val="85000"/>
+                        </a:schemeClr>
+                      </a:solidFill>
+                      <a:prstDash val="solid"/>
+                      <a:round/>
+                      <a:headEnd type="none" w="med" len="med"/>
+                      <a:tailEnd type="none" w="med" len="med"/>
+                    </a:lnL>
+                    <a:lnR w="3175" cap="flat" cmpd="sng" algn="ctr">
+                      <a:solidFill>
+                        <a:schemeClr val="bg1">
+                          <a:lumMod val="75000"/>
+                        </a:schemeClr>
+                      </a:solidFill>
+                      <a:prstDash val="solid"/>
+                      <a:round/>
+                      <a:headEnd type="none" w="med" len="med"/>
+                      <a:tailEnd type="none" w="med" len="med"/>
+                    </a:lnR>
+                    <a:lnT w="3175" cap="flat" cmpd="sng" algn="ctr">
+                      <a:solidFill>
+                        <a:schemeClr val="bg1">
+                          <a:lumMod val="75000"/>
+                        </a:schemeClr>
+                      </a:solidFill>
+                      <a:prstDash val="solid"/>
+                      <a:round/>
+                      <a:headEnd type="none" w="med" len="med"/>
+                      <a:tailEnd type="none" w="med" len="med"/>
+                    </a:lnT>
+                    <a:lnB w="3175" cap="flat" cmpd="sng" algn="ctr">
+                      <a:solidFill>
+                        <a:schemeClr val="bg1">
+                          <a:lumMod val="75000"/>
+                        </a:schemeClr>
+                      </a:solidFill>
+                      <a:prstDash val="solid"/>
+                      <a:round/>
+                      <a:headEnd type="none" w="med" len="med"/>
+                      <a:tailEnd type="none" w="med" len="med"/>
+                    </a:lnB>
+                    <a:lnTlToBr w="12700" cmpd="sng">
+                      <a:noFill/>
+                      <a:prstDash val="solid"/>
+                    </a:lnTlToBr>
+                    <a:lnBlToTr w="12700" cmpd="sng">
+                      <a:noFill/>
+                      <a:prstDash val="solid"/>
+                    </a:lnBlToTr>
+                    <a:noFill/>
+                  </a:tcPr>
+                </a:tc>
+                <a:extLst>
+                  <a:ext uri="{0D108BD9-81ED-4DB2-BD59-A6C34878D82A}">
+                    <a16:rowId xmlns:a16="http://schemas.microsoft.com/office/drawing/2014/main" val="2912132828"/>
+                  </a:ext>
+                </a:extLst>
+              </a:tr>
+              <a:tr h="726924">
+                <a:tc>
+                  <a:txBody>
+                    <a:bodyPr/>
+                    <a:lstStyle/>
+                    <a:p>
+                      <a:pPr algn="ctr" rtl="0"/>
+                      <a:r>
+                        <a:rPr lang="de" sz="1600" b="1">
+                          <a:solidFill>
+                            <a:schemeClr val="tx1">
+                              <a:lumMod val="75000"/>
+                              <a:lumOff val="25000"/>
+                            </a:schemeClr>
+                          </a:solidFill>
+                        </a:rPr>
+                        <a:t>20JJ</a:t>
+                      </a:r>
+                    </a:p>
+                  </a:txBody>
+                  <a:tcPr anchor="ctr">
+                    <a:lnL w="12700" cap="flat" cmpd="sng" algn="ctr">
+                      <a:solidFill>
+                        <a:schemeClr val="bg1">
+                          <a:lumMod val="85000"/>
+                        </a:schemeClr>
+                      </a:solidFill>
+                      <a:prstDash val="solid"/>
+                      <a:round/>
+                      <a:headEnd type="none" w="med" len="med"/>
+                      <a:tailEnd type="none" w="med" len="med"/>
+                    </a:lnL>
+                    <a:lnR w="12700" cap="flat" cmpd="sng" algn="ctr">
+                      <a:solidFill>
+                        <a:schemeClr val="bg1">
+                          <a:lumMod val="85000"/>
+                        </a:schemeClr>
+                      </a:solidFill>
+                      <a:prstDash val="solid"/>
+                      <a:round/>
+                      <a:headEnd type="none" w="med" len="med"/>
+                      <a:tailEnd type="none" w="med" len="med"/>
+                    </a:lnR>
+                    <a:lnT w="12700" cap="flat" cmpd="sng" algn="ctr">
+                      <a:solidFill>
+                        <a:schemeClr val="bg1">
+                          <a:lumMod val="85000"/>
+                        </a:schemeClr>
+                      </a:solidFill>
+                      <a:prstDash val="solid"/>
+                      <a:round/>
+                      <a:headEnd type="none" w="med" len="med"/>
+                      <a:tailEnd type="none" w="med" len="med"/>
+                    </a:lnT>
+                    <a:lnB w="12700" cap="flat" cmpd="sng" algn="ctr">
+                      <a:solidFill>
+                        <a:schemeClr val="bg1">
+                          <a:lumMod val="85000"/>
+                        </a:schemeClr>
+                      </a:solidFill>
+                      <a:prstDash val="solid"/>
+                      <a:round/>
+                      <a:headEnd type="none" w="med" len="med"/>
+                      <a:tailEnd type="none" w="med" len="med"/>
+                    </a:lnB>
+                    <a:lnTlToBr w="12700" cmpd="sng">
+                      <a:noFill/>
+                      <a:prstDash val="solid"/>
+                    </a:lnTlToBr>
+                    <a:lnBlToTr w="12700" cmpd="sng">
+                      <a:noFill/>
+                      <a:prstDash val="solid"/>
+                    </a:lnBlToTr>
+                    <a:solidFill>
+                      <a:schemeClr val="bg1"/>
+                    </a:solidFill>
+                  </a:tcPr>
+                </a:tc>
+                <a:tc>
+                  <a:txBody>
+                    <a:bodyPr/>
+                    <a:lstStyle/>
+                    <a:p>
+                      <a:pPr algn="r" rtl="0"/>
+                      <a:r>
+                        <a:rPr lang="de" sz="1600">
+                          <a:solidFill>
+                            <a:schemeClr val="tx1">
+                              <a:lumMod val="75000"/>
+                              <a:lumOff val="25000"/>
+                            </a:schemeClr>
+                          </a:solidFill>
+                        </a:rPr>
+                        <a:t>50</a:t>
+                      </a:r>
+                    </a:p>
+                  </a:txBody>
+                  <a:tcPr anchor="ctr">
+                    <a:lnL w="12700" cap="flat" cmpd="sng" algn="ctr">
+                      <a:solidFill>
+                        <a:schemeClr val="bg1">
+                          <a:lumMod val="85000"/>
+                        </a:schemeClr>
+                      </a:solidFill>
+                      <a:prstDash val="solid"/>
+                      <a:round/>
+                      <a:headEnd type="none" w="med" len="med"/>
+                      <a:tailEnd type="none" w="med" len="med"/>
+                    </a:lnL>
+                    <a:lnR w="3175" cap="flat" cmpd="sng" algn="ctr">
+                      <a:solidFill>
+                        <a:schemeClr val="bg1">
+                          <a:lumMod val="75000"/>
+                        </a:schemeClr>
+                      </a:solidFill>
+                      <a:prstDash val="solid"/>
+                      <a:round/>
+                      <a:headEnd type="none" w="med" len="med"/>
+                      <a:tailEnd type="none" w="med" len="med"/>
+                    </a:lnR>
+                    <a:lnT w="3175" cap="flat" cmpd="sng" algn="ctr">
+                      <a:solidFill>
+                        <a:schemeClr val="bg1">
+                          <a:lumMod val="75000"/>
+                        </a:schemeClr>
+                      </a:solidFill>
+                      <a:prstDash val="solid"/>
+                      <a:round/>
+                      <a:headEnd type="none" w="med" len="med"/>
+                      <a:tailEnd type="none" w="med" len="med"/>
+                    </a:lnT>
+                    <a:lnB w="3175" cap="flat" cmpd="sng" algn="ctr">
+                      <a:solidFill>
+                        <a:schemeClr val="bg1">
+                          <a:lumMod val="75000"/>
+                        </a:schemeClr>
+                      </a:solidFill>
+                      <a:prstDash val="solid"/>
+                      <a:round/>
+                      <a:headEnd type="none" w="med" len="med"/>
+                      <a:tailEnd type="none" w="med" len="med"/>
+                    </a:lnB>
+                    <a:lnTlToBr w="12700" cmpd="sng">
+                      <a:noFill/>
+                      <a:prstDash val="solid"/>
+                    </a:lnTlToBr>
+                    <a:lnBlToTr w="12700" cmpd="sng">
+                      <a:noFill/>
+                      <a:prstDash val="solid"/>
+                    </a:lnBlToTr>
+                    <a:noFill/>
+                  </a:tcPr>
+                </a:tc>
+                <a:tc>
+                  <a:txBody>
+                    <a:bodyPr/>
+                    <a:lstStyle/>
+                    <a:p>
+                      <a:pPr algn="r" rtl="0"/>
+                      <a:r>
+                        <a:rPr lang="de" sz="1600">
+                          <a:solidFill>
+                            <a:schemeClr val="tx1">
+                              <a:lumMod val="75000"/>
+                              <a:lumOff val="25000"/>
+                            </a:schemeClr>
+                          </a:solidFill>
+                        </a:rPr>
+                        <a:t>500</a:t>
+                      </a:r>
+                    </a:p>
+                  </a:txBody>
+                  <a:tcPr anchor="ctr">
+                    <a:lnL w="3175" cap="flat" cmpd="sng" algn="ctr">
+                      <a:solidFill>
+                        <a:schemeClr val="bg1">
+                          <a:lumMod val="75000"/>
+                        </a:schemeClr>
+                      </a:solidFill>
+                      <a:prstDash val="solid"/>
+                      <a:round/>
+                      <a:headEnd type="none" w="med" len="med"/>
+                      <a:tailEnd type="none" w="med" len="med"/>
+                    </a:lnL>
+                    <a:lnR w="12700" cap="flat" cmpd="sng" algn="ctr">
+                      <a:solidFill>
+                        <a:schemeClr val="bg1">
+                          <a:lumMod val="85000"/>
+                        </a:schemeClr>
+                      </a:solidFill>
+                      <a:prstDash val="solid"/>
+                      <a:round/>
+                      <a:headEnd type="none" w="med" len="med"/>
+                      <a:tailEnd type="none" w="med" len="med"/>
+                    </a:lnR>
+                    <a:lnT w="3175" cap="flat" cmpd="sng" algn="ctr">
+                      <a:solidFill>
+                        <a:schemeClr val="bg1">
+                          <a:lumMod val="75000"/>
+                        </a:schemeClr>
+                      </a:solidFill>
+                      <a:prstDash val="solid"/>
+                      <a:round/>
+                      <a:headEnd type="none" w="med" len="med"/>
+                      <a:tailEnd type="none" w="med" len="med"/>
+                    </a:lnT>
+                    <a:lnB w="3175" cap="flat" cmpd="sng" algn="ctr">
+                      <a:solidFill>
+                        <a:schemeClr val="bg1">
+                          <a:lumMod val="75000"/>
+                        </a:schemeClr>
+                      </a:solidFill>
+                      <a:prstDash val="solid"/>
+                      <a:round/>
+                      <a:headEnd type="none" w="med" len="med"/>
+                      <a:tailEnd type="none" w="med" len="med"/>
+                    </a:lnB>
+                    <a:lnTlToBr w="12700" cmpd="sng">
+                      <a:noFill/>
+                      <a:prstDash val="solid"/>
+                    </a:lnTlToBr>
+                    <a:lnBlToTr w="12700" cmpd="sng">
+                      <a:noFill/>
+                      <a:prstDash val="solid"/>
+                    </a:lnBlToTr>
+                    <a:noFill/>
+                  </a:tcPr>
+                </a:tc>
+                <a:tc>
+                  <a:txBody>
+                    <a:bodyPr/>
+                    <a:lstStyle/>
+                    <a:p>
+                      <a:pPr algn="r" rtl="0"/>
+                      <a:r>
+                        <a:rPr lang="de" sz="1600">
+                          <a:solidFill>
+                            <a:schemeClr val="tx1">
+                              <a:lumMod val="75000"/>
+                              <a:lumOff val="25000"/>
+                            </a:schemeClr>
+                          </a:solidFill>
+                        </a:rPr>
+                        <a:t>60</a:t>
+                      </a:r>
+                    </a:p>
+                  </a:txBody>
+                  <a:tcPr anchor="ctr">
+                    <a:lnL w="12700" cap="flat" cmpd="sng" algn="ctr">
+                      <a:solidFill>
+                        <a:schemeClr val="bg1">
+                          <a:lumMod val="85000"/>
+                        </a:schemeClr>
+                      </a:solidFill>
+                      <a:prstDash val="solid"/>
+                      <a:round/>
+                      <a:headEnd type="none" w="med" len="med"/>
+                      <a:tailEnd type="none" w="med" len="med"/>
+                    </a:lnL>
+                    <a:lnR w="12700" cap="flat" cmpd="sng" algn="ctr">
+                      <a:solidFill>
+                        <a:schemeClr val="bg1">
+                          <a:lumMod val="85000"/>
+                        </a:schemeClr>
+                      </a:solidFill>
+                      <a:prstDash val="solid"/>
+                      <a:round/>
+                      <a:headEnd type="none" w="med" len="med"/>
+                      <a:tailEnd type="none" w="med" len="med"/>
+                    </a:lnR>
+                    <a:lnT w="3175" cap="flat" cmpd="sng" algn="ctr">
+                      <a:solidFill>
+                        <a:schemeClr val="bg1">
+                          <a:lumMod val="75000"/>
+                        </a:schemeClr>
+                      </a:solidFill>
+                      <a:prstDash val="solid"/>
+                      <a:round/>
+                      <a:headEnd type="none" w="med" len="med"/>
+                      <a:tailEnd type="none" w="med" len="med"/>
+                    </a:lnT>
+                    <a:lnB w="3175" cap="flat" cmpd="sng" algn="ctr">
+                      <a:solidFill>
+                        <a:schemeClr val="bg1">
+                          <a:lumMod val="75000"/>
+                        </a:schemeClr>
+                      </a:solidFill>
+                      <a:prstDash val="solid"/>
+                      <a:round/>
+                      <a:headEnd type="none" w="med" len="med"/>
+                      <a:tailEnd type="none" w="med" len="med"/>
+                    </a:lnB>
+                    <a:lnTlToBr w="12700" cmpd="sng">
+                      <a:noFill/>
+                      <a:prstDash val="solid"/>
+                    </a:lnTlToBr>
+                    <a:lnBlToTr w="12700" cmpd="sng">
+                      <a:noFill/>
+                      <a:prstDash val="solid"/>
+                    </a:lnBlToTr>
+                    <a:noFill/>
+                  </a:tcPr>
+                </a:tc>
+                <a:tc>
+                  <a:txBody>
+                    <a:bodyPr/>
+                    <a:lstStyle/>
+                    <a:p>
+                      <a:pPr algn="r" rtl="0"/>
+                      <a:r>
+                        <a:rPr lang="de" sz="1600">
+                          <a:solidFill>
+                            <a:schemeClr val="tx1">
+                              <a:lumMod val="75000"/>
+                              <a:lumOff val="25000"/>
+                            </a:schemeClr>
+                          </a:solidFill>
+                        </a:rPr>
+                        <a:t>500</a:t>
+                      </a:r>
+                    </a:p>
+                  </a:txBody>
+                  <a:tcPr anchor="ctr">
+                    <a:lnL w="12700" cap="flat" cmpd="sng" algn="ctr">
+                      <a:solidFill>
+                        <a:schemeClr val="bg1">
+                          <a:lumMod val="85000"/>
+                        </a:schemeClr>
+                      </a:solidFill>
+                      <a:prstDash val="solid"/>
+                      <a:round/>
+                      <a:headEnd type="none" w="med" len="med"/>
+                      <a:tailEnd type="none" w="med" len="med"/>
+                    </a:lnL>
+                    <a:lnR w="12700" cap="flat" cmpd="sng" algn="ctr">
+                      <a:solidFill>
+                        <a:schemeClr val="bg1">
+                          <a:lumMod val="85000"/>
+                        </a:schemeClr>
+                      </a:solidFill>
+                      <a:prstDash val="solid"/>
+                      <a:round/>
+                      <a:headEnd type="none" w="med" len="med"/>
+                      <a:tailEnd type="none" w="med" len="med"/>
+                    </a:lnR>
+                    <a:lnT w="3175" cap="flat" cmpd="sng" algn="ctr">
+                      <a:solidFill>
+                        <a:schemeClr val="bg1">
+                          <a:lumMod val="75000"/>
+                        </a:schemeClr>
+                      </a:solidFill>
+                      <a:prstDash val="solid"/>
+                      <a:round/>
+                      <a:headEnd type="none" w="med" len="med"/>
+                      <a:tailEnd type="none" w="med" len="med"/>
+                    </a:lnT>
+                    <a:lnB w="3175" cap="flat" cmpd="sng" algn="ctr">
+                      <a:solidFill>
+                        <a:schemeClr val="bg1">
+                          <a:lumMod val="75000"/>
+                        </a:schemeClr>
+                      </a:solidFill>
+                      <a:prstDash val="solid"/>
+                      <a:round/>
+                      <a:headEnd type="none" w="med" len="med"/>
+                      <a:tailEnd type="none" w="med" len="med"/>
+                    </a:lnB>
+                    <a:lnTlToBr w="12700" cmpd="sng">
+                      <a:noFill/>
+                      <a:prstDash val="solid"/>
+                    </a:lnTlToBr>
+                    <a:lnBlToTr w="12700" cmpd="sng">
+                      <a:noFill/>
+                      <a:prstDash val="solid"/>
+                    </a:lnBlToTr>
+                    <a:noFill/>
+                  </a:tcPr>
+                </a:tc>
+                <a:tc>
+                  <a:txBody>
+                    <a:bodyPr/>
+                    <a:lstStyle/>
+                    <a:p>
+                      <a:pPr algn="r" rtl="0"/>
+                      <a:r>
+                        <a:rPr lang="de" sz="1600">
+                          <a:solidFill>
+                            <a:schemeClr val="tx1">
+                              <a:lumMod val="75000"/>
+                              <a:lumOff val="25000"/>
+                            </a:schemeClr>
+                          </a:solidFill>
+                        </a:rPr>
+                        <a:t>33.750 €</a:t>
+                      </a:r>
+                    </a:p>
+                  </a:txBody>
+                  <a:tcPr anchor="ctr">
+                    <a:lnL w="12700" cap="flat" cmpd="sng" algn="ctr">
+                      <a:solidFill>
+                        <a:schemeClr val="bg1">
+                          <a:lumMod val="85000"/>
+                        </a:schemeClr>
+                      </a:solidFill>
+                      <a:prstDash val="solid"/>
+                      <a:round/>
+                      <a:headEnd type="none" w="med" len="med"/>
+                      <a:tailEnd type="none" w="med" len="med"/>
+                    </a:lnL>
+                    <a:lnR w="12700" cap="flat" cmpd="sng" algn="ctr">
+                      <a:solidFill>
+                        <a:schemeClr val="bg1">
+                          <a:lumMod val="85000"/>
+                        </a:schemeClr>
+                      </a:solidFill>
+                      <a:prstDash val="solid"/>
+                      <a:round/>
+                      <a:headEnd type="none" w="med" len="med"/>
+                      <a:tailEnd type="none" w="med" len="med"/>
+                    </a:lnR>
+                    <a:lnT w="12700" cap="flat" cmpd="sng" algn="ctr">
+                      <a:solidFill>
+                        <a:schemeClr val="accent1"/>
+                      </a:solidFill>
+                      <a:prstDash val="solid"/>
+                      <a:round/>
+                      <a:headEnd type="none" w="med" len="med"/>
+                      <a:tailEnd type="none" w="med" len="med"/>
+                    </a:lnT>
+                    <a:lnB w="12700" cap="flat" cmpd="sng" algn="ctr">
+                      <a:solidFill>
+                        <a:schemeClr val="accent1"/>
+                      </a:solidFill>
+                      <a:prstDash val="solid"/>
+                      <a:round/>
+                      <a:headEnd type="none" w="med" len="med"/>
+                      <a:tailEnd type="none" w="med" len="med"/>
+                    </a:lnB>
+                    <a:lnTlToBr w="12700" cmpd="sng">
+                      <a:noFill/>
+                      <a:prstDash val="solid"/>
+                    </a:lnTlToBr>
+                    <a:lnBlToTr w="12700" cmpd="sng">
+                      <a:noFill/>
+                      <a:prstDash val="solid"/>
+                    </a:lnBlToTr>
+                    <a:solidFill>
+                      <a:schemeClr val="bg1">
+                        <a:lumMod val="95000"/>
+                      </a:schemeClr>
+                    </a:solidFill>
+                  </a:tcPr>
+                </a:tc>
+                <a:tc>
+                  <a:txBody>
+                    <a:bodyPr/>
+                    <a:lstStyle/>
+                    <a:p>
+                      <a:pPr algn="r" rtl="0"/>
+                      <a:r>
+                        <a:rPr lang="de" sz="1600">
+                          <a:solidFill>
+                            <a:schemeClr val="tx1">
+                              <a:lumMod val="75000"/>
+                              <a:lumOff val="25000"/>
+                            </a:schemeClr>
+                          </a:solidFill>
+                        </a:rPr>
+                        <a:t>5.063 €</a:t>
+                      </a:r>
+                    </a:p>
+                  </a:txBody>
+                  <a:tcPr anchor="ctr">
+                    <a:lnL w="12700" cap="flat" cmpd="sng" algn="ctr">
+                      <a:solidFill>
+                        <a:schemeClr val="bg1">
+                          <a:lumMod val="85000"/>
+                        </a:schemeClr>
+                      </a:solidFill>
+                      <a:prstDash val="solid"/>
+                      <a:round/>
+                      <a:headEnd type="none" w="med" len="med"/>
+                      <a:tailEnd type="none" w="med" len="med"/>
+                    </a:lnL>
+                    <a:lnR w="3175" cap="flat" cmpd="sng" algn="ctr">
+                      <a:solidFill>
+                        <a:schemeClr val="bg1">
+                          <a:lumMod val="75000"/>
+                        </a:schemeClr>
+                      </a:solidFill>
+                      <a:prstDash val="solid"/>
+                      <a:round/>
+                      <a:headEnd type="none" w="med" len="med"/>
+                      <a:tailEnd type="none" w="med" len="med"/>
+                    </a:lnR>
+                    <a:lnT w="3175" cap="flat" cmpd="sng" algn="ctr">
+                      <a:solidFill>
+                        <a:schemeClr val="bg1">
+                          <a:lumMod val="75000"/>
+                        </a:schemeClr>
+                      </a:solidFill>
+                      <a:prstDash val="solid"/>
+                      <a:round/>
+                      <a:headEnd type="none" w="med" len="med"/>
+                      <a:tailEnd type="none" w="med" len="med"/>
+                    </a:lnT>
+                    <a:lnB w="3175" cap="flat" cmpd="sng" algn="ctr">
+                      <a:solidFill>
+                        <a:schemeClr val="bg1">
+                          <a:lumMod val="75000"/>
+                        </a:schemeClr>
+                      </a:solidFill>
+                      <a:prstDash val="solid"/>
+                      <a:round/>
+                      <a:headEnd type="none" w="med" len="med"/>
+                      <a:tailEnd type="none" w="med" len="med"/>
+                    </a:lnB>
+                    <a:lnTlToBr w="12700" cmpd="sng">
+                      <a:noFill/>
+                      <a:prstDash val="solid"/>
+                    </a:lnTlToBr>
+                    <a:lnBlToTr w="12700" cmpd="sng">
+                      <a:noFill/>
+                      <a:prstDash val="solid"/>
+                    </a:lnBlToTr>
+                    <a:noFill/>
+                  </a:tcPr>
+                </a:tc>
+                <a:extLst>
+                  <a:ext uri="{0D108BD9-81ED-4DB2-BD59-A6C34878D82A}">
+                    <a16:rowId xmlns:a16="http://schemas.microsoft.com/office/drawing/2014/main" val="1094300830"/>
+                  </a:ext>
+                </a:extLst>
+              </a:tr>
+              <a:tr h="726924">
+                <a:tc>
+                  <a:txBody>
+                    <a:bodyPr/>
+                    <a:lstStyle/>
+                    <a:p>
+                      <a:pPr algn="ctr" rtl="0"/>
+                      <a:r>
+                        <a:rPr lang="de" sz="1600" b="1">
+                          <a:solidFill>
+                            <a:schemeClr val="tx1">
+                              <a:lumMod val="75000"/>
+                              <a:lumOff val="25000"/>
+                            </a:schemeClr>
+                          </a:solidFill>
+                        </a:rPr>
+                        <a:t>20JJ</a:t>
+                      </a:r>
+                    </a:p>
+                  </a:txBody>
+                  <a:tcPr anchor="ctr">
+                    <a:lnL w="12700" cap="flat" cmpd="sng" algn="ctr">
+                      <a:solidFill>
+                        <a:schemeClr val="bg1">
+                          <a:lumMod val="85000"/>
+                        </a:schemeClr>
+                      </a:solidFill>
+                      <a:prstDash val="solid"/>
+                      <a:round/>
+                      <a:headEnd type="none" w="med" len="med"/>
+                      <a:tailEnd type="none" w="med" len="med"/>
+                    </a:lnL>
+                    <a:lnR w="12700" cap="flat" cmpd="sng" algn="ctr">
+                      <a:solidFill>
+                        <a:schemeClr val="bg1">
+                          <a:lumMod val="85000"/>
+                        </a:schemeClr>
+                      </a:solidFill>
+                      <a:prstDash val="solid"/>
+                      <a:round/>
+                      <a:headEnd type="none" w="med" len="med"/>
+                      <a:tailEnd type="none" w="med" len="med"/>
+                    </a:lnR>
+                    <a:lnT w="12700" cap="flat" cmpd="sng" algn="ctr">
+                      <a:solidFill>
+                        <a:schemeClr val="bg1">
+                          <a:lumMod val="85000"/>
+                        </a:schemeClr>
+                      </a:solidFill>
+                      <a:prstDash val="solid"/>
+                      <a:round/>
+                      <a:headEnd type="none" w="med" len="med"/>
+                      <a:tailEnd type="none" w="med" len="med"/>
+                    </a:lnT>
+                    <a:lnB w="12700" cap="flat" cmpd="sng" algn="ctr">
+                      <a:solidFill>
+                        <a:schemeClr val="bg1">
+                          <a:lumMod val="85000"/>
+                        </a:schemeClr>
+                      </a:solidFill>
+                      <a:prstDash val="solid"/>
+                      <a:round/>
+                      <a:headEnd type="none" w="med" len="med"/>
+                      <a:tailEnd type="none" w="med" len="med"/>
+                    </a:lnB>
+                    <a:lnTlToBr w="12700" cmpd="sng">
+                      <a:noFill/>
+                      <a:prstDash val="solid"/>
+                    </a:lnTlToBr>
+                    <a:lnBlToTr w="12700" cmpd="sng">
+                      <a:noFill/>
+                      <a:prstDash val="solid"/>
+                    </a:lnBlToTr>
+                    <a:solidFill>
+                      <a:schemeClr val="bg1"/>
+                    </a:solidFill>
+                  </a:tcPr>
+                </a:tc>
+                <a:tc>
+                  <a:txBody>
+                    <a:bodyPr/>
+                    <a:lstStyle/>
+                    <a:p>
+                      <a:pPr algn="r" rtl="0"/>
+                      <a:r>
+                        <a:rPr lang="de" sz="1600">
+                          <a:solidFill>
+                            <a:schemeClr val="tx1">
+                              <a:lumMod val="75000"/>
+                              <a:lumOff val="25000"/>
+                            </a:schemeClr>
+                          </a:solidFill>
+                        </a:rPr>
+                        <a:t>200</a:t>
+                      </a:r>
+                    </a:p>
+                  </a:txBody>
+                  <a:tcPr anchor="ctr">
+                    <a:lnL w="12700" cap="flat" cmpd="sng" algn="ctr">
+                      <a:solidFill>
+                        <a:schemeClr val="bg1">
+                          <a:lumMod val="85000"/>
+                        </a:schemeClr>
+                      </a:solidFill>
+                      <a:prstDash val="solid"/>
+                      <a:round/>
+                      <a:headEnd type="none" w="med" len="med"/>
+                      <a:tailEnd type="none" w="med" len="med"/>
+                    </a:lnL>
+                    <a:lnR w="3175" cap="flat" cmpd="sng" algn="ctr">
+                      <a:solidFill>
+                        <a:schemeClr val="bg1">
+                          <a:lumMod val="75000"/>
+                        </a:schemeClr>
+                      </a:solidFill>
+                      <a:prstDash val="solid"/>
+                      <a:round/>
+                      <a:headEnd type="none" w="med" len="med"/>
+                      <a:tailEnd type="none" w="med" len="med"/>
+                    </a:lnR>
+                    <a:lnT w="3175" cap="flat" cmpd="sng" algn="ctr">
+                      <a:solidFill>
+                        <a:schemeClr val="bg1">
+                          <a:lumMod val="75000"/>
+                        </a:schemeClr>
+                      </a:solidFill>
+                      <a:prstDash val="solid"/>
+                      <a:round/>
+                      <a:headEnd type="none" w="med" len="med"/>
+                      <a:tailEnd type="none" w="med" len="med"/>
+                    </a:lnT>
+                    <a:lnB w="3175" cap="flat" cmpd="sng" algn="ctr">
+                      <a:solidFill>
+                        <a:schemeClr val="bg1">
+                          <a:lumMod val="75000"/>
+                        </a:schemeClr>
+                      </a:solidFill>
+                      <a:prstDash val="solid"/>
+                      <a:round/>
+                      <a:headEnd type="none" w="med" len="med"/>
+                      <a:tailEnd type="none" w="med" len="med"/>
+                    </a:lnB>
+                    <a:lnTlToBr w="12700" cmpd="sng">
+                      <a:noFill/>
+                      <a:prstDash val="solid"/>
+                    </a:lnTlToBr>
+                    <a:lnBlToTr w="12700" cmpd="sng">
+                      <a:noFill/>
+                      <a:prstDash val="solid"/>
+                    </a:lnBlToTr>
+                    <a:noFill/>
+                  </a:tcPr>
+                </a:tc>
+                <a:tc>
+                  <a:txBody>
+                    <a:bodyPr/>
+                    <a:lstStyle/>
+                    <a:p>
+                      <a:pPr algn="r" rtl="0"/>
+                      <a:r>
+                        <a:rPr lang="de" sz="1600">
+                          <a:solidFill>
+                            <a:schemeClr val="tx1">
+                              <a:lumMod val="75000"/>
+                              <a:lumOff val="25000"/>
+                            </a:schemeClr>
+                          </a:solidFill>
+                        </a:rPr>
+                        <a:t>2000</a:t>
+                      </a:r>
+                    </a:p>
+                  </a:txBody>
+                  <a:tcPr anchor="ctr">
+                    <a:lnL w="3175" cap="flat" cmpd="sng" algn="ctr">
+                      <a:solidFill>
+                        <a:schemeClr val="bg1">
+                          <a:lumMod val="75000"/>
+                        </a:schemeClr>
+                      </a:solidFill>
+                      <a:prstDash val="solid"/>
+                      <a:round/>
+                      <a:headEnd type="none" w="med" len="med"/>
+                      <a:tailEnd type="none" w="med" len="med"/>
+                    </a:lnL>
+                    <a:lnR w="12700" cap="flat" cmpd="sng" algn="ctr">
+                      <a:solidFill>
+                        <a:schemeClr val="bg1">
+                          <a:lumMod val="85000"/>
+                        </a:schemeClr>
+                      </a:solidFill>
+                      <a:prstDash val="solid"/>
+                      <a:round/>
+                      <a:headEnd type="none" w="med" len="med"/>
+                      <a:tailEnd type="none" w="med" len="med"/>
+                    </a:lnR>
+                    <a:lnT w="3175" cap="flat" cmpd="sng" algn="ctr">
+                      <a:solidFill>
+                        <a:schemeClr val="bg1">
+                          <a:lumMod val="75000"/>
+                        </a:schemeClr>
+                      </a:solidFill>
+                      <a:prstDash val="solid"/>
+                      <a:round/>
+                      <a:headEnd type="none" w="med" len="med"/>
+                      <a:tailEnd type="none" w="med" len="med"/>
+                    </a:lnT>
+                    <a:lnB w="3175" cap="flat" cmpd="sng" algn="ctr">
+                      <a:solidFill>
+                        <a:schemeClr val="bg1">
+                          <a:lumMod val="75000"/>
+                        </a:schemeClr>
+                      </a:solidFill>
+                      <a:prstDash val="solid"/>
+                      <a:round/>
+                      <a:headEnd type="none" w="med" len="med"/>
+                      <a:tailEnd type="none" w="med" len="med"/>
+                    </a:lnB>
+                    <a:lnTlToBr w="12700" cmpd="sng">
+                      <a:noFill/>
+                      <a:prstDash val="solid"/>
+                    </a:lnTlToBr>
+                    <a:lnBlToTr w="12700" cmpd="sng">
+                      <a:noFill/>
+                      <a:prstDash val="solid"/>
+                    </a:lnBlToTr>
+                    <a:noFill/>
+                  </a:tcPr>
+                </a:tc>
+                <a:tc>
+                  <a:txBody>
+                    <a:bodyPr/>
+                    <a:lstStyle/>
+                    <a:p>
+                      <a:pPr algn="r" rtl="0"/>
+                      <a:r>
+                        <a:rPr lang="de" sz="1600">
+                          <a:solidFill>
+                            <a:schemeClr val="tx1">
+                              <a:lumMod val="75000"/>
+                              <a:lumOff val="25000"/>
+                            </a:schemeClr>
+                          </a:solidFill>
+                        </a:rPr>
+                        <a:t>100</a:t>
+                      </a:r>
+                    </a:p>
+                  </a:txBody>
+                  <a:tcPr anchor="ctr">
+                    <a:lnL w="12700" cap="flat" cmpd="sng" algn="ctr">
+                      <a:solidFill>
+                        <a:schemeClr val="bg1">
+                          <a:lumMod val="85000"/>
+                        </a:schemeClr>
+                      </a:solidFill>
+                      <a:prstDash val="solid"/>
+                      <a:round/>
+                      <a:headEnd type="none" w="med" len="med"/>
+                      <a:tailEnd type="none" w="med" len="med"/>
+                    </a:lnL>
+                    <a:lnR w="12700" cap="flat" cmpd="sng" algn="ctr">
+                      <a:solidFill>
+                        <a:schemeClr val="bg1">
+                          <a:lumMod val="85000"/>
+                        </a:schemeClr>
+                      </a:solidFill>
+                      <a:prstDash val="solid"/>
+                      <a:round/>
+                      <a:headEnd type="none" w="med" len="med"/>
+                      <a:tailEnd type="none" w="med" len="med"/>
+                    </a:lnR>
+                    <a:lnT w="3175" cap="flat" cmpd="sng" algn="ctr">
+                      <a:solidFill>
+                        <a:schemeClr val="bg1">
+                          <a:lumMod val="75000"/>
+                        </a:schemeClr>
+                      </a:solidFill>
+                      <a:prstDash val="solid"/>
+                      <a:round/>
+                      <a:headEnd type="none" w="med" len="med"/>
+                      <a:tailEnd type="none" w="med" len="med"/>
+                    </a:lnT>
+                    <a:lnB w="3175" cap="flat" cmpd="sng" algn="ctr">
+                      <a:solidFill>
+                        <a:schemeClr val="bg1">
+                          <a:lumMod val="75000"/>
+                        </a:schemeClr>
+                      </a:solidFill>
+                      <a:prstDash val="solid"/>
+                      <a:round/>
+                      <a:headEnd type="none" w="med" len="med"/>
+                      <a:tailEnd type="none" w="med" len="med"/>
+                    </a:lnB>
+                    <a:lnTlToBr w="12700" cmpd="sng">
+                      <a:noFill/>
+                      <a:prstDash val="solid"/>
+                    </a:lnTlToBr>
+                    <a:lnBlToTr w="12700" cmpd="sng">
+                      <a:noFill/>
+                      <a:prstDash val="solid"/>
+                    </a:lnBlToTr>
+                    <a:noFill/>
+                  </a:tcPr>
+                </a:tc>
+                <a:tc>
+                  <a:txBody>
+                    <a:bodyPr/>
+                    <a:lstStyle/>
+                    <a:p>
+                      <a:pPr algn="r" rtl="0"/>
+                      <a:r>
+                        <a:rPr lang="de" sz="1600">
+                          <a:solidFill>
+                            <a:schemeClr val="tx1">
+                              <a:lumMod val="75000"/>
+                              <a:lumOff val="25000"/>
+                            </a:schemeClr>
+                          </a:solidFill>
+                        </a:rPr>
+                        <a:t>5000</a:t>
+                      </a:r>
+                    </a:p>
+                  </a:txBody>
+                  <a:tcPr anchor="ctr">
+                    <a:lnL w="12700" cap="flat" cmpd="sng" algn="ctr">
+                      <a:solidFill>
+                        <a:schemeClr val="bg1">
+                          <a:lumMod val="85000"/>
+                        </a:schemeClr>
+                      </a:solidFill>
+                      <a:prstDash val="solid"/>
+                      <a:round/>
+                      <a:headEnd type="none" w="med" len="med"/>
+                      <a:tailEnd type="none" w="med" len="med"/>
+                    </a:lnL>
+                    <a:lnR w="12700" cap="flat" cmpd="sng" algn="ctr">
+                      <a:solidFill>
+                        <a:schemeClr val="bg1">
+                          <a:lumMod val="85000"/>
+                        </a:schemeClr>
+                      </a:solidFill>
+                      <a:prstDash val="solid"/>
+                      <a:round/>
+                      <a:headEnd type="none" w="med" len="med"/>
+                      <a:tailEnd type="none" w="med" len="med"/>
+                    </a:lnR>
+                    <a:lnT w="3175" cap="flat" cmpd="sng" algn="ctr">
+                      <a:solidFill>
+                        <a:schemeClr val="bg1">
+                          <a:lumMod val="75000"/>
+                        </a:schemeClr>
+                      </a:solidFill>
+                      <a:prstDash val="solid"/>
+                      <a:round/>
+                      <a:headEnd type="none" w="med" len="med"/>
+                      <a:tailEnd type="none" w="med" len="med"/>
+                    </a:lnT>
+                    <a:lnB w="3175" cap="flat" cmpd="sng" algn="ctr">
+                      <a:solidFill>
+                        <a:schemeClr val="bg1">
+                          <a:lumMod val="75000"/>
+                        </a:schemeClr>
+                      </a:solidFill>
+                      <a:prstDash val="solid"/>
+                      <a:round/>
+                      <a:headEnd type="none" w="med" len="med"/>
+                      <a:tailEnd type="none" w="med" len="med"/>
+                    </a:lnB>
+                    <a:lnTlToBr w="12700" cmpd="sng">
+                      <a:noFill/>
+                      <a:prstDash val="solid"/>
+                    </a:lnTlToBr>
+                    <a:lnBlToTr w="12700" cmpd="sng">
+                      <a:noFill/>
+                      <a:prstDash val="solid"/>
+                    </a:lnBlToTr>
+                    <a:noFill/>
+                  </a:tcPr>
+                </a:tc>
+                <a:tc>
+                  <a:txBody>
+                    <a:bodyPr/>
+                    <a:lstStyle/>
+                    <a:p>
+                      <a:pPr algn="r" rtl="0"/>
+                      <a:r>
+                        <a:rPr lang="de" sz="1600">
+                          <a:solidFill>
+                            <a:schemeClr val="tx1">
+                              <a:lumMod val="75000"/>
+                              <a:lumOff val="25000"/>
+                            </a:schemeClr>
+                          </a:solidFill>
+                        </a:rPr>
+                        <a:t>135.000 €</a:t>
+                      </a:r>
+                    </a:p>
+                  </a:txBody>
+                  <a:tcPr anchor="ctr">
+                    <a:lnL w="12700" cap="flat" cmpd="sng" algn="ctr">
+                      <a:solidFill>
+                        <a:schemeClr val="bg1">
+                          <a:lumMod val="85000"/>
+                        </a:schemeClr>
+                      </a:solidFill>
+                      <a:prstDash val="solid"/>
+                      <a:round/>
+                      <a:headEnd type="none" w="med" len="med"/>
+                      <a:tailEnd type="none" w="med" len="med"/>
+                    </a:lnL>
+                    <a:lnR w="12700" cap="flat" cmpd="sng" algn="ctr">
+                      <a:solidFill>
+                        <a:schemeClr val="bg1">
+                          <a:lumMod val="85000"/>
+                        </a:schemeClr>
+                      </a:solidFill>
+                      <a:prstDash val="solid"/>
+                      <a:round/>
+                      <a:headEnd type="none" w="med" len="med"/>
+                      <a:tailEnd type="none" w="med" len="med"/>
+                    </a:lnR>
+                    <a:lnT w="12700" cap="flat" cmpd="sng" algn="ctr">
+                      <a:solidFill>
+                        <a:schemeClr val="accent1"/>
+                      </a:solidFill>
+                      <a:prstDash val="solid"/>
+                      <a:round/>
+                      <a:headEnd type="none" w="med" len="med"/>
+                      <a:tailEnd type="none" w="med" len="med"/>
+                    </a:lnT>
+                    <a:lnB w="12700" cap="flat" cmpd="sng" algn="ctr">
+                      <a:solidFill>
+                        <a:schemeClr val="accent1"/>
+                      </a:solidFill>
+                      <a:prstDash val="solid"/>
+                      <a:round/>
+                      <a:headEnd type="none" w="med" len="med"/>
+                      <a:tailEnd type="none" w="med" len="med"/>
+                    </a:lnB>
+                    <a:lnTlToBr w="12700" cmpd="sng">
+                      <a:noFill/>
+                      <a:prstDash val="solid"/>
+                    </a:lnTlToBr>
+                    <a:lnBlToTr w="12700" cmpd="sng">
+                      <a:noFill/>
+                      <a:prstDash val="solid"/>
+                    </a:lnBlToTr>
+                    <a:solidFill>
+                      <a:schemeClr val="bg1">
+                        <a:lumMod val="95000"/>
+                      </a:schemeClr>
+                    </a:solidFill>
+                  </a:tcPr>
+                </a:tc>
+                <a:tc>
+                  <a:txBody>
+                    <a:bodyPr/>
+                    <a:lstStyle/>
+                    <a:p>
+                      <a:pPr algn="r" rtl="0"/>
+                      <a:r>
+                        <a:rPr lang="de" sz="1600">
+                          <a:solidFill>
+                            <a:schemeClr val="tx1">
+                              <a:lumMod val="75000"/>
+                              <a:lumOff val="25000"/>
+                            </a:schemeClr>
+                          </a:solidFill>
+                        </a:rPr>
+                        <a:t>20.250 €</a:t>
+                      </a:r>
+                    </a:p>
+                  </a:txBody>
+                  <a:tcPr anchor="ctr">
+                    <a:lnL w="12700" cap="flat" cmpd="sng" algn="ctr">
+                      <a:solidFill>
+                        <a:schemeClr val="bg1">
+                          <a:lumMod val="85000"/>
+                        </a:schemeClr>
+                      </a:solidFill>
+                      <a:prstDash val="solid"/>
+                      <a:round/>
+                      <a:headEnd type="none" w="med" len="med"/>
+                      <a:tailEnd type="none" w="med" len="med"/>
+                    </a:lnL>
+                    <a:lnR w="3175" cap="flat" cmpd="sng" algn="ctr">
+                      <a:solidFill>
+                        <a:schemeClr val="bg1">
+                          <a:lumMod val="75000"/>
+                        </a:schemeClr>
+                      </a:solidFill>
+                      <a:prstDash val="solid"/>
+                      <a:round/>
+                      <a:headEnd type="none" w="med" len="med"/>
+                      <a:tailEnd type="none" w="med" len="med"/>
+                    </a:lnR>
+                    <a:lnT w="3175" cap="flat" cmpd="sng" algn="ctr">
+                      <a:solidFill>
+                        <a:schemeClr val="bg1">
+                          <a:lumMod val="75000"/>
+                        </a:schemeClr>
+                      </a:solidFill>
+                      <a:prstDash val="solid"/>
+                      <a:round/>
+                      <a:headEnd type="none" w="med" len="med"/>
+                      <a:tailEnd type="none" w="med" len="med"/>
+                    </a:lnT>
+                    <a:lnB w="3175" cap="flat" cmpd="sng" algn="ctr">
+                      <a:solidFill>
+                        <a:schemeClr val="bg1">
+                          <a:lumMod val="75000"/>
+                        </a:schemeClr>
+                      </a:solidFill>
+                      <a:prstDash val="solid"/>
+                      <a:round/>
+                      <a:headEnd type="none" w="med" len="med"/>
+                      <a:tailEnd type="none" w="med" len="med"/>
+                    </a:lnB>
+                    <a:lnTlToBr w="12700" cmpd="sng">
+                      <a:noFill/>
+                      <a:prstDash val="solid"/>
+                    </a:lnTlToBr>
+                    <a:lnBlToTr w="12700" cmpd="sng">
+                      <a:noFill/>
+                      <a:prstDash val="solid"/>
+                    </a:lnBlToTr>
+                    <a:noFill/>
+                  </a:tcPr>
+                </a:tc>
+                <a:extLst>
+                  <a:ext uri="{0D108BD9-81ED-4DB2-BD59-A6C34878D82A}">
+                    <a16:rowId xmlns:a16="http://schemas.microsoft.com/office/drawing/2014/main" val="1687728417"/>
+                  </a:ext>
+                </a:extLst>
+              </a:tr>
+              <a:tr h="726924">
+                <a:tc>
+                  <a:txBody>
+                    <a:bodyPr/>
+                    <a:lstStyle/>
+                    <a:p>
+                      <a:pPr algn="ctr" rtl="0"/>
+                      <a:r>
+                        <a:rPr lang="de" sz="1600" b="1">
+                          <a:solidFill>
+                            <a:schemeClr val="tx1">
+                              <a:lumMod val="75000"/>
+                              <a:lumOff val="25000"/>
+                            </a:schemeClr>
+                          </a:solidFill>
+                        </a:rPr>
+                        <a:t>20JJ</a:t>
+                      </a:r>
+                    </a:p>
+                  </a:txBody>
+                  <a:tcPr anchor="ctr">
+                    <a:lnL w="12700" cap="flat" cmpd="sng" algn="ctr">
+                      <a:solidFill>
+                        <a:schemeClr val="bg1">
+                          <a:lumMod val="85000"/>
+                        </a:schemeClr>
+                      </a:solidFill>
+                      <a:prstDash val="solid"/>
+                      <a:round/>
+                      <a:headEnd type="none" w="med" len="med"/>
+                      <a:tailEnd type="none" w="med" len="med"/>
+                    </a:lnL>
+                    <a:lnR w="12700" cap="flat" cmpd="sng" algn="ctr">
+                      <a:solidFill>
+                        <a:schemeClr val="bg1">
+                          <a:lumMod val="85000"/>
+                        </a:schemeClr>
+                      </a:solidFill>
+                      <a:prstDash val="solid"/>
+                      <a:round/>
+                      <a:headEnd type="none" w="med" len="med"/>
+                      <a:tailEnd type="none" w="med" len="med"/>
+                    </a:lnR>
+                    <a:lnT w="12700" cap="flat" cmpd="sng" algn="ctr">
+                      <a:solidFill>
+                        <a:schemeClr val="bg1">
+                          <a:lumMod val="85000"/>
+                        </a:schemeClr>
+                      </a:solidFill>
+                      <a:prstDash val="solid"/>
+                      <a:round/>
+                      <a:headEnd type="none" w="med" len="med"/>
+                      <a:tailEnd type="none" w="med" len="med"/>
+                    </a:lnT>
+                    <a:lnB w="12700" cap="flat" cmpd="sng" algn="ctr">
+                      <a:solidFill>
+                        <a:schemeClr val="bg1">
+                          <a:lumMod val="85000"/>
+                        </a:schemeClr>
+                      </a:solidFill>
+                      <a:prstDash val="solid"/>
+                      <a:round/>
+                      <a:headEnd type="none" w="med" len="med"/>
+                      <a:tailEnd type="none" w="med" len="med"/>
+                    </a:lnB>
+                    <a:lnTlToBr w="12700" cmpd="sng">
+                      <a:noFill/>
+                      <a:prstDash val="solid"/>
+                    </a:lnTlToBr>
+                    <a:lnBlToTr w="12700" cmpd="sng">
+                      <a:noFill/>
+                      <a:prstDash val="solid"/>
+                    </a:lnBlToTr>
+                    <a:solidFill>
+                      <a:schemeClr val="bg1"/>
+                    </a:solidFill>
+                  </a:tcPr>
+                </a:tc>
+                <a:tc>
+                  <a:txBody>
+                    <a:bodyPr/>
+                    <a:lstStyle/>
+                    <a:p>
+                      <a:pPr algn="r" rtl="0"/>
+                      <a:r>
+                        <a:rPr lang="de" sz="1600">
+                          <a:solidFill>
+                            <a:schemeClr val="tx1">
+                              <a:lumMod val="75000"/>
+                              <a:lumOff val="25000"/>
+                            </a:schemeClr>
+                          </a:solidFill>
+                        </a:rPr>
+                        <a:t>400</a:t>
+                      </a:r>
+                    </a:p>
+                  </a:txBody>
+                  <a:tcPr anchor="ctr">
+                    <a:lnL w="12700" cap="flat" cmpd="sng" algn="ctr">
+                      <a:solidFill>
+                        <a:schemeClr val="bg1">
+                          <a:lumMod val="85000"/>
+                        </a:schemeClr>
+                      </a:solidFill>
+                      <a:prstDash val="solid"/>
+                      <a:round/>
+                      <a:headEnd type="none" w="med" len="med"/>
+                      <a:tailEnd type="none" w="med" len="med"/>
+                    </a:lnL>
+                    <a:lnR w="3175" cap="flat" cmpd="sng" algn="ctr">
+                      <a:solidFill>
+                        <a:schemeClr val="bg1">
+                          <a:lumMod val="75000"/>
+                        </a:schemeClr>
+                      </a:solidFill>
+                      <a:prstDash val="solid"/>
+                      <a:round/>
+                      <a:headEnd type="none" w="med" len="med"/>
+                      <a:tailEnd type="none" w="med" len="med"/>
+                    </a:lnR>
+                    <a:lnT w="3175" cap="flat" cmpd="sng" algn="ctr">
+                      <a:solidFill>
+                        <a:schemeClr val="bg1">
+                          <a:lumMod val="75000"/>
+                        </a:schemeClr>
+                      </a:solidFill>
+                      <a:prstDash val="solid"/>
+                      <a:round/>
+                      <a:headEnd type="none" w="med" len="med"/>
+                      <a:tailEnd type="none" w="med" len="med"/>
+                    </a:lnT>
+                    <a:lnB w="3175" cap="flat" cmpd="sng" algn="ctr">
+                      <a:solidFill>
+                        <a:schemeClr val="bg1">
+                          <a:lumMod val="75000"/>
+                        </a:schemeClr>
+                      </a:solidFill>
+                      <a:prstDash val="solid"/>
+                      <a:round/>
+                      <a:headEnd type="none" w="med" len="med"/>
+                      <a:tailEnd type="none" w="med" len="med"/>
+                    </a:lnB>
+                    <a:lnTlToBr w="12700" cmpd="sng">
+                      <a:noFill/>
+                      <a:prstDash val="solid"/>
+                    </a:lnTlToBr>
+                    <a:lnBlToTr w="12700" cmpd="sng">
+                      <a:noFill/>
+                      <a:prstDash val="solid"/>
+                    </a:lnBlToTr>
+                    <a:noFill/>
+                  </a:tcPr>
+                </a:tc>
+                <a:tc>
+                  <a:txBody>
+                    <a:bodyPr/>
+                    <a:lstStyle/>
+                    <a:p>
+                      <a:pPr algn="r" rtl="0"/>
+                      <a:r>
+                        <a:rPr lang="de" sz="1600">
+                          <a:solidFill>
+                            <a:schemeClr val="tx1">
+                              <a:lumMod val="75000"/>
+                              <a:lumOff val="25000"/>
+                            </a:schemeClr>
+                          </a:solidFill>
+                        </a:rPr>
+                        <a:t>4000</a:t>
+                      </a:r>
+                    </a:p>
+                  </a:txBody>
+                  <a:tcPr anchor="ctr">
+                    <a:lnL w="3175" cap="flat" cmpd="sng" algn="ctr">
+                      <a:solidFill>
+                        <a:schemeClr val="bg1">
+                          <a:lumMod val="75000"/>
+                        </a:schemeClr>
+                      </a:solidFill>
+                      <a:prstDash val="solid"/>
+                      <a:round/>
+                      <a:headEnd type="none" w="med" len="med"/>
+                      <a:tailEnd type="none" w="med" len="med"/>
+                    </a:lnL>
+                    <a:lnR w="12700" cap="flat" cmpd="sng" algn="ctr">
+                      <a:solidFill>
+                        <a:schemeClr val="bg1">
+                          <a:lumMod val="85000"/>
+                        </a:schemeClr>
+                      </a:solidFill>
+                      <a:prstDash val="solid"/>
+                      <a:round/>
+                      <a:headEnd type="none" w="med" len="med"/>
+                      <a:tailEnd type="none" w="med" len="med"/>
+                    </a:lnR>
+                    <a:lnT w="3175" cap="flat" cmpd="sng" algn="ctr">
+                      <a:solidFill>
+                        <a:schemeClr val="bg1">
+                          <a:lumMod val="75000"/>
+                        </a:schemeClr>
+                      </a:solidFill>
+                      <a:prstDash val="solid"/>
+                      <a:round/>
+                      <a:headEnd type="none" w="med" len="med"/>
+                      <a:tailEnd type="none" w="med" len="med"/>
+                    </a:lnT>
+                    <a:lnB w="3175" cap="flat" cmpd="sng" algn="ctr">
+                      <a:solidFill>
+                        <a:schemeClr val="bg1">
+                          <a:lumMod val="75000"/>
+                        </a:schemeClr>
+                      </a:solidFill>
+                      <a:prstDash val="solid"/>
+                      <a:round/>
+                      <a:headEnd type="none" w="med" len="med"/>
+                      <a:tailEnd type="none" w="med" len="med"/>
+                    </a:lnB>
+                    <a:lnTlToBr w="12700" cmpd="sng">
+                      <a:noFill/>
+                      <a:prstDash val="solid"/>
+                    </a:lnTlToBr>
+                    <a:lnBlToTr w="12700" cmpd="sng">
+                      <a:noFill/>
+                      <a:prstDash val="solid"/>
+                    </a:lnBlToTr>
+                    <a:noFill/>
+                  </a:tcPr>
+                </a:tc>
+                <a:tc>
+                  <a:txBody>
+                    <a:bodyPr/>
+                    <a:lstStyle/>
+                    <a:p>
+                      <a:pPr algn="r" rtl="0"/>
+                      <a:r>
+                        <a:rPr lang="de" sz="1600">
+                          <a:solidFill>
+                            <a:schemeClr val="tx1">
+                              <a:lumMod val="75000"/>
+                              <a:lumOff val="25000"/>
+                            </a:schemeClr>
+                          </a:solidFill>
+                        </a:rPr>
+                        <a:t>120</a:t>
+                      </a:r>
+                    </a:p>
+                  </a:txBody>
+                  <a:tcPr anchor="ctr">
+                    <a:lnL w="12700" cap="flat" cmpd="sng" algn="ctr">
+                      <a:solidFill>
+                        <a:schemeClr val="bg1">
+                          <a:lumMod val="85000"/>
+                        </a:schemeClr>
+                      </a:solidFill>
+                      <a:prstDash val="solid"/>
+                      <a:round/>
+                      <a:headEnd type="none" w="med" len="med"/>
+                      <a:tailEnd type="none" w="med" len="med"/>
+                    </a:lnL>
+                    <a:lnR w="12700" cap="flat" cmpd="sng" algn="ctr">
+                      <a:solidFill>
+                        <a:schemeClr val="bg1">
+                          <a:lumMod val="85000"/>
+                        </a:schemeClr>
+                      </a:solidFill>
+                      <a:prstDash val="solid"/>
+                      <a:round/>
+                      <a:headEnd type="none" w="med" len="med"/>
+                      <a:tailEnd type="none" w="med" len="med"/>
+                    </a:lnR>
+                    <a:lnT w="3175" cap="flat" cmpd="sng" algn="ctr">
+                      <a:solidFill>
+                        <a:schemeClr val="bg1">
+                          <a:lumMod val="75000"/>
+                        </a:schemeClr>
+                      </a:solidFill>
+                      <a:prstDash val="solid"/>
+                      <a:round/>
+                      <a:headEnd type="none" w="med" len="med"/>
+                      <a:tailEnd type="none" w="med" len="med"/>
+                    </a:lnT>
+                    <a:lnB w="3175" cap="flat" cmpd="sng" algn="ctr">
+                      <a:solidFill>
+                        <a:schemeClr val="bg1">
+                          <a:lumMod val="75000"/>
+                        </a:schemeClr>
+                      </a:solidFill>
+                      <a:prstDash val="solid"/>
+                      <a:round/>
+                      <a:headEnd type="none" w="med" len="med"/>
+                      <a:tailEnd type="none" w="med" len="med"/>
+                    </a:lnB>
+                    <a:lnTlToBr w="12700" cmpd="sng">
+                      <a:noFill/>
+                      <a:prstDash val="solid"/>
+                    </a:lnTlToBr>
+                    <a:lnBlToTr w="12700" cmpd="sng">
+                      <a:noFill/>
+                      <a:prstDash val="solid"/>
+                    </a:lnBlToTr>
+                    <a:noFill/>
+                  </a:tcPr>
+                </a:tc>
+                <a:tc>
+                  <a:txBody>
+                    <a:bodyPr/>
+                    <a:lstStyle/>
+                    <a:p>
+                      <a:pPr algn="r" rtl="0"/>
+                      <a:r>
+                        <a:rPr lang="de" sz="1600">
+                          <a:solidFill>
+                            <a:schemeClr val="tx1">
+                              <a:lumMod val="75000"/>
+                              <a:lumOff val="25000"/>
+                            </a:schemeClr>
+                          </a:solidFill>
+                        </a:rPr>
+                        <a:t>50000</a:t>
+                      </a:r>
+                    </a:p>
+                  </a:txBody>
+                  <a:tcPr anchor="ctr">
+                    <a:lnL w="12700" cap="flat" cmpd="sng" algn="ctr">
+                      <a:solidFill>
+                        <a:schemeClr val="bg1">
+                          <a:lumMod val="85000"/>
+                        </a:schemeClr>
+                      </a:solidFill>
+                      <a:prstDash val="solid"/>
+                      <a:round/>
+                      <a:headEnd type="none" w="med" len="med"/>
+                      <a:tailEnd type="none" w="med" len="med"/>
+                    </a:lnL>
+                    <a:lnR w="12700" cap="flat" cmpd="sng" algn="ctr">
+                      <a:solidFill>
+                        <a:schemeClr val="bg1">
+                          <a:lumMod val="85000"/>
+                        </a:schemeClr>
+                      </a:solidFill>
+                      <a:prstDash val="solid"/>
+                      <a:round/>
+                      <a:headEnd type="none" w="med" len="med"/>
+                      <a:tailEnd type="none" w="med" len="med"/>
+                    </a:lnR>
+                    <a:lnT w="3175" cap="flat" cmpd="sng" algn="ctr">
+                      <a:solidFill>
+                        <a:schemeClr val="bg1">
+                          <a:lumMod val="75000"/>
+                        </a:schemeClr>
+                      </a:solidFill>
+                      <a:prstDash val="solid"/>
+                      <a:round/>
+                      <a:headEnd type="none" w="med" len="med"/>
+                      <a:tailEnd type="none" w="med" len="med"/>
+                    </a:lnT>
+                    <a:lnB w="3175" cap="flat" cmpd="sng" algn="ctr">
+                      <a:solidFill>
+                        <a:schemeClr val="bg1">
+                          <a:lumMod val="75000"/>
+                        </a:schemeClr>
+                      </a:solidFill>
+                      <a:prstDash val="solid"/>
+                      <a:round/>
+                      <a:headEnd type="none" w="med" len="med"/>
+                      <a:tailEnd type="none" w="med" len="med"/>
+                    </a:lnB>
+                    <a:lnTlToBr w="12700" cmpd="sng">
+                      <a:noFill/>
+                      <a:prstDash val="solid"/>
+                    </a:lnTlToBr>
+                    <a:lnBlToTr w="12700" cmpd="sng">
+                      <a:noFill/>
+                      <a:prstDash val="solid"/>
+                    </a:lnBlToTr>
+                    <a:noFill/>
+                  </a:tcPr>
+                </a:tc>
+                <a:tc>
+                  <a:txBody>
+                    <a:bodyPr/>
+                    <a:lstStyle/>
+                    <a:p>
+                      <a:pPr algn="r" rtl="0"/>
+                      <a:r>
+                        <a:rPr lang="de" sz="1600">
+                          <a:solidFill>
+                            <a:schemeClr val="tx1">
+                              <a:lumMod val="75000"/>
+                              <a:lumOff val="25000"/>
+                            </a:schemeClr>
+                          </a:solidFill>
+                        </a:rPr>
+                        <a:t>270.000 €</a:t>
+                      </a:r>
+                    </a:p>
+                  </a:txBody>
+                  <a:tcPr anchor="ctr">
+                    <a:lnL w="12700" cap="flat" cmpd="sng" algn="ctr">
+                      <a:solidFill>
+                        <a:schemeClr val="bg1">
+                          <a:lumMod val="85000"/>
+                        </a:schemeClr>
+                      </a:solidFill>
+                      <a:prstDash val="solid"/>
+                      <a:round/>
+                      <a:headEnd type="none" w="med" len="med"/>
+                      <a:tailEnd type="none" w="med" len="med"/>
+                    </a:lnL>
+                    <a:lnR w="12700" cap="flat" cmpd="sng" algn="ctr">
+                      <a:solidFill>
+                        <a:schemeClr val="bg1">
+                          <a:lumMod val="85000"/>
+                        </a:schemeClr>
+                      </a:solidFill>
+                      <a:prstDash val="solid"/>
+                      <a:round/>
+                      <a:headEnd type="none" w="med" len="med"/>
+                      <a:tailEnd type="none" w="med" len="med"/>
+                    </a:lnR>
+                    <a:lnT w="12700" cap="flat" cmpd="sng" algn="ctr">
+                      <a:solidFill>
+                        <a:schemeClr val="accent1"/>
+                      </a:solidFill>
+                      <a:prstDash val="solid"/>
+                      <a:round/>
+                      <a:headEnd type="none" w="med" len="med"/>
+                      <a:tailEnd type="none" w="med" len="med"/>
+                    </a:lnT>
+                    <a:lnB w="12700" cap="flat" cmpd="sng" algn="ctr">
+                      <a:solidFill>
+                        <a:schemeClr val="bg1">
+                          <a:lumMod val="85000"/>
+                        </a:schemeClr>
+                      </a:solidFill>
+                      <a:prstDash val="solid"/>
+                      <a:round/>
+                      <a:headEnd type="none" w="med" len="med"/>
+                      <a:tailEnd type="none" w="med" len="med"/>
+                    </a:lnB>
+                    <a:lnTlToBr w="12700" cmpd="sng">
+                      <a:noFill/>
+                      <a:prstDash val="solid"/>
+                    </a:lnTlToBr>
+                    <a:lnBlToTr w="12700" cmpd="sng">
+                      <a:noFill/>
+                      <a:prstDash val="solid"/>
+                    </a:lnBlToTr>
+                    <a:solidFill>
+                      <a:schemeClr val="bg1">
+                        <a:lumMod val="95000"/>
+                      </a:schemeClr>
+                    </a:solidFill>
+                  </a:tcPr>
+                </a:tc>
+                <a:tc>
+                  <a:txBody>
+                    <a:bodyPr/>
+                    <a:lstStyle/>
+                    <a:p>
+                      <a:pPr algn="r" rtl="0"/>
+                      <a:r>
+                        <a:rPr lang="de" sz="1600" dirty="0">
+                          <a:solidFill>
+                            <a:schemeClr val="tx1">
+                              <a:lumMod val="75000"/>
+                              <a:lumOff val="25000"/>
+                            </a:schemeClr>
+                          </a:solidFill>
+                        </a:rPr>
+                        <a:t>40.500 €</a:t>
+                      </a:r>
+                    </a:p>
+                  </a:txBody>
+                  <a:tcPr anchor="ctr">
+                    <a:lnL w="12700" cap="flat" cmpd="sng" algn="ctr">
+                      <a:solidFill>
+                        <a:schemeClr val="bg1">
+                          <a:lumMod val="85000"/>
+                        </a:schemeClr>
+                      </a:solidFill>
+                      <a:prstDash val="solid"/>
+                      <a:round/>
+                      <a:headEnd type="none" w="med" len="med"/>
+                      <a:tailEnd type="none" w="med" len="med"/>
+                    </a:lnL>
+                    <a:lnR w="3175" cap="flat" cmpd="sng" algn="ctr">
+                      <a:solidFill>
+                        <a:schemeClr val="bg1">
+                          <a:lumMod val="75000"/>
+                        </a:schemeClr>
+                      </a:solidFill>
+                      <a:prstDash val="solid"/>
+                      <a:round/>
+                      <a:headEnd type="none" w="med" len="med"/>
+                      <a:tailEnd type="none" w="med" len="med"/>
+                    </a:lnR>
+                    <a:lnT w="3175" cap="flat" cmpd="sng" algn="ctr">
+                      <a:solidFill>
+                        <a:schemeClr val="bg1">
+                          <a:lumMod val="75000"/>
+                        </a:schemeClr>
+                      </a:solidFill>
+                      <a:prstDash val="solid"/>
+                      <a:round/>
+                      <a:headEnd type="none" w="med" len="med"/>
+                      <a:tailEnd type="none" w="med" len="med"/>
+                    </a:lnT>
+                    <a:lnB w="3175" cap="flat" cmpd="sng" algn="ctr">
+                      <a:solidFill>
+                        <a:schemeClr val="bg1">
+                          <a:lumMod val="75000"/>
+                        </a:schemeClr>
+                      </a:solidFill>
+                      <a:prstDash val="solid"/>
+                      <a:round/>
+                      <a:headEnd type="none" w="med" len="med"/>
+                      <a:tailEnd type="none" w="med" len="med"/>
+                    </a:lnB>
+                    <a:lnTlToBr w="12700" cmpd="sng">
+                      <a:noFill/>
+                      <a:prstDash val="solid"/>
+                    </a:lnTlToBr>
+                    <a:lnBlToTr w="12700" cmpd="sng">
+                      <a:noFill/>
+                      <a:prstDash val="solid"/>
+                    </a:lnBlToTr>
+                    <a:noFill/>
+                  </a:tcPr>
+                </a:tc>
+                <a:extLst>
+                  <a:ext uri="{0D108BD9-81ED-4DB2-BD59-A6C34878D82A}">
+                    <a16:rowId xmlns:a16="http://schemas.microsoft.com/office/drawing/2014/main" val="3857078208"/>
+                  </a:ext>
+                </a:extLst>
+              </a:tr>
+            </a:tbl>
+          </a:graphicData>
+        </a:graphic>
+      </p:graphicFrame>
+      <p:sp>
+        <p:nvSpPr>
+          <p:cNvPr id="6" name="Foliennummernplatzhalter 5">
+            <a:extLst>
+              <a:ext uri="{FF2B5EF4-FFF2-40B4-BE49-F238E27FC236}">
+                <a16:creationId xmlns:a16="http://schemas.microsoft.com/office/drawing/2014/main" id="{4B379698-AB4C-493D-BF95-F5781FDF2AC5}"/>
+              </a:ext>
+            </a:extLst>
+          </p:cNvPr>
+          <p:cNvSpPr>
+            <a:spLocks noGrp="1"/>
+          </p:cNvSpPr>
+          <p:nvPr>
+            <p:ph type="sldNum" sz="quarter" idx="33"/>
+          </p:nvPr>
+        </p:nvSpPr>
+        <p:spPr>
+          <a:xfrm>
+            <a:off x="11760000" y="6371351"/>
+            <a:ext cx="432000" cy="432000"/>
+          </a:xfrm>
+        </p:spPr>
+        <p:txBody>
+          <a:bodyPr rtlCol="0"/>
+          <a:lstStyle/>
+          <a:p>
+            <a:pPr rtl="0"/>
+            <a:fld id="{19B51A1E-902D-48AF-9020-955120F399B6}" type="slidenum">
+              <a:rPr lang="de-DE" smtClean="0"/>
+              <a:pPr rtl="0"/>
+              <a:t>17</a:t>
+            </a:fld>
+            <a:endParaRPr lang="de-DE"/>
+          </a:p>
+        </p:txBody>
+      </p:sp>
+    </p:spTree>
+    <p:extLst>
+      <p:ext uri="{BB962C8B-B14F-4D97-AF65-F5344CB8AC3E}">
+        <p14:creationId xmlns:p14="http://schemas.microsoft.com/office/powerpoint/2010/main" val="2575421478"/>
+      </p:ext>
+    </p:extLst>
+  </p:cSld>
+  <p:clrMapOvr>
+    <a:masterClrMapping/>
+  </p:clrMapOvr>
+</p:sld>
+</file>
+
+<file path=ppt/slides/slide18.xml><?xml version="1.0" encoding="utf-8"?>
+<p:sld xmlns:a="http://schemas.openxmlformats.org/drawingml/2006/main" xmlns:r="http://schemas.openxmlformats.org/officeDocument/2006/relationships" xmlns:p="http://schemas.openxmlformats.org/presentationml/2006/main">
+  <p:cSld>
+    <p:spTree>
+      <p:nvGrpSpPr>
         <p:cNvPr id="1" name=""/>
         <p:cNvGrpSpPr/>
         <p:nvPr/>
@@ -11474,7 +16311,7 @@
             <a:fld id="{19B51A1E-902D-48AF-9020-955120F399B6}" type="slidenum">
               <a:rPr lang="de-DE" smtClean="0"/>
               <a:pPr rtl="0"/>
-              <a:t>10</a:t>
+              <a:t>18</a:t>
             </a:fld>
             <a:endParaRPr lang="de-DE"/>
           </a:p>
@@ -11522,7 +16359,7 @@
 </p:sld>
 </file>
 
-<file path=ppt/slides/slide11.xml><?xml version="1.0" encoding="utf-8"?>
+<file path=ppt/slides/slide19.xml><?xml version="1.0" encoding="utf-8"?>
 <p:sld xmlns:a="http://schemas.openxmlformats.org/drawingml/2006/main" xmlns:r="http://schemas.openxmlformats.org/officeDocument/2006/relationships" xmlns:p="http://schemas.openxmlformats.org/presentationml/2006/main">
   <p:cSld>
     <p:spTree>
@@ -11896,7 +16733,7 @@
             <a:fld id="{19B51A1E-902D-48AF-9020-955120F399B6}" type="slidenum">
               <a:rPr lang="de-DE" smtClean="0"/>
               <a:pPr rtl="0"/>
-              <a:t>11</a:t>
+              <a:t>19</a:t>
             </a:fld>
             <a:endParaRPr lang="de-DE"/>
           </a:p>
@@ -11915,7 +16752,299 @@
 </p:sld>
 </file>
 
-<file path=ppt/slides/slide12.xml><?xml version="1.0" encoding="utf-8"?>
+<file path=ppt/slides/slide2.xml><?xml version="1.0" encoding="utf-8"?>
+<p:sld xmlns:a="http://schemas.openxmlformats.org/drawingml/2006/main" xmlns:r="http://schemas.openxmlformats.org/officeDocument/2006/relationships" xmlns:p="http://schemas.openxmlformats.org/presentationml/2006/main">
+  <p:cSld>
+    <p:spTree>
+      <p:nvGrpSpPr>
+        <p:cNvPr id="1" name=""/>
+        <p:cNvGrpSpPr/>
+        <p:nvPr/>
+      </p:nvGrpSpPr>
+      <p:grpSpPr>
+        <a:xfrm>
+          <a:off x="0" y="0"/>
+          <a:ext cx="0" cy="0"/>
+          <a:chOff x="0" y="0"/>
+          <a:chExt cx="0" cy="0"/>
+        </a:xfrm>
+      </p:grpSpPr>
+      <p:sp>
+        <p:nvSpPr>
+          <p:cNvPr id="4" name="Inhaltsplatzhalter 3">
+            <a:extLst>
+              <a:ext uri="{FF2B5EF4-FFF2-40B4-BE49-F238E27FC236}">
+                <a16:creationId xmlns:a16="http://schemas.microsoft.com/office/drawing/2014/main" id="{D355C61F-C8F1-4977-8E1F-F16C0D9EA88C}"/>
+              </a:ext>
+            </a:extLst>
+          </p:cNvPr>
+          <p:cNvSpPr>
+            <a:spLocks noGrp="1"/>
+          </p:cNvSpPr>
+          <p:nvPr>
+            <p:ph sz="half" idx="1"/>
+          </p:nvPr>
+        </p:nvSpPr>
+        <p:spPr/>
+        <p:txBody>
+          <a:bodyPr rtlCol="0"/>
+          <a:lstStyle/>
+          <a:p>
+            <a:pPr marL="0" indent="0" rtl="0">
+              <a:buNone/>
+            </a:pPr>
+            <a:r>
+              <a:rPr lang="de-DE" sz="2800" dirty="0"/>
+              <a:t>Anbauempfehlung für Landwirtschaft</a:t>
+            </a:r>
+          </a:p>
+          <a:p>
+            <a:pPr rtl="0"/>
+            <a:r>
+              <a:rPr lang="de-DE" dirty="0"/>
+              <a:t>Basierend auf einigen Messwerten wie Stickstoff, Temperatur und Regen wird eine vom 22 Pflanzen empfohlen</a:t>
+            </a:r>
+          </a:p>
+          <a:p>
+            <a:pPr rtl="0"/>
+            <a:r>
+              <a:rPr lang="de-DE" dirty="0">
+                <a:sym typeface="Wingdings" panose="05000000000000000000" pitchFamily="2" charset="2"/>
+              </a:rPr>
+              <a:t>Maximaler Ertrag</a:t>
+            </a:r>
+          </a:p>
+          <a:p>
+            <a:pPr rtl="0"/>
+            <a:r>
+              <a:rPr lang="de-DE" dirty="0">
+                <a:sym typeface="Wingdings" panose="05000000000000000000" pitchFamily="2" charset="2"/>
+              </a:rPr>
+              <a:t>Geeignete Pflanze für Boden  Erfolg</a:t>
+            </a:r>
+            <a:endParaRPr lang="de-DE" dirty="0"/>
+          </a:p>
+        </p:txBody>
+      </p:sp>
+      <p:pic>
+        <p:nvPicPr>
+          <p:cNvPr id="9" name="Bildplatzhalter 8" descr="Hände, die ein Mobiltelefon berühren">
+            <a:extLst>
+              <a:ext uri="{FF2B5EF4-FFF2-40B4-BE49-F238E27FC236}">
+                <a16:creationId xmlns:a16="http://schemas.microsoft.com/office/drawing/2014/main" id="{A9A75888-22E3-1D43-9112-DA02186070B5}"/>
+              </a:ext>
+            </a:extLst>
+          </p:cNvPr>
+          <p:cNvPicPr>
+            <a:picLocks noGrp="1" noChangeAspect="1"/>
+          </p:cNvPicPr>
+          <p:nvPr>
+            <p:ph type="pic" sz="quarter" idx="14"/>
+          </p:nvPr>
+        </p:nvPicPr>
+        <p:blipFill>
+          <a:blip r:embed="rId3" cstate="screen">
+            <a:extLst>
+              <a:ext uri="{28A0092B-C50C-407E-A947-70E740481C1C}">
+                <a14:useLocalDpi xmlns:a14="http://schemas.microsoft.com/office/drawing/2010/main"/>
+              </a:ext>
+            </a:extLst>
+          </a:blip>
+          <a:srcRect/>
+          <a:stretch>
+            <a:fillRect/>
+          </a:stretch>
+        </p:blipFill>
+        <p:spPr/>
+      </p:pic>
+      <p:sp>
+        <p:nvSpPr>
+          <p:cNvPr id="20" name="Rechteck 19" descr="Akzentblock">
+            <a:extLst>
+              <a:ext uri="{FF2B5EF4-FFF2-40B4-BE49-F238E27FC236}">
+                <a16:creationId xmlns:a16="http://schemas.microsoft.com/office/drawing/2014/main" id="{EFA08948-2B6F-46B1-9D2D-8D7B2B3FBD56}"/>
+              </a:ext>
+              <a:ext uri="{C183D7F6-B498-43B3-948B-1728B52AA6E4}">
+                <adec:decorative xmlns:adec="http://schemas.microsoft.com/office/drawing/2017/decorative" val="1"/>
+              </a:ext>
+            </a:extLst>
+          </p:cNvPr>
+          <p:cNvSpPr/>
+          <p:nvPr/>
+        </p:nvSpPr>
+        <p:spPr>
+          <a:xfrm>
+            <a:off x="9348588" y="3688075"/>
+            <a:ext cx="2411412" cy="114824"/>
+          </a:xfrm>
+          <a:prstGeom prst="rect">
+            <a:avLst/>
+          </a:prstGeom>
+          <a:solidFill>
+            <a:schemeClr val="accent1"/>
+          </a:solidFill>
+          <a:ln>
+            <a:noFill/>
+          </a:ln>
+        </p:spPr>
+        <p:style>
+          <a:lnRef idx="2">
+            <a:schemeClr val="accent1">
+              <a:shade val="50000"/>
+            </a:schemeClr>
+          </a:lnRef>
+          <a:fillRef idx="1">
+            <a:schemeClr val="accent1"/>
+          </a:fillRef>
+          <a:effectRef idx="0">
+            <a:schemeClr val="accent1"/>
+          </a:effectRef>
+          <a:fontRef idx="minor">
+            <a:schemeClr val="lt1"/>
+          </a:fontRef>
+        </p:style>
+        <p:txBody>
+          <a:bodyPr rtlCol="0" anchor="ctr"/>
+          <a:lstStyle/>
+          <a:p>
+            <a:pPr algn="l" rtl="0"/>
+            <a:endParaRPr lang="de-DE"/>
+          </a:p>
+        </p:txBody>
+      </p:sp>
+      <p:sp>
+        <p:nvSpPr>
+          <p:cNvPr id="2" name="Titel 1">
+            <a:extLst>
+              <a:ext uri="{FF2B5EF4-FFF2-40B4-BE49-F238E27FC236}">
+                <a16:creationId xmlns:a16="http://schemas.microsoft.com/office/drawing/2014/main" id="{3560F281-4FF6-4617-A809-AC9C15ECF18A}"/>
+              </a:ext>
+            </a:extLst>
+          </p:cNvPr>
+          <p:cNvSpPr>
+            <a:spLocks noGrp="1"/>
+          </p:cNvSpPr>
+          <p:nvPr>
+            <p:ph type="title"/>
+          </p:nvPr>
+        </p:nvSpPr>
+        <p:spPr/>
+        <p:txBody>
+          <a:bodyPr rtlCol="0"/>
+          <a:lstStyle/>
+          <a:p>
+            <a:pPr rtl="0"/>
+            <a:r>
+              <a:rPr lang="de-DE" sz="6000" spc="-300" dirty="0"/>
+              <a:t>Projekt</a:t>
+            </a:r>
+          </a:p>
+        </p:txBody>
+      </p:sp>
+      <p:sp>
+        <p:nvSpPr>
+          <p:cNvPr id="3" name="Textplatzhalter 2">
+            <a:extLst>
+              <a:ext uri="{FF2B5EF4-FFF2-40B4-BE49-F238E27FC236}">
+                <a16:creationId xmlns:a16="http://schemas.microsoft.com/office/drawing/2014/main" id="{611DC577-0A95-47D0-95D9-5F8DA763D46B}"/>
+              </a:ext>
+            </a:extLst>
+          </p:cNvPr>
+          <p:cNvSpPr>
+            <a:spLocks noGrp="1"/>
+          </p:cNvSpPr>
+          <p:nvPr>
+            <p:ph type="body" sz="quarter" idx="32"/>
+          </p:nvPr>
+        </p:nvSpPr>
+        <p:spPr/>
+        <p:txBody>
+          <a:bodyPr rtlCol="0"/>
+          <a:lstStyle/>
+          <a:p>
+            <a:pPr rtl="0"/>
+            <a:r>
+              <a:rPr lang="de-DE"/>
+              <a:t>Lorem ipsum dolor sit amet, consectetur adipiscing elit. Etiam aliquet eu mi quis lacinia. Ut fermentum a magna ut.</a:t>
+            </a:r>
+          </a:p>
+        </p:txBody>
+      </p:sp>
+      <p:sp>
+        <p:nvSpPr>
+          <p:cNvPr id="6" name="Foliennummernplatzhalter 5">
+            <a:extLst>
+              <a:ext uri="{FF2B5EF4-FFF2-40B4-BE49-F238E27FC236}">
+                <a16:creationId xmlns:a16="http://schemas.microsoft.com/office/drawing/2014/main" id="{1C554D9F-1895-486E-BFBA-905BB2D29E08}"/>
+              </a:ext>
+            </a:extLst>
+          </p:cNvPr>
+          <p:cNvSpPr>
+            <a:spLocks noGrp="1"/>
+          </p:cNvSpPr>
+          <p:nvPr>
+            <p:ph type="sldNum" sz="quarter" idx="33"/>
+          </p:nvPr>
+        </p:nvSpPr>
+        <p:spPr/>
+        <p:txBody>
+          <a:bodyPr rtlCol="0"/>
+          <a:lstStyle/>
+          <a:p>
+            <a:pPr rtl="0"/>
+            <a:fld id="{19B51A1E-902D-48AF-9020-955120F399B6}" type="slidenum">
+              <a:rPr lang="de-DE" smtClean="0"/>
+              <a:pPr/>
+              <a:t>2</a:t>
+            </a:fld>
+            <a:endParaRPr lang="de-DE"/>
+          </a:p>
+        </p:txBody>
+      </p:sp>
+      <p:pic>
+        <p:nvPicPr>
+          <p:cNvPr id="7" name="Grafik 6">
+            <a:extLst>
+              <a:ext uri="{FF2B5EF4-FFF2-40B4-BE49-F238E27FC236}">
+                <a16:creationId xmlns:a16="http://schemas.microsoft.com/office/drawing/2014/main" id="{F5CE3C8F-15A1-057F-CD2B-BA43B252F464}"/>
+              </a:ext>
+            </a:extLst>
+          </p:cNvPr>
+          <p:cNvPicPr>
+            <a:picLocks noChangeAspect="1"/>
+          </p:cNvPicPr>
+          <p:nvPr/>
+        </p:nvPicPr>
+        <p:blipFill>
+          <a:blip r:embed="rId4"/>
+          <a:stretch>
+            <a:fillRect/>
+          </a:stretch>
+        </p:blipFill>
+        <p:spPr>
+          <a:xfrm>
+            <a:off x="792754" y="332000"/>
+            <a:ext cx="4120207" cy="2611992"/>
+          </a:xfrm>
+          <a:prstGeom prst="rect">
+            <a:avLst/>
+          </a:prstGeom>
+        </p:spPr>
+      </p:pic>
+    </p:spTree>
+    <p:extLst>
+      <p:ext uri="{BB962C8B-B14F-4D97-AF65-F5344CB8AC3E}">
+        <p14:creationId xmlns:p14="http://schemas.microsoft.com/office/powerpoint/2010/main" val="1329746698"/>
+      </p:ext>
+    </p:extLst>
+  </p:cSld>
+  <p:clrMapOvr>
+    <a:masterClrMapping/>
+  </p:clrMapOvr>
+</p:sld>
+</file>
+
+<file path=ppt/slides/slide20.xml><?xml version="1.0" encoding="utf-8"?>
 <p:sld xmlns:a="http://schemas.openxmlformats.org/drawingml/2006/main" xmlns:r="http://schemas.openxmlformats.org/officeDocument/2006/relationships" xmlns:p="http://schemas.openxmlformats.org/presentationml/2006/main">
   <p:cSld>
     <p:spTree>
@@ -14659,7 +19788,7 @@
             <a:fld id="{4B73C415-D670-4716-A5EC-CC4D52CA2BAC}" type="slidenum">
               <a:rPr lang="de-DE" smtClean="0"/>
               <a:pPr rtl="0"/>
-              <a:t>12</a:t>
+              <a:t>20</a:t>
             </a:fld>
             <a:endParaRPr lang="de-DE"/>
           </a:p>
@@ -14951,298 +20080,6 @@
 </p:sld>
 </file>
 
-<file path=ppt/slides/slide2.xml><?xml version="1.0" encoding="utf-8"?>
-<p:sld xmlns:a="http://schemas.openxmlformats.org/drawingml/2006/main" xmlns:r="http://schemas.openxmlformats.org/officeDocument/2006/relationships" xmlns:p="http://schemas.openxmlformats.org/presentationml/2006/main">
-  <p:cSld>
-    <p:spTree>
-      <p:nvGrpSpPr>
-        <p:cNvPr id="1" name=""/>
-        <p:cNvGrpSpPr/>
-        <p:nvPr/>
-      </p:nvGrpSpPr>
-      <p:grpSpPr>
-        <a:xfrm>
-          <a:off x="0" y="0"/>
-          <a:ext cx="0" cy="0"/>
-          <a:chOff x="0" y="0"/>
-          <a:chExt cx="0" cy="0"/>
-        </a:xfrm>
-      </p:grpSpPr>
-      <p:sp>
-        <p:nvSpPr>
-          <p:cNvPr id="4" name="Inhaltsplatzhalter 3">
-            <a:extLst>
-              <a:ext uri="{FF2B5EF4-FFF2-40B4-BE49-F238E27FC236}">
-                <a16:creationId xmlns:a16="http://schemas.microsoft.com/office/drawing/2014/main" id="{D355C61F-C8F1-4977-8E1F-F16C0D9EA88C}"/>
-              </a:ext>
-            </a:extLst>
-          </p:cNvPr>
-          <p:cNvSpPr>
-            <a:spLocks noGrp="1"/>
-          </p:cNvSpPr>
-          <p:nvPr>
-            <p:ph sz="half" idx="1"/>
-          </p:nvPr>
-        </p:nvSpPr>
-        <p:spPr/>
-        <p:txBody>
-          <a:bodyPr rtlCol="0"/>
-          <a:lstStyle/>
-          <a:p>
-            <a:pPr marL="0" indent="0" rtl="0">
-              <a:buNone/>
-            </a:pPr>
-            <a:r>
-              <a:rPr lang="de-DE" sz="2800" dirty="0"/>
-              <a:t>Anbauempfehlung für Landwirtschaft</a:t>
-            </a:r>
-          </a:p>
-          <a:p>
-            <a:pPr rtl="0"/>
-            <a:r>
-              <a:rPr lang="de-DE" dirty="0"/>
-              <a:t>Basierend auf einigen Messwerten wie Stickstoff, Temperatur und Regen wird eine vom 22 Pflanzen empfohlen</a:t>
-            </a:r>
-          </a:p>
-          <a:p>
-            <a:pPr rtl="0"/>
-            <a:r>
-              <a:rPr lang="de-DE" dirty="0">
-                <a:sym typeface="Wingdings" panose="05000000000000000000" pitchFamily="2" charset="2"/>
-              </a:rPr>
-              <a:t>Maximaler Ertrag</a:t>
-            </a:r>
-          </a:p>
-          <a:p>
-            <a:pPr rtl="0"/>
-            <a:r>
-              <a:rPr lang="de-DE" dirty="0">
-                <a:sym typeface="Wingdings" panose="05000000000000000000" pitchFamily="2" charset="2"/>
-              </a:rPr>
-              <a:t>Geeignete Pflanze für Boden  Erfolg</a:t>
-            </a:r>
-            <a:endParaRPr lang="de-DE" dirty="0"/>
-          </a:p>
-        </p:txBody>
-      </p:sp>
-      <p:pic>
-        <p:nvPicPr>
-          <p:cNvPr id="9" name="Bildplatzhalter 8" descr="Hände, die ein Mobiltelefon berühren">
-            <a:extLst>
-              <a:ext uri="{FF2B5EF4-FFF2-40B4-BE49-F238E27FC236}">
-                <a16:creationId xmlns:a16="http://schemas.microsoft.com/office/drawing/2014/main" id="{A9A75888-22E3-1D43-9112-DA02186070B5}"/>
-              </a:ext>
-            </a:extLst>
-          </p:cNvPr>
-          <p:cNvPicPr>
-            <a:picLocks noGrp="1" noChangeAspect="1"/>
-          </p:cNvPicPr>
-          <p:nvPr>
-            <p:ph type="pic" sz="quarter" idx="14"/>
-          </p:nvPr>
-        </p:nvPicPr>
-        <p:blipFill>
-          <a:blip r:embed="rId3" cstate="screen">
-            <a:extLst>
-              <a:ext uri="{28A0092B-C50C-407E-A947-70E740481C1C}">
-                <a14:useLocalDpi xmlns:a14="http://schemas.microsoft.com/office/drawing/2010/main"/>
-              </a:ext>
-            </a:extLst>
-          </a:blip>
-          <a:srcRect/>
-          <a:stretch>
-            <a:fillRect/>
-          </a:stretch>
-        </p:blipFill>
-        <p:spPr/>
-      </p:pic>
-      <p:sp>
-        <p:nvSpPr>
-          <p:cNvPr id="20" name="Rechteck 19" descr="Akzentblock">
-            <a:extLst>
-              <a:ext uri="{FF2B5EF4-FFF2-40B4-BE49-F238E27FC236}">
-                <a16:creationId xmlns:a16="http://schemas.microsoft.com/office/drawing/2014/main" id="{EFA08948-2B6F-46B1-9D2D-8D7B2B3FBD56}"/>
-              </a:ext>
-              <a:ext uri="{C183D7F6-B498-43B3-948B-1728B52AA6E4}">
-                <adec:decorative xmlns:adec="http://schemas.microsoft.com/office/drawing/2017/decorative" val="1"/>
-              </a:ext>
-            </a:extLst>
-          </p:cNvPr>
-          <p:cNvSpPr/>
-          <p:nvPr/>
-        </p:nvSpPr>
-        <p:spPr>
-          <a:xfrm>
-            <a:off x="9348588" y="3688075"/>
-            <a:ext cx="2411412" cy="114824"/>
-          </a:xfrm>
-          <a:prstGeom prst="rect">
-            <a:avLst/>
-          </a:prstGeom>
-          <a:solidFill>
-            <a:schemeClr val="accent1"/>
-          </a:solidFill>
-          <a:ln>
-            <a:noFill/>
-          </a:ln>
-        </p:spPr>
-        <p:style>
-          <a:lnRef idx="2">
-            <a:schemeClr val="accent1">
-              <a:shade val="50000"/>
-            </a:schemeClr>
-          </a:lnRef>
-          <a:fillRef idx="1">
-            <a:schemeClr val="accent1"/>
-          </a:fillRef>
-          <a:effectRef idx="0">
-            <a:schemeClr val="accent1"/>
-          </a:effectRef>
-          <a:fontRef idx="minor">
-            <a:schemeClr val="lt1"/>
-          </a:fontRef>
-        </p:style>
-        <p:txBody>
-          <a:bodyPr rtlCol="0" anchor="ctr"/>
-          <a:lstStyle/>
-          <a:p>
-            <a:pPr algn="l" rtl="0"/>
-            <a:endParaRPr lang="de-DE"/>
-          </a:p>
-        </p:txBody>
-      </p:sp>
-      <p:sp>
-        <p:nvSpPr>
-          <p:cNvPr id="2" name="Titel 1">
-            <a:extLst>
-              <a:ext uri="{FF2B5EF4-FFF2-40B4-BE49-F238E27FC236}">
-                <a16:creationId xmlns:a16="http://schemas.microsoft.com/office/drawing/2014/main" id="{3560F281-4FF6-4617-A809-AC9C15ECF18A}"/>
-              </a:ext>
-            </a:extLst>
-          </p:cNvPr>
-          <p:cNvSpPr>
-            <a:spLocks noGrp="1"/>
-          </p:cNvSpPr>
-          <p:nvPr>
-            <p:ph type="title"/>
-          </p:nvPr>
-        </p:nvSpPr>
-        <p:spPr/>
-        <p:txBody>
-          <a:bodyPr rtlCol="0"/>
-          <a:lstStyle/>
-          <a:p>
-            <a:pPr rtl="0"/>
-            <a:r>
-              <a:rPr lang="de-DE" sz="6000" spc="-300" dirty="0"/>
-              <a:t>Projekt</a:t>
-            </a:r>
-          </a:p>
-        </p:txBody>
-      </p:sp>
-      <p:sp>
-        <p:nvSpPr>
-          <p:cNvPr id="3" name="Textplatzhalter 2">
-            <a:extLst>
-              <a:ext uri="{FF2B5EF4-FFF2-40B4-BE49-F238E27FC236}">
-                <a16:creationId xmlns:a16="http://schemas.microsoft.com/office/drawing/2014/main" id="{611DC577-0A95-47D0-95D9-5F8DA763D46B}"/>
-              </a:ext>
-            </a:extLst>
-          </p:cNvPr>
-          <p:cNvSpPr>
-            <a:spLocks noGrp="1"/>
-          </p:cNvSpPr>
-          <p:nvPr>
-            <p:ph type="body" sz="quarter" idx="32"/>
-          </p:nvPr>
-        </p:nvSpPr>
-        <p:spPr/>
-        <p:txBody>
-          <a:bodyPr rtlCol="0"/>
-          <a:lstStyle/>
-          <a:p>
-            <a:pPr rtl="0"/>
-            <a:r>
-              <a:rPr lang="de-DE"/>
-              <a:t>Lorem ipsum dolor sit amet, consectetur adipiscing elit. Etiam aliquet eu mi quis lacinia. Ut fermentum a magna ut.</a:t>
-            </a:r>
-          </a:p>
-        </p:txBody>
-      </p:sp>
-      <p:sp>
-        <p:nvSpPr>
-          <p:cNvPr id="6" name="Foliennummernplatzhalter 5">
-            <a:extLst>
-              <a:ext uri="{FF2B5EF4-FFF2-40B4-BE49-F238E27FC236}">
-                <a16:creationId xmlns:a16="http://schemas.microsoft.com/office/drawing/2014/main" id="{1C554D9F-1895-486E-BFBA-905BB2D29E08}"/>
-              </a:ext>
-            </a:extLst>
-          </p:cNvPr>
-          <p:cNvSpPr>
-            <a:spLocks noGrp="1"/>
-          </p:cNvSpPr>
-          <p:nvPr>
-            <p:ph type="sldNum" sz="quarter" idx="33"/>
-          </p:nvPr>
-        </p:nvSpPr>
-        <p:spPr/>
-        <p:txBody>
-          <a:bodyPr rtlCol="0"/>
-          <a:lstStyle/>
-          <a:p>
-            <a:pPr rtl="0"/>
-            <a:fld id="{19B51A1E-902D-48AF-9020-955120F399B6}" type="slidenum">
-              <a:rPr lang="de-DE" smtClean="0"/>
-              <a:pPr/>
-              <a:t>2</a:t>
-            </a:fld>
-            <a:endParaRPr lang="de-DE"/>
-          </a:p>
-        </p:txBody>
-      </p:sp>
-      <p:pic>
-        <p:nvPicPr>
-          <p:cNvPr id="7" name="Grafik 6">
-            <a:extLst>
-              <a:ext uri="{FF2B5EF4-FFF2-40B4-BE49-F238E27FC236}">
-                <a16:creationId xmlns:a16="http://schemas.microsoft.com/office/drawing/2014/main" id="{F5CE3C8F-15A1-057F-CD2B-BA43B252F464}"/>
-              </a:ext>
-            </a:extLst>
-          </p:cNvPr>
-          <p:cNvPicPr>
-            <a:picLocks noChangeAspect="1"/>
-          </p:cNvPicPr>
-          <p:nvPr/>
-        </p:nvPicPr>
-        <p:blipFill>
-          <a:blip r:embed="rId4"/>
-          <a:stretch>
-            <a:fillRect/>
-          </a:stretch>
-        </p:blipFill>
-        <p:spPr>
-          <a:xfrm>
-            <a:off x="792754" y="332000"/>
-            <a:ext cx="4120207" cy="2611992"/>
-          </a:xfrm>
-          <a:prstGeom prst="rect">
-            <a:avLst/>
-          </a:prstGeom>
-        </p:spPr>
-      </p:pic>
-    </p:spTree>
-    <p:extLst>
-      <p:ext uri="{BB962C8B-B14F-4D97-AF65-F5344CB8AC3E}">
-        <p14:creationId xmlns:p14="http://schemas.microsoft.com/office/powerpoint/2010/main" val="1329746698"/>
-      </p:ext>
-    </p:extLst>
-  </p:cSld>
-  <p:clrMapOvr>
-    <a:masterClrMapping/>
-  </p:clrMapOvr>
-</p:sld>
-</file>
-
 <file path=ppt/slides/slide3.xml><?xml version="1.0" encoding="utf-8"?>
 <p:sld xmlns:a="http://schemas.openxmlformats.org/drawingml/2006/main" xmlns:r="http://schemas.openxmlformats.org/officeDocument/2006/relationships" xmlns:p="http://schemas.openxmlformats.org/presentationml/2006/main">
   <p:cSld>
@@ -16160,20 +20997,15 @@
 <file path=ppt/slides/slide7.xml><?xml version="1.0" encoding="utf-8"?>
 <p:sld xmlns:a="http://schemas.openxmlformats.org/drawingml/2006/main" xmlns:r="http://schemas.openxmlformats.org/officeDocument/2006/relationships" xmlns:p="http://schemas.openxmlformats.org/presentationml/2006/main">
   <p:cSld>
-    <p:bg>
-      <p:bgPr>
-        <a:solidFill>
-          <a:schemeClr val="tx1">
-            <a:lumMod val="75000"/>
-            <a:lumOff val="25000"/>
-          </a:schemeClr>
-        </a:solidFill>
-        <a:effectLst/>
-      </p:bgPr>
-    </p:bg>
     <p:spTree>
       <p:nvGrpSpPr>
-        <p:cNvPr id="1" name=""/>
+        <p:cNvPr id="1" name="">
+          <a:extLst>
+            <a:ext uri="{FF2B5EF4-FFF2-40B4-BE49-F238E27FC236}">
+              <a16:creationId xmlns:a16="http://schemas.microsoft.com/office/drawing/2014/main" id="{645DB245-A79F-832E-120D-7C651AC9B002}"/>
+            </a:ext>
+          </a:extLst>
+        </p:cNvPr>
         <p:cNvGrpSpPr/>
         <p:nvPr/>
       </p:nvGrpSpPr>
@@ -16185,43 +21017,12 @@
           <a:chExt cx="0" cy="0"/>
         </a:xfrm>
       </p:grpSpPr>
-      <p:pic>
-        <p:nvPicPr>
-          <p:cNvPr id="23" name="Bildplatzhalter 22" descr="Lächelnde Frau an einem Laptop">
-            <a:extLst>
-              <a:ext uri="{FF2B5EF4-FFF2-40B4-BE49-F238E27FC236}">
-                <a16:creationId xmlns:a16="http://schemas.microsoft.com/office/drawing/2014/main" id="{35E3CE9E-B03C-CB4B-A83A-D3265C7A0545}"/>
-              </a:ext>
-            </a:extLst>
-          </p:cNvPr>
-          <p:cNvPicPr>
-            <a:picLocks noGrp="1" noChangeAspect="1"/>
-          </p:cNvPicPr>
-          <p:nvPr>
-            <p:ph type="pic" sz="quarter" idx="10"/>
-          </p:nvPr>
-        </p:nvPicPr>
-        <p:blipFill>
-          <a:blip r:embed="rId3" cstate="screen">
-            <a:extLst>
-              <a:ext uri="{28A0092B-C50C-407E-A947-70E740481C1C}">
-                <a14:useLocalDpi xmlns:a14="http://schemas.microsoft.com/office/drawing/2010/main"/>
-              </a:ext>
-            </a:extLst>
-          </a:blip>
-          <a:srcRect/>
-          <a:stretch>
-            <a:fillRect/>
-          </a:stretch>
-        </p:blipFill>
-        <p:spPr/>
-      </p:pic>
-      <p:sp>
-        <p:nvSpPr>
-          <p:cNvPr id="3" name="Titel 2">
-            <a:extLst>
-              <a:ext uri="{FF2B5EF4-FFF2-40B4-BE49-F238E27FC236}">
-                <a16:creationId xmlns:a16="http://schemas.microsoft.com/office/drawing/2014/main" id="{200B3D2B-613A-41BE-987D-E6A1324B456D}"/>
+      <p:sp>
+        <p:nvSpPr>
+          <p:cNvPr id="2" name="Titel 1">
+            <a:extLst>
+              <a:ext uri="{FF2B5EF4-FFF2-40B4-BE49-F238E27FC236}">
+                <a16:creationId xmlns:a16="http://schemas.microsoft.com/office/drawing/2014/main" id="{0A30A263-82BE-ED50-1FBB-CBDEC3C0E658}"/>
               </a:ext>
             </a:extLst>
           </p:cNvPr>
@@ -16232,30 +21033,25 @@
             <p:ph type="title"/>
           </p:nvPr>
         </p:nvSpPr>
-        <p:spPr>
-          <a:xfrm>
-            <a:off x="-1700" y="2156226"/>
-            <a:ext cx="4903599" cy="1958400"/>
-          </a:xfrm>
-        </p:spPr>
+        <p:spPr/>
         <p:txBody>
           <a:bodyPr rtlCol="0"/>
           <a:lstStyle/>
           <a:p>
             <a:pPr rtl="0"/>
             <a:r>
-              <a:rPr lang="de-DE" sz="5450" dirty="0"/>
-              <a:t>Abschnittstrenn-linie Option 2</a:t>
+              <a:rPr lang="de-DE" dirty="0"/>
+              <a:t>Datenanalyse</a:t>
             </a:r>
           </a:p>
         </p:txBody>
       </p:sp>
       <p:sp>
         <p:nvSpPr>
-          <p:cNvPr id="10" name="Textplatzhalter 9">
-            <a:extLst>
-              <a:ext uri="{FF2B5EF4-FFF2-40B4-BE49-F238E27FC236}">
-                <a16:creationId xmlns:a16="http://schemas.microsoft.com/office/drawing/2014/main" id="{2972F17A-D965-40B9-8ABB-C634072DBCC0}"/>
+          <p:cNvPr id="8" name="Foliennummernplatzhalter 7">
+            <a:extLst>
+              <a:ext uri="{FF2B5EF4-FFF2-40B4-BE49-F238E27FC236}">
+                <a16:creationId xmlns:a16="http://schemas.microsoft.com/office/drawing/2014/main" id="{097165F4-0938-7779-DF73-CB42F7E658C9}"/>
               </a:ext>
             </a:extLst>
           </p:cNvPr>
@@ -16263,48 +21059,15 @@
             <a:spLocks noGrp="1"/>
           </p:cNvSpPr>
           <p:nvPr>
-            <p:ph type="body" sz="quarter" idx="13"/>
+            <p:ph type="sldNum" sz="quarter" idx="33"/>
           </p:nvPr>
         </p:nvSpPr>
         <p:spPr>
           <a:xfrm>
-            <a:off x="0" y="4110760"/>
-            <a:ext cx="4902200" cy="1100565"/>
+            <a:off x="11760000" y="6371351"/>
+            <a:ext cx="432000" cy="432000"/>
           </a:xfrm>
         </p:spPr>
-        <p:txBody>
-          <a:bodyPr rtlCol="0"/>
-          <a:lstStyle/>
-          <a:p>
-            <a:pPr rtl="0"/>
-            <a:r>
-              <a:rPr lang="de-DE"/>
-              <a:t>Lorem ipsum dolor sit amet, consectetur adipiscing elit</a:t>
-            </a:r>
-          </a:p>
-          <a:p>
-            <a:pPr rtl="0"/>
-            <a:endParaRPr lang="de-DE"/>
-          </a:p>
-        </p:txBody>
-      </p:sp>
-      <p:sp>
-        <p:nvSpPr>
-          <p:cNvPr id="5" name="Foliennummernplatzhalter 4">
-            <a:extLst>
-              <a:ext uri="{FF2B5EF4-FFF2-40B4-BE49-F238E27FC236}">
-                <a16:creationId xmlns:a16="http://schemas.microsoft.com/office/drawing/2014/main" id="{F6964141-6F81-4947-A236-746D94ED3F6F}"/>
-              </a:ext>
-            </a:extLst>
-          </p:cNvPr>
-          <p:cNvSpPr>
-            <a:spLocks noGrp="1"/>
-          </p:cNvSpPr>
-          <p:nvPr>
-            <p:ph type="sldNum" sz="quarter" idx="12"/>
-          </p:nvPr>
-        </p:nvSpPr>
-        <p:spPr/>
         <p:txBody>
           <a:bodyPr rtlCol="0"/>
           <a:lstStyle/>
@@ -16319,10 +21082,213 @@
           </a:p>
         </p:txBody>
       </p:sp>
+      <p:pic>
+        <p:nvPicPr>
+          <p:cNvPr id="4" name="Grafik 3">
+            <a:extLst>
+              <a:ext uri="{FF2B5EF4-FFF2-40B4-BE49-F238E27FC236}">
+                <a16:creationId xmlns:a16="http://schemas.microsoft.com/office/drawing/2014/main" id="{2B989FE7-4BCC-55D6-78C8-10D15DEA249C}"/>
+              </a:ext>
+            </a:extLst>
+          </p:cNvPr>
+          <p:cNvPicPr>
+            <a:picLocks noChangeAspect="1"/>
+          </p:cNvPicPr>
+          <p:nvPr/>
+        </p:nvPicPr>
+        <p:blipFill>
+          <a:blip r:embed="rId3"/>
+          <a:srcRect/>
+          <a:stretch/>
+        </p:blipFill>
+        <p:spPr>
+          <a:xfrm>
+            <a:off x="424120" y="4077493"/>
+            <a:ext cx="2703871" cy="1944000"/>
+          </a:xfrm>
+          <a:prstGeom prst="rect">
+            <a:avLst/>
+          </a:prstGeom>
+        </p:spPr>
+      </p:pic>
+      <p:pic>
+        <p:nvPicPr>
+          <p:cNvPr id="6" name="Grafik 5">
+            <a:extLst>
+              <a:ext uri="{FF2B5EF4-FFF2-40B4-BE49-F238E27FC236}">
+                <a16:creationId xmlns:a16="http://schemas.microsoft.com/office/drawing/2014/main" id="{34FFC1F0-0D7D-74E3-F7FC-48BAC2D8C7B4}"/>
+              </a:ext>
+            </a:extLst>
+          </p:cNvPr>
+          <p:cNvPicPr>
+            <a:picLocks noChangeAspect="1"/>
+          </p:cNvPicPr>
+          <p:nvPr/>
+        </p:nvPicPr>
+        <p:blipFill>
+          <a:blip r:embed="rId4"/>
+          <a:srcRect/>
+          <a:stretch/>
+        </p:blipFill>
+        <p:spPr>
+          <a:xfrm>
+            <a:off x="8802278" y="4077493"/>
+            <a:ext cx="2703871" cy="1944000"/>
+          </a:xfrm>
+          <a:prstGeom prst="rect">
+            <a:avLst/>
+          </a:prstGeom>
+        </p:spPr>
+      </p:pic>
+      <p:pic>
+        <p:nvPicPr>
+          <p:cNvPr id="9" name="Grafik 8">
+            <a:extLst>
+              <a:ext uri="{FF2B5EF4-FFF2-40B4-BE49-F238E27FC236}">
+                <a16:creationId xmlns:a16="http://schemas.microsoft.com/office/drawing/2014/main" id="{984DC4CE-C3F5-D403-6275-E81FFFFBA180}"/>
+              </a:ext>
+            </a:extLst>
+          </p:cNvPr>
+          <p:cNvPicPr>
+            <a:picLocks noChangeAspect="1"/>
+          </p:cNvPicPr>
+          <p:nvPr/>
+        </p:nvPicPr>
+        <p:blipFill>
+          <a:blip r:embed="rId5"/>
+          <a:srcRect/>
+          <a:stretch/>
+        </p:blipFill>
+        <p:spPr>
+          <a:xfrm>
+            <a:off x="4613199" y="4077493"/>
+            <a:ext cx="2703871" cy="1944000"/>
+          </a:xfrm>
+          <a:prstGeom prst="rect">
+            <a:avLst/>
+          </a:prstGeom>
+        </p:spPr>
+      </p:pic>
+      <p:pic>
+        <p:nvPicPr>
+          <p:cNvPr id="12" name="Grafik 11">
+            <a:extLst>
+              <a:ext uri="{FF2B5EF4-FFF2-40B4-BE49-F238E27FC236}">
+                <a16:creationId xmlns:a16="http://schemas.microsoft.com/office/drawing/2014/main" id="{0C0C27F2-9C2C-7599-7EFA-2496C91F1DAC}"/>
+              </a:ext>
+            </a:extLst>
+          </p:cNvPr>
+          <p:cNvPicPr>
+            <a:picLocks noChangeAspect="1"/>
+          </p:cNvPicPr>
+          <p:nvPr/>
+        </p:nvPicPr>
+        <p:blipFill>
+          <a:blip r:embed="rId6"/>
+          <a:srcRect/>
+          <a:stretch/>
+        </p:blipFill>
+        <p:spPr>
+          <a:xfrm>
+            <a:off x="8819960" y="108147"/>
+            <a:ext cx="2675374" cy="1944000"/>
+          </a:xfrm>
+          <a:prstGeom prst="rect">
+            <a:avLst/>
+          </a:prstGeom>
+        </p:spPr>
+      </p:pic>
+      <p:pic>
+        <p:nvPicPr>
+          <p:cNvPr id="14" name="Grafik 13">
+            <a:extLst>
+              <a:ext uri="{FF2B5EF4-FFF2-40B4-BE49-F238E27FC236}">
+                <a16:creationId xmlns:a16="http://schemas.microsoft.com/office/drawing/2014/main" id="{E0676624-71A8-3B90-0B83-58145A53286A}"/>
+              </a:ext>
+            </a:extLst>
+          </p:cNvPr>
+          <p:cNvPicPr>
+            <a:picLocks noChangeAspect="1"/>
+          </p:cNvPicPr>
+          <p:nvPr/>
+        </p:nvPicPr>
+        <p:blipFill>
+          <a:blip r:embed="rId7"/>
+          <a:srcRect/>
+          <a:stretch/>
+        </p:blipFill>
+        <p:spPr>
+          <a:xfrm>
+            <a:off x="424119" y="2092820"/>
+            <a:ext cx="2703871" cy="1944000"/>
+          </a:xfrm>
+          <a:prstGeom prst="rect">
+            <a:avLst/>
+          </a:prstGeom>
+        </p:spPr>
+      </p:pic>
+      <p:pic>
+        <p:nvPicPr>
+          <p:cNvPr id="16" name="Grafik 15">
+            <a:extLst>
+              <a:ext uri="{FF2B5EF4-FFF2-40B4-BE49-F238E27FC236}">
+                <a16:creationId xmlns:a16="http://schemas.microsoft.com/office/drawing/2014/main" id="{629B658D-83FE-E2F6-D148-973E859B863C}"/>
+              </a:ext>
+            </a:extLst>
+          </p:cNvPr>
+          <p:cNvPicPr>
+            <a:picLocks noChangeAspect="1"/>
+          </p:cNvPicPr>
+          <p:nvPr/>
+        </p:nvPicPr>
+        <p:blipFill>
+          <a:blip r:embed="rId8"/>
+          <a:srcRect/>
+          <a:stretch/>
+        </p:blipFill>
+        <p:spPr>
+          <a:xfrm>
+            <a:off x="4626324" y="2092820"/>
+            <a:ext cx="2675374" cy="1944000"/>
+          </a:xfrm>
+          <a:prstGeom prst="rect">
+            <a:avLst/>
+          </a:prstGeom>
+        </p:spPr>
+      </p:pic>
+      <p:pic>
+        <p:nvPicPr>
+          <p:cNvPr id="18" name="Grafik 17">
+            <a:extLst>
+              <a:ext uri="{FF2B5EF4-FFF2-40B4-BE49-F238E27FC236}">
+                <a16:creationId xmlns:a16="http://schemas.microsoft.com/office/drawing/2014/main" id="{081E3DC0-DF8C-21EF-E7A2-729FAF78B2FF}"/>
+              </a:ext>
+            </a:extLst>
+          </p:cNvPr>
+          <p:cNvPicPr>
+            <a:picLocks noChangeAspect="1"/>
+          </p:cNvPicPr>
+          <p:nvPr/>
+        </p:nvPicPr>
+        <p:blipFill>
+          <a:blip r:embed="rId9"/>
+          <a:srcRect/>
+          <a:stretch/>
+        </p:blipFill>
+        <p:spPr>
+          <a:xfrm>
+            <a:off x="8802278" y="2092820"/>
+            <a:ext cx="2703871" cy="1944000"/>
+          </a:xfrm>
+          <a:prstGeom prst="rect">
+            <a:avLst/>
+          </a:prstGeom>
+        </p:spPr>
+      </p:pic>
     </p:spTree>
     <p:extLst>
       <p:ext uri="{BB962C8B-B14F-4D97-AF65-F5344CB8AC3E}">
-        <p14:creationId xmlns:p14="http://schemas.microsoft.com/office/powerpoint/2010/main" val="2117695413"/>
+        <p14:creationId xmlns:p14="http://schemas.microsoft.com/office/powerpoint/2010/main" val="3389855752"/>
       </p:ext>
     </p:extLst>
   </p:cSld>
@@ -16354,7 +21320,7 @@
           <p:cNvPr id="2" name="Titel 1">
             <a:extLst>
               <a:ext uri="{FF2B5EF4-FFF2-40B4-BE49-F238E27FC236}">
-                <a16:creationId xmlns:a16="http://schemas.microsoft.com/office/drawing/2014/main" id="{623FB4D5-DA14-4F29-9320-2DE0A6B571B9}"/>
+                <a16:creationId xmlns:a16="http://schemas.microsoft.com/office/drawing/2014/main" id="{9C234089-E546-8669-BF18-4047FC40346B}"/>
               </a:ext>
             </a:extLst>
           </p:cNvPr>
@@ -16367,14 +21333,10 @@
         </p:nvSpPr>
         <p:spPr/>
         <p:txBody>
-          <a:bodyPr rtlCol="0"/>
+          <a:bodyPr/>
           <a:lstStyle/>
           <a:p>
-            <a:pPr rtl="0"/>
-            <a:r>
-              <a:rPr lang="de-DE" dirty="0"/>
-              <a:t>Diagrammoptionen</a:t>
-            </a:r>
+            <a:endParaRPr lang="de-DE"/>
           </a:p>
         </p:txBody>
       </p:sp>
@@ -16383,7 +21345,7 @@
           <p:cNvPr id="3" name="Textplatzhalter 2">
             <a:extLst>
               <a:ext uri="{FF2B5EF4-FFF2-40B4-BE49-F238E27FC236}">
-                <a16:creationId xmlns:a16="http://schemas.microsoft.com/office/drawing/2014/main" id="{DE9D0F75-42B5-4960-8C3A-291285872DAF}"/>
+                <a16:creationId xmlns:a16="http://schemas.microsoft.com/office/drawing/2014/main" id="{FDFC4C46-EDE0-A29D-81AC-256E318F48C6}"/>
               </a:ext>
             </a:extLst>
           </p:cNvPr>
@@ -16394,114 +21356,50 @@
             <p:ph type="body" sz="quarter" idx="32"/>
           </p:nvPr>
         </p:nvSpPr>
-        <p:spPr>
-          <a:xfrm>
-            <a:off x="431800" y="1008000"/>
-            <a:ext cx="11339513" cy="360000"/>
-          </a:xfrm>
-        </p:spPr>
+        <p:spPr/>
         <p:txBody>
-          <a:bodyPr rtlCol="0"/>
+          <a:bodyPr/>
+          <a:lstStyle/>
+          <a:p>
+            <a:endParaRPr lang="de-DE"/>
+          </a:p>
+        </p:txBody>
+      </p:sp>
+      <p:sp>
+        <p:nvSpPr>
+          <p:cNvPr id="4" name="Fußzeilenplatzhalter 3">
+            <a:extLst>
+              <a:ext uri="{FF2B5EF4-FFF2-40B4-BE49-F238E27FC236}">
+                <a16:creationId xmlns:a16="http://schemas.microsoft.com/office/drawing/2014/main" id="{9EBB71F5-09FB-43D2-9D18-0ACB24161CC2}"/>
+              </a:ext>
+            </a:extLst>
+          </p:cNvPr>
+          <p:cNvSpPr>
+            <a:spLocks noGrp="1"/>
+          </p:cNvSpPr>
+          <p:nvPr>
+            <p:ph type="ftr" sz="quarter" idx="12"/>
+          </p:nvPr>
+        </p:nvSpPr>
+        <p:spPr/>
+        <p:txBody>
+          <a:bodyPr/>
           <a:lstStyle/>
           <a:p>
             <a:pPr rtl="0"/>
             <a:r>
-              <a:rPr lang="de-DE"/>
-              <a:t>Lorem ipsum dolor sit amet, consectetur adipiscing elit. </a:t>
+              <a:rPr lang="de-DE" noProof="0"/>
+              <a:t>Fußzeile hinzufügen</a:t>
             </a:r>
           </a:p>
         </p:txBody>
       </p:sp>
-      <p:graphicFrame>
-        <p:nvGraphicFramePr>
-          <p:cNvPr id="4" name="Diagramm 3" title="Bruttoeinnahmen-Platzhalterdiagramm">
-            <a:extLst>
-              <a:ext uri="{FF2B5EF4-FFF2-40B4-BE49-F238E27FC236}">
-                <a16:creationId xmlns:a16="http://schemas.microsoft.com/office/drawing/2014/main" id="{FFE8AFAB-AE1F-4453-8C1B-70D2EF9B1373}"/>
-              </a:ext>
-            </a:extLst>
-          </p:cNvPr>
-          <p:cNvGraphicFramePr/>
-          <p:nvPr>
-            <p:extLst>
-              <p:ext uri="{D42A27DB-BD31-4B8C-83A1-F6EECF244321}">
-                <p14:modId xmlns:p14="http://schemas.microsoft.com/office/powerpoint/2010/main" val="49024977"/>
-              </p:ext>
-            </p:extLst>
-          </p:nvPr>
-        </p:nvGraphicFramePr>
-        <p:xfrm>
-          <a:off x="431800" y="1512000"/>
-          <a:ext cx="3389313" cy="4444199"/>
-        </p:xfrm>
-        <a:graphic>
-          <a:graphicData uri="http://schemas.openxmlformats.org/drawingml/2006/chart">
-            <c:chart xmlns:c="http://schemas.openxmlformats.org/drawingml/2006/chart" xmlns:r="http://schemas.openxmlformats.org/officeDocument/2006/relationships" r:id="rId3"/>
-          </a:graphicData>
-        </a:graphic>
-      </p:graphicFrame>
-      <p:graphicFrame>
-        <p:nvGraphicFramePr>
-          <p:cNvPr id="7" name="Diagramm 6" title="Bruttoeinnahmen-Platzhalterdiagramm">
-            <a:extLst>
-              <a:ext uri="{FF2B5EF4-FFF2-40B4-BE49-F238E27FC236}">
-                <a16:creationId xmlns:a16="http://schemas.microsoft.com/office/drawing/2014/main" id="{9BEBE5AF-1D10-425C-8F3C-2236E52E6E67}"/>
-              </a:ext>
-            </a:extLst>
-          </p:cNvPr>
-          <p:cNvGraphicFramePr/>
-          <p:nvPr>
-            <p:extLst>
-              <p:ext uri="{D42A27DB-BD31-4B8C-83A1-F6EECF244321}">
-                <p14:modId xmlns:p14="http://schemas.microsoft.com/office/powerpoint/2010/main" val="428007767"/>
-              </p:ext>
-            </p:extLst>
-          </p:nvPr>
-        </p:nvGraphicFramePr>
-        <p:xfrm>
-          <a:off x="4406900" y="1512000"/>
-          <a:ext cx="3389313" cy="4444199"/>
-        </p:xfrm>
-        <a:graphic>
-          <a:graphicData uri="http://schemas.openxmlformats.org/drawingml/2006/chart">
-            <c:chart xmlns:c="http://schemas.openxmlformats.org/drawingml/2006/chart" xmlns:r="http://schemas.openxmlformats.org/officeDocument/2006/relationships" r:id="rId4"/>
-          </a:graphicData>
-        </a:graphic>
-      </p:graphicFrame>
-      <p:graphicFrame>
-        <p:nvGraphicFramePr>
-          <p:cNvPr id="8" name="Diagramm 7" title="Bruttoeinnahmen-Platzhalterdiagramm">
-            <a:extLst>
-              <a:ext uri="{FF2B5EF4-FFF2-40B4-BE49-F238E27FC236}">
-                <a16:creationId xmlns:a16="http://schemas.microsoft.com/office/drawing/2014/main" id="{A8D5CDFF-2AF9-4CDE-BF8D-15F294BD5095}"/>
-              </a:ext>
-            </a:extLst>
-          </p:cNvPr>
-          <p:cNvGraphicFramePr/>
-          <p:nvPr>
-            <p:extLst>
-              <p:ext uri="{D42A27DB-BD31-4B8C-83A1-F6EECF244321}">
-                <p14:modId xmlns:p14="http://schemas.microsoft.com/office/powerpoint/2010/main" val="2615495511"/>
-              </p:ext>
-            </p:extLst>
-          </p:nvPr>
-        </p:nvGraphicFramePr>
-        <p:xfrm>
-          <a:off x="8382000" y="1512000"/>
-          <a:ext cx="3389313" cy="4444199"/>
-        </p:xfrm>
-        <a:graphic>
-          <a:graphicData uri="http://schemas.openxmlformats.org/drawingml/2006/chart">
-            <c:chart xmlns:c="http://schemas.openxmlformats.org/drawingml/2006/chart" xmlns:r="http://schemas.openxmlformats.org/officeDocument/2006/relationships" r:id="rId5"/>
-          </a:graphicData>
-        </a:graphic>
-      </p:graphicFrame>
-      <p:sp>
-        <p:nvSpPr>
-          <p:cNvPr id="9" name="Foliennummernplatzhalter 8">
-            <a:extLst>
-              <a:ext uri="{FF2B5EF4-FFF2-40B4-BE49-F238E27FC236}">
-                <a16:creationId xmlns:a16="http://schemas.microsoft.com/office/drawing/2014/main" id="{00A34EBD-7DEA-4599-A81B-0A363A0E17FC}"/>
+      <p:sp>
+        <p:nvSpPr>
+          <p:cNvPr id="5" name="Foliennummernplatzhalter 4">
+            <a:extLst>
+              <a:ext uri="{FF2B5EF4-FFF2-40B4-BE49-F238E27FC236}">
+                <a16:creationId xmlns:a16="http://schemas.microsoft.com/office/drawing/2014/main" id="{4259800B-8C17-0735-0DE1-B72235FE74C3}"/>
               </a:ext>
             </a:extLst>
           </p:cNvPr>
@@ -16512,30 +21410,84 @@
             <p:ph type="sldNum" sz="quarter" idx="33"/>
           </p:nvPr>
         </p:nvSpPr>
-        <p:spPr>
-          <a:xfrm>
-            <a:off x="11760000" y="6371351"/>
-            <a:ext cx="432000" cy="432000"/>
-          </a:xfrm>
-        </p:spPr>
+        <p:spPr/>
         <p:txBody>
-          <a:bodyPr rtlCol="0"/>
+          <a:bodyPr/>
           <a:lstStyle/>
           <a:p>
             <a:pPr rtl="0"/>
             <a:fld id="{19B51A1E-902D-48AF-9020-955120F399B6}" type="slidenum">
-              <a:rPr lang="de-DE" smtClean="0"/>
+              <a:rPr lang="de-DE" noProof="0" smtClean="0"/>
               <a:pPr rtl="0"/>
               <a:t>8</a:t>
             </a:fld>
-            <a:endParaRPr lang="de-DE" dirty="0"/>
+            <a:endParaRPr lang="de-DE" noProof="0"/>
           </a:p>
         </p:txBody>
       </p:sp>
+      <p:pic>
+        <p:nvPicPr>
+          <p:cNvPr id="6" name="Grafik 5">
+            <a:extLst>
+              <a:ext uri="{FF2B5EF4-FFF2-40B4-BE49-F238E27FC236}">
+                <a16:creationId xmlns:a16="http://schemas.microsoft.com/office/drawing/2014/main" id="{9E956E76-7A1F-EBA8-35B7-3B763FDDFF65}"/>
+              </a:ext>
+            </a:extLst>
+          </p:cNvPr>
+          <p:cNvPicPr>
+            <a:picLocks noChangeAspect="1"/>
+          </p:cNvPicPr>
+          <p:nvPr/>
+        </p:nvPicPr>
+        <p:blipFill>
+          <a:blip r:embed="rId2"/>
+          <a:stretch>
+            <a:fillRect/>
+          </a:stretch>
+        </p:blipFill>
+        <p:spPr>
+          <a:xfrm>
+            <a:off x="431800" y="1906458"/>
+            <a:ext cx="6284726" cy="3791441"/>
+          </a:xfrm>
+          <a:prstGeom prst="rect">
+            <a:avLst/>
+          </a:prstGeom>
+        </p:spPr>
+      </p:pic>
+      <p:pic>
+        <p:nvPicPr>
+          <p:cNvPr id="7" name="Grafik 6">
+            <a:extLst>
+              <a:ext uri="{FF2B5EF4-FFF2-40B4-BE49-F238E27FC236}">
+                <a16:creationId xmlns:a16="http://schemas.microsoft.com/office/drawing/2014/main" id="{440A9AAD-FF40-7F05-7498-0E8F530AAE9A}"/>
+              </a:ext>
+            </a:extLst>
+          </p:cNvPr>
+          <p:cNvPicPr>
+            <a:picLocks noChangeAspect="1"/>
+          </p:cNvPicPr>
+          <p:nvPr/>
+        </p:nvPicPr>
+        <p:blipFill>
+          <a:blip r:embed="rId3"/>
+          <a:srcRect/>
+          <a:stretch/>
+        </p:blipFill>
+        <p:spPr>
+          <a:xfrm>
+            <a:off x="6716526" y="2038381"/>
+            <a:ext cx="5043474" cy="3664726"/>
+          </a:xfrm>
+          <a:prstGeom prst="rect">
+            <a:avLst/>
+          </a:prstGeom>
+        </p:spPr>
+      </p:pic>
     </p:spTree>
     <p:extLst>
       <p:ext uri="{BB962C8B-B14F-4D97-AF65-F5344CB8AC3E}">
-        <p14:creationId xmlns:p14="http://schemas.microsoft.com/office/powerpoint/2010/main" val="25800700"/>
+        <p14:creationId xmlns:p14="http://schemas.microsoft.com/office/powerpoint/2010/main" val="1299502577"/>
       </p:ext>
     </p:extLst>
   </p:cSld>
@@ -16550,7 +21502,13 @@
   <p:cSld>
     <p:spTree>
       <p:nvGrpSpPr>
-        <p:cNvPr id="1" name=""/>
+        <p:cNvPr id="1" name="">
+          <a:extLst>
+            <a:ext uri="{FF2B5EF4-FFF2-40B4-BE49-F238E27FC236}">
+              <a16:creationId xmlns:a16="http://schemas.microsoft.com/office/drawing/2014/main" id="{082D8A91-12F8-2CB1-DEEF-58D0E3A2CAA8}"/>
+            </a:ext>
+          </a:extLst>
+        </p:cNvPr>
         <p:cNvGrpSpPr/>
         <p:nvPr/>
       </p:nvGrpSpPr>
@@ -16567,7 +21525,7 @@
           <p:cNvPr id="2" name="Titel 1">
             <a:extLst>
               <a:ext uri="{FF2B5EF4-FFF2-40B4-BE49-F238E27FC236}">
-                <a16:creationId xmlns:a16="http://schemas.microsoft.com/office/drawing/2014/main" id="{E7267129-D582-495A-8F4B-6B9075899DD6}"/>
+                <a16:creationId xmlns:a16="http://schemas.microsoft.com/office/drawing/2014/main" id="{C3DA0B77-CF81-B056-50FF-2042132B0E82}"/>
               </a:ext>
             </a:extLst>
           </p:cNvPr>
@@ -16580,14 +21538,10 @@
         </p:nvSpPr>
         <p:spPr/>
         <p:txBody>
-          <a:bodyPr rtlCol="0"/>
+          <a:bodyPr/>
           <a:lstStyle/>
           <a:p>
-            <a:pPr rtl="0"/>
-            <a:r>
-              <a:rPr lang="de-DE"/>
-              <a:t>Tabelle</a:t>
-            </a:r>
+            <a:endParaRPr lang="de-DE"/>
           </a:p>
         </p:txBody>
       </p:sp>
@@ -16596,7 +21550,7 @@
           <p:cNvPr id="3" name="Textplatzhalter 2">
             <a:extLst>
               <a:ext uri="{FF2B5EF4-FFF2-40B4-BE49-F238E27FC236}">
-                <a16:creationId xmlns:a16="http://schemas.microsoft.com/office/drawing/2014/main" id="{F204AFD2-303D-4B48-AA3E-C96B74D8127A}"/>
+                <a16:creationId xmlns:a16="http://schemas.microsoft.com/office/drawing/2014/main" id="{D91471D8-4AD1-5561-409D-5936C0B8D44C}"/>
               </a:ext>
             </a:extLst>
           </p:cNvPr>
@@ -16609,3211 +21563,48 @@
         </p:nvSpPr>
         <p:spPr/>
         <p:txBody>
-          <a:bodyPr rtlCol="0"/>
+          <a:bodyPr/>
+          <a:lstStyle/>
+          <a:p>
+            <a:endParaRPr lang="de-DE"/>
+          </a:p>
+        </p:txBody>
+      </p:sp>
+      <p:sp>
+        <p:nvSpPr>
+          <p:cNvPr id="4" name="Fußzeilenplatzhalter 3">
+            <a:extLst>
+              <a:ext uri="{FF2B5EF4-FFF2-40B4-BE49-F238E27FC236}">
+                <a16:creationId xmlns:a16="http://schemas.microsoft.com/office/drawing/2014/main" id="{DDC67B1B-CFBF-527A-AF9B-BDE88450BE9B}"/>
+              </a:ext>
+            </a:extLst>
+          </p:cNvPr>
+          <p:cNvSpPr>
+            <a:spLocks noGrp="1"/>
+          </p:cNvSpPr>
+          <p:nvPr>
+            <p:ph type="ftr" sz="quarter" idx="12"/>
+          </p:nvPr>
+        </p:nvSpPr>
+        <p:spPr/>
+        <p:txBody>
+          <a:bodyPr/>
           <a:lstStyle/>
           <a:p>
             <a:pPr rtl="0"/>
             <a:r>
-              <a:rPr lang="de-DE"/>
-              <a:t>Lorem ipsum dolor sit amet, consectetur adipiscing elit. </a:t>
+              <a:rPr lang="de-DE" noProof="0"/>
+              <a:t>Fußzeile hinzufügen</a:t>
             </a:r>
           </a:p>
         </p:txBody>
       </p:sp>
-      <p:graphicFrame>
-        <p:nvGraphicFramePr>
-          <p:cNvPr id="4" name="Tabelle 3">
-            <a:extLst>
-              <a:ext uri="{FF2B5EF4-FFF2-40B4-BE49-F238E27FC236}">
-                <a16:creationId xmlns:a16="http://schemas.microsoft.com/office/drawing/2014/main" id="{BEE0921D-4C1D-4106-9AC0-F73F30E8DA3C}"/>
-              </a:ext>
-            </a:extLst>
-          </p:cNvPr>
-          <p:cNvGraphicFramePr>
-            <a:graphicFrameLocks noGrp="1"/>
-          </p:cNvGraphicFramePr>
-          <p:nvPr>
-            <p:extLst>
-              <p:ext uri="{D42A27DB-BD31-4B8C-83A1-F6EECF244321}">
-                <p14:modId xmlns:p14="http://schemas.microsoft.com/office/powerpoint/2010/main" val="3547620531"/>
-              </p:ext>
-            </p:extLst>
-          </p:nvPr>
-        </p:nvGraphicFramePr>
-        <p:xfrm>
-          <a:off x="431801" y="1614845"/>
-          <a:ext cx="11339510" cy="4252505"/>
-        </p:xfrm>
-        <a:graphic>
-          <a:graphicData uri="http://schemas.openxmlformats.org/drawingml/2006/table">
-            <a:tbl>
-              <a:tblPr firstRow="1" firstCol="1">
-                <a:tableStyleId>{5C22544A-7EE6-4342-B048-85BDC9FD1C3A}</a:tableStyleId>
-              </a:tblPr>
-              <a:tblGrid>
-                <a:gridCol w="1619930">
-                  <a:extLst>
-                    <a:ext uri="{9D8B030D-6E8A-4147-A177-3AD203B41FA5}">
-                      <a16:colId xmlns:a16="http://schemas.microsoft.com/office/drawing/2014/main" val="1173992025"/>
-                    </a:ext>
-                  </a:extLst>
-                </a:gridCol>
-                <a:gridCol w="1619930">
-                  <a:extLst>
-                    <a:ext uri="{9D8B030D-6E8A-4147-A177-3AD203B41FA5}">
-                      <a16:colId xmlns:a16="http://schemas.microsoft.com/office/drawing/2014/main" val="115202853"/>
-                    </a:ext>
-                  </a:extLst>
-                </a:gridCol>
-                <a:gridCol w="1619930">
-                  <a:extLst>
-                    <a:ext uri="{9D8B030D-6E8A-4147-A177-3AD203B41FA5}">
-                      <a16:colId xmlns:a16="http://schemas.microsoft.com/office/drawing/2014/main" val="1010693434"/>
-                    </a:ext>
-                  </a:extLst>
-                </a:gridCol>
-                <a:gridCol w="1619930">
-                  <a:extLst>
-                    <a:ext uri="{9D8B030D-6E8A-4147-A177-3AD203B41FA5}">
-                      <a16:colId xmlns:a16="http://schemas.microsoft.com/office/drawing/2014/main" val="608292439"/>
-                    </a:ext>
-                  </a:extLst>
-                </a:gridCol>
-                <a:gridCol w="1619930">
-                  <a:extLst>
-                    <a:ext uri="{9D8B030D-6E8A-4147-A177-3AD203B41FA5}">
-                      <a16:colId xmlns:a16="http://schemas.microsoft.com/office/drawing/2014/main" val="1007882540"/>
-                    </a:ext>
-                  </a:extLst>
-                </a:gridCol>
-                <a:gridCol w="1619930">
-                  <a:extLst>
-                    <a:ext uri="{9D8B030D-6E8A-4147-A177-3AD203B41FA5}">
-                      <a16:colId xmlns:a16="http://schemas.microsoft.com/office/drawing/2014/main" val="3778082769"/>
-                    </a:ext>
-                  </a:extLst>
-                </a:gridCol>
-                <a:gridCol w="1619930">
-                  <a:extLst>
-                    <a:ext uri="{9D8B030D-6E8A-4147-A177-3AD203B41FA5}">
-                      <a16:colId xmlns:a16="http://schemas.microsoft.com/office/drawing/2014/main" val="1136644251"/>
-                    </a:ext>
-                  </a:extLst>
-                </a:gridCol>
-              </a:tblGrid>
-              <a:tr h="617885">
-                <a:tc>
-                  <a:txBody>
-                    <a:bodyPr/>
-                    <a:lstStyle/>
-                    <a:p>
-                      <a:pPr algn="ctr" rtl="0"/>
-                      <a:endParaRPr lang="en-ZA" dirty="0">
-                        <a:solidFill>
-                          <a:schemeClr val="bg1"/>
-                        </a:solidFill>
-                      </a:endParaRPr>
-                    </a:p>
-                  </a:txBody>
-                  <a:tcPr>
-                    <a:lnL w="12700" cap="flat" cmpd="sng" algn="ctr">
-                      <a:noFill/>
-                      <a:prstDash val="solid"/>
-                      <a:round/>
-                      <a:headEnd type="none" w="med" len="med"/>
-                      <a:tailEnd type="none" w="med" len="med"/>
-                    </a:lnL>
-                    <a:lnR w="12700" cap="flat" cmpd="sng" algn="ctr">
-                      <a:noFill/>
-                      <a:prstDash val="solid"/>
-                      <a:round/>
-                      <a:headEnd type="none" w="med" len="med"/>
-                      <a:tailEnd type="none" w="med" len="med"/>
-                    </a:lnR>
-                    <a:lnT w="12700" cap="flat" cmpd="sng" algn="ctr">
-                      <a:noFill/>
-                      <a:prstDash val="solid"/>
-                      <a:round/>
-                      <a:headEnd type="none" w="med" len="med"/>
-                      <a:tailEnd type="none" w="med" len="med"/>
-                    </a:lnT>
-                    <a:lnB w="12700" cap="flat" cmpd="sng" algn="ctr">
-                      <a:noFill/>
-                      <a:prstDash val="solid"/>
-                      <a:round/>
-                      <a:headEnd type="none" w="med" len="med"/>
-                      <a:tailEnd type="none" w="med" len="med"/>
-                    </a:lnB>
-                    <a:lnTlToBr w="12700" cmpd="sng">
-                      <a:noFill/>
-                      <a:prstDash val="solid"/>
-                    </a:lnTlToBr>
-                    <a:lnBlToTr w="12700" cmpd="sng">
-                      <a:noFill/>
-                      <a:prstDash val="solid"/>
-                    </a:lnBlToTr>
-                    <a:solidFill>
-                      <a:schemeClr val="tx1">
-                        <a:lumMod val="85000"/>
-                        <a:lumOff val="15000"/>
-                      </a:schemeClr>
-                    </a:solidFill>
-                  </a:tcPr>
-                </a:tc>
-                <a:tc>
-                  <a:txBody>
-                    <a:bodyPr/>
-                    <a:lstStyle/>
-                    <a:p>
-                      <a:pPr algn="ctr" rtl="0"/>
-                      <a:r>
-                        <a:rPr lang="de" sz="1600" b="0">
-                          <a:solidFill>
-                            <a:schemeClr val="bg1"/>
-                          </a:solidFill>
-                          <a:latin typeface="+mj-lt"/>
-                        </a:rPr>
-                        <a:t>Anbieter</a:t>
-                      </a:r>
-                    </a:p>
-                  </a:txBody>
-                  <a:tcPr>
-                    <a:lnL w="12700" cap="flat" cmpd="sng" algn="ctr">
-                      <a:noFill/>
-                      <a:prstDash val="solid"/>
-                      <a:round/>
-                      <a:headEnd type="none" w="med" len="med"/>
-                      <a:tailEnd type="none" w="med" len="med"/>
-                    </a:lnL>
-                    <a:lnR w="12700" cap="flat" cmpd="sng" algn="ctr">
-                      <a:solidFill>
-                        <a:schemeClr val="tx1"/>
-                      </a:solidFill>
-                      <a:prstDash val="solid"/>
-                      <a:round/>
-                      <a:headEnd type="none" w="med" len="med"/>
-                      <a:tailEnd type="none" w="med" len="med"/>
-                    </a:lnR>
-                    <a:lnT w="12700" cap="flat" cmpd="sng" algn="ctr">
-                      <a:noFill/>
-                      <a:prstDash val="solid"/>
-                      <a:round/>
-                      <a:headEnd type="none" w="med" len="med"/>
-                      <a:tailEnd type="none" w="med" len="med"/>
-                    </a:lnT>
-                    <a:lnB w="12700" cap="flat" cmpd="sng" algn="ctr">
-                      <a:noFill/>
-                      <a:prstDash val="solid"/>
-                      <a:round/>
-                      <a:headEnd type="none" w="med" len="med"/>
-                      <a:tailEnd type="none" w="med" len="med"/>
-                    </a:lnB>
-                    <a:lnTlToBr w="12700" cmpd="sng">
-                      <a:noFill/>
-                      <a:prstDash val="solid"/>
-                    </a:lnTlToBr>
-                    <a:lnBlToTr w="12700" cmpd="sng">
-                      <a:noFill/>
-                      <a:prstDash val="solid"/>
-                    </a:lnBlToTr>
-                    <a:solidFill>
-                      <a:schemeClr val="tx1">
-                        <a:lumMod val="75000"/>
-                        <a:lumOff val="25000"/>
-                      </a:schemeClr>
-                    </a:solidFill>
-                  </a:tcPr>
-                </a:tc>
-                <a:tc>
-                  <a:txBody>
-                    <a:bodyPr/>
-                    <a:lstStyle/>
-                    <a:p>
-                      <a:pPr algn="ctr" rtl="0"/>
-                      <a:r>
-                        <a:rPr lang="de" sz="1600" b="0">
-                          <a:solidFill>
-                            <a:schemeClr val="bg1"/>
-                          </a:solidFill>
-                          <a:latin typeface="+mj-lt"/>
-                        </a:rPr>
-                        <a:t>Benutzer</a:t>
-                      </a:r>
-                    </a:p>
-                  </a:txBody>
-                  <a:tcPr>
-                    <a:lnL w="12700" cap="flat" cmpd="sng" algn="ctr">
-                      <a:solidFill>
-                        <a:schemeClr val="tx1"/>
-                      </a:solidFill>
-                      <a:prstDash val="solid"/>
-                      <a:round/>
-                      <a:headEnd type="none" w="med" len="med"/>
-                      <a:tailEnd type="none" w="med" len="med"/>
-                    </a:lnL>
-                    <a:lnR w="12700" cap="flat" cmpd="sng" algn="ctr">
-                      <a:solidFill>
-                        <a:schemeClr val="tx1"/>
-                      </a:solidFill>
-                      <a:prstDash val="solid"/>
-                      <a:round/>
-                      <a:headEnd type="none" w="med" len="med"/>
-                      <a:tailEnd type="none" w="med" len="med"/>
-                    </a:lnR>
-                    <a:lnT w="12700" cap="flat" cmpd="sng" algn="ctr">
-                      <a:noFill/>
-                      <a:prstDash val="solid"/>
-                      <a:round/>
-                      <a:headEnd type="none" w="med" len="med"/>
-                      <a:tailEnd type="none" w="med" len="med"/>
-                    </a:lnT>
-                    <a:lnB w="12700" cap="flat" cmpd="sng" algn="ctr">
-                      <a:noFill/>
-                      <a:prstDash val="solid"/>
-                      <a:round/>
-                      <a:headEnd type="none" w="med" len="med"/>
-                      <a:tailEnd type="none" w="med" len="med"/>
-                    </a:lnB>
-                    <a:lnTlToBr w="12700" cmpd="sng">
-                      <a:noFill/>
-                      <a:prstDash val="solid"/>
-                    </a:lnTlToBr>
-                    <a:lnBlToTr w="12700" cmpd="sng">
-                      <a:noFill/>
-                      <a:prstDash val="solid"/>
-                    </a:lnBlToTr>
-                    <a:solidFill>
-                      <a:schemeClr val="tx1">
-                        <a:lumMod val="75000"/>
-                        <a:lumOff val="25000"/>
-                      </a:schemeClr>
-                    </a:solidFill>
-                  </a:tcPr>
-                </a:tc>
-                <a:tc>
-                  <a:txBody>
-                    <a:bodyPr/>
-                    <a:lstStyle/>
-                    <a:p>
-                      <a:pPr algn="ctr" rtl="0"/>
-                      <a:r>
-                        <a:rPr lang="de" sz="1600" b="0">
-                          <a:solidFill>
-                            <a:schemeClr val="bg1"/>
-                          </a:solidFill>
-                          <a:latin typeface="+mj-lt"/>
-                        </a:rPr>
-                        <a:t>Berater</a:t>
-                      </a:r>
-                    </a:p>
-                  </a:txBody>
-                  <a:tcPr>
-                    <a:lnL w="12700" cap="flat" cmpd="sng" algn="ctr">
-                      <a:solidFill>
-                        <a:schemeClr val="tx1"/>
-                      </a:solidFill>
-                      <a:prstDash val="solid"/>
-                      <a:round/>
-                      <a:headEnd type="none" w="med" len="med"/>
-                      <a:tailEnd type="none" w="med" len="med"/>
-                    </a:lnL>
-                    <a:lnR w="12700" cap="flat" cmpd="sng" algn="ctr">
-                      <a:solidFill>
-                        <a:schemeClr val="tx1"/>
-                      </a:solidFill>
-                      <a:prstDash val="solid"/>
-                      <a:round/>
-                      <a:headEnd type="none" w="med" len="med"/>
-                      <a:tailEnd type="none" w="med" len="med"/>
-                    </a:lnR>
-                    <a:lnT w="12700" cap="flat" cmpd="sng" algn="ctr">
-                      <a:noFill/>
-                      <a:prstDash val="solid"/>
-                      <a:round/>
-                      <a:headEnd type="none" w="med" len="med"/>
-                      <a:tailEnd type="none" w="med" len="med"/>
-                    </a:lnT>
-                    <a:lnB w="12700" cap="flat" cmpd="sng" algn="ctr">
-                      <a:noFill/>
-                      <a:prstDash val="solid"/>
-                      <a:round/>
-                      <a:headEnd type="none" w="med" len="med"/>
-                      <a:tailEnd type="none" w="med" len="med"/>
-                    </a:lnB>
-                    <a:lnTlToBr w="12700" cmpd="sng">
-                      <a:noFill/>
-                      <a:prstDash val="solid"/>
-                    </a:lnTlToBr>
-                    <a:lnBlToTr w="12700" cmpd="sng">
-                      <a:noFill/>
-                      <a:prstDash val="solid"/>
-                    </a:lnBlToTr>
-                    <a:solidFill>
-                      <a:schemeClr val="tx1">
-                        <a:lumMod val="75000"/>
-                        <a:lumOff val="25000"/>
-                      </a:schemeClr>
-                    </a:solidFill>
-                  </a:tcPr>
-                </a:tc>
-                <a:tc>
-                  <a:txBody>
-                    <a:bodyPr/>
-                    <a:lstStyle/>
-                    <a:p>
-                      <a:pPr algn="ctr" rtl="0"/>
-                      <a:r>
-                        <a:rPr lang="de" sz="1600" b="0">
-                          <a:solidFill>
-                            <a:schemeClr val="bg1"/>
-                          </a:solidFill>
-                          <a:latin typeface="+mj-lt"/>
-                        </a:rPr>
-                        <a:t>Anzeigenkunden</a:t>
-                      </a:r>
-                    </a:p>
-                  </a:txBody>
-                  <a:tcPr>
-                    <a:lnL w="12700" cap="flat" cmpd="sng" algn="ctr">
-                      <a:solidFill>
-                        <a:schemeClr val="tx1"/>
-                      </a:solidFill>
-                      <a:prstDash val="solid"/>
-                      <a:round/>
-                      <a:headEnd type="none" w="med" len="med"/>
-                      <a:tailEnd type="none" w="med" len="med"/>
-                    </a:lnL>
-                    <a:lnR w="12700" cap="flat" cmpd="sng" algn="ctr">
-                      <a:solidFill>
-                        <a:schemeClr val="tx1"/>
-                      </a:solidFill>
-                      <a:prstDash val="solid"/>
-                      <a:round/>
-                      <a:headEnd type="none" w="med" len="med"/>
-                      <a:tailEnd type="none" w="med" len="med"/>
-                    </a:lnR>
-                    <a:lnT w="12700" cap="flat" cmpd="sng" algn="ctr">
-                      <a:noFill/>
-                      <a:prstDash val="solid"/>
-                      <a:round/>
-                      <a:headEnd type="none" w="med" len="med"/>
-                      <a:tailEnd type="none" w="med" len="med"/>
-                    </a:lnT>
-                    <a:lnB w="12700" cap="flat" cmpd="sng" algn="ctr">
-                      <a:noFill/>
-                      <a:prstDash val="solid"/>
-                      <a:round/>
-                      <a:headEnd type="none" w="med" len="med"/>
-                      <a:tailEnd type="none" w="med" len="med"/>
-                    </a:lnB>
-                    <a:lnTlToBr w="12700" cmpd="sng">
-                      <a:noFill/>
-                      <a:prstDash val="solid"/>
-                    </a:lnTlToBr>
-                    <a:lnBlToTr w="12700" cmpd="sng">
-                      <a:noFill/>
-                      <a:prstDash val="solid"/>
-                    </a:lnBlToTr>
-                    <a:solidFill>
-                      <a:schemeClr val="tx1">
-                        <a:lumMod val="75000"/>
-                        <a:lumOff val="25000"/>
-                      </a:schemeClr>
-                    </a:solidFill>
-                  </a:tcPr>
-                </a:tc>
-                <a:tc>
-                  <a:txBody>
-                    <a:bodyPr/>
-                    <a:lstStyle/>
-                    <a:p>
-                      <a:pPr algn="ctr" rtl="0"/>
-                      <a:r>
-                        <a:rPr lang="de" sz="1600" b="0" dirty="0">
-                          <a:solidFill>
-                            <a:schemeClr val="bg1"/>
-                          </a:solidFill>
-                          <a:latin typeface="+mj-lt"/>
-                        </a:rPr>
-                        <a:t>Bruttoeinnah-men</a:t>
-                      </a:r>
-                    </a:p>
-                  </a:txBody>
-                  <a:tcPr>
-                    <a:lnL w="12700" cap="flat" cmpd="sng" algn="ctr">
-                      <a:solidFill>
-                        <a:schemeClr val="tx1"/>
-                      </a:solidFill>
-                      <a:prstDash val="solid"/>
-                      <a:round/>
-                      <a:headEnd type="none" w="med" len="med"/>
-                      <a:tailEnd type="none" w="med" len="med"/>
-                    </a:lnL>
-                    <a:lnR w="12700" cap="flat" cmpd="sng" algn="ctr">
-                      <a:solidFill>
-                        <a:schemeClr val="tx1"/>
-                      </a:solidFill>
-                      <a:prstDash val="solid"/>
-                      <a:round/>
-                      <a:headEnd type="none" w="med" len="med"/>
-                      <a:tailEnd type="none" w="med" len="med"/>
-                    </a:lnR>
-                    <a:lnT w="12700" cap="flat" cmpd="sng" algn="ctr">
-                      <a:noFill/>
-                      <a:prstDash val="solid"/>
-                      <a:round/>
-                      <a:headEnd type="none" w="med" len="med"/>
-                      <a:tailEnd type="none" w="med" len="med"/>
-                    </a:lnT>
-                    <a:lnB w="12700" cap="flat" cmpd="sng" algn="ctr">
-                      <a:noFill/>
-                      <a:prstDash val="solid"/>
-                      <a:round/>
-                      <a:headEnd type="none" w="med" len="med"/>
-                      <a:tailEnd type="none" w="med" len="med"/>
-                    </a:lnB>
-                    <a:lnTlToBr w="12700" cmpd="sng">
-                      <a:noFill/>
-                      <a:prstDash val="solid"/>
-                    </a:lnTlToBr>
-                    <a:lnBlToTr w="12700" cmpd="sng">
-                      <a:noFill/>
-                      <a:prstDash val="solid"/>
-                    </a:lnBlToTr>
-                    <a:solidFill>
-                      <a:schemeClr val="tx1">
-                        <a:lumMod val="75000"/>
-                        <a:lumOff val="25000"/>
-                      </a:schemeClr>
-                    </a:solidFill>
-                  </a:tcPr>
-                </a:tc>
-                <a:tc>
-                  <a:txBody>
-                    <a:bodyPr/>
-                    <a:lstStyle/>
-                    <a:p>
-                      <a:pPr algn="ctr" rtl="0"/>
-                      <a:r>
-                        <a:rPr lang="de" sz="1600" b="0" dirty="0">
-                          <a:solidFill>
-                            <a:schemeClr val="bg1"/>
-                          </a:solidFill>
-                          <a:latin typeface="+mj-lt"/>
-                        </a:rPr>
-                        <a:t>Firmeneinkom-men</a:t>
-                      </a:r>
-                    </a:p>
-                  </a:txBody>
-                  <a:tcPr>
-                    <a:lnL w="12700" cap="flat" cmpd="sng" algn="ctr">
-                      <a:solidFill>
-                        <a:schemeClr val="tx1"/>
-                      </a:solidFill>
-                      <a:prstDash val="solid"/>
-                      <a:round/>
-                      <a:headEnd type="none" w="med" len="med"/>
-                      <a:tailEnd type="none" w="med" len="med"/>
-                    </a:lnL>
-                    <a:lnR w="12700" cap="flat" cmpd="sng" algn="ctr">
-                      <a:noFill/>
-                      <a:prstDash val="solid"/>
-                      <a:round/>
-                      <a:headEnd type="none" w="med" len="med"/>
-                      <a:tailEnd type="none" w="med" len="med"/>
-                    </a:lnR>
-                    <a:lnT w="12700" cap="flat" cmpd="sng" algn="ctr">
-                      <a:noFill/>
-                      <a:prstDash val="solid"/>
-                      <a:round/>
-                      <a:headEnd type="none" w="med" len="med"/>
-                      <a:tailEnd type="none" w="med" len="med"/>
-                    </a:lnT>
-                    <a:lnB w="12700" cap="flat" cmpd="sng" algn="ctr">
-                      <a:noFill/>
-                      <a:prstDash val="solid"/>
-                      <a:round/>
-                      <a:headEnd type="none" w="med" len="med"/>
-                      <a:tailEnd type="none" w="med" len="med"/>
-                    </a:lnB>
-                    <a:lnTlToBr w="12700" cmpd="sng">
-                      <a:noFill/>
-                      <a:prstDash val="solid"/>
-                    </a:lnTlToBr>
-                    <a:lnBlToTr w="12700" cmpd="sng">
-                      <a:noFill/>
-                      <a:prstDash val="solid"/>
-                    </a:lnBlToTr>
-                    <a:solidFill>
-                      <a:schemeClr val="tx1">
-                        <a:lumMod val="75000"/>
-                        <a:lumOff val="25000"/>
-                      </a:schemeClr>
-                    </a:solidFill>
-                  </a:tcPr>
-                </a:tc>
-                <a:extLst>
-                  <a:ext uri="{0D108BD9-81ED-4DB2-BD59-A6C34878D82A}">
-                    <a16:rowId xmlns:a16="http://schemas.microsoft.com/office/drawing/2014/main" val="1007223600"/>
-                  </a:ext>
-                </a:extLst>
-              </a:tr>
-              <a:tr h="726924">
-                <a:tc>
-                  <a:txBody>
-                    <a:bodyPr/>
-                    <a:lstStyle/>
-                    <a:p>
-                      <a:pPr algn="ctr" rtl="0"/>
-                      <a:r>
-                        <a:rPr lang="de" sz="1600" b="1">
-                          <a:solidFill>
-                            <a:schemeClr val="tx1">
-                              <a:lumMod val="75000"/>
-                              <a:lumOff val="25000"/>
-                            </a:schemeClr>
-                          </a:solidFill>
-                        </a:rPr>
-                        <a:t>20JJ</a:t>
-                      </a:r>
-                    </a:p>
-                  </a:txBody>
-                  <a:tcPr anchor="ctr">
-                    <a:lnL w="12700" cap="flat" cmpd="sng" algn="ctr">
-                      <a:solidFill>
-                        <a:schemeClr val="bg1">
-                          <a:lumMod val="85000"/>
-                        </a:schemeClr>
-                      </a:solidFill>
-                      <a:prstDash val="solid"/>
-                      <a:round/>
-                      <a:headEnd type="none" w="med" len="med"/>
-                      <a:tailEnd type="none" w="med" len="med"/>
-                    </a:lnL>
-                    <a:lnR w="12700" cap="flat" cmpd="sng" algn="ctr">
-                      <a:solidFill>
-                        <a:schemeClr val="bg1">
-                          <a:lumMod val="85000"/>
-                        </a:schemeClr>
-                      </a:solidFill>
-                      <a:prstDash val="solid"/>
-                      <a:round/>
-                      <a:headEnd type="none" w="med" len="med"/>
-                      <a:tailEnd type="none" w="med" len="med"/>
-                    </a:lnR>
-                    <a:lnT w="12700" cap="flat" cmpd="sng" algn="ctr">
-                      <a:noFill/>
-                      <a:prstDash val="solid"/>
-                      <a:round/>
-                      <a:headEnd type="none" w="med" len="med"/>
-                      <a:tailEnd type="none" w="med" len="med"/>
-                    </a:lnT>
-                    <a:lnB w="12700" cap="flat" cmpd="sng" algn="ctr">
-                      <a:solidFill>
-                        <a:schemeClr val="bg1">
-                          <a:lumMod val="85000"/>
-                        </a:schemeClr>
-                      </a:solidFill>
-                      <a:prstDash val="solid"/>
-                      <a:round/>
-                      <a:headEnd type="none" w="med" len="med"/>
-                      <a:tailEnd type="none" w="med" len="med"/>
-                    </a:lnB>
-                    <a:lnTlToBr w="12700" cmpd="sng">
-                      <a:noFill/>
-                      <a:prstDash val="solid"/>
-                    </a:lnTlToBr>
-                    <a:lnBlToTr w="12700" cmpd="sng">
-                      <a:noFill/>
-                      <a:prstDash val="solid"/>
-                    </a:lnBlToTr>
-                    <a:solidFill>
-                      <a:schemeClr val="bg1"/>
-                    </a:solidFill>
-                  </a:tcPr>
-                </a:tc>
-                <a:tc>
-                  <a:txBody>
-                    <a:bodyPr/>
-                    <a:lstStyle/>
-                    <a:p>
-                      <a:pPr algn="r" rtl="0"/>
-                      <a:r>
-                        <a:rPr lang="de" sz="1600">
-                          <a:solidFill>
-                            <a:schemeClr val="tx1">
-                              <a:lumMod val="75000"/>
-                              <a:lumOff val="25000"/>
-                            </a:schemeClr>
-                          </a:solidFill>
-                        </a:rPr>
-                        <a:t>0</a:t>
-                      </a:r>
-                    </a:p>
-                  </a:txBody>
-                  <a:tcPr anchor="ctr">
-                    <a:lnL w="12700" cap="flat" cmpd="sng" algn="ctr">
-                      <a:solidFill>
-                        <a:schemeClr val="bg1">
-                          <a:lumMod val="85000"/>
-                        </a:schemeClr>
-                      </a:solidFill>
-                      <a:prstDash val="solid"/>
-                      <a:round/>
-                      <a:headEnd type="none" w="med" len="med"/>
-                      <a:tailEnd type="none" w="med" len="med"/>
-                    </a:lnL>
-                    <a:lnR w="3175" cap="flat" cmpd="sng" algn="ctr">
-                      <a:solidFill>
-                        <a:schemeClr val="bg1">
-                          <a:lumMod val="75000"/>
-                        </a:schemeClr>
-                      </a:solidFill>
-                      <a:prstDash val="solid"/>
-                      <a:round/>
-                      <a:headEnd type="none" w="med" len="med"/>
-                      <a:tailEnd type="none" w="med" len="med"/>
-                    </a:lnR>
-                    <a:lnT w="12700" cap="flat" cmpd="sng" algn="ctr">
-                      <a:noFill/>
-                      <a:prstDash val="solid"/>
-                      <a:round/>
-                      <a:headEnd type="none" w="med" len="med"/>
-                      <a:tailEnd type="none" w="med" len="med"/>
-                    </a:lnT>
-                    <a:lnB w="3175" cap="flat" cmpd="sng" algn="ctr">
-                      <a:solidFill>
-                        <a:schemeClr val="bg1">
-                          <a:lumMod val="75000"/>
-                        </a:schemeClr>
-                      </a:solidFill>
-                      <a:prstDash val="solid"/>
-                      <a:round/>
-                      <a:headEnd type="none" w="med" len="med"/>
-                      <a:tailEnd type="none" w="med" len="med"/>
-                    </a:lnB>
-                    <a:lnTlToBr w="12700" cmpd="sng">
-                      <a:noFill/>
-                      <a:prstDash val="solid"/>
-                    </a:lnTlToBr>
-                    <a:lnBlToTr w="12700" cmpd="sng">
-                      <a:noFill/>
-                      <a:prstDash val="solid"/>
-                    </a:lnBlToTr>
-                    <a:noFill/>
-                  </a:tcPr>
-                </a:tc>
-                <a:tc>
-                  <a:txBody>
-                    <a:bodyPr/>
-                    <a:lstStyle/>
-                    <a:p>
-                      <a:pPr algn="r" rtl="0"/>
-                      <a:r>
-                        <a:rPr lang="de" sz="1600">
-                          <a:solidFill>
-                            <a:schemeClr val="tx1">
-                              <a:lumMod val="75000"/>
-                              <a:lumOff val="25000"/>
-                            </a:schemeClr>
-                          </a:solidFill>
-                        </a:rPr>
-                        <a:t>0</a:t>
-                      </a:r>
-                    </a:p>
-                  </a:txBody>
-                  <a:tcPr anchor="ctr">
-                    <a:lnL w="3175" cap="flat" cmpd="sng" algn="ctr">
-                      <a:solidFill>
-                        <a:schemeClr val="bg1">
-                          <a:lumMod val="75000"/>
-                        </a:schemeClr>
-                      </a:solidFill>
-                      <a:prstDash val="solid"/>
-                      <a:round/>
-                      <a:headEnd type="none" w="med" len="med"/>
-                      <a:tailEnd type="none" w="med" len="med"/>
-                    </a:lnL>
-                    <a:lnR w="12700" cap="flat" cmpd="sng" algn="ctr">
-                      <a:solidFill>
-                        <a:schemeClr val="bg1">
-                          <a:lumMod val="85000"/>
-                        </a:schemeClr>
-                      </a:solidFill>
-                      <a:prstDash val="solid"/>
-                      <a:round/>
-                      <a:headEnd type="none" w="med" len="med"/>
-                      <a:tailEnd type="none" w="med" len="med"/>
-                    </a:lnR>
-                    <a:lnT w="12700" cap="flat" cmpd="sng" algn="ctr">
-                      <a:noFill/>
-                      <a:prstDash val="solid"/>
-                      <a:round/>
-                      <a:headEnd type="none" w="med" len="med"/>
-                      <a:tailEnd type="none" w="med" len="med"/>
-                    </a:lnT>
-                    <a:lnB w="3175" cap="flat" cmpd="sng" algn="ctr">
-                      <a:solidFill>
-                        <a:schemeClr val="bg1">
-                          <a:lumMod val="75000"/>
-                        </a:schemeClr>
-                      </a:solidFill>
-                      <a:prstDash val="solid"/>
-                      <a:round/>
-                      <a:headEnd type="none" w="med" len="med"/>
-                      <a:tailEnd type="none" w="med" len="med"/>
-                    </a:lnB>
-                    <a:lnTlToBr w="12700" cmpd="sng">
-                      <a:noFill/>
-                      <a:prstDash val="solid"/>
-                    </a:lnTlToBr>
-                    <a:lnBlToTr w="12700" cmpd="sng">
-                      <a:noFill/>
-                      <a:prstDash val="solid"/>
-                    </a:lnBlToTr>
-                    <a:noFill/>
-                  </a:tcPr>
-                </a:tc>
-                <a:tc>
-                  <a:txBody>
-                    <a:bodyPr/>
-                    <a:lstStyle/>
-                    <a:p>
-                      <a:pPr algn="r" rtl="0"/>
-                      <a:r>
-                        <a:rPr lang="de" sz="1600">
-                          <a:solidFill>
-                            <a:schemeClr val="tx1">
-                              <a:lumMod val="75000"/>
-                              <a:lumOff val="25000"/>
-                            </a:schemeClr>
-                          </a:solidFill>
-                        </a:rPr>
-                        <a:t>2</a:t>
-                      </a:r>
-                    </a:p>
-                  </a:txBody>
-                  <a:tcPr anchor="ctr">
-                    <a:lnL w="12700" cap="flat" cmpd="sng" algn="ctr">
-                      <a:solidFill>
-                        <a:schemeClr val="bg1">
-                          <a:lumMod val="85000"/>
-                        </a:schemeClr>
-                      </a:solidFill>
-                      <a:prstDash val="solid"/>
-                      <a:round/>
-                      <a:headEnd type="none" w="med" len="med"/>
-                      <a:tailEnd type="none" w="med" len="med"/>
-                    </a:lnL>
-                    <a:lnR w="12700" cap="flat" cmpd="sng" algn="ctr">
-                      <a:solidFill>
-                        <a:schemeClr val="bg1">
-                          <a:lumMod val="85000"/>
-                        </a:schemeClr>
-                      </a:solidFill>
-                      <a:prstDash val="solid"/>
-                      <a:round/>
-                      <a:headEnd type="none" w="med" len="med"/>
-                      <a:tailEnd type="none" w="med" len="med"/>
-                    </a:lnR>
-                    <a:lnT w="12700" cap="flat" cmpd="sng" algn="ctr">
-                      <a:noFill/>
-                      <a:prstDash val="solid"/>
-                      <a:round/>
-                      <a:headEnd type="none" w="med" len="med"/>
-                      <a:tailEnd type="none" w="med" len="med"/>
-                    </a:lnT>
-                    <a:lnB w="3175" cap="flat" cmpd="sng" algn="ctr">
-                      <a:solidFill>
-                        <a:schemeClr val="bg1">
-                          <a:lumMod val="75000"/>
-                        </a:schemeClr>
-                      </a:solidFill>
-                      <a:prstDash val="solid"/>
-                      <a:round/>
-                      <a:headEnd type="none" w="med" len="med"/>
-                      <a:tailEnd type="none" w="med" len="med"/>
-                    </a:lnB>
-                    <a:lnTlToBr w="12700" cmpd="sng">
-                      <a:noFill/>
-                      <a:prstDash val="solid"/>
-                    </a:lnTlToBr>
-                    <a:lnBlToTr w="12700" cmpd="sng">
-                      <a:noFill/>
-                      <a:prstDash val="solid"/>
-                    </a:lnBlToTr>
-                    <a:noFill/>
-                  </a:tcPr>
-                </a:tc>
-                <a:tc>
-                  <a:txBody>
-                    <a:bodyPr/>
-                    <a:lstStyle/>
-                    <a:p>
-                      <a:pPr algn="r" rtl="0"/>
-                      <a:r>
-                        <a:rPr lang="de" sz="1600">
-                          <a:solidFill>
-                            <a:schemeClr val="tx1">
-                              <a:lumMod val="75000"/>
-                              <a:lumOff val="25000"/>
-                            </a:schemeClr>
-                          </a:solidFill>
-                        </a:rPr>
-                        <a:t>0</a:t>
-                      </a:r>
-                    </a:p>
-                  </a:txBody>
-                  <a:tcPr anchor="ctr">
-                    <a:lnL w="12700" cap="flat" cmpd="sng" algn="ctr">
-                      <a:solidFill>
-                        <a:schemeClr val="bg1">
-                          <a:lumMod val="85000"/>
-                        </a:schemeClr>
-                      </a:solidFill>
-                      <a:prstDash val="solid"/>
-                      <a:round/>
-                      <a:headEnd type="none" w="med" len="med"/>
-                      <a:tailEnd type="none" w="med" len="med"/>
-                    </a:lnL>
-                    <a:lnR w="12700" cap="flat" cmpd="sng" algn="ctr">
-                      <a:solidFill>
-                        <a:schemeClr val="bg1">
-                          <a:lumMod val="85000"/>
-                        </a:schemeClr>
-                      </a:solidFill>
-                      <a:prstDash val="solid"/>
-                      <a:round/>
-                      <a:headEnd type="none" w="med" len="med"/>
-                      <a:tailEnd type="none" w="med" len="med"/>
-                    </a:lnR>
-                    <a:lnT w="12700" cap="flat" cmpd="sng" algn="ctr">
-                      <a:noFill/>
-                      <a:prstDash val="solid"/>
-                      <a:round/>
-                      <a:headEnd type="none" w="med" len="med"/>
-                      <a:tailEnd type="none" w="med" len="med"/>
-                    </a:lnT>
-                    <a:lnB w="3175" cap="flat" cmpd="sng" algn="ctr">
-                      <a:solidFill>
-                        <a:schemeClr val="bg1">
-                          <a:lumMod val="75000"/>
-                        </a:schemeClr>
-                      </a:solidFill>
-                      <a:prstDash val="solid"/>
-                      <a:round/>
-                      <a:headEnd type="none" w="med" len="med"/>
-                      <a:tailEnd type="none" w="med" len="med"/>
-                    </a:lnB>
-                    <a:lnTlToBr w="12700" cmpd="sng">
-                      <a:noFill/>
-                      <a:prstDash val="solid"/>
-                    </a:lnTlToBr>
-                    <a:lnBlToTr w="12700" cmpd="sng">
-                      <a:noFill/>
-                      <a:prstDash val="solid"/>
-                    </a:lnBlToTr>
-                    <a:noFill/>
-                  </a:tcPr>
-                </a:tc>
-                <a:tc>
-                  <a:txBody>
-                    <a:bodyPr/>
-                    <a:lstStyle/>
-                    <a:p>
-                      <a:pPr algn="r" rtl="0"/>
-                      <a:r>
-                        <a:rPr lang="de" sz="1600">
-                          <a:solidFill>
-                            <a:schemeClr val="tx1">
-                              <a:lumMod val="75000"/>
-                              <a:lumOff val="25000"/>
-                            </a:schemeClr>
-                          </a:solidFill>
-                        </a:rPr>
-                        <a:t>0 €</a:t>
-                      </a:r>
-                    </a:p>
-                  </a:txBody>
-                  <a:tcPr anchor="ctr">
-                    <a:lnL w="12700" cap="flat" cmpd="sng" algn="ctr">
-                      <a:solidFill>
-                        <a:schemeClr val="bg1">
-                          <a:lumMod val="85000"/>
-                        </a:schemeClr>
-                      </a:solidFill>
-                      <a:prstDash val="solid"/>
-                      <a:round/>
-                      <a:headEnd type="none" w="med" len="med"/>
-                      <a:tailEnd type="none" w="med" len="med"/>
-                    </a:lnL>
-                    <a:lnR w="12700" cap="flat" cmpd="sng" algn="ctr">
-                      <a:solidFill>
-                        <a:schemeClr val="bg1">
-                          <a:lumMod val="85000"/>
-                        </a:schemeClr>
-                      </a:solidFill>
-                      <a:prstDash val="solid"/>
-                      <a:round/>
-                      <a:headEnd type="none" w="med" len="med"/>
-                      <a:tailEnd type="none" w="med" len="med"/>
-                    </a:lnR>
-                    <a:lnT w="12700" cap="flat" cmpd="sng" algn="ctr">
-                      <a:noFill/>
-                      <a:prstDash val="solid"/>
-                      <a:round/>
-                      <a:headEnd type="none" w="med" len="med"/>
-                      <a:tailEnd type="none" w="med" len="med"/>
-                    </a:lnT>
-                    <a:lnB w="12700" cap="flat" cmpd="sng" algn="ctr">
-                      <a:solidFill>
-                        <a:schemeClr val="accent1"/>
-                      </a:solidFill>
-                      <a:prstDash val="solid"/>
-                      <a:round/>
-                      <a:headEnd type="none" w="med" len="med"/>
-                      <a:tailEnd type="none" w="med" len="med"/>
-                    </a:lnB>
-                    <a:lnTlToBr w="12700" cmpd="sng">
-                      <a:noFill/>
-                      <a:prstDash val="solid"/>
-                    </a:lnTlToBr>
-                    <a:lnBlToTr w="12700" cmpd="sng">
-                      <a:noFill/>
-                      <a:prstDash val="solid"/>
-                    </a:lnBlToTr>
-                    <a:solidFill>
-                      <a:schemeClr val="bg1">
-                        <a:lumMod val="95000"/>
-                      </a:schemeClr>
-                    </a:solidFill>
-                  </a:tcPr>
-                </a:tc>
-                <a:tc>
-                  <a:txBody>
-                    <a:bodyPr/>
-                    <a:lstStyle/>
-                    <a:p>
-                      <a:pPr algn="r" rtl="0"/>
-                      <a:r>
-                        <a:rPr lang="de" sz="1600">
-                          <a:solidFill>
-                            <a:schemeClr val="tx1">
-                              <a:lumMod val="75000"/>
-                              <a:lumOff val="25000"/>
-                            </a:schemeClr>
-                          </a:solidFill>
-                        </a:rPr>
-                        <a:t>0 €</a:t>
-                      </a:r>
-                    </a:p>
-                  </a:txBody>
-                  <a:tcPr anchor="ctr">
-                    <a:lnL w="12700" cap="flat" cmpd="sng" algn="ctr">
-                      <a:solidFill>
-                        <a:schemeClr val="bg1">
-                          <a:lumMod val="85000"/>
-                        </a:schemeClr>
-                      </a:solidFill>
-                      <a:prstDash val="solid"/>
-                      <a:round/>
-                      <a:headEnd type="none" w="med" len="med"/>
-                      <a:tailEnd type="none" w="med" len="med"/>
-                    </a:lnL>
-                    <a:lnR w="3175" cap="flat" cmpd="sng" algn="ctr">
-                      <a:solidFill>
-                        <a:schemeClr val="bg1">
-                          <a:lumMod val="75000"/>
-                        </a:schemeClr>
-                      </a:solidFill>
-                      <a:prstDash val="solid"/>
-                      <a:round/>
-                      <a:headEnd type="none" w="med" len="med"/>
-                      <a:tailEnd type="none" w="med" len="med"/>
-                    </a:lnR>
-                    <a:lnT w="12700" cap="flat" cmpd="sng" algn="ctr">
-                      <a:noFill/>
-                      <a:prstDash val="solid"/>
-                      <a:round/>
-                      <a:headEnd type="none" w="med" len="med"/>
-                      <a:tailEnd type="none" w="med" len="med"/>
-                    </a:lnT>
-                    <a:lnB w="3175" cap="flat" cmpd="sng" algn="ctr">
-                      <a:solidFill>
-                        <a:schemeClr val="bg1">
-                          <a:lumMod val="75000"/>
-                        </a:schemeClr>
-                      </a:solidFill>
-                      <a:prstDash val="solid"/>
-                      <a:round/>
-                      <a:headEnd type="none" w="med" len="med"/>
-                      <a:tailEnd type="none" w="med" len="med"/>
-                    </a:lnB>
-                    <a:lnTlToBr w="12700" cmpd="sng">
-                      <a:noFill/>
-                      <a:prstDash val="solid"/>
-                    </a:lnTlToBr>
-                    <a:lnBlToTr w="12700" cmpd="sng">
-                      <a:noFill/>
-                      <a:prstDash val="solid"/>
-                    </a:lnBlToTr>
-                    <a:noFill/>
-                  </a:tcPr>
-                </a:tc>
-                <a:extLst>
-                  <a:ext uri="{0D108BD9-81ED-4DB2-BD59-A6C34878D82A}">
-                    <a16:rowId xmlns:a16="http://schemas.microsoft.com/office/drawing/2014/main" val="3583495943"/>
-                  </a:ext>
-                </a:extLst>
-              </a:tr>
-              <a:tr h="726924">
-                <a:tc>
-                  <a:txBody>
-                    <a:bodyPr/>
-                    <a:lstStyle/>
-                    <a:p>
-                      <a:pPr algn="ctr" rtl="0"/>
-                      <a:r>
-                        <a:rPr lang="de" sz="1600" b="1">
-                          <a:solidFill>
-                            <a:schemeClr val="tx1">
-                              <a:lumMod val="75000"/>
-                              <a:lumOff val="25000"/>
-                            </a:schemeClr>
-                          </a:solidFill>
-                        </a:rPr>
-                        <a:t>20JJ</a:t>
-                      </a:r>
-                    </a:p>
-                  </a:txBody>
-                  <a:tcPr anchor="ctr">
-                    <a:lnL w="12700" cap="flat" cmpd="sng" algn="ctr">
-                      <a:solidFill>
-                        <a:schemeClr val="bg1">
-                          <a:lumMod val="85000"/>
-                        </a:schemeClr>
-                      </a:solidFill>
-                      <a:prstDash val="solid"/>
-                      <a:round/>
-                      <a:headEnd type="none" w="med" len="med"/>
-                      <a:tailEnd type="none" w="med" len="med"/>
-                    </a:lnL>
-                    <a:lnR w="12700" cap="flat" cmpd="sng" algn="ctr">
-                      <a:solidFill>
-                        <a:schemeClr val="bg1">
-                          <a:lumMod val="85000"/>
-                        </a:schemeClr>
-                      </a:solidFill>
-                      <a:prstDash val="solid"/>
-                      <a:round/>
-                      <a:headEnd type="none" w="med" len="med"/>
-                      <a:tailEnd type="none" w="med" len="med"/>
-                    </a:lnR>
-                    <a:lnT w="12700" cap="flat" cmpd="sng" algn="ctr">
-                      <a:solidFill>
-                        <a:schemeClr val="bg1">
-                          <a:lumMod val="85000"/>
-                        </a:schemeClr>
-                      </a:solidFill>
-                      <a:prstDash val="solid"/>
-                      <a:round/>
-                      <a:headEnd type="none" w="med" len="med"/>
-                      <a:tailEnd type="none" w="med" len="med"/>
-                    </a:lnT>
-                    <a:lnB w="12700" cap="flat" cmpd="sng" algn="ctr">
-                      <a:solidFill>
-                        <a:schemeClr val="bg1">
-                          <a:lumMod val="85000"/>
-                        </a:schemeClr>
-                      </a:solidFill>
-                      <a:prstDash val="solid"/>
-                      <a:round/>
-                      <a:headEnd type="none" w="med" len="med"/>
-                      <a:tailEnd type="none" w="med" len="med"/>
-                    </a:lnB>
-                    <a:lnTlToBr w="12700" cmpd="sng">
-                      <a:noFill/>
-                      <a:prstDash val="solid"/>
-                    </a:lnTlToBr>
-                    <a:lnBlToTr w="12700" cmpd="sng">
-                      <a:noFill/>
-                      <a:prstDash val="solid"/>
-                    </a:lnBlToTr>
-                    <a:solidFill>
-                      <a:schemeClr val="bg1"/>
-                    </a:solidFill>
-                  </a:tcPr>
-                </a:tc>
-                <a:tc>
-                  <a:txBody>
-                    <a:bodyPr/>
-                    <a:lstStyle/>
-                    <a:p>
-                      <a:pPr algn="r" rtl="0"/>
-                      <a:r>
-                        <a:rPr lang="de" sz="1600">
-                          <a:solidFill>
-                            <a:schemeClr val="tx1">
-                              <a:lumMod val="75000"/>
-                              <a:lumOff val="25000"/>
-                            </a:schemeClr>
-                          </a:solidFill>
-                        </a:rPr>
-                        <a:t>10</a:t>
-                      </a:r>
-                    </a:p>
-                  </a:txBody>
-                  <a:tcPr anchor="ctr">
-                    <a:lnL w="12700" cap="flat" cmpd="sng" algn="ctr">
-                      <a:solidFill>
-                        <a:schemeClr val="bg1">
-                          <a:lumMod val="85000"/>
-                        </a:schemeClr>
-                      </a:solidFill>
-                      <a:prstDash val="solid"/>
-                      <a:round/>
-                      <a:headEnd type="none" w="med" len="med"/>
-                      <a:tailEnd type="none" w="med" len="med"/>
-                    </a:lnL>
-                    <a:lnR w="3175" cap="flat" cmpd="sng" algn="ctr">
-                      <a:solidFill>
-                        <a:schemeClr val="bg1">
-                          <a:lumMod val="75000"/>
-                        </a:schemeClr>
-                      </a:solidFill>
-                      <a:prstDash val="solid"/>
-                      <a:round/>
-                      <a:headEnd type="none" w="med" len="med"/>
-                      <a:tailEnd type="none" w="med" len="med"/>
-                    </a:lnR>
-                    <a:lnT w="3175" cap="flat" cmpd="sng" algn="ctr">
-                      <a:solidFill>
-                        <a:schemeClr val="bg1">
-                          <a:lumMod val="75000"/>
-                        </a:schemeClr>
-                      </a:solidFill>
-                      <a:prstDash val="solid"/>
-                      <a:round/>
-                      <a:headEnd type="none" w="med" len="med"/>
-                      <a:tailEnd type="none" w="med" len="med"/>
-                    </a:lnT>
-                    <a:lnB w="3175" cap="flat" cmpd="sng" algn="ctr">
-                      <a:solidFill>
-                        <a:schemeClr val="bg1">
-                          <a:lumMod val="75000"/>
-                        </a:schemeClr>
-                      </a:solidFill>
-                      <a:prstDash val="solid"/>
-                      <a:round/>
-                      <a:headEnd type="none" w="med" len="med"/>
-                      <a:tailEnd type="none" w="med" len="med"/>
-                    </a:lnB>
-                    <a:lnTlToBr w="12700" cmpd="sng">
-                      <a:noFill/>
-                      <a:prstDash val="solid"/>
-                    </a:lnTlToBr>
-                    <a:lnBlToTr w="12700" cmpd="sng">
-                      <a:noFill/>
-                      <a:prstDash val="solid"/>
-                    </a:lnBlToTr>
-                    <a:noFill/>
-                  </a:tcPr>
-                </a:tc>
-                <a:tc>
-                  <a:txBody>
-                    <a:bodyPr/>
-                    <a:lstStyle/>
-                    <a:p>
-                      <a:pPr algn="r" rtl="0"/>
-                      <a:r>
-                        <a:rPr lang="de" sz="1600">
-                          <a:solidFill>
-                            <a:schemeClr val="tx1">
-                              <a:lumMod val="75000"/>
-                              <a:lumOff val="25000"/>
-                            </a:schemeClr>
-                          </a:solidFill>
-                        </a:rPr>
-                        <a:t>100</a:t>
-                      </a:r>
-                    </a:p>
-                  </a:txBody>
-                  <a:tcPr anchor="ctr">
-                    <a:lnL w="3175" cap="flat" cmpd="sng" algn="ctr">
-                      <a:solidFill>
-                        <a:schemeClr val="bg1">
-                          <a:lumMod val="75000"/>
-                        </a:schemeClr>
-                      </a:solidFill>
-                      <a:prstDash val="solid"/>
-                      <a:round/>
-                      <a:headEnd type="none" w="med" len="med"/>
-                      <a:tailEnd type="none" w="med" len="med"/>
-                    </a:lnL>
-                    <a:lnR w="12700" cap="flat" cmpd="sng" algn="ctr">
-                      <a:solidFill>
-                        <a:schemeClr val="bg1">
-                          <a:lumMod val="85000"/>
-                        </a:schemeClr>
-                      </a:solidFill>
-                      <a:prstDash val="solid"/>
-                      <a:round/>
-                      <a:headEnd type="none" w="med" len="med"/>
-                      <a:tailEnd type="none" w="med" len="med"/>
-                    </a:lnR>
-                    <a:lnT w="3175" cap="flat" cmpd="sng" algn="ctr">
-                      <a:solidFill>
-                        <a:schemeClr val="bg1">
-                          <a:lumMod val="75000"/>
-                        </a:schemeClr>
-                      </a:solidFill>
-                      <a:prstDash val="solid"/>
-                      <a:round/>
-                      <a:headEnd type="none" w="med" len="med"/>
-                      <a:tailEnd type="none" w="med" len="med"/>
-                    </a:lnT>
-                    <a:lnB w="3175" cap="flat" cmpd="sng" algn="ctr">
-                      <a:solidFill>
-                        <a:schemeClr val="bg1">
-                          <a:lumMod val="75000"/>
-                        </a:schemeClr>
-                      </a:solidFill>
-                      <a:prstDash val="solid"/>
-                      <a:round/>
-                      <a:headEnd type="none" w="med" len="med"/>
-                      <a:tailEnd type="none" w="med" len="med"/>
-                    </a:lnB>
-                    <a:lnTlToBr w="12700" cmpd="sng">
-                      <a:noFill/>
-                      <a:prstDash val="solid"/>
-                    </a:lnTlToBr>
-                    <a:lnBlToTr w="12700" cmpd="sng">
-                      <a:noFill/>
-                      <a:prstDash val="solid"/>
-                    </a:lnBlToTr>
-                    <a:noFill/>
-                  </a:tcPr>
-                </a:tc>
-                <a:tc>
-                  <a:txBody>
-                    <a:bodyPr/>
-                    <a:lstStyle/>
-                    <a:p>
-                      <a:pPr algn="r" rtl="0"/>
-                      <a:r>
-                        <a:rPr lang="de" sz="1600">
-                          <a:solidFill>
-                            <a:schemeClr val="tx1">
-                              <a:lumMod val="75000"/>
-                              <a:lumOff val="25000"/>
-                            </a:schemeClr>
-                          </a:solidFill>
-                        </a:rPr>
-                        <a:t>50</a:t>
-                      </a:r>
-                    </a:p>
-                  </a:txBody>
-                  <a:tcPr anchor="ctr">
-                    <a:lnL w="12700" cap="flat" cmpd="sng" algn="ctr">
-                      <a:solidFill>
-                        <a:schemeClr val="bg1">
-                          <a:lumMod val="85000"/>
-                        </a:schemeClr>
-                      </a:solidFill>
-                      <a:prstDash val="solid"/>
-                      <a:round/>
-                      <a:headEnd type="none" w="med" len="med"/>
-                      <a:tailEnd type="none" w="med" len="med"/>
-                    </a:lnL>
-                    <a:lnR w="12700" cap="flat" cmpd="sng" algn="ctr">
-                      <a:solidFill>
-                        <a:schemeClr val="bg1">
-                          <a:lumMod val="85000"/>
-                        </a:schemeClr>
-                      </a:solidFill>
-                      <a:prstDash val="solid"/>
-                      <a:round/>
-                      <a:headEnd type="none" w="med" len="med"/>
-                      <a:tailEnd type="none" w="med" len="med"/>
-                    </a:lnR>
-                    <a:lnT w="3175" cap="flat" cmpd="sng" algn="ctr">
-                      <a:solidFill>
-                        <a:schemeClr val="bg1">
-                          <a:lumMod val="75000"/>
-                        </a:schemeClr>
-                      </a:solidFill>
-                      <a:prstDash val="solid"/>
-                      <a:round/>
-                      <a:headEnd type="none" w="med" len="med"/>
-                      <a:tailEnd type="none" w="med" len="med"/>
-                    </a:lnT>
-                    <a:lnB w="3175" cap="flat" cmpd="sng" algn="ctr">
-                      <a:solidFill>
-                        <a:schemeClr val="bg1">
-                          <a:lumMod val="75000"/>
-                        </a:schemeClr>
-                      </a:solidFill>
-                      <a:prstDash val="solid"/>
-                      <a:round/>
-                      <a:headEnd type="none" w="med" len="med"/>
-                      <a:tailEnd type="none" w="med" len="med"/>
-                    </a:lnB>
-                    <a:lnTlToBr w="12700" cmpd="sng">
-                      <a:noFill/>
-                      <a:prstDash val="solid"/>
-                    </a:lnTlToBr>
-                    <a:lnBlToTr w="12700" cmpd="sng">
-                      <a:noFill/>
-                      <a:prstDash val="solid"/>
-                    </a:lnBlToTr>
-                    <a:noFill/>
-                  </a:tcPr>
-                </a:tc>
-                <a:tc>
-                  <a:txBody>
-                    <a:bodyPr/>
-                    <a:lstStyle/>
-                    <a:p>
-                      <a:pPr algn="r" rtl="0"/>
-                      <a:r>
-                        <a:rPr lang="de" sz="1600">
-                          <a:solidFill>
-                            <a:schemeClr val="tx1">
-                              <a:lumMod val="75000"/>
-                              <a:lumOff val="25000"/>
-                            </a:schemeClr>
-                          </a:solidFill>
-                        </a:rPr>
-                        <a:t>10</a:t>
-                      </a:r>
-                    </a:p>
-                  </a:txBody>
-                  <a:tcPr anchor="ctr">
-                    <a:lnL w="12700" cap="flat" cmpd="sng" algn="ctr">
-                      <a:solidFill>
-                        <a:schemeClr val="bg1">
-                          <a:lumMod val="85000"/>
-                        </a:schemeClr>
-                      </a:solidFill>
-                      <a:prstDash val="solid"/>
-                      <a:round/>
-                      <a:headEnd type="none" w="med" len="med"/>
-                      <a:tailEnd type="none" w="med" len="med"/>
-                    </a:lnL>
-                    <a:lnR w="12700" cap="flat" cmpd="sng" algn="ctr">
-                      <a:solidFill>
-                        <a:schemeClr val="bg1">
-                          <a:lumMod val="85000"/>
-                        </a:schemeClr>
-                      </a:solidFill>
-                      <a:prstDash val="solid"/>
-                      <a:round/>
-                      <a:headEnd type="none" w="med" len="med"/>
-                      <a:tailEnd type="none" w="med" len="med"/>
-                    </a:lnR>
-                    <a:lnT w="3175" cap="flat" cmpd="sng" algn="ctr">
-                      <a:solidFill>
-                        <a:schemeClr val="bg1">
-                          <a:lumMod val="75000"/>
-                        </a:schemeClr>
-                      </a:solidFill>
-                      <a:prstDash val="solid"/>
-                      <a:round/>
-                      <a:headEnd type="none" w="med" len="med"/>
-                      <a:tailEnd type="none" w="med" len="med"/>
-                    </a:lnT>
-                    <a:lnB w="3175" cap="flat" cmpd="sng" algn="ctr">
-                      <a:solidFill>
-                        <a:schemeClr val="bg1">
-                          <a:lumMod val="75000"/>
-                        </a:schemeClr>
-                      </a:solidFill>
-                      <a:prstDash val="solid"/>
-                      <a:round/>
-                      <a:headEnd type="none" w="med" len="med"/>
-                      <a:tailEnd type="none" w="med" len="med"/>
-                    </a:lnB>
-                    <a:lnTlToBr w="12700" cmpd="sng">
-                      <a:noFill/>
-                      <a:prstDash val="solid"/>
-                    </a:lnTlToBr>
-                    <a:lnBlToTr w="12700" cmpd="sng">
-                      <a:noFill/>
-                      <a:prstDash val="solid"/>
-                    </a:lnBlToTr>
-                    <a:noFill/>
-                  </a:tcPr>
-                </a:tc>
-                <a:tc>
-                  <a:txBody>
-                    <a:bodyPr/>
-                    <a:lstStyle/>
-                    <a:p>
-                      <a:pPr algn="r" rtl="0"/>
-                      <a:r>
-                        <a:rPr lang="de" sz="1600">
-                          <a:solidFill>
-                            <a:schemeClr val="tx1">
-                              <a:lumMod val="75000"/>
-                              <a:lumOff val="25000"/>
-                            </a:schemeClr>
-                          </a:solidFill>
-                        </a:rPr>
-                        <a:t>6.750 €</a:t>
-                      </a:r>
-                    </a:p>
-                  </a:txBody>
-                  <a:tcPr anchor="ctr">
-                    <a:lnL w="12700" cap="flat" cmpd="sng" algn="ctr">
-                      <a:solidFill>
-                        <a:schemeClr val="bg1">
-                          <a:lumMod val="85000"/>
-                        </a:schemeClr>
-                      </a:solidFill>
-                      <a:prstDash val="solid"/>
-                      <a:round/>
-                      <a:headEnd type="none" w="med" len="med"/>
-                      <a:tailEnd type="none" w="med" len="med"/>
-                    </a:lnL>
-                    <a:lnR w="12700" cap="flat" cmpd="sng" algn="ctr">
-                      <a:solidFill>
-                        <a:schemeClr val="bg1">
-                          <a:lumMod val="85000"/>
-                        </a:schemeClr>
-                      </a:solidFill>
-                      <a:prstDash val="solid"/>
-                      <a:round/>
-                      <a:headEnd type="none" w="med" len="med"/>
-                      <a:tailEnd type="none" w="med" len="med"/>
-                    </a:lnR>
-                    <a:lnT w="12700" cap="flat" cmpd="sng" algn="ctr">
-                      <a:solidFill>
-                        <a:schemeClr val="accent1"/>
-                      </a:solidFill>
-                      <a:prstDash val="solid"/>
-                      <a:round/>
-                      <a:headEnd type="none" w="med" len="med"/>
-                      <a:tailEnd type="none" w="med" len="med"/>
-                    </a:lnT>
-                    <a:lnB w="12700" cap="flat" cmpd="sng" algn="ctr">
-                      <a:solidFill>
-                        <a:schemeClr val="accent1"/>
-                      </a:solidFill>
-                      <a:prstDash val="solid"/>
-                      <a:round/>
-                      <a:headEnd type="none" w="med" len="med"/>
-                      <a:tailEnd type="none" w="med" len="med"/>
-                    </a:lnB>
-                    <a:lnTlToBr w="12700" cmpd="sng">
-                      <a:noFill/>
-                      <a:prstDash val="solid"/>
-                    </a:lnTlToBr>
-                    <a:lnBlToTr w="12700" cmpd="sng">
-                      <a:noFill/>
-                      <a:prstDash val="solid"/>
-                    </a:lnBlToTr>
-                    <a:solidFill>
-                      <a:schemeClr val="bg1">
-                        <a:lumMod val="95000"/>
-                      </a:schemeClr>
-                    </a:solidFill>
-                  </a:tcPr>
-                </a:tc>
-                <a:tc>
-                  <a:txBody>
-                    <a:bodyPr/>
-                    <a:lstStyle/>
-                    <a:p>
-                      <a:pPr algn="r" rtl="0"/>
-                      <a:r>
-                        <a:rPr lang="de" sz="1600">
-                          <a:solidFill>
-                            <a:schemeClr val="tx1">
-                              <a:lumMod val="75000"/>
-                              <a:lumOff val="25000"/>
-                            </a:schemeClr>
-                          </a:solidFill>
-                        </a:rPr>
-                        <a:t>1.013 €</a:t>
-                      </a:r>
-                    </a:p>
-                  </a:txBody>
-                  <a:tcPr anchor="ctr">
-                    <a:lnL w="12700" cap="flat" cmpd="sng" algn="ctr">
-                      <a:solidFill>
-                        <a:schemeClr val="bg1">
-                          <a:lumMod val="85000"/>
-                        </a:schemeClr>
-                      </a:solidFill>
-                      <a:prstDash val="solid"/>
-                      <a:round/>
-                      <a:headEnd type="none" w="med" len="med"/>
-                      <a:tailEnd type="none" w="med" len="med"/>
-                    </a:lnL>
-                    <a:lnR w="3175" cap="flat" cmpd="sng" algn="ctr">
-                      <a:solidFill>
-                        <a:schemeClr val="bg1">
-                          <a:lumMod val="75000"/>
-                        </a:schemeClr>
-                      </a:solidFill>
-                      <a:prstDash val="solid"/>
-                      <a:round/>
-                      <a:headEnd type="none" w="med" len="med"/>
-                      <a:tailEnd type="none" w="med" len="med"/>
-                    </a:lnR>
-                    <a:lnT w="3175" cap="flat" cmpd="sng" algn="ctr">
-                      <a:solidFill>
-                        <a:schemeClr val="bg1">
-                          <a:lumMod val="75000"/>
-                        </a:schemeClr>
-                      </a:solidFill>
-                      <a:prstDash val="solid"/>
-                      <a:round/>
-                      <a:headEnd type="none" w="med" len="med"/>
-                      <a:tailEnd type="none" w="med" len="med"/>
-                    </a:lnT>
-                    <a:lnB w="3175" cap="flat" cmpd="sng" algn="ctr">
-                      <a:solidFill>
-                        <a:schemeClr val="bg1">
-                          <a:lumMod val="75000"/>
-                        </a:schemeClr>
-                      </a:solidFill>
-                      <a:prstDash val="solid"/>
-                      <a:round/>
-                      <a:headEnd type="none" w="med" len="med"/>
-                      <a:tailEnd type="none" w="med" len="med"/>
-                    </a:lnB>
-                    <a:lnTlToBr w="12700" cmpd="sng">
-                      <a:noFill/>
-                      <a:prstDash val="solid"/>
-                    </a:lnTlToBr>
-                    <a:lnBlToTr w="12700" cmpd="sng">
-                      <a:noFill/>
-                      <a:prstDash val="solid"/>
-                    </a:lnBlToTr>
-                    <a:noFill/>
-                  </a:tcPr>
-                </a:tc>
-                <a:extLst>
-                  <a:ext uri="{0D108BD9-81ED-4DB2-BD59-A6C34878D82A}">
-                    <a16:rowId xmlns:a16="http://schemas.microsoft.com/office/drawing/2014/main" val="2912132828"/>
-                  </a:ext>
-                </a:extLst>
-              </a:tr>
-              <a:tr h="726924">
-                <a:tc>
-                  <a:txBody>
-                    <a:bodyPr/>
-                    <a:lstStyle/>
-                    <a:p>
-                      <a:pPr algn="ctr" rtl="0"/>
-                      <a:r>
-                        <a:rPr lang="de" sz="1600" b="1">
-                          <a:solidFill>
-                            <a:schemeClr val="tx1">
-                              <a:lumMod val="75000"/>
-                              <a:lumOff val="25000"/>
-                            </a:schemeClr>
-                          </a:solidFill>
-                        </a:rPr>
-                        <a:t>20JJ</a:t>
-                      </a:r>
-                    </a:p>
-                  </a:txBody>
-                  <a:tcPr anchor="ctr">
-                    <a:lnL w="12700" cap="flat" cmpd="sng" algn="ctr">
-                      <a:solidFill>
-                        <a:schemeClr val="bg1">
-                          <a:lumMod val="85000"/>
-                        </a:schemeClr>
-                      </a:solidFill>
-                      <a:prstDash val="solid"/>
-                      <a:round/>
-                      <a:headEnd type="none" w="med" len="med"/>
-                      <a:tailEnd type="none" w="med" len="med"/>
-                    </a:lnL>
-                    <a:lnR w="12700" cap="flat" cmpd="sng" algn="ctr">
-                      <a:solidFill>
-                        <a:schemeClr val="bg1">
-                          <a:lumMod val="85000"/>
-                        </a:schemeClr>
-                      </a:solidFill>
-                      <a:prstDash val="solid"/>
-                      <a:round/>
-                      <a:headEnd type="none" w="med" len="med"/>
-                      <a:tailEnd type="none" w="med" len="med"/>
-                    </a:lnR>
-                    <a:lnT w="12700" cap="flat" cmpd="sng" algn="ctr">
-                      <a:solidFill>
-                        <a:schemeClr val="bg1">
-                          <a:lumMod val="85000"/>
-                        </a:schemeClr>
-                      </a:solidFill>
-                      <a:prstDash val="solid"/>
-                      <a:round/>
-                      <a:headEnd type="none" w="med" len="med"/>
-                      <a:tailEnd type="none" w="med" len="med"/>
-                    </a:lnT>
-                    <a:lnB w="12700" cap="flat" cmpd="sng" algn="ctr">
-                      <a:solidFill>
-                        <a:schemeClr val="bg1">
-                          <a:lumMod val="85000"/>
-                        </a:schemeClr>
-                      </a:solidFill>
-                      <a:prstDash val="solid"/>
-                      <a:round/>
-                      <a:headEnd type="none" w="med" len="med"/>
-                      <a:tailEnd type="none" w="med" len="med"/>
-                    </a:lnB>
-                    <a:lnTlToBr w="12700" cmpd="sng">
-                      <a:noFill/>
-                      <a:prstDash val="solid"/>
-                    </a:lnTlToBr>
-                    <a:lnBlToTr w="12700" cmpd="sng">
-                      <a:noFill/>
-                      <a:prstDash val="solid"/>
-                    </a:lnBlToTr>
-                    <a:solidFill>
-                      <a:schemeClr val="bg1"/>
-                    </a:solidFill>
-                  </a:tcPr>
-                </a:tc>
-                <a:tc>
-                  <a:txBody>
-                    <a:bodyPr/>
-                    <a:lstStyle/>
-                    <a:p>
-                      <a:pPr algn="r" rtl="0"/>
-                      <a:r>
-                        <a:rPr lang="de" sz="1600">
-                          <a:solidFill>
-                            <a:schemeClr val="tx1">
-                              <a:lumMod val="75000"/>
-                              <a:lumOff val="25000"/>
-                            </a:schemeClr>
-                          </a:solidFill>
-                        </a:rPr>
-                        <a:t>50</a:t>
-                      </a:r>
-                    </a:p>
-                  </a:txBody>
-                  <a:tcPr anchor="ctr">
-                    <a:lnL w="12700" cap="flat" cmpd="sng" algn="ctr">
-                      <a:solidFill>
-                        <a:schemeClr val="bg1">
-                          <a:lumMod val="85000"/>
-                        </a:schemeClr>
-                      </a:solidFill>
-                      <a:prstDash val="solid"/>
-                      <a:round/>
-                      <a:headEnd type="none" w="med" len="med"/>
-                      <a:tailEnd type="none" w="med" len="med"/>
-                    </a:lnL>
-                    <a:lnR w="3175" cap="flat" cmpd="sng" algn="ctr">
-                      <a:solidFill>
-                        <a:schemeClr val="bg1">
-                          <a:lumMod val="75000"/>
-                        </a:schemeClr>
-                      </a:solidFill>
-                      <a:prstDash val="solid"/>
-                      <a:round/>
-                      <a:headEnd type="none" w="med" len="med"/>
-                      <a:tailEnd type="none" w="med" len="med"/>
-                    </a:lnR>
-                    <a:lnT w="3175" cap="flat" cmpd="sng" algn="ctr">
-                      <a:solidFill>
-                        <a:schemeClr val="bg1">
-                          <a:lumMod val="75000"/>
-                        </a:schemeClr>
-                      </a:solidFill>
-                      <a:prstDash val="solid"/>
-                      <a:round/>
-                      <a:headEnd type="none" w="med" len="med"/>
-                      <a:tailEnd type="none" w="med" len="med"/>
-                    </a:lnT>
-                    <a:lnB w="3175" cap="flat" cmpd="sng" algn="ctr">
-                      <a:solidFill>
-                        <a:schemeClr val="bg1">
-                          <a:lumMod val="75000"/>
-                        </a:schemeClr>
-                      </a:solidFill>
-                      <a:prstDash val="solid"/>
-                      <a:round/>
-                      <a:headEnd type="none" w="med" len="med"/>
-                      <a:tailEnd type="none" w="med" len="med"/>
-                    </a:lnB>
-                    <a:lnTlToBr w="12700" cmpd="sng">
-                      <a:noFill/>
-                      <a:prstDash val="solid"/>
-                    </a:lnTlToBr>
-                    <a:lnBlToTr w="12700" cmpd="sng">
-                      <a:noFill/>
-                      <a:prstDash val="solid"/>
-                    </a:lnBlToTr>
-                    <a:noFill/>
-                  </a:tcPr>
-                </a:tc>
-                <a:tc>
-                  <a:txBody>
-                    <a:bodyPr/>
-                    <a:lstStyle/>
-                    <a:p>
-                      <a:pPr algn="r" rtl="0"/>
-                      <a:r>
-                        <a:rPr lang="de" sz="1600">
-                          <a:solidFill>
-                            <a:schemeClr val="tx1">
-                              <a:lumMod val="75000"/>
-                              <a:lumOff val="25000"/>
-                            </a:schemeClr>
-                          </a:solidFill>
-                        </a:rPr>
-                        <a:t>500</a:t>
-                      </a:r>
-                    </a:p>
-                  </a:txBody>
-                  <a:tcPr anchor="ctr">
-                    <a:lnL w="3175" cap="flat" cmpd="sng" algn="ctr">
-                      <a:solidFill>
-                        <a:schemeClr val="bg1">
-                          <a:lumMod val="75000"/>
-                        </a:schemeClr>
-                      </a:solidFill>
-                      <a:prstDash val="solid"/>
-                      <a:round/>
-                      <a:headEnd type="none" w="med" len="med"/>
-                      <a:tailEnd type="none" w="med" len="med"/>
-                    </a:lnL>
-                    <a:lnR w="12700" cap="flat" cmpd="sng" algn="ctr">
-                      <a:solidFill>
-                        <a:schemeClr val="bg1">
-                          <a:lumMod val="85000"/>
-                        </a:schemeClr>
-                      </a:solidFill>
-                      <a:prstDash val="solid"/>
-                      <a:round/>
-                      <a:headEnd type="none" w="med" len="med"/>
-                      <a:tailEnd type="none" w="med" len="med"/>
-                    </a:lnR>
-                    <a:lnT w="3175" cap="flat" cmpd="sng" algn="ctr">
-                      <a:solidFill>
-                        <a:schemeClr val="bg1">
-                          <a:lumMod val="75000"/>
-                        </a:schemeClr>
-                      </a:solidFill>
-                      <a:prstDash val="solid"/>
-                      <a:round/>
-                      <a:headEnd type="none" w="med" len="med"/>
-                      <a:tailEnd type="none" w="med" len="med"/>
-                    </a:lnT>
-                    <a:lnB w="3175" cap="flat" cmpd="sng" algn="ctr">
-                      <a:solidFill>
-                        <a:schemeClr val="bg1">
-                          <a:lumMod val="75000"/>
-                        </a:schemeClr>
-                      </a:solidFill>
-                      <a:prstDash val="solid"/>
-                      <a:round/>
-                      <a:headEnd type="none" w="med" len="med"/>
-                      <a:tailEnd type="none" w="med" len="med"/>
-                    </a:lnB>
-                    <a:lnTlToBr w="12700" cmpd="sng">
-                      <a:noFill/>
-                      <a:prstDash val="solid"/>
-                    </a:lnTlToBr>
-                    <a:lnBlToTr w="12700" cmpd="sng">
-                      <a:noFill/>
-                      <a:prstDash val="solid"/>
-                    </a:lnBlToTr>
-                    <a:noFill/>
-                  </a:tcPr>
-                </a:tc>
-                <a:tc>
-                  <a:txBody>
-                    <a:bodyPr/>
-                    <a:lstStyle/>
-                    <a:p>
-                      <a:pPr algn="r" rtl="0"/>
-                      <a:r>
-                        <a:rPr lang="de" sz="1600">
-                          <a:solidFill>
-                            <a:schemeClr val="tx1">
-                              <a:lumMod val="75000"/>
-                              <a:lumOff val="25000"/>
-                            </a:schemeClr>
-                          </a:solidFill>
-                        </a:rPr>
-                        <a:t>60</a:t>
-                      </a:r>
-                    </a:p>
-                  </a:txBody>
-                  <a:tcPr anchor="ctr">
-                    <a:lnL w="12700" cap="flat" cmpd="sng" algn="ctr">
-                      <a:solidFill>
-                        <a:schemeClr val="bg1">
-                          <a:lumMod val="85000"/>
-                        </a:schemeClr>
-                      </a:solidFill>
-                      <a:prstDash val="solid"/>
-                      <a:round/>
-                      <a:headEnd type="none" w="med" len="med"/>
-                      <a:tailEnd type="none" w="med" len="med"/>
-                    </a:lnL>
-                    <a:lnR w="12700" cap="flat" cmpd="sng" algn="ctr">
-                      <a:solidFill>
-                        <a:schemeClr val="bg1">
-                          <a:lumMod val="85000"/>
-                        </a:schemeClr>
-                      </a:solidFill>
-                      <a:prstDash val="solid"/>
-                      <a:round/>
-                      <a:headEnd type="none" w="med" len="med"/>
-                      <a:tailEnd type="none" w="med" len="med"/>
-                    </a:lnR>
-                    <a:lnT w="3175" cap="flat" cmpd="sng" algn="ctr">
-                      <a:solidFill>
-                        <a:schemeClr val="bg1">
-                          <a:lumMod val="75000"/>
-                        </a:schemeClr>
-                      </a:solidFill>
-                      <a:prstDash val="solid"/>
-                      <a:round/>
-                      <a:headEnd type="none" w="med" len="med"/>
-                      <a:tailEnd type="none" w="med" len="med"/>
-                    </a:lnT>
-                    <a:lnB w="3175" cap="flat" cmpd="sng" algn="ctr">
-                      <a:solidFill>
-                        <a:schemeClr val="bg1">
-                          <a:lumMod val="75000"/>
-                        </a:schemeClr>
-                      </a:solidFill>
-                      <a:prstDash val="solid"/>
-                      <a:round/>
-                      <a:headEnd type="none" w="med" len="med"/>
-                      <a:tailEnd type="none" w="med" len="med"/>
-                    </a:lnB>
-                    <a:lnTlToBr w="12700" cmpd="sng">
-                      <a:noFill/>
-                      <a:prstDash val="solid"/>
-                    </a:lnTlToBr>
-                    <a:lnBlToTr w="12700" cmpd="sng">
-                      <a:noFill/>
-                      <a:prstDash val="solid"/>
-                    </a:lnBlToTr>
-                    <a:noFill/>
-                  </a:tcPr>
-                </a:tc>
-                <a:tc>
-                  <a:txBody>
-                    <a:bodyPr/>
-                    <a:lstStyle/>
-                    <a:p>
-                      <a:pPr algn="r" rtl="0"/>
-                      <a:r>
-                        <a:rPr lang="de" sz="1600">
-                          <a:solidFill>
-                            <a:schemeClr val="tx1">
-                              <a:lumMod val="75000"/>
-                              <a:lumOff val="25000"/>
-                            </a:schemeClr>
-                          </a:solidFill>
-                        </a:rPr>
-                        <a:t>500</a:t>
-                      </a:r>
-                    </a:p>
-                  </a:txBody>
-                  <a:tcPr anchor="ctr">
-                    <a:lnL w="12700" cap="flat" cmpd="sng" algn="ctr">
-                      <a:solidFill>
-                        <a:schemeClr val="bg1">
-                          <a:lumMod val="85000"/>
-                        </a:schemeClr>
-                      </a:solidFill>
-                      <a:prstDash val="solid"/>
-                      <a:round/>
-                      <a:headEnd type="none" w="med" len="med"/>
-                      <a:tailEnd type="none" w="med" len="med"/>
-                    </a:lnL>
-                    <a:lnR w="12700" cap="flat" cmpd="sng" algn="ctr">
-                      <a:solidFill>
-                        <a:schemeClr val="bg1">
-                          <a:lumMod val="85000"/>
-                        </a:schemeClr>
-                      </a:solidFill>
-                      <a:prstDash val="solid"/>
-                      <a:round/>
-                      <a:headEnd type="none" w="med" len="med"/>
-                      <a:tailEnd type="none" w="med" len="med"/>
-                    </a:lnR>
-                    <a:lnT w="3175" cap="flat" cmpd="sng" algn="ctr">
-                      <a:solidFill>
-                        <a:schemeClr val="bg1">
-                          <a:lumMod val="75000"/>
-                        </a:schemeClr>
-                      </a:solidFill>
-                      <a:prstDash val="solid"/>
-                      <a:round/>
-                      <a:headEnd type="none" w="med" len="med"/>
-                      <a:tailEnd type="none" w="med" len="med"/>
-                    </a:lnT>
-                    <a:lnB w="3175" cap="flat" cmpd="sng" algn="ctr">
-                      <a:solidFill>
-                        <a:schemeClr val="bg1">
-                          <a:lumMod val="75000"/>
-                        </a:schemeClr>
-                      </a:solidFill>
-                      <a:prstDash val="solid"/>
-                      <a:round/>
-                      <a:headEnd type="none" w="med" len="med"/>
-                      <a:tailEnd type="none" w="med" len="med"/>
-                    </a:lnB>
-                    <a:lnTlToBr w="12700" cmpd="sng">
-                      <a:noFill/>
-                      <a:prstDash val="solid"/>
-                    </a:lnTlToBr>
-                    <a:lnBlToTr w="12700" cmpd="sng">
-                      <a:noFill/>
-                      <a:prstDash val="solid"/>
-                    </a:lnBlToTr>
-                    <a:noFill/>
-                  </a:tcPr>
-                </a:tc>
-                <a:tc>
-                  <a:txBody>
-                    <a:bodyPr/>
-                    <a:lstStyle/>
-                    <a:p>
-                      <a:pPr algn="r" rtl="0"/>
-                      <a:r>
-                        <a:rPr lang="de" sz="1600">
-                          <a:solidFill>
-                            <a:schemeClr val="tx1">
-                              <a:lumMod val="75000"/>
-                              <a:lumOff val="25000"/>
-                            </a:schemeClr>
-                          </a:solidFill>
-                        </a:rPr>
-                        <a:t>33.750 €</a:t>
-                      </a:r>
-                    </a:p>
-                  </a:txBody>
-                  <a:tcPr anchor="ctr">
-                    <a:lnL w="12700" cap="flat" cmpd="sng" algn="ctr">
-                      <a:solidFill>
-                        <a:schemeClr val="bg1">
-                          <a:lumMod val="85000"/>
-                        </a:schemeClr>
-                      </a:solidFill>
-                      <a:prstDash val="solid"/>
-                      <a:round/>
-                      <a:headEnd type="none" w="med" len="med"/>
-                      <a:tailEnd type="none" w="med" len="med"/>
-                    </a:lnL>
-                    <a:lnR w="12700" cap="flat" cmpd="sng" algn="ctr">
-                      <a:solidFill>
-                        <a:schemeClr val="bg1">
-                          <a:lumMod val="85000"/>
-                        </a:schemeClr>
-                      </a:solidFill>
-                      <a:prstDash val="solid"/>
-                      <a:round/>
-                      <a:headEnd type="none" w="med" len="med"/>
-                      <a:tailEnd type="none" w="med" len="med"/>
-                    </a:lnR>
-                    <a:lnT w="12700" cap="flat" cmpd="sng" algn="ctr">
-                      <a:solidFill>
-                        <a:schemeClr val="accent1"/>
-                      </a:solidFill>
-                      <a:prstDash val="solid"/>
-                      <a:round/>
-                      <a:headEnd type="none" w="med" len="med"/>
-                      <a:tailEnd type="none" w="med" len="med"/>
-                    </a:lnT>
-                    <a:lnB w="12700" cap="flat" cmpd="sng" algn="ctr">
-                      <a:solidFill>
-                        <a:schemeClr val="accent1"/>
-                      </a:solidFill>
-                      <a:prstDash val="solid"/>
-                      <a:round/>
-                      <a:headEnd type="none" w="med" len="med"/>
-                      <a:tailEnd type="none" w="med" len="med"/>
-                    </a:lnB>
-                    <a:lnTlToBr w="12700" cmpd="sng">
-                      <a:noFill/>
-                      <a:prstDash val="solid"/>
-                    </a:lnTlToBr>
-                    <a:lnBlToTr w="12700" cmpd="sng">
-                      <a:noFill/>
-                      <a:prstDash val="solid"/>
-                    </a:lnBlToTr>
-                    <a:solidFill>
-                      <a:schemeClr val="bg1">
-                        <a:lumMod val="95000"/>
-                      </a:schemeClr>
-                    </a:solidFill>
-                  </a:tcPr>
-                </a:tc>
-                <a:tc>
-                  <a:txBody>
-                    <a:bodyPr/>
-                    <a:lstStyle/>
-                    <a:p>
-                      <a:pPr algn="r" rtl="0"/>
-                      <a:r>
-                        <a:rPr lang="de" sz="1600">
-                          <a:solidFill>
-                            <a:schemeClr val="tx1">
-                              <a:lumMod val="75000"/>
-                              <a:lumOff val="25000"/>
-                            </a:schemeClr>
-                          </a:solidFill>
-                        </a:rPr>
-                        <a:t>5.063 €</a:t>
-                      </a:r>
-                    </a:p>
-                  </a:txBody>
-                  <a:tcPr anchor="ctr">
-                    <a:lnL w="12700" cap="flat" cmpd="sng" algn="ctr">
-                      <a:solidFill>
-                        <a:schemeClr val="bg1">
-                          <a:lumMod val="85000"/>
-                        </a:schemeClr>
-                      </a:solidFill>
-                      <a:prstDash val="solid"/>
-                      <a:round/>
-                      <a:headEnd type="none" w="med" len="med"/>
-                      <a:tailEnd type="none" w="med" len="med"/>
-                    </a:lnL>
-                    <a:lnR w="3175" cap="flat" cmpd="sng" algn="ctr">
-                      <a:solidFill>
-                        <a:schemeClr val="bg1">
-                          <a:lumMod val="75000"/>
-                        </a:schemeClr>
-                      </a:solidFill>
-                      <a:prstDash val="solid"/>
-                      <a:round/>
-                      <a:headEnd type="none" w="med" len="med"/>
-                      <a:tailEnd type="none" w="med" len="med"/>
-                    </a:lnR>
-                    <a:lnT w="3175" cap="flat" cmpd="sng" algn="ctr">
-                      <a:solidFill>
-                        <a:schemeClr val="bg1">
-                          <a:lumMod val="75000"/>
-                        </a:schemeClr>
-                      </a:solidFill>
-                      <a:prstDash val="solid"/>
-                      <a:round/>
-                      <a:headEnd type="none" w="med" len="med"/>
-                      <a:tailEnd type="none" w="med" len="med"/>
-                    </a:lnT>
-                    <a:lnB w="3175" cap="flat" cmpd="sng" algn="ctr">
-                      <a:solidFill>
-                        <a:schemeClr val="bg1">
-                          <a:lumMod val="75000"/>
-                        </a:schemeClr>
-                      </a:solidFill>
-                      <a:prstDash val="solid"/>
-                      <a:round/>
-                      <a:headEnd type="none" w="med" len="med"/>
-                      <a:tailEnd type="none" w="med" len="med"/>
-                    </a:lnB>
-                    <a:lnTlToBr w="12700" cmpd="sng">
-                      <a:noFill/>
-                      <a:prstDash val="solid"/>
-                    </a:lnTlToBr>
-                    <a:lnBlToTr w="12700" cmpd="sng">
-                      <a:noFill/>
-                      <a:prstDash val="solid"/>
-                    </a:lnBlToTr>
-                    <a:noFill/>
-                  </a:tcPr>
-                </a:tc>
-                <a:extLst>
-                  <a:ext uri="{0D108BD9-81ED-4DB2-BD59-A6C34878D82A}">
-                    <a16:rowId xmlns:a16="http://schemas.microsoft.com/office/drawing/2014/main" val="1094300830"/>
-                  </a:ext>
-                </a:extLst>
-              </a:tr>
-              <a:tr h="726924">
-                <a:tc>
-                  <a:txBody>
-                    <a:bodyPr/>
-                    <a:lstStyle/>
-                    <a:p>
-                      <a:pPr algn="ctr" rtl="0"/>
-                      <a:r>
-                        <a:rPr lang="de" sz="1600" b="1">
-                          <a:solidFill>
-                            <a:schemeClr val="tx1">
-                              <a:lumMod val="75000"/>
-                              <a:lumOff val="25000"/>
-                            </a:schemeClr>
-                          </a:solidFill>
-                        </a:rPr>
-                        <a:t>20JJ</a:t>
-                      </a:r>
-                    </a:p>
-                  </a:txBody>
-                  <a:tcPr anchor="ctr">
-                    <a:lnL w="12700" cap="flat" cmpd="sng" algn="ctr">
-                      <a:solidFill>
-                        <a:schemeClr val="bg1">
-                          <a:lumMod val="85000"/>
-                        </a:schemeClr>
-                      </a:solidFill>
-                      <a:prstDash val="solid"/>
-                      <a:round/>
-                      <a:headEnd type="none" w="med" len="med"/>
-                      <a:tailEnd type="none" w="med" len="med"/>
-                    </a:lnL>
-                    <a:lnR w="12700" cap="flat" cmpd="sng" algn="ctr">
-                      <a:solidFill>
-                        <a:schemeClr val="bg1">
-                          <a:lumMod val="85000"/>
-                        </a:schemeClr>
-                      </a:solidFill>
-                      <a:prstDash val="solid"/>
-                      <a:round/>
-                      <a:headEnd type="none" w="med" len="med"/>
-                      <a:tailEnd type="none" w="med" len="med"/>
-                    </a:lnR>
-                    <a:lnT w="12700" cap="flat" cmpd="sng" algn="ctr">
-                      <a:solidFill>
-                        <a:schemeClr val="bg1">
-                          <a:lumMod val="85000"/>
-                        </a:schemeClr>
-                      </a:solidFill>
-                      <a:prstDash val="solid"/>
-                      <a:round/>
-                      <a:headEnd type="none" w="med" len="med"/>
-                      <a:tailEnd type="none" w="med" len="med"/>
-                    </a:lnT>
-                    <a:lnB w="12700" cap="flat" cmpd="sng" algn="ctr">
-                      <a:solidFill>
-                        <a:schemeClr val="bg1">
-                          <a:lumMod val="85000"/>
-                        </a:schemeClr>
-                      </a:solidFill>
-                      <a:prstDash val="solid"/>
-                      <a:round/>
-                      <a:headEnd type="none" w="med" len="med"/>
-                      <a:tailEnd type="none" w="med" len="med"/>
-                    </a:lnB>
-                    <a:lnTlToBr w="12700" cmpd="sng">
-                      <a:noFill/>
-                      <a:prstDash val="solid"/>
-                    </a:lnTlToBr>
-                    <a:lnBlToTr w="12700" cmpd="sng">
-                      <a:noFill/>
-                      <a:prstDash val="solid"/>
-                    </a:lnBlToTr>
-                    <a:solidFill>
-                      <a:schemeClr val="bg1"/>
-                    </a:solidFill>
-                  </a:tcPr>
-                </a:tc>
-                <a:tc>
-                  <a:txBody>
-                    <a:bodyPr/>
-                    <a:lstStyle/>
-                    <a:p>
-                      <a:pPr algn="r" rtl="0"/>
-                      <a:r>
-                        <a:rPr lang="de" sz="1600">
-                          <a:solidFill>
-                            <a:schemeClr val="tx1">
-                              <a:lumMod val="75000"/>
-                              <a:lumOff val="25000"/>
-                            </a:schemeClr>
-                          </a:solidFill>
-                        </a:rPr>
-                        <a:t>200</a:t>
-                      </a:r>
-                    </a:p>
-                  </a:txBody>
-                  <a:tcPr anchor="ctr">
-                    <a:lnL w="12700" cap="flat" cmpd="sng" algn="ctr">
-                      <a:solidFill>
-                        <a:schemeClr val="bg1">
-                          <a:lumMod val="85000"/>
-                        </a:schemeClr>
-                      </a:solidFill>
-                      <a:prstDash val="solid"/>
-                      <a:round/>
-                      <a:headEnd type="none" w="med" len="med"/>
-                      <a:tailEnd type="none" w="med" len="med"/>
-                    </a:lnL>
-                    <a:lnR w="3175" cap="flat" cmpd="sng" algn="ctr">
-                      <a:solidFill>
-                        <a:schemeClr val="bg1">
-                          <a:lumMod val="75000"/>
-                        </a:schemeClr>
-                      </a:solidFill>
-                      <a:prstDash val="solid"/>
-                      <a:round/>
-                      <a:headEnd type="none" w="med" len="med"/>
-                      <a:tailEnd type="none" w="med" len="med"/>
-                    </a:lnR>
-                    <a:lnT w="3175" cap="flat" cmpd="sng" algn="ctr">
-                      <a:solidFill>
-                        <a:schemeClr val="bg1">
-                          <a:lumMod val="75000"/>
-                        </a:schemeClr>
-                      </a:solidFill>
-                      <a:prstDash val="solid"/>
-                      <a:round/>
-                      <a:headEnd type="none" w="med" len="med"/>
-                      <a:tailEnd type="none" w="med" len="med"/>
-                    </a:lnT>
-                    <a:lnB w="3175" cap="flat" cmpd="sng" algn="ctr">
-                      <a:solidFill>
-                        <a:schemeClr val="bg1">
-                          <a:lumMod val="75000"/>
-                        </a:schemeClr>
-                      </a:solidFill>
-                      <a:prstDash val="solid"/>
-                      <a:round/>
-                      <a:headEnd type="none" w="med" len="med"/>
-                      <a:tailEnd type="none" w="med" len="med"/>
-                    </a:lnB>
-                    <a:lnTlToBr w="12700" cmpd="sng">
-                      <a:noFill/>
-                      <a:prstDash val="solid"/>
-                    </a:lnTlToBr>
-                    <a:lnBlToTr w="12700" cmpd="sng">
-                      <a:noFill/>
-                      <a:prstDash val="solid"/>
-                    </a:lnBlToTr>
-                    <a:noFill/>
-                  </a:tcPr>
-                </a:tc>
-                <a:tc>
-                  <a:txBody>
-                    <a:bodyPr/>
-                    <a:lstStyle/>
-                    <a:p>
-                      <a:pPr algn="r" rtl="0"/>
-                      <a:r>
-                        <a:rPr lang="de" sz="1600">
-                          <a:solidFill>
-                            <a:schemeClr val="tx1">
-                              <a:lumMod val="75000"/>
-                              <a:lumOff val="25000"/>
-                            </a:schemeClr>
-                          </a:solidFill>
-                        </a:rPr>
-                        <a:t>2000</a:t>
-                      </a:r>
-                    </a:p>
-                  </a:txBody>
-                  <a:tcPr anchor="ctr">
-                    <a:lnL w="3175" cap="flat" cmpd="sng" algn="ctr">
-                      <a:solidFill>
-                        <a:schemeClr val="bg1">
-                          <a:lumMod val="75000"/>
-                        </a:schemeClr>
-                      </a:solidFill>
-                      <a:prstDash val="solid"/>
-                      <a:round/>
-                      <a:headEnd type="none" w="med" len="med"/>
-                      <a:tailEnd type="none" w="med" len="med"/>
-                    </a:lnL>
-                    <a:lnR w="12700" cap="flat" cmpd="sng" algn="ctr">
-                      <a:solidFill>
-                        <a:schemeClr val="bg1">
-                          <a:lumMod val="85000"/>
-                        </a:schemeClr>
-                      </a:solidFill>
-                      <a:prstDash val="solid"/>
-                      <a:round/>
-                      <a:headEnd type="none" w="med" len="med"/>
-                      <a:tailEnd type="none" w="med" len="med"/>
-                    </a:lnR>
-                    <a:lnT w="3175" cap="flat" cmpd="sng" algn="ctr">
-                      <a:solidFill>
-                        <a:schemeClr val="bg1">
-                          <a:lumMod val="75000"/>
-                        </a:schemeClr>
-                      </a:solidFill>
-                      <a:prstDash val="solid"/>
-                      <a:round/>
-                      <a:headEnd type="none" w="med" len="med"/>
-                      <a:tailEnd type="none" w="med" len="med"/>
-                    </a:lnT>
-                    <a:lnB w="3175" cap="flat" cmpd="sng" algn="ctr">
-                      <a:solidFill>
-                        <a:schemeClr val="bg1">
-                          <a:lumMod val="75000"/>
-                        </a:schemeClr>
-                      </a:solidFill>
-                      <a:prstDash val="solid"/>
-                      <a:round/>
-                      <a:headEnd type="none" w="med" len="med"/>
-                      <a:tailEnd type="none" w="med" len="med"/>
-                    </a:lnB>
-                    <a:lnTlToBr w="12700" cmpd="sng">
-                      <a:noFill/>
-                      <a:prstDash val="solid"/>
-                    </a:lnTlToBr>
-                    <a:lnBlToTr w="12700" cmpd="sng">
-                      <a:noFill/>
-                      <a:prstDash val="solid"/>
-                    </a:lnBlToTr>
-                    <a:noFill/>
-                  </a:tcPr>
-                </a:tc>
-                <a:tc>
-                  <a:txBody>
-                    <a:bodyPr/>
-                    <a:lstStyle/>
-                    <a:p>
-                      <a:pPr algn="r" rtl="0"/>
-                      <a:r>
-                        <a:rPr lang="de" sz="1600">
-                          <a:solidFill>
-                            <a:schemeClr val="tx1">
-                              <a:lumMod val="75000"/>
-                              <a:lumOff val="25000"/>
-                            </a:schemeClr>
-                          </a:solidFill>
-                        </a:rPr>
-                        <a:t>100</a:t>
-                      </a:r>
-                    </a:p>
-                  </a:txBody>
-                  <a:tcPr anchor="ctr">
-                    <a:lnL w="12700" cap="flat" cmpd="sng" algn="ctr">
-                      <a:solidFill>
-                        <a:schemeClr val="bg1">
-                          <a:lumMod val="85000"/>
-                        </a:schemeClr>
-                      </a:solidFill>
-                      <a:prstDash val="solid"/>
-                      <a:round/>
-                      <a:headEnd type="none" w="med" len="med"/>
-                      <a:tailEnd type="none" w="med" len="med"/>
-                    </a:lnL>
-                    <a:lnR w="12700" cap="flat" cmpd="sng" algn="ctr">
-                      <a:solidFill>
-                        <a:schemeClr val="bg1">
-                          <a:lumMod val="85000"/>
-                        </a:schemeClr>
-                      </a:solidFill>
-                      <a:prstDash val="solid"/>
-                      <a:round/>
-                      <a:headEnd type="none" w="med" len="med"/>
-                      <a:tailEnd type="none" w="med" len="med"/>
-                    </a:lnR>
-                    <a:lnT w="3175" cap="flat" cmpd="sng" algn="ctr">
-                      <a:solidFill>
-                        <a:schemeClr val="bg1">
-                          <a:lumMod val="75000"/>
-                        </a:schemeClr>
-                      </a:solidFill>
-                      <a:prstDash val="solid"/>
-                      <a:round/>
-                      <a:headEnd type="none" w="med" len="med"/>
-                      <a:tailEnd type="none" w="med" len="med"/>
-                    </a:lnT>
-                    <a:lnB w="3175" cap="flat" cmpd="sng" algn="ctr">
-                      <a:solidFill>
-                        <a:schemeClr val="bg1">
-                          <a:lumMod val="75000"/>
-                        </a:schemeClr>
-                      </a:solidFill>
-                      <a:prstDash val="solid"/>
-                      <a:round/>
-                      <a:headEnd type="none" w="med" len="med"/>
-                      <a:tailEnd type="none" w="med" len="med"/>
-                    </a:lnB>
-                    <a:lnTlToBr w="12700" cmpd="sng">
-                      <a:noFill/>
-                      <a:prstDash val="solid"/>
-                    </a:lnTlToBr>
-                    <a:lnBlToTr w="12700" cmpd="sng">
-                      <a:noFill/>
-                      <a:prstDash val="solid"/>
-                    </a:lnBlToTr>
-                    <a:noFill/>
-                  </a:tcPr>
-                </a:tc>
-                <a:tc>
-                  <a:txBody>
-                    <a:bodyPr/>
-                    <a:lstStyle/>
-                    <a:p>
-                      <a:pPr algn="r" rtl="0"/>
-                      <a:r>
-                        <a:rPr lang="de" sz="1600">
-                          <a:solidFill>
-                            <a:schemeClr val="tx1">
-                              <a:lumMod val="75000"/>
-                              <a:lumOff val="25000"/>
-                            </a:schemeClr>
-                          </a:solidFill>
-                        </a:rPr>
-                        <a:t>5000</a:t>
-                      </a:r>
-                    </a:p>
-                  </a:txBody>
-                  <a:tcPr anchor="ctr">
-                    <a:lnL w="12700" cap="flat" cmpd="sng" algn="ctr">
-                      <a:solidFill>
-                        <a:schemeClr val="bg1">
-                          <a:lumMod val="85000"/>
-                        </a:schemeClr>
-                      </a:solidFill>
-                      <a:prstDash val="solid"/>
-                      <a:round/>
-                      <a:headEnd type="none" w="med" len="med"/>
-                      <a:tailEnd type="none" w="med" len="med"/>
-                    </a:lnL>
-                    <a:lnR w="12700" cap="flat" cmpd="sng" algn="ctr">
-                      <a:solidFill>
-                        <a:schemeClr val="bg1">
-                          <a:lumMod val="85000"/>
-                        </a:schemeClr>
-                      </a:solidFill>
-                      <a:prstDash val="solid"/>
-                      <a:round/>
-                      <a:headEnd type="none" w="med" len="med"/>
-                      <a:tailEnd type="none" w="med" len="med"/>
-                    </a:lnR>
-                    <a:lnT w="3175" cap="flat" cmpd="sng" algn="ctr">
-                      <a:solidFill>
-                        <a:schemeClr val="bg1">
-                          <a:lumMod val="75000"/>
-                        </a:schemeClr>
-                      </a:solidFill>
-                      <a:prstDash val="solid"/>
-                      <a:round/>
-                      <a:headEnd type="none" w="med" len="med"/>
-                      <a:tailEnd type="none" w="med" len="med"/>
-                    </a:lnT>
-                    <a:lnB w="3175" cap="flat" cmpd="sng" algn="ctr">
-                      <a:solidFill>
-                        <a:schemeClr val="bg1">
-                          <a:lumMod val="75000"/>
-                        </a:schemeClr>
-                      </a:solidFill>
-                      <a:prstDash val="solid"/>
-                      <a:round/>
-                      <a:headEnd type="none" w="med" len="med"/>
-                      <a:tailEnd type="none" w="med" len="med"/>
-                    </a:lnB>
-                    <a:lnTlToBr w="12700" cmpd="sng">
-                      <a:noFill/>
-                      <a:prstDash val="solid"/>
-                    </a:lnTlToBr>
-                    <a:lnBlToTr w="12700" cmpd="sng">
-                      <a:noFill/>
-                      <a:prstDash val="solid"/>
-                    </a:lnBlToTr>
-                    <a:noFill/>
-                  </a:tcPr>
-                </a:tc>
-                <a:tc>
-                  <a:txBody>
-                    <a:bodyPr/>
-                    <a:lstStyle/>
-                    <a:p>
-                      <a:pPr algn="r" rtl="0"/>
-                      <a:r>
-                        <a:rPr lang="de" sz="1600">
-                          <a:solidFill>
-                            <a:schemeClr val="tx1">
-                              <a:lumMod val="75000"/>
-                              <a:lumOff val="25000"/>
-                            </a:schemeClr>
-                          </a:solidFill>
-                        </a:rPr>
-                        <a:t>135.000 €</a:t>
-                      </a:r>
-                    </a:p>
-                  </a:txBody>
-                  <a:tcPr anchor="ctr">
-                    <a:lnL w="12700" cap="flat" cmpd="sng" algn="ctr">
-                      <a:solidFill>
-                        <a:schemeClr val="bg1">
-                          <a:lumMod val="85000"/>
-                        </a:schemeClr>
-                      </a:solidFill>
-                      <a:prstDash val="solid"/>
-                      <a:round/>
-                      <a:headEnd type="none" w="med" len="med"/>
-                      <a:tailEnd type="none" w="med" len="med"/>
-                    </a:lnL>
-                    <a:lnR w="12700" cap="flat" cmpd="sng" algn="ctr">
-                      <a:solidFill>
-                        <a:schemeClr val="bg1">
-                          <a:lumMod val="85000"/>
-                        </a:schemeClr>
-                      </a:solidFill>
-                      <a:prstDash val="solid"/>
-                      <a:round/>
-                      <a:headEnd type="none" w="med" len="med"/>
-                      <a:tailEnd type="none" w="med" len="med"/>
-                    </a:lnR>
-                    <a:lnT w="12700" cap="flat" cmpd="sng" algn="ctr">
-                      <a:solidFill>
-                        <a:schemeClr val="accent1"/>
-                      </a:solidFill>
-                      <a:prstDash val="solid"/>
-                      <a:round/>
-                      <a:headEnd type="none" w="med" len="med"/>
-                      <a:tailEnd type="none" w="med" len="med"/>
-                    </a:lnT>
-                    <a:lnB w="12700" cap="flat" cmpd="sng" algn="ctr">
-                      <a:solidFill>
-                        <a:schemeClr val="accent1"/>
-                      </a:solidFill>
-                      <a:prstDash val="solid"/>
-                      <a:round/>
-                      <a:headEnd type="none" w="med" len="med"/>
-                      <a:tailEnd type="none" w="med" len="med"/>
-                    </a:lnB>
-                    <a:lnTlToBr w="12700" cmpd="sng">
-                      <a:noFill/>
-                      <a:prstDash val="solid"/>
-                    </a:lnTlToBr>
-                    <a:lnBlToTr w="12700" cmpd="sng">
-                      <a:noFill/>
-                      <a:prstDash val="solid"/>
-                    </a:lnBlToTr>
-                    <a:solidFill>
-                      <a:schemeClr val="bg1">
-                        <a:lumMod val="95000"/>
-                      </a:schemeClr>
-                    </a:solidFill>
-                  </a:tcPr>
-                </a:tc>
-                <a:tc>
-                  <a:txBody>
-                    <a:bodyPr/>
-                    <a:lstStyle/>
-                    <a:p>
-                      <a:pPr algn="r" rtl="0"/>
-                      <a:r>
-                        <a:rPr lang="de" sz="1600">
-                          <a:solidFill>
-                            <a:schemeClr val="tx1">
-                              <a:lumMod val="75000"/>
-                              <a:lumOff val="25000"/>
-                            </a:schemeClr>
-                          </a:solidFill>
-                        </a:rPr>
-                        <a:t>20.250 €</a:t>
-                      </a:r>
-                    </a:p>
-                  </a:txBody>
-                  <a:tcPr anchor="ctr">
-                    <a:lnL w="12700" cap="flat" cmpd="sng" algn="ctr">
-                      <a:solidFill>
-                        <a:schemeClr val="bg1">
-                          <a:lumMod val="85000"/>
-                        </a:schemeClr>
-                      </a:solidFill>
-                      <a:prstDash val="solid"/>
-                      <a:round/>
-                      <a:headEnd type="none" w="med" len="med"/>
-                      <a:tailEnd type="none" w="med" len="med"/>
-                    </a:lnL>
-                    <a:lnR w="3175" cap="flat" cmpd="sng" algn="ctr">
-                      <a:solidFill>
-                        <a:schemeClr val="bg1">
-                          <a:lumMod val="75000"/>
-                        </a:schemeClr>
-                      </a:solidFill>
-                      <a:prstDash val="solid"/>
-                      <a:round/>
-                      <a:headEnd type="none" w="med" len="med"/>
-                      <a:tailEnd type="none" w="med" len="med"/>
-                    </a:lnR>
-                    <a:lnT w="3175" cap="flat" cmpd="sng" algn="ctr">
-                      <a:solidFill>
-                        <a:schemeClr val="bg1">
-                          <a:lumMod val="75000"/>
-                        </a:schemeClr>
-                      </a:solidFill>
-                      <a:prstDash val="solid"/>
-                      <a:round/>
-                      <a:headEnd type="none" w="med" len="med"/>
-                      <a:tailEnd type="none" w="med" len="med"/>
-                    </a:lnT>
-                    <a:lnB w="3175" cap="flat" cmpd="sng" algn="ctr">
-                      <a:solidFill>
-                        <a:schemeClr val="bg1">
-                          <a:lumMod val="75000"/>
-                        </a:schemeClr>
-                      </a:solidFill>
-                      <a:prstDash val="solid"/>
-                      <a:round/>
-                      <a:headEnd type="none" w="med" len="med"/>
-                      <a:tailEnd type="none" w="med" len="med"/>
-                    </a:lnB>
-                    <a:lnTlToBr w="12700" cmpd="sng">
-                      <a:noFill/>
-                      <a:prstDash val="solid"/>
-                    </a:lnTlToBr>
-                    <a:lnBlToTr w="12700" cmpd="sng">
-                      <a:noFill/>
-                      <a:prstDash val="solid"/>
-                    </a:lnBlToTr>
-                    <a:noFill/>
-                  </a:tcPr>
-                </a:tc>
-                <a:extLst>
-                  <a:ext uri="{0D108BD9-81ED-4DB2-BD59-A6C34878D82A}">
-                    <a16:rowId xmlns:a16="http://schemas.microsoft.com/office/drawing/2014/main" val="1687728417"/>
-                  </a:ext>
-                </a:extLst>
-              </a:tr>
-              <a:tr h="726924">
-                <a:tc>
-                  <a:txBody>
-                    <a:bodyPr/>
-                    <a:lstStyle/>
-                    <a:p>
-                      <a:pPr algn="ctr" rtl="0"/>
-                      <a:r>
-                        <a:rPr lang="de" sz="1600" b="1">
-                          <a:solidFill>
-                            <a:schemeClr val="tx1">
-                              <a:lumMod val="75000"/>
-                              <a:lumOff val="25000"/>
-                            </a:schemeClr>
-                          </a:solidFill>
-                        </a:rPr>
-                        <a:t>20JJ</a:t>
-                      </a:r>
-                    </a:p>
-                  </a:txBody>
-                  <a:tcPr anchor="ctr">
-                    <a:lnL w="12700" cap="flat" cmpd="sng" algn="ctr">
-                      <a:solidFill>
-                        <a:schemeClr val="bg1">
-                          <a:lumMod val="85000"/>
-                        </a:schemeClr>
-                      </a:solidFill>
-                      <a:prstDash val="solid"/>
-                      <a:round/>
-                      <a:headEnd type="none" w="med" len="med"/>
-                      <a:tailEnd type="none" w="med" len="med"/>
-                    </a:lnL>
-                    <a:lnR w="12700" cap="flat" cmpd="sng" algn="ctr">
-                      <a:solidFill>
-                        <a:schemeClr val="bg1">
-                          <a:lumMod val="85000"/>
-                        </a:schemeClr>
-                      </a:solidFill>
-                      <a:prstDash val="solid"/>
-                      <a:round/>
-                      <a:headEnd type="none" w="med" len="med"/>
-                      <a:tailEnd type="none" w="med" len="med"/>
-                    </a:lnR>
-                    <a:lnT w="12700" cap="flat" cmpd="sng" algn="ctr">
-                      <a:solidFill>
-                        <a:schemeClr val="bg1">
-                          <a:lumMod val="85000"/>
-                        </a:schemeClr>
-                      </a:solidFill>
-                      <a:prstDash val="solid"/>
-                      <a:round/>
-                      <a:headEnd type="none" w="med" len="med"/>
-                      <a:tailEnd type="none" w="med" len="med"/>
-                    </a:lnT>
-                    <a:lnB w="12700" cap="flat" cmpd="sng" algn="ctr">
-                      <a:solidFill>
-                        <a:schemeClr val="bg1">
-                          <a:lumMod val="85000"/>
-                        </a:schemeClr>
-                      </a:solidFill>
-                      <a:prstDash val="solid"/>
-                      <a:round/>
-                      <a:headEnd type="none" w="med" len="med"/>
-                      <a:tailEnd type="none" w="med" len="med"/>
-                    </a:lnB>
-                    <a:lnTlToBr w="12700" cmpd="sng">
-                      <a:noFill/>
-                      <a:prstDash val="solid"/>
-                    </a:lnTlToBr>
-                    <a:lnBlToTr w="12700" cmpd="sng">
-                      <a:noFill/>
-                      <a:prstDash val="solid"/>
-                    </a:lnBlToTr>
-                    <a:solidFill>
-                      <a:schemeClr val="bg1"/>
-                    </a:solidFill>
-                  </a:tcPr>
-                </a:tc>
-                <a:tc>
-                  <a:txBody>
-                    <a:bodyPr/>
-                    <a:lstStyle/>
-                    <a:p>
-                      <a:pPr algn="r" rtl="0"/>
-                      <a:r>
-                        <a:rPr lang="de" sz="1600">
-                          <a:solidFill>
-                            <a:schemeClr val="tx1">
-                              <a:lumMod val="75000"/>
-                              <a:lumOff val="25000"/>
-                            </a:schemeClr>
-                          </a:solidFill>
-                        </a:rPr>
-                        <a:t>400</a:t>
-                      </a:r>
-                    </a:p>
-                  </a:txBody>
-                  <a:tcPr anchor="ctr">
-                    <a:lnL w="12700" cap="flat" cmpd="sng" algn="ctr">
-                      <a:solidFill>
-                        <a:schemeClr val="bg1">
-                          <a:lumMod val="85000"/>
-                        </a:schemeClr>
-                      </a:solidFill>
-                      <a:prstDash val="solid"/>
-                      <a:round/>
-                      <a:headEnd type="none" w="med" len="med"/>
-                      <a:tailEnd type="none" w="med" len="med"/>
-                    </a:lnL>
-                    <a:lnR w="3175" cap="flat" cmpd="sng" algn="ctr">
-                      <a:solidFill>
-                        <a:schemeClr val="bg1">
-                          <a:lumMod val="75000"/>
-                        </a:schemeClr>
-                      </a:solidFill>
-                      <a:prstDash val="solid"/>
-                      <a:round/>
-                      <a:headEnd type="none" w="med" len="med"/>
-                      <a:tailEnd type="none" w="med" len="med"/>
-                    </a:lnR>
-                    <a:lnT w="3175" cap="flat" cmpd="sng" algn="ctr">
-                      <a:solidFill>
-                        <a:schemeClr val="bg1">
-                          <a:lumMod val="75000"/>
-                        </a:schemeClr>
-                      </a:solidFill>
-                      <a:prstDash val="solid"/>
-                      <a:round/>
-                      <a:headEnd type="none" w="med" len="med"/>
-                      <a:tailEnd type="none" w="med" len="med"/>
-                    </a:lnT>
-                    <a:lnB w="3175" cap="flat" cmpd="sng" algn="ctr">
-                      <a:solidFill>
-                        <a:schemeClr val="bg1">
-                          <a:lumMod val="75000"/>
-                        </a:schemeClr>
-                      </a:solidFill>
-                      <a:prstDash val="solid"/>
-                      <a:round/>
-                      <a:headEnd type="none" w="med" len="med"/>
-                      <a:tailEnd type="none" w="med" len="med"/>
-                    </a:lnB>
-                    <a:lnTlToBr w="12700" cmpd="sng">
-                      <a:noFill/>
-                      <a:prstDash val="solid"/>
-                    </a:lnTlToBr>
-                    <a:lnBlToTr w="12700" cmpd="sng">
-                      <a:noFill/>
-                      <a:prstDash val="solid"/>
-                    </a:lnBlToTr>
-                    <a:noFill/>
-                  </a:tcPr>
-                </a:tc>
-                <a:tc>
-                  <a:txBody>
-                    <a:bodyPr/>
-                    <a:lstStyle/>
-                    <a:p>
-                      <a:pPr algn="r" rtl="0"/>
-                      <a:r>
-                        <a:rPr lang="de" sz="1600">
-                          <a:solidFill>
-                            <a:schemeClr val="tx1">
-                              <a:lumMod val="75000"/>
-                              <a:lumOff val="25000"/>
-                            </a:schemeClr>
-                          </a:solidFill>
-                        </a:rPr>
-                        <a:t>4000</a:t>
-                      </a:r>
-                    </a:p>
-                  </a:txBody>
-                  <a:tcPr anchor="ctr">
-                    <a:lnL w="3175" cap="flat" cmpd="sng" algn="ctr">
-                      <a:solidFill>
-                        <a:schemeClr val="bg1">
-                          <a:lumMod val="75000"/>
-                        </a:schemeClr>
-                      </a:solidFill>
-                      <a:prstDash val="solid"/>
-                      <a:round/>
-                      <a:headEnd type="none" w="med" len="med"/>
-                      <a:tailEnd type="none" w="med" len="med"/>
-                    </a:lnL>
-                    <a:lnR w="12700" cap="flat" cmpd="sng" algn="ctr">
-                      <a:solidFill>
-                        <a:schemeClr val="bg1">
-                          <a:lumMod val="85000"/>
-                        </a:schemeClr>
-                      </a:solidFill>
-                      <a:prstDash val="solid"/>
-                      <a:round/>
-                      <a:headEnd type="none" w="med" len="med"/>
-                      <a:tailEnd type="none" w="med" len="med"/>
-                    </a:lnR>
-                    <a:lnT w="3175" cap="flat" cmpd="sng" algn="ctr">
-                      <a:solidFill>
-                        <a:schemeClr val="bg1">
-                          <a:lumMod val="75000"/>
-                        </a:schemeClr>
-                      </a:solidFill>
-                      <a:prstDash val="solid"/>
-                      <a:round/>
-                      <a:headEnd type="none" w="med" len="med"/>
-                      <a:tailEnd type="none" w="med" len="med"/>
-                    </a:lnT>
-                    <a:lnB w="3175" cap="flat" cmpd="sng" algn="ctr">
-                      <a:solidFill>
-                        <a:schemeClr val="bg1">
-                          <a:lumMod val="75000"/>
-                        </a:schemeClr>
-                      </a:solidFill>
-                      <a:prstDash val="solid"/>
-                      <a:round/>
-                      <a:headEnd type="none" w="med" len="med"/>
-                      <a:tailEnd type="none" w="med" len="med"/>
-                    </a:lnB>
-                    <a:lnTlToBr w="12700" cmpd="sng">
-                      <a:noFill/>
-                      <a:prstDash val="solid"/>
-                    </a:lnTlToBr>
-                    <a:lnBlToTr w="12700" cmpd="sng">
-                      <a:noFill/>
-                      <a:prstDash val="solid"/>
-                    </a:lnBlToTr>
-                    <a:noFill/>
-                  </a:tcPr>
-                </a:tc>
-                <a:tc>
-                  <a:txBody>
-                    <a:bodyPr/>
-                    <a:lstStyle/>
-                    <a:p>
-                      <a:pPr algn="r" rtl="0"/>
-                      <a:r>
-                        <a:rPr lang="de" sz="1600">
-                          <a:solidFill>
-                            <a:schemeClr val="tx1">
-                              <a:lumMod val="75000"/>
-                              <a:lumOff val="25000"/>
-                            </a:schemeClr>
-                          </a:solidFill>
-                        </a:rPr>
-                        <a:t>120</a:t>
-                      </a:r>
-                    </a:p>
-                  </a:txBody>
-                  <a:tcPr anchor="ctr">
-                    <a:lnL w="12700" cap="flat" cmpd="sng" algn="ctr">
-                      <a:solidFill>
-                        <a:schemeClr val="bg1">
-                          <a:lumMod val="85000"/>
-                        </a:schemeClr>
-                      </a:solidFill>
-                      <a:prstDash val="solid"/>
-                      <a:round/>
-                      <a:headEnd type="none" w="med" len="med"/>
-                      <a:tailEnd type="none" w="med" len="med"/>
-                    </a:lnL>
-                    <a:lnR w="12700" cap="flat" cmpd="sng" algn="ctr">
-                      <a:solidFill>
-                        <a:schemeClr val="bg1">
-                          <a:lumMod val="85000"/>
-                        </a:schemeClr>
-                      </a:solidFill>
-                      <a:prstDash val="solid"/>
-                      <a:round/>
-                      <a:headEnd type="none" w="med" len="med"/>
-                      <a:tailEnd type="none" w="med" len="med"/>
-                    </a:lnR>
-                    <a:lnT w="3175" cap="flat" cmpd="sng" algn="ctr">
-                      <a:solidFill>
-                        <a:schemeClr val="bg1">
-                          <a:lumMod val="75000"/>
-                        </a:schemeClr>
-                      </a:solidFill>
-                      <a:prstDash val="solid"/>
-                      <a:round/>
-                      <a:headEnd type="none" w="med" len="med"/>
-                      <a:tailEnd type="none" w="med" len="med"/>
-                    </a:lnT>
-                    <a:lnB w="3175" cap="flat" cmpd="sng" algn="ctr">
-                      <a:solidFill>
-                        <a:schemeClr val="bg1">
-                          <a:lumMod val="75000"/>
-                        </a:schemeClr>
-                      </a:solidFill>
-                      <a:prstDash val="solid"/>
-                      <a:round/>
-                      <a:headEnd type="none" w="med" len="med"/>
-                      <a:tailEnd type="none" w="med" len="med"/>
-                    </a:lnB>
-                    <a:lnTlToBr w="12700" cmpd="sng">
-                      <a:noFill/>
-                      <a:prstDash val="solid"/>
-                    </a:lnTlToBr>
-                    <a:lnBlToTr w="12700" cmpd="sng">
-                      <a:noFill/>
-                      <a:prstDash val="solid"/>
-                    </a:lnBlToTr>
-                    <a:noFill/>
-                  </a:tcPr>
-                </a:tc>
-                <a:tc>
-                  <a:txBody>
-                    <a:bodyPr/>
-                    <a:lstStyle/>
-                    <a:p>
-                      <a:pPr algn="r" rtl="0"/>
-                      <a:r>
-                        <a:rPr lang="de" sz="1600">
-                          <a:solidFill>
-                            <a:schemeClr val="tx1">
-                              <a:lumMod val="75000"/>
-                              <a:lumOff val="25000"/>
-                            </a:schemeClr>
-                          </a:solidFill>
-                        </a:rPr>
-                        <a:t>50000</a:t>
-                      </a:r>
-                    </a:p>
-                  </a:txBody>
-                  <a:tcPr anchor="ctr">
-                    <a:lnL w="12700" cap="flat" cmpd="sng" algn="ctr">
-                      <a:solidFill>
-                        <a:schemeClr val="bg1">
-                          <a:lumMod val="85000"/>
-                        </a:schemeClr>
-                      </a:solidFill>
-                      <a:prstDash val="solid"/>
-                      <a:round/>
-                      <a:headEnd type="none" w="med" len="med"/>
-                      <a:tailEnd type="none" w="med" len="med"/>
-                    </a:lnL>
-                    <a:lnR w="12700" cap="flat" cmpd="sng" algn="ctr">
-                      <a:solidFill>
-                        <a:schemeClr val="bg1">
-                          <a:lumMod val="85000"/>
-                        </a:schemeClr>
-                      </a:solidFill>
-                      <a:prstDash val="solid"/>
-                      <a:round/>
-                      <a:headEnd type="none" w="med" len="med"/>
-                      <a:tailEnd type="none" w="med" len="med"/>
-                    </a:lnR>
-                    <a:lnT w="3175" cap="flat" cmpd="sng" algn="ctr">
-                      <a:solidFill>
-                        <a:schemeClr val="bg1">
-                          <a:lumMod val="75000"/>
-                        </a:schemeClr>
-                      </a:solidFill>
-                      <a:prstDash val="solid"/>
-                      <a:round/>
-                      <a:headEnd type="none" w="med" len="med"/>
-                      <a:tailEnd type="none" w="med" len="med"/>
-                    </a:lnT>
-                    <a:lnB w="3175" cap="flat" cmpd="sng" algn="ctr">
-                      <a:solidFill>
-                        <a:schemeClr val="bg1">
-                          <a:lumMod val="75000"/>
-                        </a:schemeClr>
-                      </a:solidFill>
-                      <a:prstDash val="solid"/>
-                      <a:round/>
-                      <a:headEnd type="none" w="med" len="med"/>
-                      <a:tailEnd type="none" w="med" len="med"/>
-                    </a:lnB>
-                    <a:lnTlToBr w="12700" cmpd="sng">
-                      <a:noFill/>
-                      <a:prstDash val="solid"/>
-                    </a:lnTlToBr>
-                    <a:lnBlToTr w="12700" cmpd="sng">
-                      <a:noFill/>
-                      <a:prstDash val="solid"/>
-                    </a:lnBlToTr>
-                    <a:noFill/>
-                  </a:tcPr>
-                </a:tc>
-                <a:tc>
-                  <a:txBody>
-                    <a:bodyPr/>
-                    <a:lstStyle/>
-                    <a:p>
-                      <a:pPr algn="r" rtl="0"/>
-                      <a:r>
-                        <a:rPr lang="de" sz="1600">
-                          <a:solidFill>
-                            <a:schemeClr val="tx1">
-                              <a:lumMod val="75000"/>
-                              <a:lumOff val="25000"/>
-                            </a:schemeClr>
-                          </a:solidFill>
-                        </a:rPr>
-                        <a:t>270.000 €</a:t>
-                      </a:r>
-                    </a:p>
-                  </a:txBody>
-                  <a:tcPr anchor="ctr">
-                    <a:lnL w="12700" cap="flat" cmpd="sng" algn="ctr">
-                      <a:solidFill>
-                        <a:schemeClr val="bg1">
-                          <a:lumMod val="85000"/>
-                        </a:schemeClr>
-                      </a:solidFill>
-                      <a:prstDash val="solid"/>
-                      <a:round/>
-                      <a:headEnd type="none" w="med" len="med"/>
-                      <a:tailEnd type="none" w="med" len="med"/>
-                    </a:lnL>
-                    <a:lnR w="12700" cap="flat" cmpd="sng" algn="ctr">
-                      <a:solidFill>
-                        <a:schemeClr val="bg1">
-                          <a:lumMod val="85000"/>
-                        </a:schemeClr>
-                      </a:solidFill>
-                      <a:prstDash val="solid"/>
-                      <a:round/>
-                      <a:headEnd type="none" w="med" len="med"/>
-                      <a:tailEnd type="none" w="med" len="med"/>
-                    </a:lnR>
-                    <a:lnT w="12700" cap="flat" cmpd="sng" algn="ctr">
-                      <a:solidFill>
-                        <a:schemeClr val="accent1"/>
-                      </a:solidFill>
-                      <a:prstDash val="solid"/>
-                      <a:round/>
-                      <a:headEnd type="none" w="med" len="med"/>
-                      <a:tailEnd type="none" w="med" len="med"/>
-                    </a:lnT>
-                    <a:lnB w="12700" cap="flat" cmpd="sng" algn="ctr">
-                      <a:solidFill>
-                        <a:schemeClr val="bg1">
-                          <a:lumMod val="85000"/>
-                        </a:schemeClr>
-                      </a:solidFill>
-                      <a:prstDash val="solid"/>
-                      <a:round/>
-                      <a:headEnd type="none" w="med" len="med"/>
-                      <a:tailEnd type="none" w="med" len="med"/>
-                    </a:lnB>
-                    <a:lnTlToBr w="12700" cmpd="sng">
-                      <a:noFill/>
-                      <a:prstDash val="solid"/>
-                    </a:lnTlToBr>
-                    <a:lnBlToTr w="12700" cmpd="sng">
-                      <a:noFill/>
-                      <a:prstDash val="solid"/>
-                    </a:lnBlToTr>
-                    <a:solidFill>
-                      <a:schemeClr val="bg1">
-                        <a:lumMod val="95000"/>
-                      </a:schemeClr>
-                    </a:solidFill>
-                  </a:tcPr>
-                </a:tc>
-                <a:tc>
-                  <a:txBody>
-                    <a:bodyPr/>
-                    <a:lstStyle/>
-                    <a:p>
-                      <a:pPr algn="r" rtl="0"/>
-                      <a:r>
-                        <a:rPr lang="de" sz="1600" dirty="0">
-                          <a:solidFill>
-                            <a:schemeClr val="tx1">
-                              <a:lumMod val="75000"/>
-                              <a:lumOff val="25000"/>
-                            </a:schemeClr>
-                          </a:solidFill>
-                        </a:rPr>
-                        <a:t>40.500 €</a:t>
-                      </a:r>
-                    </a:p>
-                  </a:txBody>
-                  <a:tcPr anchor="ctr">
-                    <a:lnL w="12700" cap="flat" cmpd="sng" algn="ctr">
-                      <a:solidFill>
-                        <a:schemeClr val="bg1">
-                          <a:lumMod val="85000"/>
-                        </a:schemeClr>
-                      </a:solidFill>
-                      <a:prstDash val="solid"/>
-                      <a:round/>
-                      <a:headEnd type="none" w="med" len="med"/>
-                      <a:tailEnd type="none" w="med" len="med"/>
-                    </a:lnL>
-                    <a:lnR w="3175" cap="flat" cmpd="sng" algn="ctr">
-                      <a:solidFill>
-                        <a:schemeClr val="bg1">
-                          <a:lumMod val="75000"/>
-                        </a:schemeClr>
-                      </a:solidFill>
-                      <a:prstDash val="solid"/>
-                      <a:round/>
-                      <a:headEnd type="none" w="med" len="med"/>
-                      <a:tailEnd type="none" w="med" len="med"/>
-                    </a:lnR>
-                    <a:lnT w="3175" cap="flat" cmpd="sng" algn="ctr">
-                      <a:solidFill>
-                        <a:schemeClr val="bg1">
-                          <a:lumMod val="75000"/>
-                        </a:schemeClr>
-                      </a:solidFill>
-                      <a:prstDash val="solid"/>
-                      <a:round/>
-                      <a:headEnd type="none" w="med" len="med"/>
-                      <a:tailEnd type="none" w="med" len="med"/>
-                    </a:lnT>
-                    <a:lnB w="3175" cap="flat" cmpd="sng" algn="ctr">
-                      <a:solidFill>
-                        <a:schemeClr val="bg1">
-                          <a:lumMod val="75000"/>
-                        </a:schemeClr>
-                      </a:solidFill>
-                      <a:prstDash val="solid"/>
-                      <a:round/>
-                      <a:headEnd type="none" w="med" len="med"/>
-                      <a:tailEnd type="none" w="med" len="med"/>
-                    </a:lnB>
-                    <a:lnTlToBr w="12700" cmpd="sng">
-                      <a:noFill/>
-                      <a:prstDash val="solid"/>
-                    </a:lnTlToBr>
-                    <a:lnBlToTr w="12700" cmpd="sng">
-                      <a:noFill/>
-                      <a:prstDash val="solid"/>
-                    </a:lnBlToTr>
-                    <a:noFill/>
-                  </a:tcPr>
-                </a:tc>
-                <a:extLst>
-                  <a:ext uri="{0D108BD9-81ED-4DB2-BD59-A6C34878D82A}">
-                    <a16:rowId xmlns:a16="http://schemas.microsoft.com/office/drawing/2014/main" val="3857078208"/>
-                  </a:ext>
-                </a:extLst>
-              </a:tr>
-            </a:tbl>
-          </a:graphicData>
-        </a:graphic>
-      </p:graphicFrame>
-      <p:sp>
-        <p:nvSpPr>
-          <p:cNvPr id="6" name="Foliennummernplatzhalter 5">
-            <a:extLst>
-              <a:ext uri="{FF2B5EF4-FFF2-40B4-BE49-F238E27FC236}">
-                <a16:creationId xmlns:a16="http://schemas.microsoft.com/office/drawing/2014/main" id="{4B379698-AB4C-493D-BF95-F5781FDF2AC5}"/>
+      <p:sp>
+        <p:nvSpPr>
+          <p:cNvPr id="5" name="Foliennummernplatzhalter 4">
+            <a:extLst>
+              <a:ext uri="{FF2B5EF4-FFF2-40B4-BE49-F238E27FC236}">
+                <a16:creationId xmlns:a16="http://schemas.microsoft.com/office/drawing/2014/main" id="{7E29EA98-A013-8FA1-A48D-8FA80BB6FC61}"/>
               </a:ext>
             </a:extLst>
           </p:cNvPr>
@@ -19824,30 +21615,84 @@
             <p:ph type="sldNum" sz="quarter" idx="33"/>
           </p:nvPr>
         </p:nvSpPr>
-        <p:spPr>
-          <a:xfrm>
-            <a:off x="11760000" y="6371351"/>
-            <a:ext cx="432000" cy="432000"/>
-          </a:xfrm>
-        </p:spPr>
+        <p:spPr/>
         <p:txBody>
-          <a:bodyPr rtlCol="0"/>
+          <a:bodyPr/>
           <a:lstStyle/>
           <a:p>
             <a:pPr rtl="0"/>
             <a:fld id="{19B51A1E-902D-48AF-9020-955120F399B6}" type="slidenum">
-              <a:rPr lang="de-DE" smtClean="0"/>
+              <a:rPr lang="de-DE" noProof="0" smtClean="0"/>
               <a:pPr rtl="0"/>
               <a:t>9</a:t>
             </a:fld>
-            <a:endParaRPr lang="de-DE"/>
+            <a:endParaRPr lang="de-DE" noProof="0"/>
           </a:p>
         </p:txBody>
       </p:sp>
+      <p:pic>
+        <p:nvPicPr>
+          <p:cNvPr id="6" name="Grafik 5">
+            <a:extLst>
+              <a:ext uri="{FF2B5EF4-FFF2-40B4-BE49-F238E27FC236}">
+                <a16:creationId xmlns:a16="http://schemas.microsoft.com/office/drawing/2014/main" id="{1668A57D-F511-1063-636C-62934990D5CB}"/>
+              </a:ext>
+            </a:extLst>
+          </p:cNvPr>
+          <p:cNvPicPr>
+            <a:picLocks noChangeAspect="1"/>
+          </p:cNvPicPr>
+          <p:nvPr/>
+        </p:nvPicPr>
+        <p:blipFill>
+          <a:blip r:embed="rId2"/>
+          <a:stretch>
+            <a:fillRect/>
+          </a:stretch>
+        </p:blipFill>
+        <p:spPr>
+          <a:xfrm>
+            <a:off x="431800" y="1906458"/>
+            <a:ext cx="6284726" cy="3791441"/>
+          </a:xfrm>
+          <a:prstGeom prst="rect">
+            <a:avLst/>
+          </a:prstGeom>
+        </p:spPr>
+      </p:pic>
+      <p:pic>
+        <p:nvPicPr>
+          <p:cNvPr id="7" name="Grafik 6">
+            <a:extLst>
+              <a:ext uri="{FF2B5EF4-FFF2-40B4-BE49-F238E27FC236}">
+                <a16:creationId xmlns:a16="http://schemas.microsoft.com/office/drawing/2014/main" id="{361E7B4E-E79F-BA9B-FC18-DC90B88F3A5E}"/>
+              </a:ext>
+            </a:extLst>
+          </p:cNvPr>
+          <p:cNvPicPr>
+            <a:picLocks noChangeAspect="1"/>
+          </p:cNvPicPr>
+          <p:nvPr/>
+        </p:nvPicPr>
+        <p:blipFill>
+          <a:blip r:embed="rId3"/>
+          <a:srcRect/>
+          <a:stretch/>
+        </p:blipFill>
+        <p:spPr>
+          <a:xfrm>
+            <a:off x="6716526" y="2054865"/>
+            <a:ext cx="5043474" cy="3631757"/>
+          </a:xfrm>
+          <a:prstGeom prst="rect">
+            <a:avLst/>
+          </a:prstGeom>
+        </p:spPr>
+      </p:pic>
     </p:spTree>
     <p:extLst>
       <p:ext uri="{BB962C8B-B14F-4D97-AF65-F5344CB8AC3E}">
-        <p14:creationId xmlns:p14="http://schemas.microsoft.com/office/powerpoint/2010/main" val="2575421478"/>
+        <p14:creationId xmlns:p14="http://schemas.microsoft.com/office/powerpoint/2010/main" val="2447673163"/>
       </p:ext>
     </p:extLst>
   </p:cSld>
@@ -20679,15 +22524,6 @@
 </file>
 
 <file path=customXml/item1.xml><?xml version="1.0" encoding="utf-8"?>
-<p:properties xmlns:p="http://schemas.microsoft.com/office/2006/metadata/properties" xmlns:xsi="http://www.w3.org/2001/XMLSchema-instance" xmlns:pc="http://schemas.microsoft.com/office/infopath/2007/PartnerControls">
-  <documentManagement>
-    <_ip_UnifiedCompliancePolicyUIAction xmlns="http://schemas.microsoft.com/sharepoint/v3" xsi:nil="true"/>
-    <_ip_UnifiedCompliancePolicyProperties xmlns="http://schemas.microsoft.com/sharepoint/v3" xsi:nil="true"/>
-  </documentManagement>
-</p:properties>
-</file>
-
-<file path=customXml/item2.xml><?xml version="1.0" encoding="utf-8"?>
 <ct:contentTypeSchema xmlns:ct="http://schemas.microsoft.com/office/2006/metadata/contentType" xmlns:ma="http://schemas.microsoft.com/office/2006/metadata/properties/metaAttributes" ct:_="" ma:_="" ma:contentTypeName="Document" ma:contentTypeID="0x010100DEEA25CC0A0AC24199CDC46C25B8B0BC" ma:contentTypeVersion="9" ma:contentTypeDescription="Create a new document." ma:contentTypeScope="" ma:versionID="76e25e1730b4532ab1d5e5b131a96a5a">
   <xsd:schema xmlns:xsd="http://www.w3.org/2001/XMLSchema" xmlns:xs="http://www.w3.org/2001/XMLSchema" xmlns:p="http://schemas.microsoft.com/office/2006/metadata/properties" xmlns:ns1="http://schemas.microsoft.com/sharepoint/v3" xmlns:ns2="6dc4bcd6-49db-4c07-9060-8acfc67cef9f" xmlns:ns3="fb0879af-3eba-417a-a55a-ffe6dcd6ca77" targetNamespace="http://schemas.microsoft.com/office/2006/metadata/properties" ma:root="true" ma:fieldsID="ad1e9281a84c4949647088091c718de3" ns1:_="" ns2:_="" ns3:_="">
     <xsd:import namespace="http://schemas.microsoft.com/sharepoint/v3"/>
@@ -20889,25 +22725,16 @@
 </ct:contentTypeSchema>
 </file>
 
-<file path=customXml/itemProps1.xml><?xml version="1.0" encoding="utf-8"?>
-<ds:datastoreItem xmlns:ds="http://schemas.openxmlformats.org/officeDocument/2006/customXml" ds:itemID="{EB2218FC-8412-44B9-9E82-D51F1F531141}">
-  <ds:schemaRefs>
-    <ds:schemaRef ds:uri="http://purl.org/dc/elements/1.1/"/>
-    <ds:schemaRef ds:uri="http://schemas.microsoft.com/sharepoint/v3"/>
-    <ds:schemaRef ds:uri="http://schemas.microsoft.com/office/2006/documentManagement/types"/>
-    <ds:schemaRef ds:uri="fb0879af-3eba-417a-a55a-ffe6dcd6ca77"/>
-    <ds:schemaRef ds:uri="http://schemas.microsoft.com/office/2006/metadata/properties"/>
-    <ds:schemaRef ds:uri="http://schemas.microsoft.com/office/infopath/2007/PartnerControls"/>
-    <ds:schemaRef ds:uri="6dc4bcd6-49db-4c07-9060-8acfc67cef9f"/>
-    <ds:schemaRef ds:uri="http://www.w3.org/XML/1998/namespace"/>
-    <ds:schemaRef ds:uri="http://schemas.openxmlformats.org/package/2006/metadata/core-properties"/>
-    <ds:schemaRef ds:uri="http://purl.org/dc/dcmitype/"/>
-    <ds:schemaRef ds:uri="http://purl.org/dc/terms/"/>
-  </ds:schemaRefs>
-</ds:datastoreItem>
+<file path=customXml/item2.xml><?xml version="1.0" encoding="utf-8"?>
+<p:properties xmlns:p="http://schemas.microsoft.com/office/2006/metadata/properties" xmlns:xsi="http://www.w3.org/2001/XMLSchema-instance" xmlns:pc="http://schemas.microsoft.com/office/infopath/2007/PartnerControls">
+  <documentManagement>
+    <_ip_UnifiedCompliancePolicyUIAction xmlns="http://schemas.microsoft.com/sharepoint/v3" xsi:nil="true"/>
+    <_ip_UnifiedCompliancePolicyProperties xmlns="http://schemas.microsoft.com/sharepoint/v3" xsi:nil="true"/>
+  </documentManagement>
+</p:properties>
 </file>
 
-<file path=customXml/itemProps2.xml><?xml version="1.0" encoding="utf-8"?>
+<file path=customXml/itemProps1.xml><?xml version="1.0" encoding="utf-8"?>
 <ds:datastoreItem xmlns:ds="http://schemas.openxmlformats.org/officeDocument/2006/customXml" ds:itemID="{B64A4C9D-F801-4923-BC6D-E0006F512331}">
   <ds:schemaRefs>
     <ds:schemaRef ds:uri="http://schemas.microsoft.com/office/2006/metadata/contentType"/>
@@ -20925,4 +22752,22 @@
     <ds:schemaRef ds:uri="http://schemas.microsoft.com/internal/obd"/>
   </ds:schemaRefs>
 </ds:datastoreItem>
+</file>
+
+<file path=customXml/itemProps2.xml><?xml version="1.0" encoding="utf-8"?>
+<ds:datastoreItem xmlns:ds="http://schemas.openxmlformats.org/officeDocument/2006/customXml" ds:itemID="{EB2218FC-8412-44B9-9E82-D51F1F531141}">
+  <ds:schemaRefs>
+    <ds:schemaRef ds:uri="http://purl.org/dc/elements/1.1/"/>
+    <ds:schemaRef ds:uri="http://schemas.microsoft.com/sharepoint/v3"/>
+    <ds:schemaRef ds:uri="http://schemas.microsoft.com/office/2006/documentManagement/types"/>
+    <ds:schemaRef ds:uri="fb0879af-3eba-417a-a55a-ffe6dcd6ca77"/>
+    <ds:schemaRef ds:uri="http://schemas.microsoft.com/office/2006/metadata/properties"/>
+    <ds:schemaRef ds:uri="http://schemas.microsoft.com/office/infopath/2007/PartnerControls"/>
+    <ds:schemaRef ds:uri="6dc4bcd6-49db-4c07-9060-8acfc67cef9f"/>
+    <ds:schemaRef ds:uri="http://www.w3.org/XML/1998/namespace"/>
+    <ds:schemaRef ds:uri="http://schemas.openxmlformats.org/package/2006/metadata/core-properties"/>
+    <ds:schemaRef ds:uri="http://purl.org/dc/dcmitype/"/>
+    <ds:schemaRef ds:uri="http://purl.org/dc/terms/"/>
+  </ds:schemaRefs>
+</ds:datastoreItem>
 </file>